--- a/(210816) Unity연동.pptx
+++ b/(210816) Unity연동.pptx
@@ -5,24 +5,25 @@
     <p:sldMasterId id="2147483648" r:id="rId1"/>
   </p:sldMasterIdLst>
   <p:notesMasterIdLst>
-    <p:notesMasterId r:id="rId17"/>
+    <p:notesMasterId r:id="rId18"/>
   </p:notesMasterIdLst>
   <p:sldIdLst>
     <p:sldId id="276" r:id="rId2"/>
-    <p:sldId id="262" r:id="rId3"/>
-    <p:sldId id="260" r:id="rId4"/>
-    <p:sldId id="281" r:id="rId5"/>
-    <p:sldId id="282" r:id="rId6"/>
-    <p:sldId id="284" r:id="rId7"/>
-    <p:sldId id="268" r:id="rId8"/>
-    <p:sldId id="279" r:id="rId9"/>
-    <p:sldId id="280" r:id="rId10"/>
-    <p:sldId id="283" r:id="rId11"/>
-    <p:sldId id="271" r:id="rId12"/>
-    <p:sldId id="273" r:id="rId13"/>
-    <p:sldId id="274" r:id="rId14"/>
-    <p:sldId id="272" r:id="rId15"/>
-    <p:sldId id="275" r:id="rId16"/>
+    <p:sldId id="284" r:id="rId3"/>
+    <p:sldId id="285" r:id="rId4"/>
+    <p:sldId id="262" r:id="rId5"/>
+    <p:sldId id="260" r:id="rId6"/>
+    <p:sldId id="281" r:id="rId7"/>
+    <p:sldId id="282" r:id="rId8"/>
+    <p:sldId id="268" r:id="rId9"/>
+    <p:sldId id="279" r:id="rId10"/>
+    <p:sldId id="280" r:id="rId11"/>
+    <p:sldId id="283" r:id="rId12"/>
+    <p:sldId id="271" r:id="rId13"/>
+    <p:sldId id="273" r:id="rId14"/>
+    <p:sldId id="274" r:id="rId15"/>
+    <p:sldId id="272" r:id="rId16"/>
+    <p:sldId id="275" r:id="rId17"/>
   </p:sldIdLst>
   <p:sldSz cx="12192000" cy="6858000"/>
   <p:notesSz cx="6858000" cy="9144000"/>
@@ -211,7 +212,7 @@
           <a:p>
             <a:fld id="{1F5420F9-CE46-4D9B-8356-AE20141C10BB}" type="datetimeFigureOut">
               <a:rPr lang="ko-KR" altLang="en-US" smtClean="0"/>
-              <a:t>2021-08-16</a:t>
+              <a:t>2021-08-17</a:t>
             </a:fld>
             <a:endParaRPr lang="ko-KR" altLang="en-US"/>
           </a:p>
@@ -627,7 +628,7 @@
           <a:p>
             <a:fld id="{B6E1516B-145D-498A-8A81-049E21A56012}" type="slidenum">
               <a:rPr lang="ko-KR" altLang="en-US" smtClean="0"/>
-              <a:t>4</a:t>
+              <a:t>3</a:t>
             </a:fld>
             <a:endParaRPr lang="ko-KR" altLang="en-US"/>
           </a:p>
@@ -636,7 +637,7 @@
     </p:spTree>
     <p:extLst>
       <p:ext uri="{BB962C8B-B14F-4D97-AF65-F5344CB8AC3E}">
-        <p14:creationId xmlns:p14="http://schemas.microsoft.com/office/powerpoint/2010/main" val="329302885"/>
+        <p14:creationId xmlns:p14="http://schemas.microsoft.com/office/powerpoint/2010/main" val="4102334224"/>
       </p:ext>
     </p:extLst>
   </p:cSld>
@@ -647,98 +648,6 @@
 </file>
 
 <file path=ppt/notesSlides/notesSlide3.xml><?xml version="1.0" encoding="utf-8"?>
-<p:notes xmlns:a="http://schemas.openxmlformats.org/drawingml/2006/main" xmlns:r="http://schemas.openxmlformats.org/officeDocument/2006/relationships" xmlns:p="http://schemas.openxmlformats.org/presentationml/2006/main">
-  <p:cSld>
-    <p:spTree>
-      <p:nvGrpSpPr>
-        <p:cNvPr id="1" name=""/>
-        <p:cNvGrpSpPr/>
-        <p:nvPr/>
-      </p:nvGrpSpPr>
-      <p:grpSpPr>
-        <a:xfrm>
-          <a:off x="0" y="0"/>
-          <a:ext cx="0" cy="0"/>
-          <a:chOff x="0" y="0"/>
-          <a:chExt cx="0" cy="0"/>
-        </a:xfrm>
-      </p:grpSpPr>
-      <p:sp>
-        <p:nvSpPr>
-          <p:cNvPr id="2" name="슬라이드 이미지 개체 틀 1"/>
-          <p:cNvSpPr>
-            <a:spLocks noGrp="1" noRot="1" noChangeAspect="1"/>
-          </p:cNvSpPr>
-          <p:nvPr>
-            <p:ph type="sldImg"/>
-          </p:nvPr>
-        </p:nvSpPr>
-        <p:spPr/>
-      </p:sp>
-      <p:sp>
-        <p:nvSpPr>
-          <p:cNvPr id="3" name="슬라이드 노트 개체 틀 2"/>
-          <p:cNvSpPr>
-            <a:spLocks noGrp="1"/>
-          </p:cNvSpPr>
-          <p:nvPr>
-            <p:ph type="body" idx="1"/>
-          </p:nvPr>
-        </p:nvSpPr>
-        <p:spPr/>
-        <p:txBody>
-          <a:bodyPr/>
-          <a:lstStyle/>
-          <a:p>
-            <a:r>
-              <a:rPr lang="ko-KR" altLang="en-US" dirty="0" err="1"/>
-              <a:t>단어별</a:t>
-            </a:r>
-            <a:r>
-              <a:rPr lang="ko-KR" altLang="en-US" baseline="0" dirty="0"/>
-              <a:t> 메시지 구조</a:t>
-            </a:r>
-            <a:endParaRPr lang="ko-KR" altLang="en-US" dirty="0"/>
-          </a:p>
-        </p:txBody>
-      </p:sp>
-      <p:sp>
-        <p:nvSpPr>
-          <p:cNvPr id="4" name="슬라이드 번호 개체 틀 3"/>
-          <p:cNvSpPr>
-            <a:spLocks noGrp="1"/>
-          </p:cNvSpPr>
-          <p:nvPr>
-            <p:ph type="sldNum" sz="quarter" idx="10"/>
-          </p:nvPr>
-        </p:nvSpPr>
-        <p:spPr/>
-        <p:txBody>
-          <a:bodyPr/>
-          <a:lstStyle/>
-          <a:p>
-            <a:fld id="{B6E1516B-145D-498A-8A81-049E21A56012}" type="slidenum">
-              <a:rPr lang="ko-KR" altLang="en-US" smtClean="0"/>
-              <a:t>5</a:t>
-            </a:fld>
-            <a:endParaRPr lang="ko-KR" altLang="en-US"/>
-          </a:p>
-        </p:txBody>
-      </p:sp>
-    </p:spTree>
-    <p:extLst>
-      <p:ext uri="{BB962C8B-B14F-4D97-AF65-F5344CB8AC3E}">
-        <p14:creationId xmlns:p14="http://schemas.microsoft.com/office/powerpoint/2010/main" val="2648052830"/>
-      </p:ext>
-    </p:extLst>
-  </p:cSld>
-  <p:clrMapOvr>
-    <a:masterClrMapping/>
-  </p:clrMapOvr>
-</p:notes>
-</file>
-
-<file path=ppt/notesSlides/notesSlide4.xml><?xml version="1.0" encoding="utf-8"?>
 <p:notes xmlns:a="http://schemas.openxmlformats.org/drawingml/2006/main" xmlns:r="http://schemas.openxmlformats.org/officeDocument/2006/relationships" xmlns:p="http://schemas.openxmlformats.org/presentationml/2006/main">
   <p:cSld>
     <p:spTree>
@@ -803,7 +712,183 @@
           <a:p>
             <a:fld id="{B6E1516B-145D-498A-8A81-049E21A56012}" type="slidenum">
               <a:rPr lang="ko-KR" altLang="en-US" smtClean="0"/>
-              <a:t>10</a:t>
+              <a:t>6</a:t>
+            </a:fld>
+            <a:endParaRPr lang="ko-KR" altLang="en-US"/>
+          </a:p>
+        </p:txBody>
+      </p:sp>
+    </p:spTree>
+    <p:extLst>
+      <p:ext uri="{BB962C8B-B14F-4D97-AF65-F5344CB8AC3E}">
+        <p14:creationId xmlns:p14="http://schemas.microsoft.com/office/powerpoint/2010/main" val="329302885"/>
+      </p:ext>
+    </p:extLst>
+  </p:cSld>
+  <p:clrMapOvr>
+    <a:masterClrMapping/>
+  </p:clrMapOvr>
+</p:notes>
+</file>
+
+<file path=ppt/notesSlides/notesSlide4.xml><?xml version="1.0" encoding="utf-8"?>
+<p:notes xmlns:a="http://schemas.openxmlformats.org/drawingml/2006/main" xmlns:r="http://schemas.openxmlformats.org/officeDocument/2006/relationships" xmlns:p="http://schemas.openxmlformats.org/presentationml/2006/main">
+  <p:cSld>
+    <p:spTree>
+      <p:nvGrpSpPr>
+        <p:cNvPr id="1" name=""/>
+        <p:cNvGrpSpPr/>
+        <p:nvPr/>
+      </p:nvGrpSpPr>
+      <p:grpSpPr>
+        <a:xfrm>
+          <a:off x="0" y="0"/>
+          <a:ext cx="0" cy="0"/>
+          <a:chOff x="0" y="0"/>
+          <a:chExt cx="0" cy="0"/>
+        </a:xfrm>
+      </p:grpSpPr>
+      <p:sp>
+        <p:nvSpPr>
+          <p:cNvPr id="2" name="슬라이드 이미지 개체 틀 1"/>
+          <p:cNvSpPr>
+            <a:spLocks noGrp="1" noRot="1" noChangeAspect="1"/>
+          </p:cNvSpPr>
+          <p:nvPr>
+            <p:ph type="sldImg"/>
+          </p:nvPr>
+        </p:nvSpPr>
+        <p:spPr/>
+      </p:sp>
+      <p:sp>
+        <p:nvSpPr>
+          <p:cNvPr id="3" name="슬라이드 노트 개체 틀 2"/>
+          <p:cNvSpPr>
+            <a:spLocks noGrp="1"/>
+          </p:cNvSpPr>
+          <p:nvPr>
+            <p:ph type="body" idx="1"/>
+          </p:nvPr>
+        </p:nvSpPr>
+        <p:spPr/>
+        <p:txBody>
+          <a:bodyPr/>
+          <a:lstStyle/>
+          <a:p>
+            <a:r>
+              <a:rPr lang="ko-KR" altLang="en-US" dirty="0" err="1"/>
+              <a:t>단어별</a:t>
+            </a:r>
+            <a:r>
+              <a:rPr lang="ko-KR" altLang="en-US" baseline="0" dirty="0"/>
+              <a:t> 메시지 구조</a:t>
+            </a:r>
+            <a:endParaRPr lang="ko-KR" altLang="en-US" dirty="0"/>
+          </a:p>
+        </p:txBody>
+      </p:sp>
+      <p:sp>
+        <p:nvSpPr>
+          <p:cNvPr id="4" name="슬라이드 번호 개체 틀 3"/>
+          <p:cNvSpPr>
+            <a:spLocks noGrp="1"/>
+          </p:cNvSpPr>
+          <p:nvPr>
+            <p:ph type="sldNum" sz="quarter" idx="10"/>
+          </p:nvPr>
+        </p:nvSpPr>
+        <p:spPr/>
+        <p:txBody>
+          <a:bodyPr/>
+          <a:lstStyle/>
+          <a:p>
+            <a:fld id="{B6E1516B-145D-498A-8A81-049E21A56012}" type="slidenum">
+              <a:rPr lang="ko-KR" altLang="en-US" smtClean="0"/>
+              <a:t>7</a:t>
+            </a:fld>
+            <a:endParaRPr lang="ko-KR" altLang="en-US"/>
+          </a:p>
+        </p:txBody>
+      </p:sp>
+    </p:spTree>
+    <p:extLst>
+      <p:ext uri="{BB962C8B-B14F-4D97-AF65-F5344CB8AC3E}">
+        <p14:creationId xmlns:p14="http://schemas.microsoft.com/office/powerpoint/2010/main" val="2648052830"/>
+      </p:ext>
+    </p:extLst>
+  </p:cSld>
+  <p:clrMapOvr>
+    <a:masterClrMapping/>
+  </p:clrMapOvr>
+</p:notes>
+</file>
+
+<file path=ppt/notesSlides/notesSlide5.xml><?xml version="1.0" encoding="utf-8"?>
+<p:notes xmlns:a="http://schemas.openxmlformats.org/drawingml/2006/main" xmlns:r="http://schemas.openxmlformats.org/officeDocument/2006/relationships" xmlns:p="http://schemas.openxmlformats.org/presentationml/2006/main">
+  <p:cSld>
+    <p:spTree>
+      <p:nvGrpSpPr>
+        <p:cNvPr id="1" name=""/>
+        <p:cNvGrpSpPr/>
+        <p:nvPr/>
+      </p:nvGrpSpPr>
+      <p:grpSpPr>
+        <a:xfrm>
+          <a:off x="0" y="0"/>
+          <a:ext cx="0" cy="0"/>
+          <a:chOff x="0" y="0"/>
+          <a:chExt cx="0" cy="0"/>
+        </a:xfrm>
+      </p:grpSpPr>
+      <p:sp>
+        <p:nvSpPr>
+          <p:cNvPr id="2" name="슬라이드 이미지 개체 틀 1"/>
+          <p:cNvSpPr>
+            <a:spLocks noGrp="1" noRot="1" noChangeAspect="1"/>
+          </p:cNvSpPr>
+          <p:nvPr>
+            <p:ph type="sldImg"/>
+          </p:nvPr>
+        </p:nvSpPr>
+        <p:spPr/>
+      </p:sp>
+      <p:sp>
+        <p:nvSpPr>
+          <p:cNvPr id="3" name="슬라이드 노트 개체 틀 2"/>
+          <p:cNvSpPr>
+            <a:spLocks noGrp="1"/>
+          </p:cNvSpPr>
+          <p:nvPr>
+            <p:ph type="body" idx="1"/>
+          </p:nvPr>
+        </p:nvSpPr>
+        <p:spPr/>
+        <p:txBody>
+          <a:bodyPr/>
+          <a:lstStyle/>
+          <a:p>
+            <a:endParaRPr lang="ko-KR" altLang="en-US" dirty="0"/>
+          </a:p>
+        </p:txBody>
+      </p:sp>
+      <p:sp>
+        <p:nvSpPr>
+          <p:cNvPr id="4" name="슬라이드 번호 개체 틀 3"/>
+          <p:cNvSpPr>
+            <a:spLocks noGrp="1"/>
+          </p:cNvSpPr>
+          <p:nvPr>
+            <p:ph type="sldNum" sz="quarter" idx="10"/>
+          </p:nvPr>
+        </p:nvSpPr>
+        <p:spPr/>
+        <p:txBody>
+          <a:bodyPr/>
+          <a:lstStyle/>
+          <a:p>
+            <a:fld id="{B6E1516B-145D-498A-8A81-049E21A56012}" type="slidenum">
+              <a:rPr lang="ko-KR" altLang="en-US" smtClean="0"/>
+              <a:t>11</a:t>
             </a:fld>
             <a:endParaRPr lang="ko-KR" altLang="en-US"/>
           </a:p>
@@ -969,7 +1054,7 @@
           <a:p>
             <a:fld id="{7D7B0FAD-4BCA-4C4E-961E-EEB3E7965081}" type="datetimeFigureOut">
               <a:rPr lang="ko-KR" altLang="en-US" smtClean="0"/>
-              <a:t>2021-08-16</a:t>
+              <a:t>2021-08-17</a:t>
             </a:fld>
             <a:endParaRPr lang="ko-KR" altLang="en-US"/>
           </a:p>
@@ -1167,7 +1252,7 @@
           <a:p>
             <a:fld id="{7D7B0FAD-4BCA-4C4E-961E-EEB3E7965081}" type="datetimeFigureOut">
               <a:rPr lang="ko-KR" altLang="en-US" smtClean="0"/>
-              <a:t>2021-08-16</a:t>
+              <a:t>2021-08-17</a:t>
             </a:fld>
             <a:endParaRPr lang="ko-KR" altLang="en-US"/>
           </a:p>
@@ -1375,7 +1460,7 @@
           <a:p>
             <a:fld id="{7D7B0FAD-4BCA-4C4E-961E-EEB3E7965081}" type="datetimeFigureOut">
               <a:rPr lang="ko-KR" altLang="en-US" smtClean="0"/>
-              <a:t>2021-08-16</a:t>
+              <a:t>2021-08-17</a:t>
             </a:fld>
             <a:endParaRPr lang="ko-KR" altLang="en-US"/>
           </a:p>
@@ -1573,7 +1658,7 @@
           <a:p>
             <a:fld id="{7D7B0FAD-4BCA-4C4E-961E-EEB3E7965081}" type="datetimeFigureOut">
               <a:rPr lang="ko-KR" altLang="en-US" smtClean="0"/>
-              <a:t>2021-08-16</a:t>
+              <a:t>2021-08-17</a:t>
             </a:fld>
             <a:endParaRPr lang="ko-KR" altLang="en-US"/>
           </a:p>
@@ -1848,7 +1933,7 @@
           <a:p>
             <a:fld id="{7D7B0FAD-4BCA-4C4E-961E-EEB3E7965081}" type="datetimeFigureOut">
               <a:rPr lang="ko-KR" altLang="en-US" smtClean="0"/>
-              <a:t>2021-08-16</a:t>
+              <a:t>2021-08-17</a:t>
             </a:fld>
             <a:endParaRPr lang="ko-KR" altLang="en-US"/>
           </a:p>
@@ -2113,7 +2198,7 @@
           <a:p>
             <a:fld id="{7D7B0FAD-4BCA-4C4E-961E-EEB3E7965081}" type="datetimeFigureOut">
               <a:rPr lang="ko-KR" altLang="en-US" smtClean="0"/>
-              <a:t>2021-08-16</a:t>
+              <a:t>2021-08-17</a:t>
             </a:fld>
             <a:endParaRPr lang="ko-KR" altLang="en-US"/>
           </a:p>
@@ -2525,7 +2610,7 @@
           <a:p>
             <a:fld id="{7D7B0FAD-4BCA-4C4E-961E-EEB3E7965081}" type="datetimeFigureOut">
               <a:rPr lang="ko-KR" altLang="en-US" smtClean="0"/>
-              <a:t>2021-08-16</a:t>
+              <a:t>2021-08-17</a:t>
             </a:fld>
             <a:endParaRPr lang="ko-KR" altLang="en-US"/>
           </a:p>
@@ -2666,7 +2751,7 @@
           <a:p>
             <a:fld id="{7D7B0FAD-4BCA-4C4E-961E-EEB3E7965081}" type="datetimeFigureOut">
               <a:rPr lang="ko-KR" altLang="en-US" smtClean="0"/>
-              <a:t>2021-08-16</a:t>
+              <a:t>2021-08-17</a:t>
             </a:fld>
             <a:endParaRPr lang="ko-KR" altLang="en-US"/>
           </a:p>
@@ -2779,7 +2864,7 @@
           <a:p>
             <a:fld id="{7D7B0FAD-4BCA-4C4E-961E-EEB3E7965081}" type="datetimeFigureOut">
               <a:rPr lang="ko-KR" altLang="en-US" smtClean="0"/>
-              <a:t>2021-08-16</a:t>
+              <a:t>2021-08-17</a:t>
             </a:fld>
             <a:endParaRPr lang="ko-KR" altLang="en-US"/>
           </a:p>
@@ -3090,7 +3175,7 @@
           <a:p>
             <a:fld id="{7D7B0FAD-4BCA-4C4E-961E-EEB3E7965081}" type="datetimeFigureOut">
               <a:rPr lang="ko-KR" altLang="en-US" smtClean="0"/>
-              <a:t>2021-08-16</a:t>
+              <a:t>2021-08-17</a:t>
             </a:fld>
             <a:endParaRPr lang="ko-KR" altLang="en-US"/>
           </a:p>
@@ -3378,7 +3463,7 @@
           <a:p>
             <a:fld id="{7D7B0FAD-4BCA-4C4E-961E-EEB3E7965081}" type="datetimeFigureOut">
               <a:rPr lang="ko-KR" altLang="en-US" smtClean="0"/>
-              <a:t>2021-08-16</a:t>
+              <a:t>2021-08-17</a:t>
             </a:fld>
             <a:endParaRPr lang="ko-KR" altLang="en-US"/>
           </a:p>
@@ -3619,7 +3704,7 @@
           <a:p>
             <a:fld id="{7D7B0FAD-4BCA-4C4E-961E-EEB3E7965081}" type="datetimeFigureOut">
               <a:rPr lang="ko-KR" altLang="en-US" smtClean="0"/>
-              <a:t>2021-08-16</a:t>
+              <a:t>2021-08-17</a:t>
             </a:fld>
             <a:endParaRPr lang="ko-KR" altLang="en-US"/>
           </a:p>
@@ -5097,30 +5182,1754 @@
           </p:sp>
         </p:grpSp>
       </p:grpSp>
+    </p:spTree>
+    <p:extLst>
+      <p:ext uri="{BB962C8B-B14F-4D97-AF65-F5344CB8AC3E}">
+        <p14:creationId xmlns:p14="http://schemas.microsoft.com/office/powerpoint/2010/main" val="4136092398"/>
+      </p:ext>
+    </p:extLst>
+  </p:cSld>
+  <p:clrMapOvr>
+    <a:masterClrMapping/>
+  </p:clrMapOvr>
+</p:sld>
+</file>
+
+<file path=ppt/slides/slide10.xml><?xml version="1.0" encoding="utf-8"?>
+<p:sld xmlns:a="http://schemas.openxmlformats.org/drawingml/2006/main" xmlns:r="http://schemas.openxmlformats.org/officeDocument/2006/relationships" xmlns:p="http://schemas.openxmlformats.org/presentationml/2006/main">
+  <p:cSld>
+    <p:spTree>
+      <p:nvGrpSpPr>
+        <p:cNvPr id="1" name=""/>
+        <p:cNvGrpSpPr/>
+        <p:nvPr/>
+      </p:nvGrpSpPr>
+      <p:grpSpPr>
+        <a:xfrm>
+          <a:off x="0" y="0"/>
+          <a:ext cx="0" cy="0"/>
+          <a:chOff x="0" y="0"/>
+          <a:chExt cx="0" cy="0"/>
+        </a:xfrm>
+      </p:grpSpPr>
+      <p:sp>
+        <p:nvSpPr>
+          <p:cNvPr id="8" name="직사각형 7"/>
+          <p:cNvSpPr/>
+          <p:nvPr/>
+        </p:nvSpPr>
+        <p:spPr>
+          <a:xfrm>
+            <a:off x="0" y="0"/>
+            <a:ext cx="3240000" cy="381687"/>
+          </a:xfrm>
+          <a:prstGeom prst="rect">
+            <a:avLst/>
+          </a:prstGeom>
+          <a:solidFill>
+            <a:srgbClr val="002060"/>
+          </a:solidFill>
+          <a:ln>
+            <a:noFill/>
+          </a:ln>
+        </p:spPr>
+        <p:style>
+          <a:lnRef idx="2">
+            <a:schemeClr val="accent1">
+              <a:shade val="50000"/>
+            </a:schemeClr>
+          </a:lnRef>
+          <a:fillRef idx="1">
+            <a:schemeClr val="accent1"/>
+          </a:fillRef>
+          <a:effectRef idx="0">
+            <a:schemeClr val="accent1"/>
+          </a:effectRef>
+          <a:fontRef idx="minor">
+            <a:schemeClr val="lt1"/>
+          </a:fontRef>
+        </p:style>
+        <p:txBody>
+          <a:bodyPr rtlCol="0" anchor="ctr"/>
+          <a:lstStyle/>
+          <a:p>
+            <a:pPr algn="ctr"/>
+            <a:r>
+              <a:rPr lang="en-US" altLang="ko-KR" dirty="0">
+                <a:latin typeface="나눔스퀘어 Bold" panose="020B0600000101010101" pitchFamily="50" charset="-127"/>
+                <a:ea typeface="나눔스퀘어 Bold" panose="020B0600000101010101" pitchFamily="50" charset="-127"/>
+              </a:rPr>
+              <a:t>Ex) OHTSim</a:t>
+            </a:r>
+            <a:r>
+              <a:rPr lang="ko-KR" altLang="en-US" dirty="0">
+                <a:latin typeface="나눔스퀘어 Bold" panose="020B0600000101010101" pitchFamily="50" charset="-127"/>
+                <a:ea typeface="나눔스퀘어 Bold" panose="020B0600000101010101" pitchFamily="50" charset="-127"/>
+              </a:rPr>
+              <a:t>과 데이터 송수신</a:t>
+            </a:r>
+          </a:p>
+        </p:txBody>
+      </p:sp>
+      <p:sp>
+        <p:nvSpPr>
+          <p:cNvPr id="12" name="직사각형 11">
+            <a:extLst>
+              <a:ext uri="{FF2B5EF4-FFF2-40B4-BE49-F238E27FC236}">
+                <a16:creationId xmlns:a16="http://schemas.microsoft.com/office/drawing/2014/main" id="{5F6FDDE3-D113-4B6E-B1A0-3127D6C9AE6E}"/>
+              </a:ext>
+            </a:extLst>
+          </p:cNvPr>
+          <p:cNvSpPr/>
+          <p:nvPr/>
+        </p:nvSpPr>
+        <p:spPr>
+          <a:xfrm>
+            <a:off x="201100" y="430095"/>
+            <a:ext cx="11682507" cy="338554"/>
+          </a:xfrm>
+          <a:prstGeom prst="rect">
+            <a:avLst/>
+          </a:prstGeom>
+        </p:spPr>
+        <p:txBody>
+          <a:bodyPr wrap="square">
+            <a:spAutoFit/>
+          </a:bodyPr>
+          <a:lstStyle/>
+          <a:p>
+            <a:r>
+              <a:rPr lang="en-US" altLang="ko-KR" sz="1600" dirty="0">
+                <a:latin typeface="나눔스퀘어" panose="020B0600000101010101" pitchFamily="50" charset="-127"/>
+                <a:ea typeface="나눔스퀘어" panose="020B0600000101010101" pitchFamily="50" charset="-127"/>
+              </a:rPr>
+              <a:t>※ User Information – UnitySW </a:t>
+            </a:r>
+            <a:r>
+              <a:rPr lang="ko-KR" altLang="en-US" sz="1600" dirty="0">
+                <a:latin typeface="나눔스퀘어" panose="020B0600000101010101" pitchFamily="50" charset="-127"/>
+                <a:ea typeface="나눔스퀘어" panose="020B0600000101010101" pitchFamily="50" charset="-127"/>
+              </a:rPr>
+              <a:t>재생</a:t>
+            </a:r>
+            <a:r>
+              <a:rPr lang="en-US" altLang="ko-KR" sz="1600" dirty="0">
+                <a:latin typeface="나눔스퀘어" panose="020B0600000101010101" pitchFamily="50" charset="-127"/>
+                <a:ea typeface="나눔스퀘어" panose="020B0600000101010101" pitchFamily="50" charset="-127"/>
+              </a:rPr>
+              <a:t>, </a:t>
+            </a:r>
+            <a:r>
+              <a:rPr lang="ko-KR" altLang="en-US" sz="1600" dirty="0">
+                <a:latin typeface="나눔스퀘어" panose="020B0600000101010101" pitchFamily="50" charset="-127"/>
+                <a:ea typeface="나눔스퀘어" panose="020B0600000101010101" pitchFamily="50" charset="-127"/>
+              </a:rPr>
+              <a:t>정지 등의 시뮬레이터 상태정보를  송수신</a:t>
+            </a:r>
+            <a:endParaRPr lang="en-US" altLang="ko-KR" sz="1600" dirty="0">
+              <a:latin typeface="나눔스퀘어" panose="020B0600000101010101" pitchFamily="50" charset="-127"/>
+              <a:ea typeface="나눔스퀘어" panose="020B0600000101010101" pitchFamily="50" charset="-127"/>
+            </a:endParaRPr>
+          </a:p>
+        </p:txBody>
+      </p:sp>
+      <p:cxnSp>
+        <p:nvCxnSpPr>
+          <p:cNvPr id="10" name="직선 화살표 연결선 9">
+            <a:extLst>
+              <a:ext uri="{FF2B5EF4-FFF2-40B4-BE49-F238E27FC236}">
+                <a16:creationId xmlns:a16="http://schemas.microsoft.com/office/drawing/2014/main" id="{FB901D6B-D46E-40C3-8EEE-854F6A4B7EFD}"/>
+              </a:ext>
+            </a:extLst>
+          </p:cNvPr>
+          <p:cNvCxnSpPr>
+            <a:cxnSpLocks/>
+          </p:cNvCxnSpPr>
+          <p:nvPr/>
+        </p:nvCxnSpPr>
+        <p:spPr>
+          <a:xfrm flipH="1">
+            <a:off x="2138897" y="2322072"/>
+            <a:ext cx="7992000" cy="0"/>
+          </a:xfrm>
+          <a:prstGeom prst="straightConnector1">
+            <a:avLst/>
+          </a:prstGeom>
+          <a:ln>
+            <a:headEnd type="triangle" w="med" len="med"/>
+            <a:tailEnd type="none" w="med" len="med"/>
+          </a:ln>
+        </p:spPr>
+        <p:style>
+          <a:lnRef idx="1">
+            <a:schemeClr val="accent1"/>
+          </a:lnRef>
+          <a:fillRef idx="0">
+            <a:schemeClr val="accent1"/>
+          </a:fillRef>
+          <a:effectRef idx="0">
+            <a:schemeClr val="accent1"/>
+          </a:effectRef>
+          <a:fontRef idx="minor">
+            <a:schemeClr val="tx1"/>
+          </a:fontRef>
+        </p:style>
+      </p:cxnSp>
+      <p:sp>
+        <p:nvSpPr>
+          <p:cNvPr id="38" name="직사각형 37">
+            <a:extLst>
+              <a:ext uri="{FF2B5EF4-FFF2-40B4-BE49-F238E27FC236}">
+                <a16:creationId xmlns:a16="http://schemas.microsoft.com/office/drawing/2014/main" id="{5F6FDDE3-D113-4B6E-B1A0-3127D6C9AE6E}"/>
+              </a:ext>
+            </a:extLst>
+          </p:cNvPr>
+          <p:cNvSpPr/>
+          <p:nvPr/>
+        </p:nvSpPr>
+        <p:spPr>
+          <a:xfrm>
+            <a:off x="3566525" y="2014295"/>
+            <a:ext cx="5663953" cy="307777"/>
+          </a:xfrm>
+          <a:prstGeom prst="rect">
+            <a:avLst/>
+          </a:prstGeom>
+        </p:spPr>
+        <p:txBody>
+          <a:bodyPr wrap="square">
+            <a:spAutoFit/>
+          </a:bodyPr>
+          <a:lstStyle/>
+          <a:p>
+            <a:pPr algn="ctr"/>
+            <a:r>
+              <a:rPr lang="en-US" altLang="ko-KR" sz="1400" dirty="0">
+                <a:latin typeface="나눔스퀘어" panose="020B0600000101010101" pitchFamily="50" charset="-127"/>
+                <a:ea typeface="나눔스퀘어" panose="020B0600000101010101" pitchFamily="50" charset="-127"/>
+              </a:rPr>
+              <a:t>[User Cmd] “ZP”</a:t>
+            </a:r>
+          </a:p>
+        </p:txBody>
+      </p:sp>
       <p:grpSp>
         <p:nvGrpSpPr>
-          <p:cNvPr id="28" name="그룹 27"/>
+          <p:cNvPr id="3" name="그룹 2">
+            <a:extLst>
+              <a:ext uri="{FF2B5EF4-FFF2-40B4-BE49-F238E27FC236}">
+                <a16:creationId xmlns:a16="http://schemas.microsoft.com/office/drawing/2014/main" id="{06A796BF-4E5A-49CF-9626-43EF7C65C50C}"/>
+              </a:ext>
+            </a:extLst>
+          </p:cNvPr>
           <p:cNvGrpSpPr/>
           <p:nvPr/>
         </p:nvGrpSpPr>
         <p:grpSpPr>
           <a:xfrm>
-            <a:off x="2826699" y="1957799"/>
-            <a:ext cx="2128289" cy="1415438"/>
-            <a:chOff x="2826699" y="1957799"/>
-            <a:chExt cx="2128289" cy="1415438"/>
+            <a:off x="2138897" y="2818962"/>
+            <a:ext cx="7991039" cy="307777"/>
+            <a:chOff x="2138897" y="3222319"/>
+            <a:chExt cx="7991039" cy="307777"/>
           </a:xfrm>
         </p:grpSpPr>
+        <p:cxnSp>
+          <p:nvCxnSpPr>
+            <p:cNvPr id="55" name="직선 화살표 연결선 54">
+              <a:extLst>
+                <a:ext uri="{FF2B5EF4-FFF2-40B4-BE49-F238E27FC236}">
+                  <a16:creationId xmlns:a16="http://schemas.microsoft.com/office/drawing/2014/main" id="{79A81301-3C10-4DA7-9060-7EA2C8E2ACF1}"/>
+                </a:ext>
+              </a:extLst>
+            </p:cNvPr>
+            <p:cNvCxnSpPr>
+              <a:cxnSpLocks/>
+            </p:cNvCxnSpPr>
+            <p:nvPr/>
+          </p:nvCxnSpPr>
+          <p:spPr>
+            <a:xfrm flipH="1">
+              <a:off x="2138897" y="3530096"/>
+              <a:ext cx="7991039" cy="0"/>
+            </a:xfrm>
+            <a:prstGeom prst="straightConnector1">
+              <a:avLst/>
+            </a:prstGeom>
+            <a:ln>
+              <a:tailEnd type="triangle"/>
+            </a:ln>
+          </p:spPr>
+          <p:style>
+            <a:lnRef idx="1">
+              <a:schemeClr val="accent1"/>
+            </a:lnRef>
+            <a:fillRef idx="0">
+              <a:schemeClr val="accent1"/>
+            </a:fillRef>
+            <a:effectRef idx="0">
+              <a:schemeClr val="accent1"/>
+            </a:effectRef>
+            <a:fontRef idx="minor">
+              <a:schemeClr val="tx1"/>
+            </a:fontRef>
+          </p:style>
+        </p:cxnSp>
         <p:sp>
           <p:nvSpPr>
-            <p:cNvPr id="29" name="직사각형 28"/>
+            <p:cNvPr id="58" name="직사각형 57">
+              <a:extLst>
+                <a:ext uri="{FF2B5EF4-FFF2-40B4-BE49-F238E27FC236}">
+                  <a16:creationId xmlns:a16="http://schemas.microsoft.com/office/drawing/2014/main" id="{5F6FDDE3-D113-4B6E-B1A0-3127D6C9AE6E}"/>
+                </a:ext>
+              </a:extLst>
+            </p:cNvPr>
             <p:cNvSpPr/>
             <p:nvPr/>
           </p:nvSpPr>
           <p:spPr>
             <a:xfrm>
-              <a:off x="3011122" y="1957799"/>
-              <a:ext cx="1594974" cy="595488"/>
+              <a:off x="3709051" y="3222319"/>
+              <a:ext cx="5377939" cy="307777"/>
+            </a:xfrm>
+            <a:prstGeom prst="rect">
+              <a:avLst/>
+            </a:prstGeom>
+          </p:spPr>
+          <p:txBody>
+            <a:bodyPr wrap="square">
+              <a:spAutoFit/>
+            </a:bodyPr>
+            <a:lstStyle/>
+            <a:p>
+              <a:pPr algn="ctr"/>
+              <a:r>
+                <a:rPr lang="en-US" altLang="ko-KR" sz="1400" dirty="0">
+                  <a:latin typeface="나눔스퀘어" panose="020B0600000101010101" pitchFamily="50" charset="-127"/>
+                  <a:ea typeface="나눔스퀘어" panose="020B0600000101010101" pitchFamily="50" charset="-127"/>
+                </a:rPr>
+                <a:t>[ACK] “AP”</a:t>
+              </a:r>
+            </a:p>
+          </p:txBody>
+        </p:sp>
+      </p:grpSp>
+      <p:cxnSp>
+        <p:nvCxnSpPr>
+          <p:cNvPr id="73" name="직선 연결선 72"/>
+          <p:cNvCxnSpPr/>
+          <p:nvPr/>
+        </p:nvCxnSpPr>
+        <p:spPr>
+          <a:xfrm>
+            <a:off x="133004" y="1774372"/>
+            <a:ext cx="11904066" cy="0"/>
+          </a:xfrm>
+          <a:prstGeom prst="line">
+            <a:avLst/>
+          </a:prstGeom>
+          <a:ln w="57150">
+            <a:solidFill>
+              <a:schemeClr val="bg1">
+                <a:lumMod val="85000"/>
+              </a:schemeClr>
+            </a:solidFill>
+            <a:prstDash val="dash"/>
+          </a:ln>
+        </p:spPr>
+        <p:style>
+          <a:lnRef idx="1">
+            <a:schemeClr val="accent1"/>
+          </a:lnRef>
+          <a:fillRef idx="0">
+            <a:schemeClr val="accent1"/>
+          </a:fillRef>
+          <a:effectRef idx="0">
+            <a:schemeClr val="accent1"/>
+          </a:effectRef>
+          <a:fontRef idx="minor">
+            <a:schemeClr val="tx1"/>
+          </a:fontRef>
+        </p:style>
+      </p:cxnSp>
+      <p:cxnSp>
+        <p:nvCxnSpPr>
+          <p:cNvPr id="74" name="직선 연결선 73"/>
+          <p:cNvCxnSpPr/>
+          <p:nvPr/>
+        </p:nvCxnSpPr>
+        <p:spPr>
+          <a:xfrm>
+            <a:off x="133004" y="4881108"/>
+            <a:ext cx="11904066" cy="0"/>
+          </a:xfrm>
+          <a:prstGeom prst="line">
+            <a:avLst/>
+          </a:prstGeom>
+          <a:ln w="57150">
+            <a:solidFill>
+              <a:schemeClr val="bg1">
+                <a:lumMod val="85000"/>
+              </a:schemeClr>
+            </a:solidFill>
+            <a:prstDash val="dash"/>
+          </a:ln>
+        </p:spPr>
+        <p:style>
+          <a:lnRef idx="1">
+            <a:schemeClr val="accent1"/>
+          </a:lnRef>
+          <a:fillRef idx="0">
+            <a:schemeClr val="accent1"/>
+          </a:fillRef>
+          <a:effectRef idx="0">
+            <a:schemeClr val="accent1"/>
+          </a:effectRef>
+          <a:fontRef idx="minor">
+            <a:schemeClr val="tx1"/>
+          </a:fontRef>
+        </p:style>
+      </p:cxnSp>
+      <p:sp>
+        <p:nvSpPr>
+          <p:cNvPr id="75" name="직사각형 74">
+            <a:extLst>
+              <a:ext uri="{FF2B5EF4-FFF2-40B4-BE49-F238E27FC236}">
+                <a16:creationId xmlns:a16="http://schemas.microsoft.com/office/drawing/2014/main" id="{5F6FDDE3-D113-4B6E-B1A0-3127D6C9AE6E}"/>
+              </a:ext>
+            </a:extLst>
+          </p:cNvPr>
+          <p:cNvSpPr/>
+          <p:nvPr/>
+        </p:nvSpPr>
+        <p:spPr>
+          <a:xfrm>
+            <a:off x="201101" y="5013556"/>
+            <a:ext cx="11868960" cy="1538883"/>
+          </a:xfrm>
+          <a:prstGeom prst="rect">
+            <a:avLst/>
+          </a:prstGeom>
+        </p:spPr>
+        <p:txBody>
+          <a:bodyPr wrap="square">
+            <a:spAutoFit/>
+          </a:bodyPr>
+          <a:lstStyle/>
+          <a:p>
+            <a:pPr marL="342900" indent="-342900">
+              <a:buFont typeface="+mj-lt"/>
+              <a:buAutoNum type="arabicPeriod"/>
+            </a:pPr>
+            <a:r>
+              <a:rPr lang="en-US" altLang="ko-KR" sz="1400" dirty="0">
+                <a:latin typeface="나눔스퀘어" panose="020B0600000101010101" pitchFamily="50" charset="-127"/>
+                <a:ea typeface="나눔스퀘어" panose="020B0600000101010101" pitchFamily="50" charset="-127"/>
+              </a:rPr>
+              <a:t>User Cmd </a:t>
+            </a:r>
+            <a:r>
+              <a:rPr lang="ko-KR" altLang="en-US" sz="1400" dirty="0">
+                <a:latin typeface="나눔스퀘어" panose="020B0600000101010101" pitchFamily="50" charset="-127"/>
+                <a:ea typeface="나눔스퀘어" panose="020B0600000101010101" pitchFamily="50" charset="-127"/>
+              </a:rPr>
+              <a:t>메시지</a:t>
+            </a:r>
+            <a:endParaRPr lang="en-US" altLang="ko-KR" sz="1400" dirty="0">
+              <a:latin typeface="나눔스퀘어" panose="020B0600000101010101" pitchFamily="50" charset="-127"/>
+              <a:ea typeface="나눔스퀘어" panose="020B0600000101010101" pitchFamily="50" charset="-127"/>
+            </a:endParaRPr>
+          </a:p>
+          <a:p>
+            <a:pPr marL="800100" lvl="1" indent="-342900">
+              <a:buFont typeface="Wingdings" panose="05000000000000000000" pitchFamily="2" charset="2"/>
+              <a:buChar char="ü"/>
+            </a:pPr>
+            <a:r>
+              <a:rPr lang="en-US" altLang="ko-KR" sz="1300" dirty="0">
+                <a:latin typeface="나눔스퀘어" panose="020B0600000101010101" pitchFamily="50" charset="-127"/>
+                <a:ea typeface="나눔스퀘어" panose="020B0600000101010101" pitchFamily="50" charset="-127"/>
+              </a:rPr>
+              <a:t>UnitySW</a:t>
+            </a:r>
+            <a:r>
+              <a:rPr lang="ko-KR" altLang="en-US" sz="1300" dirty="0">
+                <a:latin typeface="나눔스퀘어" panose="020B0600000101010101" pitchFamily="50" charset="-127"/>
+                <a:ea typeface="나눔스퀘어" panose="020B0600000101010101" pitchFamily="50" charset="-127"/>
+              </a:rPr>
+              <a:t>에서 사용자가 시뮬레이션을 정지</a:t>
+            </a:r>
+            <a:r>
+              <a:rPr lang="en-US" altLang="ko-KR" sz="1300" dirty="0">
+                <a:latin typeface="나눔스퀘어" panose="020B0600000101010101" pitchFamily="50" charset="-127"/>
+                <a:ea typeface="나눔스퀘어" panose="020B0600000101010101" pitchFamily="50" charset="-127"/>
+              </a:rPr>
+              <a:t>, </a:t>
+            </a:r>
+            <a:r>
+              <a:rPr lang="ko-KR" altLang="en-US" sz="1300" dirty="0">
+                <a:latin typeface="나눔스퀘어" panose="020B0600000101010101" pitchFamily="50" charset="-127"/>
+                <a:ea typeface="나눔스퀘어" panose="020B0600000101010101" pitchFamily="50" charset="-127"/>
+              </a:rPr>
+              <a:t>재생 하는 경우 </a:t>
+            </a:r>
+            <a:r>
+              <a:rPr lang="en-US" altLang="ko-KR" sz="1300" dirty="0">
+                <a:latin typeface="나눔스퀘어" panose="020B0600000101010101" pitchFamily="50" charset="-127"/>
+                <a:ea typeface="나눔스퀘어" panose="020B0600000101010101" pitchFamily="50" charset="-127"/>
+              </a:rPr>
+              <a:t>OHTSim</a:t>
+            </a:r>
+            <a:r>
+              <a:rPr lang="ko-KR" altLang="en-US" sz="1300" dirty="0">
+                <a:latin typeface="나눔스퀘어" panose="020B0600000101010101" pitchFamily="50" charset="-127"/>
+                <a:ea typeface="나눔스퀘어" panose="020B0600000101010101" pitchFamily="50" charset="-127"/>
+              </a:rPr>
+              <a:t>으로 </a:t>
+            </a:r>
+            <a:r>
+              <a:rPr lang="en-US" altLang="ko-KR" sz="1300" dirty="0">
+                <a:latin typeface="나눔스퀘어" panose="020B0600000101010101" pitchFamily="50" charset="-127"/>
+                <a:ea typeface="나눔스퀘어" panose="020B0600000101010101" pitchFamily="50" charset="-127"/>
+              </a:rPr>
+              <a:t>UnitySW</a:t>
+            </a:r>
+            <a:r>
+              <a:rPr lang="ko-KR" altLang="en-US" sz="1300" dirty="0">
+                <a:latin typeface="나눔스퀘어" panose="020B0600000101010101" pitchFamily="50" charset="-127"/>
+                <a:ea typeface="나눔스퀘어" panose="020B0600000101010101" pitchFamily="50" charset="-127"/>
+              </a:rPr>
+              <a:t>의 상태를 송신한다</a:t>
+            </a:r>
+            <a:r>
+              <a:rPr lang="en-US" altLang="ko-KR" sz="1300" dirty="0">
+                <a:latin typeface="나눔스퀘어" panose="020B0600000101010101" pitchFamily="50" charset="-127"/>
+                <a:ea typeface="나눔스퀘어" panose="020B0600000101010101" pitchFamily="50" charset="-127"/>
+              </a:rPr>
+              <a:t>.</a:t>
+            </a:r>
+          </a:p>
+          <a:p>
+            <a:pPr marL="800100" lvl="1" indent="-342900">
+              <a:buFont typeface="Wingdings" panose="05000000000000000000" pitchFamily="2" charset="2"/>
+              <a:buChar char="ü"/>
+            </a:pPr>
+            <a:r>
+              <a:rPr lang="en-US" altLang="ko-KR" sz="1300" dirty="0">
+                <a:latin typeface="나눔스퀘어" panose="020B0600000101010101" pitchFamily="50" charset="-127"/>
+                <a:ea typeface="나눔스퀘어" panose="020B0600000101010101" pitchFamily="50" charset="-127"/>
+              </a:rPr>
+              <a:t>OHTSim</a:t>
+            </a:r>
+            <a:r>
+              <a:rPr lang="ko-KR" altLang="en-US" sz="1300" dirty="0">
+                <a:latin typeface="나눔스퀘어" panose="020B0600000101010101" pitchFamily="50" charset="-127"/>
+                <a:ea typeface="나눔스퀘어" panose="020B0600000101010101" pitchFamily="50" charset="-127"/>
+              </a:rPr>
+              <a:t>에 문제가 없는 경우 해당 명령을 수행한다 </a:t>
+            </a:r>
+            <a:r>
+              <a:rPr lang="en-US" altLang="ko-KR" sz="1300" dirty="0">
+                <a:latin typeface="나눔스퀘어" panose="020B0600000101010101" pitchFamily="50" charset="-127"/>
+                <a:ea typeface="나눔스퀘어" panose="020B0600000101010101" pitchFamily="50" charset="-127"/>
+              </a:rPr>
+              <a:t>ex) </a:t>
+            </a:r>
+            <a:r>
+              <a:rPr lang="ko-KR" altLang="en-US" sz="1300" dirty="0">
+                <a:latin typeface="나눔스퀘어" panose="020B0600000101010101" pitchFamily="50" charset="-127"/>
+                <a:ea typeface="나눔스퀘어" panose="020B0600000101010101" pitchFamily="50" charset="-127"/>
+              </a:rPr>
+              <a:t>정지</a:t>
+            </a:r>
+            <a:r>
+              <a:rPr lang="en-US" altLang="ko-KR" sz="1300" dirty="0">
+                <a:latin typeface="나눔스퀘어" panose="020B0600000101010101" pitchFamily="50" charset="-127"/>
+                <a:ea typeface="나눔스퀘어" panose="020B0600000101010101" pitchFamily="50" charset="-127"/>
+              </a:rPr>
+              <a:t>, </a:t>
+            </a:r>
+            <a:r>
+              <a:rPr lang="ko-KR" altLang="en-US" sz="1300" dirty="0">
+                <a:latin typeface="나눔스퀘어" panose="020B0600000101010101" pitchFamily="50" charset="-127"/>
+                <a:ea typeface="나눔스퀘어" panose="020B0600000101010101" pitchFamily="50" charset="-127"/>
+              </a:rPr>
+              <a:t>재생 등</a:t>
+            </a:r>
+            <a:endParaRPr lang="en-US" altLang="ko-KR" sz="1300" dirty="0">
+              <a:latin typeface="나눔스퀘어" panose="020B0600000101010101" pitchFamily="50" charset="-127"/>
+              <a:ea typeface="나눔스퀘어" panose="020B0600000101010101" pitchFamily="50" charset="-127"/>
+            </a:endParaRPr>
+          </a:p>
+          <a:p>
+            <a:pPr marL="342900" indent="-342900">
+              <a:buFont typeface="+mj-lt"/>
+              <a:buAutoNum type="arabicPeriod"/>
+            </a:pPr>
+            <a:r>
+              <a:rPr lang="en-US" altLang="ko-KR" sz="1400" dirty="0">
+                <a:latin typeface="나눔스퀘어" panose="020B0600000101010101" pitchFamily="50" charset="-127"/>
+                <a:ea typeface="나눔스퀘어" panose="020B0600000101010101" pitchFamily="50" charset="-127"/>
+              </a:rPr>
+              <a:t>NACK(Error) </a:t>
+            </a:r>
+            <a:r>
+              <a:rPr lang="ko-KR" altLang="en-US" sz="1400" dirty="0">
+                <a:latin typeface="나눔스퀘어" panose="020B0600000101010101" pitchFamily="50" charset="-127"/>
+                <a:ea typeface="나눔스퀘어" panose="020B0600000101010101" pitchFamily="50" charset="-127"/>
+              </a:rPr>
+              <a:t>메시지</a:t>
+            </a:r>
+            <a:endParaRPr lang="en-US" altLang="ko-KR" sz="1400" dirty="0">
+              <a:latin typeface="나눔스퀘어" panose="020B0600000101010101" pitchFamily="50" charset="-127"/>
+              <a:ea typeface="나눔스퀘어" panose="020B0600000101010101" pitchFamily="50" charset="-127"/>
+            </a:endParaRPr>
+          </a:p>
+          <a:p>
+            <a:pPr marL="800100" lvl="1" indent="-342900">
+              <a:buFont typeface="Wingdings" panose="05000000000000000000" pitchFamily="2" charset="2"/>
+              <a:buChar char="ü"/>
+            </a:pPr>
+            <a:r>
+              <a:rPr lang="en-US" altLang="ko-KR" sz="1300" dirty="0">
+                <a:latin typeface="나눔스퀘어" panose="020B0600000101010101" pitchFamily="50" charset="-127"/>
+                <a:ea typeface="나눔스퀘어" panose="020B0600000101010101" pitchFamily="50" charset="-127"/>
+              </a:rPr>
+              <a:t>UnitySW</a:t>
+            </a:r>
+            <a:r>
+              <a:rPr lang="ko-KR" altLang="en-US" sz="1300" dirty="0">
+                <a:latin typeface="나눔스퀘어" panose="020B0600000101010101" pitchFamily="50" charset="-127"/>
+                <a:ea typeface="나눔스퀘어" panose="020B0600000101010101" pitchFamily="50" charset="-127"/>
+              </a:rPr>
+              <a:t>의 명령 수행이 불가능한 경우 </a:t>
+            </a:r>
+            <a:r>
+              <a:rPr lang="en-US" altLang="ko-KR" sz="1300" dirty="0">
+                <a:latin typeface="나눔스퀘어" panose="020B0600000101010101" pitchFamily="50" charset="-127"/>
+                <a:ea typeface="나눔스퀘어" panose="020B0600000101010101" pitchFamily="50" charset="-127"/>
+              </a:rPr>
+              <a:t>NACK </a:t>
+            </a:r>
+            <a:r>
+              <a:rPr lang="ko-KR" altLang="en-US" sz="1300" dirty="0">
+                <a:latin typeface="나눔스퀘어" panose="020B0600000101010101" pitchFamily="50" charset="-127"/>
+                <a:ea typeface="나눔스퀘어" panose="020B0600000101010101" pitchFamily="50" charset="-127"/>
+              </a:rPr>
+              <a:t>메시지를 </a:t>
+            </a:r>
+            <a:r>
+              <a:rPr lang="en-US" altLang="ko-KR" sz="1300" dirty="0">
+                <a:latin typeface="나눔스퀘어" panose="020B0600000101010101" pitchFamily="50" charset="-127"/>
+                <a:ea typeface="나눔스퀘어" panose="020B0600000101010101" pitchFamily="50" charset="-127"/>
+              </a:rPr>
+              <a:t>UnitySW</a:t>
+            </a:r>
+            <a:r>
+              <a:rPr lang="ko-KR" altLang="en-US" sz="1300" dirty="0">
+                <a:latin typeface="나눔스퀘어" panose="020B0600000101010101" pitchFamily="50" charset="-127"/>
+                <a:ea typeface="나눔스퀘어" panose="020B0600000101010101" pitchFamily="50" charset="-127"/>
+              </a:rPr>
+              <a:t>로 송신</a:t>
+            </a:r>
+            <a:endParaRPr lang="en-US" altLang="ko-KR" sz="1300" dirty="0">
+              <a:latin typeface="나눔스퀘어" panose="020B0600000101010101" pitchFamily="50" charset="-127"/>
+              <a:ea typeface="나눔스퀘어" panose="020B0600000101010101" pitchFamily="50" charset="-127"/>
+            </a:endParaRPr>
+          </a:p>
+          <a:p>
+            <a:pPr marL="342900" indent="-342900">
+              <a:buFont typeface="+mj-lt"/>
+              <a:buAutoNum type="arabicPeriod"/>
+            </a:pPr>
+            <a:r>
+              <a:rPr lang="en-US" altLang="ko-KR" sz="1400" dirty="0">
+                <a:latin typeface="나눔스퀘어" panose="020B0600000101010101" pitchFamily="50" charset="-127"/>
+                <a:ea typeface="나눔스퀘어" panose="020B0600000101010101" pitchFamily="50" charset="-127"/>
+              </a:rPr>
+              <a:t>ACK </a:t>
+            </a:r>
+            <a:r>
+              <a:rPr lang="ko-KR" altLang="en-US" sz="1400" dirty="0">
+                <a:latin typeface="나눔스퀘어" panose="020B0600000101010101" pitchFamily="50" charset="-127"/>
+                <a:ea typeface="나눔스퀘어" panose="020B0600000101010101" pitchFamily="50" charset="-127"/>
+              </a:rPr>
+              <a:t>메시지</a:t>
+            </a:r>
+            <a:endParaRPr lang="en-US" altLang="ko-KR" sz="1400" dirty="0">
+              <a:latin typeface="나눔스퀘어" panose="020B0600000101010101" pitchFamily="50" charset="-127"/>
+              <a:ea typeface="나눔스퀘어" panose="020B0600000101010101" pitchFamily="50" charset="-127"/>
+            </a:endParaRPr>
+          </a:p>
+          <a:p>
+            <a:pPr marL="800100" lvl="1" indent="-342900">
+              <a:buFont typeface="Wingdings" panose="05000000000000000000" pitchFamily="2" charset="2"/>
+              <a:buChar char="ü"/>
+            </a:pPr>
+            <a:r>
+              <a:rPr lang="en-US" altLang="ko-KR" sz="1300" dirty="0">
+                <a:latin typeface="나눔스퀘어" panose="020B0600000101010101" pitchFamily="50" charset="-127"/>
+                <a:ea typeface="나눔스퀘어" panose="020B0600000101010101" pitchFamily="50" charset="-127"/>
+              </a:rPr>
+              <a:t>UnitySW</a:t>
+            </a:r>
+            <a:r>
+              <a:rPr lang="ko-KR" altLang="en-US" sz="1300" dirty="0">
+                <a:latin typeface="나눔스퀘어" panose="020B0600000101010101" pitchFamily="50" charset="-127"/>
+                <a:ea typeface="나눔스퀘어" panose="020B0600000101010101" pitchFamily="50" charset="-127"/>
+              </a:rPr>
+              <a:t>의 명령 수행이 가능한 경우 </a:t>
+            </a:r>
+            <a:r>
+              <a:rPr lang="en-US" altLang="ko-KR" sz="1300" dirty="0">
+                <a:latin typeface="나눔스퀘어" panose="020B0600000101010101" pitchFamily="50" charset="-127"/>
+                <a:ea typeface="나눔스퀘어" panose="020B0600000101010101" pitchFamily="50" charset="-127"/>
+              </a:rPr>
+              <a:t>ACK </a:t>
+            </a:r>
+            <a:r>
+              <a:rPr lang="ko-KR" altLang="en-US" sz="1300" dirty="0">
+                <a:latin typeface="나눔스퀘어" panose="020B0600000101010101" pitchFamily="50" charset="-127"/>
+                <a:ea typeface="나눔스퀘어" panose="020B0600000101010101" pitchFamily="50" charset="-127"/>
+              </a:rPr>
+              <a:t>메시지를 </a:t>
+            </a:r>
+            <a:r>
+              <a:rPr lang="en-US" altLang="ko-KR" sz="1300" dirty="0">
+                <a:latin typeface="나눔스퀘어" panose="020B0600000101010101" pitchFamily="50" charset="-127"/>
+                <a:ea typeface="나눔스퀘어" panose="020B0600000101010101" pitchFamily="50" charset="-127"/>
+              </a:rPr>
+              <a:t>UnitySW</a:t>
+            </a:r>
+            <a:r>
+              <a:rPr lang="ko-KR" altLang="en-US" sz="1300" dirty="0">
+                <a:latin typeface="나눔스퀘어" panose="020B0600000101010101" pitchFamily="50" charset="-127"/>
+                <a:ea typeface="나눔스퀘어" panose="020B0600000101010101" pitchFamily="50" charset="-127"/>
+              </a:rPr>
+              <a:t>로 송신</a:t>
+            </a:r>
+            <a:endParaRPr lang="en-US" altLang="ko-KR" sz="1300" dirty="0">
+              <a:latin typeface="나눔스퀘어" panose="020B0600000101010101" pitchFamily="50" charset="-127"/>
+              <a:ea typeface="나눔스퀘어" panose="020B0600000101010101" pitchFamily="50" charset="-127"/>
+            </a:endParaRPr>
+          </a:p>
+        </p:txBody>
+      </p:sp>
+      <p:sp>
+        <p:nvSpPr>
+          <p:cNvPr id="20" name="TextBox 19">
+            <a:extLst>
+              <a:ext uri="{FF2B5EF4-FFF2-40B4-BE49-F238E27FC236}">
+                <a16:creationId xmlns:a16="http://schemas.microsoft.com/office/drawing/2014/main" id="{EB077C77-57CB-4B53-B0DD-4952AE521BE1}"/>
+              </a:ext>
+            </a:extLst>
+          </p:cNvPr>
+          <p:cNvSpPr txBox="1"/>
+          <p:nvPr/>
+        </p:nvSpPr>
+        <p:spPr>
+          <a:xfrm>
+            <a:off x="321517" y="1907301"/>
+            <a:ext cx="1699292" cy="338554"/>
+          </a:xfrm>
+          <a:prstGeom prst="rect">
+            <a:avLst/>
+          </a:prstGeom>
+          <a:noFill/>
+        </p:spPr>
+        <p:txBody>
+          <a:bodyPr wrap="square" rtlCol="0">
+            <a:spAutoFit/>
+          </a:bodyPr>
+          <a:lstStyle/>
+          <a:p>
+            <a:pPr algn="ctr"/>
+            <a:r>
+              <a:rPr lang="en-US" altLang="ko-KR" sz="1600" dirty="0">
+                <a:latin typeface="나눔스퀘어" panose="020B0600000101010101" pitchFamily="50" charset="-127"/>
+                <a:ea typeface="나눔스퀘어" panose="020B0600000101010101" pitchFamily="50" charset="-127"/>
+              </a:rPr>
+              <a:t>UnitySW</a:t>
+            </a:r>
+            <a:endParaRPr lang="ko-KR" altLang="en-US" sz="1600" dirty="0">
+              <a:latin typeface="나눔스퀘어" panose="020B0600000101010101" pitchFamily="50" charset="-127"/>
+              <a:ea typeface="나눔스퀘어" panose="020B0600000101010101" pitchFamily="50" charset="-127"/>
+            </a:endParaRPr>
+          </a:p>
+        </p:txBody>
+      </p:sp>
+      <p:sp>
+        <p:nvSpPr>
+          <p:cNvPr id="21" name="직사각형 20">
+            <a:extLst>
+              <a:ext uri="{FF2B5EF4-FFF2-40B4-BE49-F238E27FC236}">
+                <a16:creationId xmlns:a16="http://schemas.microsoft.com/office/drawing/2014/main" id="{B95C7750-CE25-4113-AB20-C7EFE92B98F3}"/>
+              </a:ext>
+            </a:extLst>
+          </p:cNvPr>
+          <p:cNvSpPr/>
+          <p:nvPr/>
+        </p:nvSpPr>
+        <p:spPr>
+          <a:xfrm>
+            <a:off x="344614" y="2248729"/>
+            <a:ext cx="1653098" cy="2410397"/>
+          </a:xfrm>
+          <a:prstGeom prst="rect">
+            <a:avLst/>
+          </a:prstGeom>
+          <a:noFill/>
+          <a:ln>
+            <a:solidFill>
+              <a:schemeClr val="tx1"/>
+            </a:solidFill>
+          </a:ln>
+        </p:spPr>
+        <p:style>
+          <a:lnRef idx="2">
+            <a:schemeClr val="accent1">
+              <a:shade val="50000"/>
+            </a:schemeClr>
+          </a:lnRef>
+          <a:fillRef idx="1">
+            <a:schemeClr val="accent1"/>
+          </a:fillRef>
+          <a:effectRef idx="0">
+            <a:schemeClr val="accent1"/>
+          </a:effectRef>
+          <a:fontRef idx="minor">
+            <a:schemeClr val="lt1"/>
+          </a:fontRef>
+        </p:style>
+        <p:txBody>
+          <a:bodyPr rtlCol="0" anchor="ctr"/>
+          <a:lstStyle/>
+          <a:p>
+            <a:pPr algn="ctr"/>
+            <a:endParaRPr lang="ko-KR" altLang="en-US" dirty="0">
+              <a:latin typeface="나눔스퀘어" panose="020B0600000101010101" pitchFamily="50" charset="-127"/>
+              <a:ea typeface="나눔스퀘어" panose="020B0600000101010101" pitchFamily="50" charset="-127"/>
+            </a:endParaRPr>
+          </a:p>
+        </p:txBody>
+      </p:sp>
+      <p:sp>
+        <p:nvSpPr>
+          <p:cNvPr id="26" name="직사각형 25">
+            <a:extLst>
+              <a:ext uri="{FF2B5EF4-FFF2-40B4-BE49-F238E27FC236}">
+                <a16:creationId xmlns:a16="http://schemas.microsoft.com/office/drawing/2014/main" id="{765AA3ED-E935-4BDE-8054-625D481A2E96}"/>
+              </a:ext>
+            </a:extLst>
+          </p:cNvPr>
+          <p:cNvSpPr/>
+          <p:nvPr/>
+        </p:nvSpPr>
+        <p:spPr>
+          <a:xfrm>
+            <a:off x="3709051" y="2511185"/>
+            <a:ext cx="5377939" cy="307777"/>
+          </a:xfrm>
+          <a:prstGeom prst="rect">
+            <a:avLst/>
+          </a:prstGeom>
+        </p:spPr>
+        <p:txBody>
+          <a:bodyPr wrap="square">
+            <a:spAutoFit/>
+          </a:bodyPr>
+          <a:lstStyle/>
+          <a:p>
+            <a:pPr algn="ctr"/>
+            <a:r>
+              <a:rPr lang="en-US" altLang="ko-KR" sz="1400" dirty="0">
+                <a:latin typeface="나눔스퀘어" panose="020B0600000101010101" pitchFamily="50" charset="-127"/>
+                <a:ea typeface="나눔스퀘어" panose="020B0600000101010101" pitchFamily="50" charset="-127"/>
+              </a:rPr>
+              <a:t>[NACK] “NP”</a:t>
+            </a:r>
+          </a:p>
+        </p:txBody>
+      </p:sp>
+      <p:sp>
+        <p:nvSpPr>
+          <p:cNvPr id="46" name="TextBox 45">
+            <a:extLst>
+              <a:ext uri="{FF2B5EF4-FFF2-40B4-BE49-F238E27FC236}">
+                <a16:creationId xmlns:a16="http://schemas.microsoft.com/office/drawing/2014/main" id="{059AD10C-3416-4A21-87BC-1517BF6B0327}"/>
+              </a:ext>
+            </a:extLst>
+          </p:cNvPr>
+          <p:cNvSpPr txBox="1"/>
+          <p:nvPr/>
+        </p:nvSpPr>
+        <p:spPr>
+          <a:xfrm>
+            <a:off x="10184316" y="1907301"/>
+            <a:ext cx="1699292" cy="338554"/>
+          </a:xfrm>
+          <a:prstGeom prst="rect">
+            <a:avLst/>
+          </a:prstGeom>
+          <a:noFill/>
+        </p:spPr>
+        <p:txBody>
+          <a:bodyPr wrap="square" rtlCol="0">
+            <a:spAutoFit/>
+          </a:bodyPr>
+          <a:lstStyle/>
+          <a:p>
+            <a:pPr algn="ctr"/>
+            <a:r>
+              <a:rPr lang="en-US" altLang="ko-KR" sz="1600" dirty="0">
+                <a:latin typeface="나눔스퀘어" panose="020B0600000101010101" pitchFamily="50" charset="-127"/>
+                <a:ea typeface="나눔스퀘어" panose="020B0600000101010101" pitchFamily="50" charset="-127"/>
+              </a:rPr>
+              <a:t>OHTSim</a:t>
+            </a:r>
+            <a:endParaRPr lang="ko-KR" altLang="en-US" sz="1600" dirty="0">
+              <a:latin typeface="나눔스퀘어" panose="020B0600000101010101" pitchFamily="50" charset="-127"/>
+              <a:ea typeface="나눔스퀘어" panose="020B0600000101010101" pitchFamily="50" charset="-127"/>
+            </a:endParaRPr>
+          </a:p>
+        </p:txBody>
+      </p:sp>
+      <p:graphicFrame>
+        <p:nvGraphicFramePr>
+          <p:cNvPr id="37" name="표 36">
+            <a:extLst>
+              <a:ext uri="{FF2B5EF4-FFF2-40B4-BE49-F238E27FC236}">
+                <a16:creationId xmlns:a16="http://schemas.microsoft.com/office/drawing/2014/main" id="{1375FDA3-6CFB-4645-A117-4FB15DBD54EB}"/>
+              </a:ext>
+            </a:extLst>
+          </p:cNvPr>
+          <p:cNvGraphicFramePr>
+            <a:graphicFrameLocks noGrp="1"/>
+          </p:cNvGraphicFramePr>
+          <p:nvPr>
+            <p:extLst>
+              <p:ext uri="{D42A27DB-BD31-4B8C-83A1-F6EECF244321}">
+                <p14:modId xmlns:p14="http://schemas.microsoft.com/office/powerpoint/2010/main" val="3407305504"/>
+              </p:ext>
+            </p:extLst>
+          </p:nvPr>
+        </p:nvGraphicFramePr>
+        <p:xfrm>
+          <a:off x="359425" y="909124"/>
+          <a:ext cx="1766911" cy="689562"/>
+        </p:xfrm>
+        <a:graphic>
+          <a:graphicData uri="http://schemas.openxmlformats.org/drawingml/2006/table">
+            <a:tbl>
+              <a:tblPr>
+                <a:tableStyleId>{5940675A-B579-460E-94D1-54222C63F5DA}</a:tableStyleId>
+              </a:tblPr>
+              <a:tblGrid>
+                <a:gridCol w="904847">
+                  <a:extLst>
+                    <a:ext uri="{9D8B030D-6E8A-4147-A177-3AD203B41FA5}">
+                      <a16:colId xmlns:a16="http://schemas.microsoft.com/office/drawing/2014/main" val="775886720"/>
+                    </a:ext>
+                  </a:extLst>
+                </a:gridCol>
+                <a:gridCol w="862064">
+                  <a:extLst>
+                    <a:ext uri="{9D8B030D-6E8A-4147-A177-3AD203B41FA5}">
+                      <a16:colId xmlns:a16="http://schemas.microsoft.com/office/drawing/2014/main" val="3677619463"/>
+                    </a:ext>
+                  </a:extLst>
+                </a:gridCol>
+              </a:tblGrid>
+              <a:tr h="96999">
+                <a:tc>
+                  <a:txBody>
+                    <a:bodyPr/>
+                    <a:lstStyle/>
+                    <a:p>
+                      <a:pPr algn="ctr" fontAlgn="ctr"/>
+                      <a:r>
+                        <a:rPr lang="en-US" altLang="ko-KR" sz="1000" b="0" i="0" u="none" strike="noStrike" dirty="0">
+                          <a:solidFill>
+                            <a:srgbClr val="000000"/>
+                          </a:solidFill>
+                          <a:effectLst/>
+                          <a:latin typeface="나눔스퀘어" panose="020B0600000101010101" pitchFamily="50" charset="-127"/>
+                          <a:ea typeface="나눔스퀘어" panose="020B0600000101010101" pitchFamily="50" charset="-127"/>
+                        </a:rPr>
+                        <a:t>Msg </a:t>
+                      </a:r>
+                      <a:r>
+                        <a:rPr lang="ko-KR" altLang="en-US" sz="1000" b="0" i="0" u="none" strike="noStrike" dirty="0">
+                          <a:solidFill>
+                            <a:srgbClr val="000000"/>
+                          </a:solidFill>
+                          <a:effectLst/>
+                          <a:latin typeface="나눔스퀘어" panose="020B0600000101010101" pitchFamily="50" charset="-127"/>
+                          <a:ea typeface="나눔스퀘어" panose="020B0600000101010101" pitchFamily="50" charset="-127"/>
+                        </a:rPr>
+                        <a:t>식별자</a:t>
+                      </a:r>
+                      <a:endParaRPr lang="en-US" sz="1000" b="0" i="0" u="none" strike="noStrike" dirty="0">
+                        <a:solidFill>
+                          <a:srgbClr val="000000"/>
+                        </a:solidFill>
+                        <a:effectLst/>
+                        <a:latin typeface="나눔스퀘어" panose="020B0600000101010101" pitchFamily="50" charset="-127"/>
+                        <a:ea typeface="나눔스퀘어" panose="020B0600000101010101" pitchFamily="50" charset="-127"/>
+                      </a:endParaRPr>
+                    </a:p>
+                  </a:txBody>
+                  <a:tcPr marL="9525" marR="9525" marT="9525" marB="0" anchor="ctr"/>
+                </a:tc>
+                <a:tc>
+                  <a:txBody>
+                    <a:bodyPr/>
+                    <a:lstStyle/>
+                    <a:p>
+                      <a:pPr algn="ctr" fontAlgn="ctr"/>
+                      <a:r>
+                        <a:rPr lang="en-US" sz="1000" u="none" strike="noStrike" dirty="0">
+                          <a:effectLst/>
+                          <a:latin typeface="나눔스퀘어" panose="020B0600000101010101" pitchFamily="50" charset="-127"/>
+                          <a:ea typeface="나눔스퀘어" panose="020B0600000101010101" pitchFamily="50" charset="-127"/>
+                        </a:rPr>
+                        <a:t>Command</a:t>
+                      </a:r>
+                      <a:endParaRPr lang="en-US" sz="1000" b="0" i="0" u="none" strike="noStrike" dirty="0">
+                        <a:solidFill>
+                          <a:srgbClr val="000000"/>
+                        </a:solidFill>
+                        <a:effectLst/>
+                        <a:latin typeface="나눔스퀘어" panose="020B0600000101010101" pitchFamily="50" charset="-127"/>
+                        <a:ea typeface="나눔스퀘어" panose="020B0600000101010101" pitchFamily="50" charset="-127"/>
+                      </a:endParaRPr>
+                    </a:p>
+                  </a:txBody>
+                  <a:tcPr marL="9525" marR="9525" marT="9525" marB="0" anchor="ctr"/>
+                </a:tc>
+                <a:extLst>
+                  <a:ext uri="{0D108BD9-81ED-4DB2-BD59-A6C34878D82A}">
+                    <a16:rowId xmlns:a16="http://schemas.microsoft.com/office/drawing/2014/main" val="2441072806"/>
+                  </a:ext>
+                </a:extLst>
+              </a:tr>
+              <a:tr h="175879">
+                <a:tc>
+                  <a:txBody>
+                    <a:bodyPr/>
+                    <a:lstStyle/>
+                    <a:p>
+                      <a:pPr algn="ctr" fontAlgn="ctr"/>
+                      <a:r>
+                        <a:rPr lang="en-US" sz="1000" b="0" i="0" u="none" strike="noStrike" dirty="0">
+                          <a:solidFill>
+                            <a:srgbClr val="000000"/>
+                          </a:solidFill>
+                          <a:effectLst/>
+                          <a:latin typeface="나눔스퀘어" panose="020B0600000101010101" pitchFamily="50" charset="-127"/>
+                          <a:ea typeface="나눔스퀘어" panose="020B0600000101010101" pitchFamily="50" charset="-127"/>
+                        </a:rPr>
+                        <a:t>Z</a:t>
+                      </a:r>
+                    </a:p>
+                  </a:txBody>
+                  <a:tcPr marL="9525" marR="9525" marT="9525" marB="0" anchor="ctr"/>
+                </a:tc>
+                <a:tc rowSpan="3">
+                  <a:txBody>
+                    <a:bodyPr/>
+                    <a:lstStyle/>
+                    <a:p>
+                      <a:pPr algn="ctr" fontAlgn="ctr"/>
+                      <a:r>
+                        <a:rPr lang="en-US" sz="1000" b="0" i="0" u="none" strike="noStrike" dirty="0">
+                          <a:solidFill>
+                            <a:srgbClr val="000000"/>
+                          </a:solidFill>
+                          <a:effectLst/>
+                          <a:latin typeface="나눔스퀘어" panose="020B0600000101010101" pitchFamily="50" charset="-127"/>
+                          <a:ea typeface="나눔스퀘어" panose="020B0600000101010101" pitchFamily="50" charset="-127"/>
+                        </a:rPr>
+                        <a:t>S, P</a:t>
+                      </a:r>
+                    </a:p>
+                  </a:txBody>
+                  <a:tcPr marL="9525" marR="9525" marT="9525" marB="0" anchor="ctr"/>
+                </a:tc>
+                <a:extLst>
+                  <a:ext uri="{0D108BD9-81ED-4DB2-BD59-A6C34878D82A}">
+                    <a16:rowId xmlns:a16="http://schemas.microsoft.com/office/drawing/2014/main" val="1552554414"/>
+                  </a:ext>
+                </a:extLst>
+              </a:tr>
+              <a:tr h="175879">
+                <a:tc>
+                  <a:txBody>
+                    <a:bodyPr/>
+                    <a:lstStyle/>
+                    <a:p>
+                      <a:pPr algn="ctr" fontAlgn="ctr"/>
+                      <a:r>
+                        <a:rPr lang="en-US" sz="1000" b="0" i="0" u="none" strike="noStrike" dirty="0">
+                          <a:solidFill>
+                            <a:srgbClr val="000000"/>
+                          </a:solidFill>
+                          <a:effectLst/>
+                          <a:latin typeface="나눔스퀘어" panose="020B0600000101010101" pitchFamily="50" charset="-127"/>
+                          <a:ea typeface="나눔스퀘어" panose="020B0600000101010101" pitchFamily="50" charset="-127"/>
+                        </a:rPr>
+                        <a:t>A</a:t>
+                      </a:r>
+                    </a:p>
+                  </a:txBody>
+                  <a:tcPr marL="9525" marR="9525" marT="9525" marB="0" anchor="ctr"/>
+                </a:tc>
+                <a:tc vMerge="1">
+                  <a:txBody>
+                    <a:bodyPr/>
+                    <a:lstStyle/>
+                    <a:p>
+                      <a:pPr algn="ctr" fontAlgn="ctr"/>
+                      <a:endParaRPr lang="en-US" sz="1000" b="0" i="0" u="none" strike="noStrike" dirty="0">
+                        <a:solidFill>
+                          <a:srgbClr val="000000"/>
+                        </a:solidFill>
+                        <a:effectLst/>
+                        <a:latin typeface="나눔스퀘어" panose="020B0600000101010101" pitchFamily="50" charset="-127"/>
+                        <a:ea typeface="나눔스퀘어" panose="020B0600000101010101" pitchFamily="50" charset="-127"/>
+                      </a:endParaRPr>
+                    </a:p>
+                  </a:txBody>
+                  <a:tcPr marL="9525" marR="9525" marT="9525" marB="0" anchor="ctr"/>
+                </a:tc>
+                <a:extLst>
+                  <a:ext uri="{0D108BD9-81ED-4DB2-BD59-A6C34878D82A}">
+                    <a16:rowId xmlns:a16="http://schemas.microsoft.com/office/drawing/2014/main" val="2089757954"/>
+                  </a:ext>
+                </a:extLst>
+              </a:tr>
+              <a:tr h="175879">
+                <a:tc>
+                  <a:txBody>
+                    <a:bodyPr/>
+                    <a:lstStyle/>
+                    <a:p>
+                      <a:pPr algn="ctr" fontAlgn="ctr"/>
+                      <a:r>
+                        <a:rPr lang="en-US" sz="1000" b="0" i="0" u="none" strike="noStrike" dirty="0">
+                          <a:solidFill>
+                            <a:srgbClr val="000000"/>
+                          </a:solidFill>
+                          <a:effectLst/>
+                          <a:latin typeface="나눔스퀘어" panose="020B0600000101010101" pitchFamily="50" charset="-127"/>
+                          <a:ea typeface="나눔스퀘어" panose="020B0600000101010101" pitchFamily="50" charset="-127"/>
+                        </a:rPr>
+                        <a:t>N</a:t>
+                      </a:r>
+                    </a:p>
+                  </a:txBody>
+                  <a:tcPr marL="9525" marR="9525" marT="9525" marB="0" anchor="ctr"/>
+                </a:tc>
+                <a:tc vMerge="1">
+                  <a:txBody>
+                    <a:bodyPr/>
+                    <a:lstStyle/>
+                    <a:p>
+                      <a:pPr algn="ctr" fontAlgn="ctr"/>
+                      <a:endParaRPr lang="en-US" sz="1000" b="0" i="0" u="none" strike="noStrike" dirty="0">
+                        <a:solidFill>
+                          <a:srgbClr val="000000"/>
+                        </a:solidFill>
+                        <a:effectLst/>
+                        <a:latin typeface="나눔스퀘어" panose="020B0600000101010101" pitchFamily="50" charset="-127"/>
+                        <a:ea typeface="나눔스퀘어" panose="020B0600000101010101" pitchFamily="50" charset="-127"/>
+                      </a:endParaRPr>
+                    </a:p>
+                  </a:txBody>
+                  <a:tcPr marL="9525" marR="9525" marT="9525" marB="0" anchor="ctr"/>
+                </a:tc>
+                <a:extLst>
+                  <a:ext uri="{0D108BD9-81ED-4DB2-BD59-A6C34878D82A}">
+                    <a16:rowId xmlns:a16="http://schemas.microsoft.com/office/drawing/2014/main" val="3816465000"/>
+                  </a:ext>
+                </a:extLst>
+              </a:tr>
+            </a:tbl>
+          </a:graphicData>
+        </a:graphic>
+      </p:graphicFrame>
+      <p:sp>
+        <p:nvSpPr>
+          <p:cNvPr id="52" name="직사각형 51">
+            <a:extLst>
+              <a:ext uri="{FF2B5EF4-FFF2-40B4-BE49-F238E27FC236}">
+                <a16:creationId xmlns:a16="http://schemas.microsoft.com/office/drawing/2014/main" id="{F5D0563B-640D-4EEC-A10B-12DC3B1F6423}"/>
+              </a:ext>
+            </a:extLst>
+          </p:cNvPr>
+          <p:cNvSpPr/>
+          <p:nvPr/>
+        </p:nvSpPr>
+        <p:spPr>
+          <a:xfrm>
+            <a:off x="1901981" y="1976801"/>
+            <a:ext cx="1653098" cy="307777"/>
+          </a:xfrm>
+          <a:prstGeom prst="rect">
+            <a:avLst/>
+          </a:prstGeom>
+        </p:spPr>
+        <p:txBody>
+          <a:bodyPr wrap="square">
+            <a:spAutoFit/>
+          </a:bodyPr>
+          <a:lstStyle/>
+          <a:p>
+            <a:pPr algn="ctr"/>
+            <a:r>
+              <a:rPr lang="ko-KR" altLang="en-US" sz="1400" dirty="0">
+                <a:latin typeface="나눔스퀘어" panose="020B0600000101010101" pitchFamily="50" charset="-127"/>
+                <a:ea typeface="나눔스퀘어" panose="020B0600000101010101" pitchFamily="50" charset="-127"/>
+              </a:rPr>
+              <a:t>시뮬레이션 정지</a:t>
+            </a:r>
+            <a:endParaRPr lang="en-US" altLang="ko-KR" sz="1400" dirty="0">
+              <a:latin typeface="나눔스퀘어" panose="020B0600000101010101" pitchFamily="50" charset="-127"/>
+              <a:ea typeface="나눔스퀘어" panose="020B0600000101010101" pitchFamily="50" charset="-127"/>
+            </a:endParaRPr>
+          </a:p>
+        </p:txBody>
+      </p:sp>
+      <p:sp>
+        <p:nvSpPr>
+          <p:cNvPr id="54" name="직사각형 53">
+            <a:extLst>
+              <a:ext uri="{FF2B5EF4-FFF2-40B4-BE49-F238E27FC236}">
+                <a16:creationId xmlns:a16="http://schemas.microsoft.com/office/drawing/2014/main" id="{A9D659FD-DBC4-451C-9ADD-4F62DEC3A9D4}"/>
+              </a:ext>
+            </a:extLst>
+          </p:cNvPr>
+          <p:cNvSpPr/>
+          <p:nvPr/>
+        </p:nvSpPr>
+        <p:spPr>
+          <a:xfrm>
+            <a:off x="8583986" y="2808055"/>
+            <a:ext cx="1653098" cy="307777"/>
+          </a:xfrm>
+          <a:prstGeom prst="rect">
+            <a:avLst/>
+          </a:prstGeom>
+        </p:spPr>
+        <p:txBody>
+          <a:bodyPr wrap="square">
+            <a:spAutoFit/>
+          </a:bodyPr>
+          <a:lstStyle/>
+          <a:p>
+            <a:pPr algn="ctr"/>
+            <a:r>
+              <a:rPr lang="ko-KR" altLang="en-US" sz="1400" dirty="0">
+                <a:latin typeface="나눔스퀘어" panose="020B0600000101010101" pitchFamily="50" charset="-127"/>
+                <a:ea typeface="나눔스퀘어" panose="020B0600000101010101" pitchFamily="50" charset="-127"/>
+              </a:rPr>
+              <a:t>시뮬레이션 정지</a:t>
+            </a:r>
+            <a:endParaRPr lang="en-US" altLang="ko-KR" sz="1400" dirty="0">
+              <a:latin typeface="나눔스퀘어" panose="020B0600000101010101" pitchFamily="50" charset="-127"/>
+              <a:ea typeface="나눔스퀘어" panose="020B0600000101010101" pitchFamily="50" charset="-127"/>
+            </a:endParaRPr>
+          </a:p>
+        </p:txBody>
+      </p:sp>
+      <p:sp>
+        <p:nvSpPr>
+          <p:cNvPr id="59" name="직사각형 58">
+            <a:extLst>
+              <a:ext uri="{FF2B5EF4-FFF2-40B4-BE49-F238E27FC236}">
+                <a16:creationId xmlns:a16="http://schemas.microsoft.com/office/drawing/2014/main" id="{0C10ECC0-3381-4175-9B14-D155361F833E}"/>
+              </a:ext>
+            </a:extLst>
+          </p:cNvPr>
+          <p:cNvSpPr/>
+          <p:nvPr/>
+        </p:nvSpPr>
+        <p:spPr>
+          <a:xfrm>
+            <a:off x="10223791" y="2248729"/>
+            <a:ext cx="1653098" cy="2410397"/>
+          </a:xfrm>
+          <a:prstGeom prst="rect">
+            <a:avLst/>
+          </a:prstGeom>
+          <a:noFill/>
+          <a:ln>
+            <a:solidFill>
+              <a:schemeClr val="tx1"/>
+            </a:solidFill>
+          </a:ln>
+        </p:spPr>
+        <p:style>
+          <a:lnRef idx="2">
+            <a:schemeClr val="accent1">
+              <a:shade val="50000"/>
+            </a:schemeClr>
+          </a:lnRef>
+          <a:fillRef idx="1">
+            <a:schemeClr val="accent1"/>
+          </a:fillRef>
+          <a:effectRef idx="0">
+            <a:schemeClr val="accent1"/>
+          </a:effectRef>
+          <a:fontRef idx="minor">
+            <a:schemeClr val="lt1"/>
+          </a:fontRef>
+        </p:style>
+        <p:txBody>
+          <a:bodyPr rtlCol="0" anchor="ctr"/>
+          <a:lstStyle/>
+          <a:p>
+            <a:pPr algn="ctr"/>
+            <a:endParaRPr lang="ko-KR" altLang="en-US" dirty="0">
+              <a:latin typeface="나눔스퀘어" panose="020B0600000101010101" pitchFamily="50" charset="-127"/>
+              <a:ea typeface="나눔스퀘어" panose="020B0600000101010101" pitchFamily="50" charset="-127"/>
+            </a:endParaRPr>
+          </a:p>
+        </p:txBody>
+      </p:sp>
+      <p:cxnSp>
+        <p:nvCxnSpPr>
+          <p:cNvPr id="61" name="직선 화살표 연결선 60">
+            <a:extLst>
+              <a:ext uri="{FF2B5EF4-FFF2-40B4-BE49-F238E27FC236}">
+                <a16:creationId xmlns:a16="http://schemas.microsoft.com/office/drawing/2014/main" id="{065D9067-096F-405D-B85F-34CFAD058FA4}"/>
+              </a:ext>
+            </a:extLst>
+          </p:cNvPr>
+          <p:cNvCxnSpPr>
+            <a:cxnSpLocks/>
+          </p:cNvCxnSpPr>
+          <p:nvPr/>
+        </p:nvCxnSpPr>
+        <p:spPr>
+          <a:xfrm flipH="1">
+            <a:off x="2138897" y="3724329"/>
+            <a:ext cx="7992000" cy="0"/>
+          </a:xfrm>
+          <a:prstGeom prst="straightConnector1">
+            <a:avLst/>
+          </a:prstGeom>
+          <a:ln>
+            <a:headEnd type="triangle" w="med" len="med"/>
+            <a:tailEnd type="none" w="med" len="med"/>
+          </a:ln>
+        </p:spPr>
+        <p:style>
+          <a:lnRef idx="1">
+            <a:schemeClr val="accent1"/>
+          </a:lnRef>
+          <a:fillRef idx="0">
+            <a:schemeClr val="accent1"/>
+          </a:fillRef>
+          <a:effectRef idx="0">
+            <a:schemeClr val="accent1"/>
+          </a:effectRef>
+          <a:fontRef idx="minor">
+            <a:schemeClr val="tx1"/>
+          </a:fontRef>
+        </p:style>
+      </p:cxnSp>
+      <p:sp>
+        <p:nvSpPr>
+          <p:cNvPr id="62" name="직사각형 61">
+            <a:extLst>
+              <a:ext uri="{FF2B5EF4-FFF2-40B4-BE49-F238E27FC236}">
+                <a16:creationId xmlns:a16="http://schemas.microsoft.com/office/drawing/2014/main" id="{F0DB0B6F-008A-4B55-8C3D-EF280790C0E9}"/>
+              </a:ext>
+            </a:extLst>
+          </p:cNvPr>
+          <p:cNvSpPr/>
+          <p:nvPr/>
+        </p:nvSpPr>
+        <p:spPr>
+          <a:xfrm>
+            <a:off x="3566525" y="3416552"/>
+            <a:ext cx="5663953" cy="307777"/>
+          </a:xfrm>
+          <a:prstGeom prst="rect">
+            <a:avLst/>
+          </a:prstGeom>
+        </p:spPr>
+        <p:txBody>
+          <a:bodyPr wrap="square">
+            <a:spAutoFit/>
+          </a:bodyPr>
+          <a:lstStyle/>
+          <a:p>
+            <a:pPr algn="ctr"/>
+            <a:r>
+              <a:rPr lang="en-US" altLang="ko-KR" sz="1400" dirty="0">
+                <a:latin typeface="나눔스퀘어" panose="020B0600000101010101" pitchFamily="50" charset="-127"/>
+                <a:ea typeface="나눔스퀘어" panose="020B0600000101010101" pitchFamily="50" charset="-127"/>
+              </a:rPr>
+              <a:t>[User Cmd] “ZS”</a:t>
+            </a:r>
+          </a:p>
+        </p:txBody>
+      </p:sp>
+      <p:grpSp>
+        <p:nvGrpSpPr>
+          <p:cNvPr id="63" name="그룹 62">
+            <a:extLst>
+              <a:ext uri="{FF2B5EF4-FFF2-40B4-BE49-F238E27FC236}">
+                <a16:creationId xmlns:a16="http://schemas.microsoft.com/office/drawing/2014/main" id="{3058EBC9-CBE4-4238-9BF6-C9FFE0D3633F}"/>
+              </a:ext>
+            </a:extLst>
+          </p:cNvPr>
+          <p:cNvGrpSpPr/>
+          <p:nvPr/>
+        </p:nvGrpSpPr>
+        <p:grpSpPr>
+          <a:xfrm>
+            <a:off x="2138897" y="4221219"/>
+            <a:ext cx="7991039" cy="307777"/>
+            <a:chOff x="2138897" y="3222319"/>
+            <a:chExt cx="7991039" cy="307777"/>
+          </a:xfrm>
+        </p:grpSpPr>
+        <p:cxnSp>
+          <p:nvCxnSpPr>
+            <p:cNvPr id="64" name="직선 화살표 연결선 63">
+              <a:extLst>
+                <a:ext uri="{FF2B5EF4-FFF2-40B4-BE49-F238E27FC236}">
+                  <a16:creationId xmlns:a16="http://schemas.microsoft.com/office/drawing/2014/main" id="{32C43B1E-4BD5-47CF-A402-107699EABEC2}"/>
+                </a:ext>
+              </a:extLst>
+            </p:cNvPr>
+            <p:cNvCxnSpPr>
+              <a:cxnSpLocks/>
+            </p:cNvCxnSpPr>
+            <p:nvPr/>
+          </p:nvCxnSpPr>
+          <p:spPr>
+            <a:xfrm flipH="1">
+              <a:off x="2138897" y="3530096"/>
+              <a:ext cx="7991039" cy="0"/>
+            </a:xfrm>
+            <a:prstGeom prst="straightConnector1">
+              <a:avLst/>
+            </a:prstGeom>
+            <a:ln>
+              <a:tailEnd type="triangle"/>
+            </a:ln>
+          </p:spPr>
+          <p:style>
+            <a:lnRef idx="1">
+              <a:schemeClr val="accent1"/>
+            </a:lnRef>
+            <a:fillRef idx="0">
+              <a:schemeClr val="accent1"/>
+            </a:fillRef>
+            <a:effectRef idx="0">
+              <a:schemeClr val="accent1"/>
+            </a:effectRef>
+            <a:fontRef idx="minor">
+              <a:schemeClr val="tx1"/>
+            </a:fontRef>
+          </p:style>
+        </p:cxnSp>
+        <p:sp>
+          <p:nvSpPr>
+            <p:cNvPr id="66" name="직사각형 65">
+              <a:extLst>
+                <a:ext uri="{FF2B5EF4-FFF2-40B4-BE49-F238E27FC236}">
+                  <a16:creationId xmlns:a16="http://schemas.microsoft.com/office/drawing/2014/main" id="{5A3EE99D-3B43-4C44-93C3-DE3F82D861CF}"/>
+                </a:ext>
+              </a:extLst>
+            </p:cNvPr>
+            <p:cNvSpPr/>
+            <p:nvPr/>
+          </p:nvSpPr>
+          <p:spPr>
+            <a:xfrm>
+              <a:off x="3709051" y="3222319"/>
+              <a:ext cx="5377939" cy="307777"/>
+            </a:xfrm>
+            <a:prstGeom prst="rect">
+              <a:avLst/>
+            </a:prstGeom>
+          </p:spPr>
+          <p:txBody>
+            <a:bodyPr wrap="square">
+              <a:spAutoFit/>
+            </a:bodyPr>
+            <a:lstStyle/>
+            <a:p>
+              <a:pPr algn="ctr"/>
+              <a:r>
+                <a:rPr lang="en-US" altLang="ko-KR" sz="1400" dirty="0">
+                  <a:latin typeface="나눔스퀘어" panose="020B0600000101010101" pitchFamily="50" charset="-127"/>
+                  <a:ea typeface="나눔스퀘어" panose="020B0600000101010101" pitchFamily="50" charset="-127"/>
+                </a:rPr>
+                <a:t>[ACK] “AS”</a:t>
+              </a:r>
+            </a:p>
+          </p:txBody>
+        </p:sp>
+      </p:grpSp>
+      <p:cxnSp>
+        <p:nvCxnSpPr>
+          <p:cNvPr id="67" name="직선 화살표 연결선 66">
+            <a:extLst>
+              <a:ext uri="{FF2B5EF4-FFF2-40B4-BE49-F238E27FC236}">
+                <a16:creationId xmlns:a16="http://schemas.microsoft.com/office/drawing/2014/main" id="{6DA4CD5D-4831-4709-8111-C3534D0DFEE1}"/>
+              </a:ext>
+            </a:extLst>
+          </p:cNvPr>
+          <p:cNvCxnSpPr>
+            <a:cxnSpLocks/>
+          </p:cNvCxnSpPr>
+          <p:nvPr/>
+        </p:nvCxnSpPr>
+        <p:spPr>
+          <a:xfrm flipH="1">
+            <a:off x="2126336" y="3879220"/>
+            <a:ext cx="8003600" cy="0"/>
+          </a:xfrm>
+          <a:prstGeom prst="straightConnector1">
+            <a:avLst/>
+          </a:prstGeom>
+          <a:ln>
+            <a:prstDash val="dash"/>
+            <a:tailEnd type="triangle"/>
+          </a:ln>
+        </p:spPr>
+        <p:style>
+          <a:lnRef idx="1">
+            <a:schemeClr val="accent1"/>
+          </a:lnRef>
+          <a:fillRef idx="0">
+            <a:schemeClr val="accent1"/>
+          </a:fillRef>
+          <a:effectRef idx="0">
+            <a:schemeClr val="accent1"/>
+          </a:effectRef>
+          <a:fontRef idx="minor">
+            <a:schemeClr val="tx1"/>
+          </a:fontRef>
+        </p:style>
+      </p:cxnSp>
+      <p:sp>
+        <p:nvSpPr>
+          <p:cNvPr id="68" name="직사각형 67">
+            <a:extLst>
+              <a:ext uri="{FF2B5EF4-FFF2-40B4-BE49-F238E27FC236}">
+                <a16:creationId xmlns:a16="http://schemas.microsoft.com/office/drawing/2014/main" id="{770A71DA-498C-460B-85A1-98957011AE2F}"/>
+              </a:ext>
+            </a:extLst>
+          </p:cNvPr>
+          <p:cNvSpPr/>
+          <p:nvPr/>
+        </p:nvSpPr>
+        <p:spPr>
+          <a:xfrm>
+            <a:off x="3709051" y="3913442"/>
+            <a:ext cx="5377939" cy="307777"/>
+          </a:xfrm>
+          <a:prstGeom prst="rect">
+            <a:avLst/>
+          </a:prstGeom>
+        </p:spPr>
+        <p:txBody>
+          <a:bodyPr wrap="square">
+            <a:spAutoFit/>
+          </a:bodyPr>
+          <a:lstStyle/>
+          <a:p>
+            <a:pPr algn="ctr"/>
+            <a:r>
+              <a:rPr lang="en-US" altLang="ko-KR" sz="1400" dirty="0">
+                <a:latin typeface="나눔스퀘어" panose="020B0600000101010101" pitchFamily="50" charset="-127"/>
+                <a:ea typeface="나눔스퀘어" panose="020B0600000101010101" pitchFamily="50" charset="-127"/>
+              </a:rPr>
+              <a:t>[NACK] “NS”</a:t>
+            </a:r>
+          </a:p>
+        </p:txBody>
+      </p:sp>
+      <p:sp>
+        <p:nvSpPr>
+          <p:cNvPr id="69" name="직사각형 68">
+            <a:extLst>
+              <a:ext uri="{FF2B5EF4-FFF2-40B4-BE49-F238E27FC236}">
+                <a16:creationId xmlns:a16="http://schemas.microsoft.com/office/drawing/2014/main" id="{04C232C3-2F4C-4F98-B213-8A9B5C72B3F0}"/>
+              </a:ext>
+            </a:extLst>
+          </p:cNvPr>
+          <p:cNvSpPr/>
+          <p:nvPr/>
+        </p:nvSpPr>
+        <p:spPr>
+          <a:xfrm>
+            <a:off x="1901981" y="3379058"/>
+            <a:ext cx="1653098" cy="307777"/>
+          </a:xfrm>
+          <a:prstGeom prst="rect">
+            <a:avLst/>
+          </a:prstGeom>
+        </p:spPr>
+        <p:txBody>
+          <a:bodyPr wrap="square">
+            <a:spAutoFit/>
+          </a:bodyPr>
+          <a:lstStyle/>
+          <a:p>
+            <a:pPr algn="ctr"/>
+            <a:r>
+              <a:rPr lang="ko-KR" altLang="en-US" sz="1400" dirty="0">
+                <a:latin typeface="나눔스퀘어" panose="020B0600000101010101" pitchFamily="50" charset="-127"/>
+                <a:ea typeface="나눔스퀘어" panose="020B0600000101010101" pitchFamily="50" charset="-127"/>
+              </a:rPr>
+              <a:t>시뮬레이션 재생</a:t>
+            </a:r>
+            <a:endParaRPr lang="en-US" altLang="ko-KR" sz="1400" dirty="0">
+              <a:latin typeface="나눔스퀘어" panose="020B0600000101010101" pitchFamily="50" charset="-127"/>
+              <a:ea typeface="나눔스퀘어" panose="020B0600000101010101" pitchFamily="50" charset="-127"/>
+            </a:endParaRPr>
+          </a:p>
+        </p:txBody>
+      </p:sp>
+      <p:sp>
+        <p:nvSpPr>
+          <p:cNvPr id="71" name="직사각형 70">
+            <a:extLst>
+              <a:ext uri="{FF2B5EF4-FFF2-40B4-BE49-F238E27FC236}">
+                <a16:creationId xmlns:a16="http://schemas.microsoft.com/office/drawing/2014/main" id="{8DC4425A-D2EC-467E-8A61-D169484969CF}"/>
+              </a:ext>
+            </a:extLst>
+          </p:cNvPr>
+          <p:cNvSpPr/>
+          <p:nvPr/>
+        </p:nvSpPr>
+        <p:spPr>
+          <a:xfrm>
+            <a:off x="8583986" y="4210312"/>
+            <a:ext cx="1653098" cy="307777"/>
+          </a:xfrm>
+          <a:prstGeom prst="rect">
+            <a:avLst/>
+          </a:prstGeom>
+        </p:spPr>
+        <p:txBody>
+          <a:bodyPr wrap="square">
+            <a:spAutoFit/>
+          </a:bodyPr>
+          <a:lstStyle/>
+          <a:p>
+            <a:pPr algn="ctr"/>
+            <a:r>
+              <a:rPr lang="ko-KR" altLang="en-US" sz="1400" dirty="0">
+                <a:latin typeface="나눔스퀘어" panose="020B0600000101010101" pitchFamily="50" charset="-127"/>
+                <a:ea typeface="나눔스퀘어" panose="020B0600000101010101" pitchFamily="50" charset="-127"/>
+              </a:rPr>
+              <a:t>시뮬레이션 재생</a:t>
+            </a:r>
+            <a:endParaRPr lang="en-US" altLang="ko-KR" sz="1400" dirty="0">
+              <a:latin typeface="나눔스퀘어" panose="020B0600000101010101" pitchFamily="50" charset="-127"/>
+              <a:ea typeface="나눔스퀘어" panose="020B0600000101010101" pitchFamily="50" charset="-127"/>
+            </a:endParaRPr>
+          </a:p>
+        </p:txBody>
+      </p:sp>
+      <p:cxnSp>
+        <p:nvCxnSpPr>
+          <p:cNvPr id="76" name="직선 화살표 연결선 75">
+            <a:extLst>
+              <a:ext uri="{FF2B5EF4-FFF2-40B4-BE49-F238E27FC236}">
+                <a16:creationId xmlns:a16="http://schemas.microsoft.com/office/drawing/2014/main" id="{B5EA9E15-0851-4AAD-BF2E-30F787AC406D}"/>
+              </a:ext>
+            </a:extLst>
+          </p:cNvPr>
+          <p:cNvCxnSpPr>
+            <a:cxnSpLocks/>
+          </p:cNvCxnSpPr>
+          <p:nvPr/>
+        </p:nvCxnSpPr>
+        <p:spPr>
+          <a:xfrm flipH="1">
+            <a:off x="2126336" y="2476963"/>
+            <a:ext cx="8003600" cy="0"/>
+          </a:xfrm>
+          <a:prstGeom prst="straightConnector1">
+            <a:avLst/>
+          </a:prstGeom>
+          <a:ln>
+            <a:prstDash val="dash"/>
+            <a:tailEnd type="triangle"/>
+          </a:ln>
+        </p:spPr>
+        <p:style>
+          <a:lnRef idx="1">
+            <a:schemeClr val="accent1"/>
+          </a:lnRef>
+          <a:fillRef idx="0">
+            <a:schemeClr val="accent1"/>
+          </a:fillRef>
+          <a:effectRef idx="0">
+            <a:schemeClr val="accent1"/>
+          </a:effectRef>
+          <a:fontRef idx="minor">
+            <a:schemeClr val="tx1"/>
+          </a:fontRef>
+        </p:style>
+      </p:cxnSp>
+      <p:grpSp>
+        <p:nvGrpSpPr>
+          <p:cNvPr id="30" name="그룹 29"/>
+          <p:cNvGrpSpPr/>
+          <p:nvPr/>
+        </p:nvGrpSpPr>
+        <p:grpSpPr>
+          <a:xfrm>
+            <a:off x="10064091" y="0"/>
+            <a:ext cx="2127909" cy="1243333"/>
+            <a:chOff x="10064091" y="0"/>
+            <a:chExt cx="2127909" cy="1243333"/>
+          </a:xfrm>
+        </p:grpSpPr>
+        <p:pic>
+          <p:nvPicPr>
+            <p:cNvPr id="31" name="그림 30"/>
+            <p:cNvPicPr>
+              <a:picLocks noChangeAspect="1"/>
+            </p:cNvPicPr>
+            <p:nvPr/>
+          </p:nvPicPr>
+          <p:blipFill>
+            <a:blip r:embed="rId2"/>
+            <a:stretch>
+              <a:fillRect/>
+            </a:stretch>
+          </p:blipFill>
+          <p:spPr>
+            <a:xfrm>
+              <a:off x="10067317" y="0"/>
+              <a:ext cx="2124683" cy="1243333"/>
+            </a:xfrm>
+            <a:prstGeom prst="rect">
+              <a:avLst/>
+            </a:prstGeom>
+          </p:spPr>
+        </p:pic>
+        <p:sp>
+          <p:nvSpPr>
+            <p:cNvPr id="32" name="직사각형 31"/>
+            <p:cNvSpPr/>
+            <p:nvPr/>
+          </p:nvSpPr>
+          <p:spPr>
+            <a:xfrm>
+              <a:off x="10064091" y="495300"/>
+              <a:ext cx="2127909" cy="748033"/>
             </a:xfrm>
             <a:prstGeom prst="rect">
               <a:avLst/>
@@ -5130,7 +6939,7 @@
               <a:solidFill>
                 <a:srgbClr val="FF0000"/>
               </a:solidFill>
-              <a:prstDash val="dash"/>
+              <a:prstDash val="dashDot"/>
             </a:ln>
           </p:spPr>
           <p:style>
@@ -5158,181 +6967,21 @@
             </a:p>
           </p:txBody>
         </p:sp>
-        <p:sp>
-          <p:nvSpPr>
-            <p:cNvPr id="30" name="TextBox 29">
-              <a:extLst>
-                <a:ext uri="{FF2B5EF4-FFF2-40B4-BE49-F238E27FC236}">
-                  <a16:creationId xmlns:a16="http://schemas.microsoft.com/office/drawing/2014/main" id="{810BC3FF-13F3-4A22-916F-D676E5700357}"/>
-                </a:ext>
-              </a:extLst>
-            </p:cNvPr>
-            <p:cNvSpPr txBox="1"/>
-            <p:nvPr/>
-          </p:nvSpPr>
-          <p:spPr>
-            <a:xfrm flipH="1">
-              <a:off x="2826699" y="2634573"/>
-              <a:ext cx="2128289" cy="738664"/>
-            </a:xfrm>
-            <a:prstGeom prst="rect">
-              <a:avLst/>
-            </a:prstGeom>
-            <a:solidFill>
-              <a:schemeClr val="bg1"/>
-            </a:solidFill>
-          </p:spPr>
-          <p:txBody>
-            <a:bodyPr wrap="square" rtlCol="0">
-              <a:spAutoFit/>
-            </a:bodyPr>
-            <a:lstStyle/>
-            <a:p>
-              <a:r>
-                <a:rPr lang="en-US" altLang="ko-KR" sz="1400" dirty="0">
-                  <a:solidFill>
-                    <a:srgbClr val="FF0000"/>
-                  </a:solidFill>
-                  <a:latin typeface="나눔스퀘어" panose="020B0600000101010101" pitchFamily="50" charset="-127"/>
-                  <a:ea typeface="나눔스퀘어" panose="020B0600000101010101" pitchFamily="50" charset="-127"/>
-                </a:rPr>
-                <a:t>UnitySW </a:t>
-              </a:r>
-              <a:r>
-                <a:rPr lang="ko-KR" altLang="en-US" sz="1400" dirty="0" smtClean="0">
-                  <a:solidFill>
-                    <a:srgbClr val="FF0000"/>
-                  </a:solidFill>
-                  <a:latin typeface="나눔스퀘어" panose="020B0600000101010101" pitchFamily="50" charset="-127"/>
-                  <a:ea typeface="나눔스퀘어" panose="020B0600000101010101" pitchFamily="50" charset="-127"/>
-                </a:rPr>
-                <a:t>실행 시</a:t>
-              </a:r>
-              <a:r>
-                <a:rPr lang="en-US" altLang="ko-KR" sz="1400" dirty="0" smtClean="0">
-                  <a:solidFill>
-                    <a:srgbClr val="FF0000"/>
-                  </a:solidFill>
-                  <a:latin typeface="나눔스퀘어" panose="020B0600000101010101" pitchFamily="50" charset="-127"/>
-                  <a:ea typeface="나눔스퀘어" panose="020B0600000101010101" pitchFamily="50" charset="-127"/>
-                </a:rPr>
-                <a:t> </a:t>
-              </a:r>
-              <a:r>
-                <a:rPr lang="en-US" altLang="ko-KR" sz="1400" dirty="0">
-                  <a:solidFill>
-                    <a:srgbClr val="FF0000"/>
-                  </a:solidFill>
-                  <a:latin typeface="나눔스퀘어" panose="020B0600000101010101" pitchFamily="50" charset="-127"/>
-                  <a:ea typeface="나눔스퀘어" panose="020B0600000101010101" pitchFamily="50" charset="-127"/>
-                </a:rPr>
-                <a:t>JSON </a:t>
-              </a:r>
-              <a:r>
-                <a:rPr lang="ko-KR" altLang="en-US" sz="1400" dirty="0" smtClean="0">
-                  <a:solidFill>
-                    <a:srgbClr val="FF0000"/>
-                  </a:solidFill>
-                  <a:latin typeface="나눔스퀘어" panose="020B0600000101010101" pitchFamily="50" charset="-127"/>
-                  <a:ea typeface="나눔스퀘어" panose="020B0600000101010101" pitchFamily="50" charset="-127"/>
-                </a:rPr>
-                <a:t>파일</a:t>
-              </a:r>
-              <a:r>
-                <a:rPr lang="ko-KR" altLang="en-US" sz="1400" dirty="0">
-                  <a:solidFill>
-                    <a:srgbClr val="FF0000"/>
-                  </a:solidFill>
-                  <a:latin typeface="나눔스퀘어" panose="020B0600000101010101" pitchFamily="50" charset="-127"/>
-                  <a:ea typeface="나눔스퀘어" panose="020B0600000101010101" pitchFamily="50" charset="-127"/>
-                </a:rPr>
-                <a:t>을</a:t>
-              </a:r>
-              <a:r>
-                <a:rPr lang="ko-KR" altLang="en-US" sz="1400" dirty="0" smtClean="0">
-                  <a:solidFill>
-                    <a:srgbClr val="FF0000"/>
-                  </a:solidFill>
-                  <a:latin typeface="나눔스퀘어" panose="020B0600000101010101" pitchFamily="50" charset="-127"/>
-                  <a:ea typeface="나눔스퀘어" panose="020B0600000101010101" pitchFamily="50" charset="-127"/>
-                </a:rPr>
-                <a:t> </a:t>
-              </a:r>
-              <a:r>
-                <a:rPr lang="ko-KR" altLang="en-US" sz="1400" dirty="0">
-                  <a:solidFill>
-                    <a:srgbClr val="FF0000"/>
-                  </a:solidFill>
-                  <a:latin typeface="나눔스퀘어" panose="020B0600000101010101" pitchFamily="50" charset="-127"/>
-                  <a:ea typeface="나눔스퀘어" panose="020B0600000101010101" pitchFamily="50" charset="-127"/>
-                </a:rPr>
-                <a:t>선택하여 공간 맵 가시화</a:t>
-              </a:r>
-              <a:r>
-                <a:rPr lang="en-US" altLang="ko-KR" sz="1400" dirty="0">
-                  <a:solidFill>
-                    <a:srgbClr val="FF0000"/>
-                  </a:solidFill>
-                  <a:latin typeface="나눔스퀘어" panose="020B0600000101010101" pitchFamily="50" charset="-127"/>
-                  <a:ea typeface="나눔스퀘어" panose="020B0600000101010101" pitchFamily="50" charset="-127"/>
-                </a:rPr>
-                <a:t>(</a:t>
-              </a:r>
-              <a:r>
-                <a:rPr lang="ko-KR" altLang="en-US" sz="1400" dirty="0">
-                  <a:solidFill>
-                    <a:srgbClr val="FF0000"/>
-                  </a:solidFill>
-                  <a:latin typeface="나눔스퀘어" panose="020B0600000101010101" pitchFamily="50" charset="-127"/>
-                  <a:ea typeface="나눔스퀘어" panose="020B0600000101010101" pitchFamily="50" charset="-127"/>
-                </a:rPr>
-                <a:t>초기화</a:t>
-              </a:r>
-              <a:r>
-                <a:rPr lang="en-US" altLang="ko-KR" sz="1400" dirty="0">
-                  <a:solidFill>
-                    <a:srgbClr val="FF0000"/>
-                  </a:solidFill>
-                  <a:latin typeface="나눔스퀘어" panose="020B0600000101010101" pitchFamily="50" charset="-127"/>
-                  <a:ea typeface="나눔스퀘어" panose="020B0600000101010101" pitchFamily="50" charset="-127"/>
-                </a:rPr>
-                <a:t>) </a:t>
-              </a:r>
-              <a:r>
-                <a:rPr lang="ko-KR" altLang="en-US" sz="1400" dirty="0">
-                  <a:solidFill>
-                    <a:srgbClr val="FF0000"/>
-                  </a:solidFill>
-                  <a:latin typeface="나눔스퀘어" panose="020B0600000101010101" pitchFamily="50" charset="-127"/>
-                  <a:ea typeface="나눔스퀘어" panose="020B0600000101010101" pitchFamily="50" charset="-127"/>
-                </a:rPr>
-                <a:t>진행</a:t>
-              </a:r>
-            </a:p>
-          </p:txBody>
-        </p:sp>
       </p:grpSp>
     </p:spTree>
     <p:extLst>
       <p:ext uri="{BB962C8B-B14F-4D97-AF65-F5344CB8AC3E}">
-        <p14:creationId xmlns:p14="http://schemas.microsoft.com/office/powerpoint/2010/main" val="4136092398"/>
+        <p14:creationId xmlns:p14="http://schemas.microsoft.com/office/powerpoint/2010/main" val="2925192461"/>
       </p:ext>
     </p:extLst>
   </p:cSld>
   <p:clrMapOvr>
     <a:masterClrMapping/>
   </p:clrMapOvr>
-  <p:timing>
-    <p:tnLst>
-      <p:par>
-        <p:cTn id="1" dur="indefinite" restart="never" nodeType="tmRoot"/>
-      </p:par>
-    </p:tnLst>
-  </p:timing>
 </p:sld>
 </file>
 
-<file path=ppt/slides/slide10.xml><?xml version="1.0" encoding="utf-8"?>
+<file path=ppt/slides/slide11.xml><?xml version="1.0" encoding="utf-8"?>
 <p:sld xmlns:a="http://schemas.openxmlformats.org/drawingml/2006/main" xmlns:r="http://schemas.openxmlformats.org/officeDocument/2006/relationships" xmlns:p="http://schemas.openxmlformats.org/presentationml/2006/main">
   <p:cSld>
     <p:spTree>
@@ -5405,10 +7054,6 @@
               </a:rPr>
               <a:t>과 데이터 송수신</a:t>
             </a:r>
-            <a:endParaRPr lang="ko-KR" altLang="en-US" dirty="0">
-              <a:latin typeface="나눔스퀘어 Bold" panose="020B0600000101010101" pitchFamily="50" charset="-127"/>
-              <a:ea typeface="나눔스퀘어 Bold" panose="020B0600000101010101" pitchFamily="50" charset="-127"/>
-            </a:endParaRPr>
           </a:p>
         </p:txBody>
       </p:sp>
@@ -5506,10 +7151,9 @@
             <a:p>
               <a:pPr algn="ctr"/>
               <a:r>
-                <a:rPr lang="ko-KR" altLang="en-US" sz="1500" dirty="0" smtClean="0"/>
+                <a:rPr lang="ko-KR" altLang="en-US" sz="1500" dirty="0"/>
                 <a:t>활성화</a:t>
               </a:r>
-              <a:endParaRPr lang="ko-KR" altLang="en-US" sz="1500" dirty="0"/>
             </a:p>
           </p:txBody>
         </p:sp>
@@ -5656,10 +7300,9 @@
             <a:p>
               <a:pPr algn="ctr"/>
               <a:r>
-                <a:rPr lang="ko-KR" altLang="en-US" sz="1500" dirty="0" smtClean="0"/>
+                <a:rPr lang="ko-KR" altLang="en-US" sz="1500" dirty="0"/>
                 <a:t>비활성화</a:t>
               </a:r>
-              <a:endParaRPr lang="ko-KR" altLang="en-US" sz="1500" dirty="0"/>
             </a:p>
           </p:txBody>
         </p:sp>
@@ -5854,7 +7497,7 @@
             <a:p>
               <a:pPr algn="ctr"/>
               <a:r>
-                <a:rPr lang="en-US" altLang="ko-KR" sz="1500" dirty="0" smtClean="0"/>
+                <a:rPr lang="en-US" altLang="ko-KR" sz="1500" dirty="0"/>
                 <a:t>Connection</a:t>
               </a:r>
               <a:endParaRPr lang="ko-KR" altLang="en-US" sz="1500" dirty="0"/>
@@ -6041,17 +7684,10 @@
   <p:clrMapOvr>
     <a:masterClrMapping/>
   </p:clrMapOvr>
-  <p:timing>
-    <p:tnLst>
-      <p:par>
-        <p:cTn id="1" dur="indefinite" restart="never" nodeType="tmRoot"/>
-      </p:par>
-    </p:tnLst>
-  </p:timing>
 </p:sld>
 </file>
 
-<file path=ppt/slides/slide11.xml><?xml version="1.0" encoding="utf-8"?>
+<file path=ppt/slides/slide12.xml><?xml version="1.0" encoding="utf-8"?>
 <p:sld xmlns:a="http://schemas.openxmlformats.org/drawingml/2006/main" xmlns:r="http://schemas.openxmlformats.org/officeDocument/2006/relationships" xmlns:p="http://schemas.openxmlformats.org/presentationml/2006/main">
   <p:cSld>
     <p:spTree>
@@ -7113,16 +8749,6 @@
           <a:p>
             <a:pPr algn="ctr"/>
             <a:r>
-              <a:rPr lang="ko-KR" altLang="en-US" sz="1600" dirty="0" smtClean="0">
-                <a:solidFill>
-                  <a:srgbClr val="FF0000"/>
-                </a:solidFill>
-                <a:latin typeface="나눔스퀘어" panose="020B0600000101010101" pitchFamily="50" charset="-127"/>
-                <a:ea typeface="나눔스퀘어" panose="020B0600000101010101" pitchFamily="50" charset="-127"/>
-              </a:rPr>
-              <a:t>분석 탭 </a:t>
-            </a:r>
-            <a:r>
               <a:rPr lang="ko-KR" altLang="en-US" sz="1600" dirty="0">
                 <a:solidFill>
                   <a:srgbClr val="FF0000"/>
@@ -7130,7 +8756,7 @@
                 <a:latin typeface="나눔스퀘어" panose="020B0600000101010101" pitchFamily="50" charset="-127"/>
                 <a:ea typeface="나눔스퀘어" panose="020B0600000101010101" pitchFamily="50" charset="-127"/>
               </a:rPr>
-              <a:t>확장</a:t>
+              <a:t>분석 탭 확장</a:t>
             </a:r>
             <a:endParaRPr lang="en-US" altLang="ko-KR" sz="1400" dirty="0">
               <a:solidFill>
@@ -7260,17 +8886,10 @@
   <p:clrMapOvr>
     <a:masterClrMapping/>
   </p:clrMapOvr>
-  <p:timing>
-    <p:tnLst>
-      <p:par>
-        <p:cTn id="1" dur="indefinite" restart="never" nodeType="tmRoot"/>
-      </p:par>
-    </p:tnLst>
-  </p:timing>
 </p:sld>
 </file>
 
-<file path=ppt/slides/slide12.xml><?xml version="1.0" encoding="utf-8"?>
+<file path=ppt/slides/slide13.xml><?xml version="1.0" encoding="utf-8"?>
 <p:sld xmlns:a="http://schemas.openxmlformats.org/drawingml/2006/main" xmlns:r="http://schemas.openxmlformats.org/officeDocument/2006/relationships" xmlns:p="http://schemas.openxmlformats.org/presentationml/2006/main">
   <p:cSld>
     <p:spTree>
@@ -7343,10 +8962,6 @@
               </a:rPr>
               <a:t>가시화 화면 예시</a:t>
             </a:r>
-            <a:endParaRPr lang="ko-KR" altLang="en-US" dirty="0">
-              <a:latin typeface="나눔스퀘어 Bold" panose="020B0600000101010101" pitchFamily="50" charset="-127"/>
-              <a:ea typeface="나눔스퀘어 Bold" panose="020B0600000101010101" pitchFamily="50" charset="-127"/>
-            </a:endParaRPr>
           </a:p>
         </p:txBody>
       </p:sp>
@@ -8790,17 +10405,10 @@
   <p:clrMapOvr>
     <a:masterClrMapping/>
   </p:clrMapOvr>
-  <p:timing>
-    <p:tnLst>
-      <p:par>
-        <p:cTn id="1" dur="indefinite" restart="never" nodeType="tmRoot"/>
-      </p:par>
-    </p:tnLst>
-  </p:timing>
 </p:sld>
 </file>
 
-<file path=ppt/slides/slide13.xml><?xml version="1.0" encoding="utf-8"?>
+<file path=ppt/slides/slide14.xml><?xml version="1.0" encoding="utf-8"?>
 <p:sld xmlns:a="http://schemas.openxmlformats.org/drawingml/2006/main" xmlns:r="http://schemas.openxmlformats.org/officeDocument/2006/relationships" xmlns:p="http://schemas.openxmlformats.org/presentationml/2006/main">
   <p:cSld>
     <p:spTree>
@@ -8873,10 +10481,6 @@
               </a:rPr>
               <a:t>가시화 화면 예시</a:t>
             </a:r>
-            <a:endParaRPr lang="ko-KR" altLang="en-US" dirty="0">
-              <a:latin typeface="나눔스퀘어 Bold" panose="020B0600000101010101" pitchFamily="50" charset="-127"/>
-              <a:ea typeface="나눔스퀘어 Bold" panose="020B0600000101010101" pitchFamily="50" charset="-127"/>
-            </a:endParaRPr>
           </a:p>
         </p:txBody>
       </p:sp>
@@ -8947,7 +10551,7 @@
                 <a:latin typeface="나눔스퀘어" panose="020B0600000101010101" pitchFamily="50" charset="-127"/>
                 <a:ea typeface="나눔스퀘어" panose="020B0600000101010101" pitchFamily="50" charset="-127"/>
               </a:rPr>
-              <a:t>뒤로감기</a:t>
+              <a:t>감속</a:t>
             </a:r>
             <a:r>
               <a:rPr lang="en-US" altLang="ko-KR" sz="1600" dirty="0">
@@ -8961,7 +10565,7 @@
                 <a:latin typeface="나눔스퀘어" panose="020B0600000101010101" pitchFamily="50" charset="-127"/>
                 <a:ea typeface="나눔스퀘어" panose="020B0600000101010101" pitchFamily="50" charset="-127"/>
               </a:rPr>
-              <a:t>앞으로감기</a:t>
+              <a:t>가속</a:t>
             </a:r>
             <a:endParaRPr lang="en-US" altLang="ko-KR" sz="1400" dirty="0">
               <a:latin typeface="나눔스퀘어" panose="020B0600000101010101" pitchFamily="50" charset="-127"/>
@@ -10690,14 +12294,14 @@
           <a:p>
             <a:pPr algn="ctr"/>
             <a:r>
-              <a:rPr lang="ko-KR" altLang="en-US" sz="1600" dirty="0" err="1">
+              <a:rPr lang="ko-KR" altLang="en-US" sz="1600">
                 <a:solidFill>
                   <a:srgbClr val="FF0000"/>
                 </a:solidFill>
                 <a:latin typeface="나눔스퀘어" panose="020B0600000101010101" pitchFamily="50" charset="-127"/>
                 <a:ea typeface="나눔스퀘어" panose="020B0600000101010101" pitchFamily="50" charset="-127"/>
               </a:rPr>
-              <a:t>배속상태</a:t>
+              <a:t>가속상태</a:t>
             </a:r>
             <a:endParaRPr lang="en-US" altLang="ko-KR" sz="1400" dirty="0">
               <a:solidFill>
@@ -11259,17 +12863,10 @@
   <p:clrMapOvr>
     <a:masterClrMapping/>
   </p:clrMapOvr>
-  <p:timing>
-    <p:tnLst>
-      <p:par>
-        <p:cTn id="1" dur="indefinite" restart="never" nodeType="tmRoot"/>
-      </p:par>
-    </p:tnLst>
-  </p:timing>
 </p:sld>
 </file>
 
-<file path=ppt/slides/slide14.xml><?xml version="1.0" encoding="utf-8"?>
+<file path=ppt/slides/slide15.xml><?xml version="1.0" encoding="utf-8"?>
 <p:sld xmlns:a="http://schemas.openxmlformats.org/drawingml/2006/main" xmlns:r="http://schemas.openxmlformats.org/officeDocument/2006/relationships" xmlns:p="http://schemas.openxmlformats.org/presentationml/2006/main">
   <p:cSld>
     <p:spTree>
@@ -11342,10 +12939,6 @@
               </a:rPr>
               <a:t>가시화 화면 예시</a:t>
             </a:r>
-            <a:endParaRPr lang="ko-KR" altLang="en-US" dirty="0">
-              <a:latin typeface="나눔스퀘어 Bold" panose="020B0600000101010101" pitchFamily="50" charset="-127"/>
-              <a:ea typeface="나눔스퀘어 Bold" panose="020B0600000101010101" pitchFamily="50" charset="-127"/>
-            </a:endParaRPr>
           </a:p>
         </p:txBody>
       </p:sp>
@@ -14200,17 +15793,10 @@
   <p:clrMapOvr>
     <a:masterClrMapping/>
   </p:clrMapOvr>
-  <p:timing>
-    <p:tnLst>
-      <p:par>
-        <p:cTn id="1" dur="indefinite" restart="never" nodeType="tmRoot"/>
-      </p:par>
-    </p:tnLst>
-  </p:timing>
 </p:sld>
 </file>
 
-<file path=ppt/slides/slide15.xml><?xml version="1.0" encoding="utf-8"?>
+<file path=ppt/slides/slide16.xml><?xml version="1.0" encoding="utf-8"?>
 <p:sld xmlns:a="http://schemas.openxmlformats.org/drawingml/2006/main" xmlns:r="http://schemas.openxmlformats.org/officeDocument/2006/relationships" xmlns:p="http://schemas.openxmlformats.org/presentationml/2006/main">
   <p:cSld>
     <p:spTree>
@@ -14283,10 +15869,6 @@
               </a:rPr>
               <a:t>가시화 화면 예시</a:t>
             </a:r>
-            <a:endParaRPr lang="ko-KR" altLang="en-US" dirty="0">
-              <a:latin typeface="나눔스퀘어 Bold" panose="020B0600000101010101" pitchFamily="50" charset="-127"/>
-              <a:ea typeface="나눔스퀘어 Bold" panose="020B0600000101010101" pitchFamily="50" charset="-127"/>
-            </a:endParaRPr>
           </a:p>
         </p:txBody>
       </p:sp>
@@ -16880,17 +18462,2294 @@
   <p:clrMapOvr>
     <a:masterClrMapping/>
   </p:clrMapOvr>
-  <p:timing>
-    <p:tnLst>
-      <p:par>
-        <p:cTn id="1" dur="indefinite" restart="never" nodeType="tmRoot"/>
-      </p:par>
-    </p:tnLst>
-  </p:timing>
 </p:sld>
 </file>
 
 <file path=ppt/slides/slide2.xml><?xml version="1.0" encoding="utf-8"?>
+<p:sld xmlns:a="http://schemas.openxmlformats.org/drawingml/2006/main" xmlns:r="http://schemas.openxmlformats.org/officeDocument/2006/relationships" xmlns:p="http://schemas.openxmlformats.org/presentationml/2006/main">
+  <p:cSld>
+    <p:spTree>
+      <p:nvGrpSpPr>
+        <p:cNvPr id="1" name=""/>
+        <p:cNvGrpSpPr/>
+        <p:nvPr/>
+      </p:nvGrpSpPr>
+      <p:grpSpPr>
+        <a:xfrm>
+          <a:off x="0" y="0"/>
+          <a:ext cx="0" cy="0"/>
+          <a:chOff x="0" y="0"/>
+          <a:chExt cx="0" cy="0"/>
+        </a:xfrm>
+      </p:grpSpPr>
+      <p:sp>
+        <p:nvSpPr>
+          <p:cNvPr id="12" name="직사각형 11">
+            <a:extLst>
+              <a:ext uri="{FF2B5EF4-FFF2-40B4-BE49-F238E27FC236}">
+                <a16:creationId xmlns:a16="http://schemas.microsoft.com/office/drawing/2014/main" id="{5F6FDDE3-D113-4B6E-B1A0-3127D6C9AE6E}"/>
+              </a:ext>
+            </a:extLst>
+          </p:cNvPr>
+          <p:cNvSpPr/>
+          <p:nvPr/>
+        </p:nvSpPr>
+        <p:spPr>
+          <a:xfrm>
+            <a:off x="201100" y="656298"/>
+            <a:ext cx="11715283" cy="5816977"/>
+          </a:xfrm>
+          <a:prstGeom prst="rect">
+            <a:avLst/>
+          </a:prstGeom>
+        </p:spPr>
+        <p:txBody>
+          <a:bodyPr wrap="square">
+            <a:spAutoFit/>
+          </a:bodyPr>
+          <a:lstStyle/>
+          <a:p>
+            <a:r>
+              <a:rPr lang="en-US" altLang="ko-KR" sz="1600" dirty="0">
+                <a:latin typeface="나눔스퀘어" panose="020B0600000101010101" pitchFamily="50" charset="-127"/>
+                <a:ea typeface="나눔스퀘어" panose="020B0600000101010101" pitchFamily="50" charset="-127"/>
+              </a:rPr>
+              <a:t>※ UnitySW</a:t>
+            </a:r>
+            <a:r>
+              <a:rPr lang="ko-KR" altLang="en-US" sz="1600" dirty="0">
+                <a:latin typeface="나눔스퀘어" panose="020B0600000101010101" pitchFamily="50" charset="-127"/>
+                <a:ea typeface="나눔스퀘어" panose="020B0600000101010101" pitchFamily="50" charset="-127"/>
+              </a:rPr>
+              <a:t>는 </a:t>
+            </a:r>
+            <a:r>
+              <a:rPr lang="en-US" altLang="ko-KR" sz="1600" dirty="0">
+                <a:latin typeface="나눔스퀘어" panose="020B0600000101010101" pitchFamily="50" charset="-127"/>
+                <a:ea typeface="나눔스퀘어" panose="020B0600000101010101" pitchFamily="50" charset="-127"/>
+              </a:rPr>
+              <a:t>OHTSim</a:t>
+            </a:r>
+            <a:r>
+              <a:rPr lang="ko-KR" altLang="en-US" sz="1600" dirty="0">
+                <a:latin typeface="나눔스퀘어" panose="020B0600000101010101" pitchFamily="50" charset="-127"/>
+                <a:ea typeface="나눔스퀘어" panose="020B0600000101010101" pitchFamily="50" charset="-127"/>
+              </a:rPr>
+              <a:t>과 연결하여 동작하는 </a:t>
+            </a:r>
+            <a:r>
+              <a:rPr lang="ko-KR" altLang="en-US" dirty="0">
+                <a:latin typeface="나눔스퀘어 Bold" panose="020B0600000101010101" pitchFamily="50" charset="-127"/>
+                <a:ea typeface="나눔스퀘어 Bold" panose="020B0600000101010101" pitchFamily="50" charset="-127"/>
+              </a:rPr>
+              <a:t>연동형 가시화 모드</a:t>
+            </a:r>
+            <a:r>
+              <a:rPr lang="en-US" altLang="ko-KR" dirty="0">
+                <a:latin typeface="나눔스퀘어 Bold" panose="020B0600000101010101" pitchFamily="50" charset="-127"/>
+                <a:ea typeface="나눔스퀘어 Bold" panose="020B0600000101010101" pitchFamily="50" charset="-127"/>
+              </a:rPr>
+              <a:t>(Online)</a:t>
+            </a:r>
+            <a:r>
+              <a:rPr lang="ko-KR" altLang="en-US" dirty="0">
+                <a:latin typeface="나눔스퀘어 Bold" panose="020B0600000101010101" pitchFamily="50" charset="-127"/>
+                <a:ea typeface="나눔스퀘어 Bold" panose="020B0600000101010101" pitchFamily="50" charset="-127"/>
+              </a:rPr>
+              <a:t> </a:t>
+            </a:r>
+            <a:r>
+              <a:rPr lang="en-US" altLang="ko-KR" sz="1600" dirty="0">
+                <a:latin typeface="나눔스퀘어" panose="020B0600000101010101" pitchFamily="50" charset="-127"/>
+                <a:ea typeface="나눔스퀘어" panose="020B0600000101010101" pitchFamily="50" charset="-127"/>
+              </a:rPr>
+              <a:t>, DB</a:t>
+            </a:r>
+            <a:r>
+              <a:rPr lang="ko-KR" altLang="en-US" sz="1600" dirty="0">
+                <a:latin typeface="나눔스퀘어" panose="020B0600000101010101" pitchFamily="50" charset="-127"/>
+                <a:ea typeface="나눔스퀘어" panose="020B0600000101010101" pitchFamily="50" charset="-127"/>
+              </a:rPr>
+              <a:t>만 </a:t>
+            </a:r>
+            <a:r>
+              <a:rPr lang="en-US" altLang="ko-KR" sz="1600" dirty="0">
+                <a:latin typeface="나눔스퀘어" panose="020B0600000101010101" pitchFamily="50" charset="-127"/>
+                <a:ea typeface="나눔스퀘어" panose="020B0600000101010101" pitchFamily="50" charset="-127"/>
+              </a:rPr>
+              <a:t>Load</a:t>
+            </a:r>
+            <a:r>
+              <a:rPr lang="ko-KR" altLang="en-US" sz="1600" dirty="0">
+                <a:latin typeface="나눔스퀘어" panose="020B0600000101010101" pitchFamily="50" charset="-127"/>
+                <a:ea typeface="나눔스퀘어" panose="020B0600000101010101" pitchFamily="50" charset="-127"/>
+              </a:rPr>
+              <a:t>하여 가시화해주는 </a:t>
+            </a:r>
+            <a:r>
+              <a:rPr lang="ko-KR" altLang="en-US" dirty="0">
+                <a:latin typeface="나눔스퀘어 Bold" panose="020B0600000101010101" pitchFamily="50" charset="-127"/>
+                <a:ea typeface="나눔스퀘어 Bold" panose="020B0600000101010101" pitchFamily="50" charset="-127"/>
+              </a:rPr>
+              <a:t>독립형 가시화 모드</a:t>
+            </a:r>
+            <a:r>
+              <a:rPr lang="en-US" altLang="ko-KR" dirty="0">
+                <a:latin typeface="나눔스퀘어 Bold" panose="020B0600000101010101" pitchFamily="50" charset="-127"/>
+                <a:ea typeface="나눔스퀘어 Bold" panose="020B0600000101010101" pitchFamily="50" charset="-127"/>
+              </a:rPr>
+              <a:t>(Offline)</a:t>
+            </a:r>
+            <a:r>
+              <a:rPr lang="ko-KR" altLang="en-US" sz="1600" dirty="0">
+                <a:latin typeface="나눔스퀘어" panose="020B0600000101010101" pitchFamily="50" charset="-127"/>
+                <a:ea typeface="나눔스퀘어" panose="020B0600000101010101" pitchFamily="50" charset="-127"/>
+              </a:rPr>
+              <a:t>가 있으며</a:t>
+            </a:r>
+            <a:r>
+              <a:rPr lang="en-US" altLang="ko-KR" sz="1600" dirty="0">
+                <a:latin typeface="나눔스퀘어" panose="020B0600000101010101" pitchFamily="50" charset="-127"/>
+                <a:ea typeface="나눔스퀘어" panose="020B0600000101010101" pitchFamily="50" charset="-127"/>
+              </a:rPr>
+              <a:t>, </a:t>
+            </a:r>
+            <a:r>
+              <a:rPr lang="ko-KR" altLang="en-US" sz="1600" dirty="0">
+                <a:latin typeface="나눔스퀘어" panose="020B0600000101010101" pitchFamily="50" charset="-127"/>
+                <a:ea typeface="나눔스퀘어" panose="020B0600000101010101" pitchFamily="50" charset="-127"/>
+              </a:rPr>
+              <a:t>사용자가 프로그램 첫 실행 시 선택할 수 있어야 한다</a:t>
+            </a:r>
+            <a:r>
+              <a:rPr lang="en-US" altLang="ko-KR" sz="1600" dirty="0">
+                <a:latin typeface="나눔스퀘어" panose="020B0600000101010101" pitchFamily="50" charset="-127"/>
+                <a:ea typeface="나눔스퀘어" panose="020B0600000101010101" pitchFamily="50" charset="-127"/>
+              </a:rPr>
+              <a:t>.</a:t>
+            </a:r>
+          </a:p>
+          <a:p>
+            <a:endParaRPr lang="en-US" altLang="ko-KR" sz="1600" dirty="0">
+              <a:latin typeface="나눔스퀘어" panose="020B0600000101010101" pitchFamily="50" charset="-127"/>
+              <a:ea typeface="나눔스퀘어" panose="020B0600000101010101" pitchFamily="50" charset="-127"/>
+            </a:endParaRPr>
+          </a:p>
+          <a:p>
+            <a:r>
+              <a:rPr lang="en-US" altLang="ko-KR" sz="1600" dirty="0">
+                <a:latin typeface="나눔스퀘어" panose="020B0600000101010101" pitchFamily="50" charset="-127"/>
+                <a:ea typeface="나눔스퀘어" panose="020B0600000101010101" pitchFamily="50" charset="-127"/>
+              </a:rPr>
+              <a:t>※ JSON</a:t>
+            </a:r>
+            <a:r>
+              <a:rPr lang="ko-KR" altLang="en-US" sz="1600" dirty="0">
+                <a:latin typeface="나눔스퀘어" panose="020B0600000101010101" pitchFamily="50" charset="-127"/>
+                <a:ea typeface="나눔스퀘어" panose="020B0600000101010101" pitchFamily="50" charset="-127"/>
+              </a:rPr>
+              <a:t>파일은 모드 선택에 상관없이 필수적으로 선택을 해 주어야 한다</a:t>
+            </a:r>
+            <a:r>
+              <a:rPr lang="en-US" altLang="ko-KR" sz="1600" dirty="0">
+                <a:latin typeface="나눔스퀘어" panose="020B0600000101010101" pitchFamily="50" charset="-127"/>
+                <a:ea typeface="나눔스퀘어" panose="020B0600000101010101" pitchFamily="50" charset="-127"/>
+              </a:rPr>
+              <a:t>.</a:t>
+            </a:r>
+          </a:p>
+          <a:p>
+            <a:endParaRPr lang="en-US" altLang="ko-KR" sz="1600" dirty="0">
+              <a:latin typeface="나눔스퀘어" panose="020B0600000101010101" pitchFamily="50" charset="-127"/>
+              <a:ea typeface="나눔스퀘어" panose="020B0600000101010101" pitchFamily="50" charset="-127"/>
+            </a:endParaRPr>
+          </a:p>
+          <a:p>
+            <a:r>
+              <a:rPr lang="en-US" altLang="ko-KR" sz="1600" dirty="0">
+                <a:latin typeface="나눔스퀘어" panose="020B0600000101010101" pitchFamily="50" charset="-127"/>
+                <a:ea typeface="나눔스퀘어" panose="020B0600000101010101" pitchFamily="50" charset="-127"/>
+              </a:rPr>
+              <a:t>※ UnitySW</a:t>
+            </a:r>
+            <a:r>
+              <a:rPr lang="ko-KR" altLang="en-US" sz="1600" dirty="0">
+                <a:latin typeface="나눔스퀘어" panose="020B0600000101010101" pitchFamily="50" charset="-127"/>
+                <a:ea typeface="나눔스퀘어" panose="020B0600000101010101" pitchFamily="50" charset="-127"/>
+              </a:rPr>
+              <a:t>는 </a:t>
+            </a:r>
+            <a:r>
+              <a:rPr lang="ko-KR" altLang="en-US" sz="1600" dirty="0" err="1">
+                <a:latin typeface="나눔스퀘어" panose="020B0600000101010101" pitchFamily="50" charset="-127"/>
+                <a:ea typeface="나눔스퀘어" panose="020B0600000101010101" pitchFamily="50" charset="-127"/>
+              </a:rPr>
+              <a:t>소켓통신에</a:t>
+            </a:r>
+            <a:r>
+              <a:rPr lang="ko-KR" altLang="en-US" sz="1600" dirty="0">
+                <a:latin typeface="나눔스퀘어" panose="020B0600000101010101" pitchFamily="50" charset="-127"/>
+                <a:ea typeface="나눔스퀘어" panose="020B0600000101010101" pitchFamily="50" charset="-127"/>
+              </a:rPr>
+              <a:t> 있어 </a:t>
+            </a:r>
+            <a:r>
+              <a:rPr lang="en-US" altLang="ko-KR" sz="1600" dirty="0">
+                <a:latin typeface="나눔스퀘어" panose="020B0600000101010101" pitchFamily="50" charset="-127"/>
+                <a:ea typeface="나눔스퀘어" panose="020B0600000101010101" pitchFamily="50" charset="-127"/>
+              </a:rPr>
+              <a:t>Server</a:t>
+            </a:r>
+            <a:r>
+              <a:rPr lang="ko-KR" altLang="en-US" sz="1600" dirty="0">
+                <a:latin typeface="나눔스퀘어" panose="020B0600000101010101" pitchFamily="50" charset="-127"/>
+                <a:ea typeface="나눔스퀘어" panose="020B0600000101010101" pitchFamily="50" charset="-127"/>
+              </a:rPr>
+              <a:t>로서 동작하며</a:t>
+            </a:r>
+            <a:r>
+              <a:rPr lang="en-US" altLang="ko-KR" sz="1600" dirty="0">
+                <a:latin typeface="나눔스퀘어" panose="020B0600000101010101" pitchFamily="50" charset="-127"/>
+                <a:ea typeface="나눔스퀘어" panose="020B0600000101010101" pitchFamily="50" charset="-127"/>
+              </a:rPr>
+              <a:t>, OHTSim</a:t>
+            </a:r>
+            <a:r>
+              <a:rPr lang="ko-KR" altLang="en-US" sz="1600" dirty="0">
+                <a:latin typeface="나눔스퀘어" panose="020B0600000101010101" pitchFamily="50" charset="-127"/>
+                <a:ea typeface="나눔스퀘어" panose="020B0600000101010101" pitchFamily="50" charset="-127"/>
+              </a:rPr>
+              <a:t>은 </a:t>
+            </a:r>
+            <a:r>
+              <a:rPr lang="en-US" altLang="ko-KR" sz="1600" dirty="0">
+                <a:latin typeface="나눔스퀘어" panose="020B0600000101010101" pitchFamily="50" charset="-127"/>
+                <a:ea typeface="나눔스퀘어" panose="020B0600000101010101" pitchFamily="50" charset="-127"/>
+              </a:rPr>
+              <a:t>Client</a:t>
+            </a:r>
+            <a:r>
+              <a:rPr lang="ko-KR" altLang="en-US" sz="1600" dirty="0">
+                <a:latin typeface="나눔스퀘어" panose="020B0600000101010101" pitchFamily="50" charset="-127"/>
+                <a:ea typeface="나눔스퀘어" panose="020B0600000101010101" pitchFamily="50" charset="-127"/>
+              </a:rPr>
+              <a:t>로 동작한다</a:t>
+            </a:r>
+            <a:r>
+              <a:rPr lang="en-US" altLang="ko-KR" sz="1600" dirty="0">
+                <a:latin typeface="나눔스퀘어" panose="020B0600000101010101" pitchFamily="50" charset="-127"/>
+                <a:ea typeface="나눔스퀘어" panose="020B0600000101010101" pitchFamily="50" charset="-127"/>
+              </a:rPr>
+              <a:t>.</a:t>
+            </a:r>
+          </a:p>
+          <a:p>
+            <a:endParaRPr lang="en-US" altLang="ko-KR" sz="1600" dirty="0">
+              <a:latin typeface="나눔스퀘어" panose="020B0600000101010101" pitchFamily="50" charset="-127"/>
+              <a:ea typeface="나눔스퀘어" panose="020B0600000101010101" pitchFamily="50" charset="-127"/>
+            </a:endParaRPr>
+          </a:p>
+          <a:p>
+            <a:r>
+              <a:rPr lang="en-US" altLang="ko-KR" sz="1600" dirty="0">
+                <a:latin typeface="나눔스퀘어" panose="020B0600000101010101" pitchFamily="50" charset="-127"/>
+                <a:ea typeface="나눔스퀘어" panose="020B0600000101010101" pitchFamily="50" charset="-127"/>
+              </a:rPr>
+              <a:t>※ UnitySW</a:t>
+            </a:r>
+            <a:r>
+              <a:rPr lang="ko-KR" altLang="en-US" sz="1600" dirty="0">
+                <a:latin typeface="나눔스퀘어" panose="020B0600000101010101" pitchFamily="50" charset="-127"/>
+                <a:ea typeface="나눔스퀘어" panose="020B0600000101010101" pitchFamily="50" charset="-127"/>
+              </a:rPr>
+              <a:t>는 </a:t>
+            </a:r>
+            <a:r>
+              <a:rPr lang="en-US" altLang="ko-KR" sz="1600" dirty="0">
+                <a:latin typeface="나눔스퀘어" panose="020B0600000101010101" pitchFamily="50" charset="-127"/>
+                <a:ea typeface="나눔스퀘어" panose="020B0600000101010101" pitchFamily="50" charset="-127"/>
+              </a:rPr>
+              <a:t>OHT </a:t>
+            </a:r>
+            <a:r>
+              <a:rPr lang="ko-KR" altLang="en-US" sz="1600" dirty="0">
+                <a:latin typeface="나눔스퀘어" panose="020B0600000101010101" pitchFamily="50" charset="-127"/>
+                <a:ea typeface="나눔스퀘어" panose="020B0600000101010101" pitchFamily="50" charset="-127"/>
+              </a:rPr>
+              <a:t>동작 검증을 위한 사용자 인터페이스와</a:t>
+            </a:r>
+            <a:r>
+              <a:rPr lang="en-US" altLang="ko-KR" sz="1600" dirty="0">
+                <a:latin typeface="나눔스퀘어" panose="020B0600000101010101" pitchFamily="50" charset="-127"/>
+                <a:ea typeface="나눔스퀘어" panose="020B0600000101010101" pitchFamily="50" charset="-127"/>
+              </a:rPr>
+              <a:t>, </a:t>
+            </a:r>
+            <a:r>
+              <a:rPr lang="ko-KR" altLang="en-US" sz="1600" dirty="0">
+                <a:latin typeface="나눔스퀘어" panose="020B0600000101010101" pitchFamily="50" charset="-127"/>
+                <a:ea typeface="나눔스퀘어" panose="020B0600000101010101" pitchFamily="50" charset="-127"/>
+              </a:rPr>
+              <a:t>성능 분석을 위한 사용자 인터페이스를 제공해야 하며</a:t>
+            </a:r>
+            <a:r>
+              <a:rPr lang="en-US" altLang="ko-KR" sz="1600" dirty="0">
+                <a:latin typeface="나눔스퀘어" panose="020B0600000101010101" pitchFamily="50" charset="-127"/>
+                <a:ea typeface="나눔스퀘어" panose="020B0600000101010101" pitchFamily="50" charset="-127"/>
+              </a:rPr>
+              <a:t>, </a:t>
+            </a:r>
+            <a:r>
+              <a:rPr lang="ko-KR" altLang="en-US" sz="1600" dirty="0">
+                <a:latin typeface="나눔스퀘어" panose="020B0600000101010101" pitchFamily="50" charset="-127"/>
+                <a:ea typeface="나눔스퀘어" panose="020B0600000101010101" pitchFamily="50" charset="-127"/>
+              </a:rPr>
+              <a:t>인터페이스 필수 항목은 한기대에서 식별하여 전달한다</a:t>
+            </a:r>
+            <a:r>
+              <a:rPr lang="en-US" altLang="ko-KR" sz="1600" dirty="0">
+                <a:latin typeface="나눔스퀘어" panose="020B0600000101010101" pitchFamily="50" charset="-127"/>
+                <a:ea typeface="나눔스퀘어" panose="020B0600000101010101" pitchFamily="50" charset="-127"/>
+              </a:rPr>
+              <a:t>.</a:t>
+            </a:r>
+          </a:p>
+          <a:p>
+            <a:endParaRPr lang="en-US" altLang="ko-KR" sz="1600" dirty="0">
+              <a:latin typeface="나눔스퀘어 Bold" panose="020B0600000101010101" pitchFamily="50" charset="-127"/>
+              <a:ea typeface="나눔스퀘어 Bold" panose="020B0600000101010101" pitchFamily="50" charset="-127"/>
+            </a:endParaRPr>
+          </a:p>
+          <a:p>
+            <a:pPr marL="285750" indent="-285750">
+              <a:buFont typeface="Arial" panose="020B0604020202020204" pitchFamily="34" charset="0"/>
+              <a:buChar char="•"/>
+            </a:pPr>
+            <a:r>
+              <a:rPr lang="ko-KR" altLang="en-US" sz="1600" dirty="0">
+                <a:latin typeface="나눔스퀘어 Bold" panose="020B0600000101010101" pitchFamily="50" charset="-127"/>
+                <a:ea typeface="나눔스퀘어 Bold" panose="020B0600000101010101" pitchFamily="50" charset="-127"/>
+              </a:rPr>
+              <a:t>독립형 가시화 모드</a:t>
+            </a:r>
+            <a:r>
+              <a:rPr lang="en-US" altLang="ko-KR" sz="1600" dirty="0">
+                <a:latin typeface="나눔스퀘어 Bold" panose="020B0600000101010101" pitchFamily="50" charset="-127"/>
+                <a:ea typeface="나눔스퀘어 Bold" panose="020B0600000101010101" pitchFamily="50" charset="-127"/>
+              </a:rPr>
+              <a:t>(Offline)</a:t>
+            </a:r>
+            <a:r>
+              <a:rPr lang="en-US" altLang="ko-KR" sz="1600" dirty="0">
+                <a:latin typeface="나눔스퀘어" panose="020B0600000101010101" pitchFamily="50" charset="-127"/>
+                <a:ea typeface="나눔스퀘어" panose="020B0600000101010101" pitchFamily="50" charset="-127"/>
+              </a:rPr>
+              <a:t>: </a:t>
+            </a:r>
+          </a:p>
+          <a:p>
+            <a:pPr marL="742950" lvl="1" indent="-285750">
+              <a:buFont typeface="Wingdings" panose="05000000000000000000" pitchFamily="2" charset="2"/>
+              <a:buChar char="ü"/>
+            </a:pPr>
+            <a:r>
+              <a:rPr lang="ko-KR" altLang="en-US" sz="1600" dirty="0">
+                <a:latin typeface="나눔스퀘어" panose="020B0600000101010101" pitchFamily="50" charset="-127"/>
+                <a:ea typeface="나눔스퀘어" panose="020B0600000101010101" pitchFamily="50" charset="-127"/>
+              </a:rPr>
+              <a:t>저장된 설비</a:t>
+            </a:r>
+            <a:r>
+              <a:rPr lang="en-US" altLang="ko-KR" sz="1600" dirty="0">
+                <a:latin typeface="나눔스퀘어" panose="020B0600000101010101" pitchFamily="50" charset="-127"/>
+                <a:ea typeface="나눔스퀘어" panose="020B0600000101010101" pitchFamily="50" charset="-127"/>
+              </a:rPr>
+              <a:t>, </a:t>
+            </a:r>
+            <a:r>
+              <a:rPr lang="ko-KR" altLang="en-US" sz="1600" dirty="0">
+                <a:latin typeface="나눔스퀘어" panose="020B0600000101010101" pitchFamily="50" charset="-127"/>
+                <a:ea typeface="나눔스퀘어" panose="020B0600000101010101" pitchFamily="50" charset="-127"/>
+              </a:rPr>
+              <a:t>비클</a:t>
+            </a:r>
+            <a:r>
+              <a:rPr lang="en-US" altLang="ko-KR" sz="1600" dirty="0">
+                <a:latin typeface="나눔스퀘어" panose="020B0600000101010101" pitchFamily="50" charset="-127"/>
+                <a:ea typeface="나눔스퀘어" panose="020B0600000101010101" pitchFamily="50" charset="-127"/>
+              </a:rPr>
+              <a:t> </a:t>
+            </a:r>
+            <a:r>
+              <a:rPr lang="ko-KR" altLang="en-US" sz="1600" dirty="0">
+                <a:latin typeface="나눔스퀘어" panose="020B0600000101010101" pitchFamily="50" charset="-127"/>
+                <a:ea typeface="나눔스퀘어" panose="020B0600000101010101" pitchFamily="50" charset="-127"/>
+              </a:rPr>
+              <a:t>등의 정보를 </a:t>
+            </a:r>
+            <a:r>
+              <a:rPr lang="en-US" altLang="ko-KR" sz="1600" dirty="0">
+                <a:latin typeface="나눔스퀘어" panose="020B0600000101010101" pitchFamily="50" charset="-127"/>
+                <a:ea typeface="나눔스퀘어" panose="020B0600000101010101" pitchFamily="50" charset="-127"/>
+              </a:rPr>
+              <a:t>DB</a:t>
+            </a:r>
+            <a:r>
+              <a:rPr lang="ko-KR" altLang="en-US" sz="1600" dirty="0">
+                <a:latin typeface="나눔스퀘어" panose="020B0600000101010101" pitchFamily="50" charset="-127"/>
+                <a:ea typeface="나눔스퀘어" panose="020B0600000101010101" pitchFamily="50" charset="-127"/>
+              </a:rPr>
+              <a:t>로부터 불러와서 시간순서에 맞게 가시화 해주는 모드로서 </a:t>
+            </a:r>
+            <a:r>
+              <a:rPr lang="en-US" altLang="ko-KR" sz="1600" dirty="0">
+                <a:latin typeface="나눔스퀘어" panose="020B0600000101010101" pitchFamily="50" charset="-127"/>
+                <a:ea typeface="나눔스퀘어" panose="020B0600000101010101" pitchFamily="50" charset="-127"/>
+              </a:rPr>
+              <a:t>OHTSim</a:t>
+            </a:r>
+            <a:r>
+              <a:rPr lang="ko-KR" altLang="en-US" sz="1600" dirty="0">
+                <a:latin typeface="나눔스퀘어" panose="020B0600000101010101" pitchFamily="50" charset="-127"/>
+                <a:ea typeface="나눔스퀘어" panose="020B0600000101010101" pitchFamily="50" charset="-127"/>
+              </a:rPr>
+              <a:t> 연동없이 독립적으로 동작한다</a:t>
+            </a:r>
+            <a:r>
+              <a:rPr lang="en-US" altLang="ko-KR" sz="1600" dirty="0">
+                <a:latin typeface="나눔스퀘어" panose="020B0600000101010101" pitchFamily="50" charset="-127"/>
+                <a:ea typeface="나눔스퀘어" panose="020B0600000101010101" pitchFamily="50" charset="-127"/>
+              </a:rPr>
+              <a:t>.</a:t>
+            </a:r>
+          </a:p>
+          <a:p>
+            <a:pPr marL="742950" lvl="1" indent="-285750">
+              <a:buFont typeface="Wingdings" panose="05000000000000000000" pitchFamily="2" charset="2"/>
+              <a:buChar char="ü"/>
+            </a:pPr>
+            <a:r>
+              <a:rPr lang="ko-KR" altLang="en-US" sz="1600" dirty="0">
+                <a:latin typeface="나눔스퀘어" panose="020B0600000101010101" pitchFamily="50" charset="-127"/>
+                <a:ea typeface="나눔스퀘어" panose="020B0600000101010101" pitchFamily="50" charset="-127"/>
+              </a:rPr>
+              <a:t>감속</a:t>
+            </a:r>
+            <a:r>
+              <a:rPr lang="en-US" altLang="ko-KR" sz="1600" dirty="0">
+                <a:latin typeface="나눔스퀘어" panose="020B0600000101010101" pitchFamily="50" charset="-127"/>
+                <a:ea typeface="나눔스퀘어" panose="020B0600000101010101" pitchFamily="50" charset="-127"/>
+              </a:rPr>
+              <a:t>, </a:t>
+            </a:r>
+            <a:r>
+              <a:rPr lang="ko-KR" altLang="en-US" sz="1600" dirty="0">
+                <a:latin typeface="나눔스퀘어" panose="020B0600000101010101" pitchFamily="50" charset="-127"/>
+                <a:ea typeface="나눔스퀘어" panose="020B0600000101010101" pitchFamily="50" charset="-127"/>
+              </a:rPr>
+              <a:t>가속</a:t>
+            </a:r>
+            <a:r>
+              <a:rPr lang="en-US" altLang="ko-KR" sz="1600" dirty="0">
+                <a:latin typeface="나눔스퀘어" panose="020B0600000101010101" pitchFamily="50" charset="-127"/>
+                <a:ea typeface="나눔스퀘어" panose="020B0600000101010101" pitchFamily="50" charset="-127"/>
+              </a:rPr>
+              <a:t>, </a:t>
+            </a:r>
+            <a:r>
+              <a:rPr lang="ko-KR" altLang="en-US" sz="1600" dirty="0">
+                <a:latin typeface="나눔스퀘어" panose="020B0600000101010101" pitchFamily="50" charset="-127"/>
+                <a:ea typeface="나눔스퀘어" panose="020B0600000101010101" pitchFamily="50" charset="-127"/>
+              </a:rPr>
+              <a:t>정지</a:t>
+            </a:r>
+            <a:r>
+              <a:rPr lang="en-US" altLang="ko-KR" sz="1600" dirty="0">
+                <a:latin typeface="나눔스퀘어" panose="020B0600000101010101" pitchFamily="50" charset="-127"/>
+                <a:ea typeface="나눔스퀘어" panose="020B0600000101010101" pitchFamily="50" charset="-127"/>
+              </a:rPr>
+              <a:t>, </a:t>
+            </a:r>
+            <a:r>
+              <a:rPr lang="ko-KR" altLang="en-US" sz="1600" dirty="0">
+                <a:latin typeface="나눔스퀘어" panose="020B0600000101010101" pitchFamily="50" charset="-127"/>
+                <a:ea typeface="나눔스퀘어" panose="020B0600000101010101" pitchFamily="50" charset="-127"/>
+              </a:rPr>
+              <a:t>재생</a:t>
+            </a:r>
+            <a:r>
+              <a:rPr lang="en-US" altLang="ko-KR" sz="1600" dirty="0">
+                <a:latin typeface="나눔스퀘어" panose="020B0600000101010101" pitchFamily="50" charset="-127"/>
+                <a:ea typeface="나눔스퀘어" panose="020B0600000101010101" pitchFamily="50" charset="-127"/>
+              </a:rPr>
+              <a:t>, </a:t>
+            </a:r>
+            <a:r>
+              <a:rPr lang="ko-KR" altLang="en-US" sz="1600" dirty="0">
+                <a:latin typeface="나눔스퀘어" panose="020B0600000101010101" pitchFamily="50" charset="-127"/>
+                <a:ea typeface="나눔스퀘어" panose="020B0600000101010101" pitchFamily="50" charset="-127"/>
+              </a:rPr>
+              <a:t>객체정보 가시화</a:t>
+            </a:r>
+            <a:r>
+              <a:rPr lang="en-US" altLang="ko-KR" sz="1600" dirty="0">
+                <a:latin typeface="나눔스퀘어" panose="020B0600000101010101" pitchFamily="50" charset="-127"/>
+                <a:ea typeface="나눔스퀘어" panose="020B0600000101010101" pitchFamily="50" charset="-127"/>
+              </a:rPr>
+              <a:t>, </a:t>
+            </a:r>
+            <a:r>
+              <a:rPr lang="ko-KR" altLang="en-US" sz="1600" dirty="0">
+                <a:latin typeface="나눔스퀘어" panose="020B0600000101010101" pitchFamily="50" charset="-127"/>
+                <a:ea typeface="나눔스퀘어" panose="020B0600000101010101" pitchFamily="50" charset="-127"/>
+              </a:rPr>
+              <a:t>분석결과 데이터 가시화 등의 기능을 사용자가 활용 할 수 있어야 한다</a:t>
+            </a:r>
+            <a:r>
+              <a:rPr lang="en-US" altLang="ko-KR" sz="1600" dirty="0">
+                <a:latin typeface="나눔스퀘어" panose="020B0600000101010101" pitchFamily="50" charset="-127"/>
+                <a:ea typeface="나눔스퀘어" panose="020B0600000101010101" pitchFamily="50" charset="-127"/>
+              </a:rPr>
+              <a:t>.</a:t>
+            </a:r>
+          </a:p>
+          <a:p>
+            <a:pPr lvl="1"/>
+            <a:endParaRPr lang="en-US" altLang="ko-KR" sz="1600" dirty="0">
+              <a:latin typeface="나눔스퀘어" panose="020B0600000101010101" pitchFamily="50" charset="-127"/>
+              <a:ea typeface="나눔스퀘어" panose="020B0600000101010101" pitchFamily="50" charset="-127"/>
+            </a:endParaRPr>
+          </a:p>
+          <a:p>
+            <a:pPr marL="285750" indent="-285750">
+              <a:buFont typeface="Arial" panose="020B0604020202020204" pitchFamily="34" charset="0"/>
+              <a:buChar char="•"/>
+            </a:pPr>
+            <a:r>
+              <a:rPr lang="ko-KR" altLang="en-US" sz="1600" dirty="0">
+                <a:latin typeface="나눔스퀘어 Bold" panose="020B0600000101010101" pitchFamily="50" charset="-127"/>
+                <a:ea typeface="나눔스퀘어 Bold" panose="020B0600000101010101" pitchFamily="50" charset="-127"/>
+              </a:rPr>
+              <a:t>연동형 가시화 모드</a:t>
+            </a:r>
+            <a:r>
+              <a:rPr lang="en-US" altLang="ko-KR" sz="1600" dirty="0">
+                <a:latin typeface="나눔스퀘어 Bold" panose="020B0600000101010101" pitchFamily="50" charset="-127"/>
+                <a:ea typeface="나눔스퀘어 Bold" panose="020B0600000101010101" pitchFamily="50" charset="-127"/>
+              </a:rPr>
+              <a:t>(Online)</a:t>
+            </a:r>
+            <a:r>
+              <a:rPr lang="en-US" altLang="ko-KR" sz="1600" dirty="0">
+                <a:latin typeface="나눔스퀘어" panose="020B0600000101010101" pitchFamily="50" charset="-127"/>
+                <a:ea typeface="나눔스퀘어" panose="020B0600000101010101" pitchFamily="50" charset="-127"/>
+              </a:rPr>
+              <a:t>: </a:t>
+            </a:r>
+          </a:p>
+          <a:p>
+            <a:pPr marL="742950" lvl="1" indent="-285750">
+              <a:buFont typeface="Wingdings" panose="05000000000000000000" pitchFamily="2" charset="2"/>
+              <a:buChar char="ü"/>
+            </a:pPr>
+            <a:r>
+              <a:rPr lang="en-US" altLang="ko-KR" sz="1600" dirty="0">
+                <a:latin typeface="나눔스퀘어" panose="020B0600000101010101" pitchFamily="50" charset="-127"/>
+                <a:ea typeface="나눔스퀘어" panose="020B0600000101010101" pitchFamily="50" charset="-127"/>
+              </a:rPr>
+              <a:t>OHTSim(Client)</a:t>
+            </a:r>
+            <a:r>
+              <a:rPr lang="ko-KR" altLang="en-US" sz="1600" dirty="0">
+                <a:latin typeface="나눔스퀘어" panose="020B0600000101010101" pitchFamily="50" charset="-127"/>
+                <a:ea typeface="나눔스퀘어" panose="020B0600000101010101" pitchFamily="50" charset="-127"/>
+              </a:rPr>
+              <a:t>가 연결 될 때까지 대기 후 </a:t>
+            </a:r>
+            <a:r>
+              <a:rPr lang="en-US" altLang="ko-KR" sz="1600" dirty="0">
+                <a:latin typeface="나눔스퀘어" panose="020B0600000101010101" pitchFamily="50" charset="-127"/>
+                <a:ea typeface="나눔스퀘어" panose="020B0600000101010101" pitchFamily="50" charset="-127"/>
+              </a:rPr>
+              <a:t>JSON </a:t>
+            </a:r>
+            <a:r>
+              <a:rPr lang="ko-KR" altLang="en-US" sz="1600" dirty="0">
+                <a:latin typeface="나눔스퀘어" panose="020B0600000101010101" pitchFamily="50" charset="-127"/>
+                <a:ea typeface="나눔스퀘어" panose="020B0600000101010101" pitchFamily="50" charset="-127"/>
+              </a:rPr>
+              <a:t>파일 선택을 진행 한다</a:t>
+            </a:r>
+            <a:r>
+              <a:rPr lang="en-US" altLang="ko-KR" sz="1600" dirty="0">
+                <a:latin typeface="나눔스퀘어" panose="020B0600000101010101" pitchFamily="50" charset="-127"/>
+                <a:ea typeface="나눔스퀘어" panose="020B0600000101010101" pitchFamily="50" charset="-127"/>
+              </a:rPr>
+              <a:t>.</a:t>
+            </a:r>
+          </a:p>
+          <a:p>
+            <a:pPr marL="742950" lvl="1" indent="-285750">
+              <a:buFont typeface="Wingdings" panose="05000000000000000000" pitchFamily="2" charset="2"/>
+              <a:buChar char="ü"/>
+            </a:pPr>
+            <a:r>
+              <a:rPr lang="en-US" altLang="ko-KR" sz="1600" dirty="0">
+                <a:latin typeface="나눔스퀘어" panose="020B0600000101010101" pitchFamily="50" charset="-127"/>
+                <a:ea typeface="나눔스퀘어" panose="020B0600000101010101" pitchFamily="50" charset="-127"/>
+              </a:rPr>
+              <a:t>OHTSim</a:t>
+            </a:r>
+            <a:r>
+              <a:rPr lang="ko-KR" altLang="en-US" sz="1600" dirty="0">
+                <a:latin typeface="나눔스퀘어" panose="020B0600000101010101" pitchFamily="50" charset="-127"/>
+                <a:ea typeface="나눔스퀘어" panose="020B0600000101010101" pitchFamily="50" charset="-127"/>
+              </a:rPr>
+              <a:t>으로부터 수신하는 명령 데이터에 대한 가시화 </a:t>
+            </a:r>
+            <a:r>
+              <a:rPr lang="en-US" altLang="ko-KR" sz="1600" dirty="0">
+                <a:latin typeface="나눔스퀘어" panose="020B0600000101010101" pitchFamily="50" charset="-127"/>
+                <a:ea typeface="나눔스퀘어" panose="020B0600000101010101" pitchFamily="50" charset="-127"/>
+              </a:rPr>
+              <a:t>&amp; </a:t>
+            </a:r>
+            <a:r>
+              <a:rPr lang="ko-KR" altLang="en-US" sz="1600" dirty="0">
+                <a:latin typeface="나눔스퀘어" panose="020B0600000101010101" pitchFamily="50" charset="-127"/>
+                <a:ea typeface="나눔스퀘어" panose="020B0600000101010101" pitchFamily="50" charset="-127"/>
+              </a:rPr>
+              <a:t>시뮬레이션 데이터를 </a:t>
+            </a:r>
+            <a:r>
+              <a:rPr lang="en-US" altLang="ko-KR" sz="1600" dirty="0">
+                <a:latin typeface="나눔스퀘어" panose="020B0600000101010101" pitchFamily="50" charset="-127"/>
+                <a:ea typeface="나눔스퀘어" panose="020B0600000101010101" pitchFamily="50" charset="-127"/>
+              </a:rPr>
+              <a:t>DB</a:t>
+            </a:r>
+            <a:r>
+              <a:rPr lang="ko-KR" altLang="en-US" sz="1600" dirty="0">
+                <a:latin typeface="나눔스퀘어" panose="020B0600000101010101" pitchFamily="50" charset="-127"/>
+                <a:ea typeface="나눔스퀘어" panose="020B0600000101010101" pitchFamily="50" charset="-127"/>
+              </a:rPr>
+              <a:t>에 저장 시키는 모드이다</a:t>
+            </a:r>
+            <a:r>
+              <a:rPr lang="en-US" altLang="ko-KR" sz="1600" dirty="0">
+                <a:latin typeface="나눔스퀘어" panose="020B0600000101010101" pitchFamily="50" charset="-127"/>
+                <a:ea typeface="나눔스퀘어" panose="020B0600000101010101" pitchFamily="50" charset="-127"/>
+              </a:rPr>
+              <a:t>.</a:t>
+            </a:r>
+          </a:p>
+          <a:p>
+            <a:pPr marL="742950" lvl="1" indent="-285750">
+              <a:buFont typeface="Wingdings" panose="05000000000000000000" pitchFamily="2" charset="2"/>
+              <a:buChar char="ü"/>
+            </a:pPr>
+            <a:r>
+              <a:rPr lang="en-US" altLang="ko-KR" sz="1600" dirty="0">
+                <a:latin typeface="나눔스퀘어" panose="020B0600000101010101" pitchFamily="50" charset="-127"/>
+                <a:ea typeface="나눔스퀘어" panose="020B0600000101010101" pitchFamily="50" charset="-127"/>
+              </a:rPr>
+              <a:t>UnitySW</a:t>
+            </a:r>
+            <a:r>
+              <a:rPr lang="ko-KR" altLang="en-US" sz="1600" dirty="0">
+                <a:latin typeface="나눔스퀘어" panose="020B0600000101010101" pitchFamily="50" charset="-127"/>
+                <a:ea typeface="나눔스퀘어" panose="020B0600000101010101" pitchFamily="50" charset="-127"/>
+              </a:rPr>
+              <a:t>는 </a:t>
+            </a:r>
+            <a:r>
+              <a:rPr lang="en-US" altLang="ko-KR" sz="1600" dirty="0">
+                <a:latin typeface="나눔스퀘어" panose="020B0600000101010101" pitchFamily="50" charset="-127"/>
+                <a:ea typeface="나눔스퀘어" panose="020B0600000101010101" pitchFamily="50" charset="-127"/>
+              </a:rPr>
+              <a:t>OHTSim</a:t>
+            </a:r>
+            <a:r>
+              <a:rPr lang="ko-KR" altLang="en-US" sz="1600" dirty="0">
+                <a:latin typeface="나눔스퀘어" panose="020B0600000101010101" pitchFamily="50" charset="-127"/>
+                <a:ea typeface="나눔스퀘어" panose="020B0600000101010101" pitchFamily="50" charset="-127"/>
+              </a:rPr>
+              <a:t>으로부터 설비</a:t>
+            </a:r>
+            <a:r>
+              <a:rPr lang="en-US" altLang="ko-KR" sz="1600" dirty="0">
+                <a:latin typeface="나눔스퀘어" panose="020B0600000101010101" pitchFamily="50" charset="-127"/>
+                <a:ea typeface="나눔스퀘어" panose="020B0600000101010101" pitchFamily="50" charset="-127"/>
+              </a:rPr>
+              <a:t>&amp;FOUP </a:t>
+            </a:r>
+            <a:r>
+              <a:rPr lang="ko-KR" altLang="en-US" sz="1600" dirty="0">
+                <a:latin typeface="나눔스퀘어" panose="020B0600000101010101" pitchFamily="50" charset="-127"/>
+                <a:ea typeface="나눔스퀘어" panose="020B0600000101010101" pitchFamily="50" charset="-127"/>
+              </a:rPr>
+              <a:t>명령</a:t>
+            </a:r>
+            <a:r>
+              <a:rPr lang="en-US" altLang="ko-KR" sz="1600" dirty="0">
+                <a:latin typeface="나눔스퀘어" panose="020B0600000101010101" pitchFamily="50" charset="-127"/>
+                <a:ea typeface="나눔스퀘어" panose="020B0600000101010101" pitchFamily="50" charset="-127"/>
+              </a:rPr>
+              <a:t>, </a:t>
+            </a:r>
+            <a:r>
+              <a:rPr lang="ko-KR" altLang="en-US" sz="1600" dirty="0">
+                <a:latin typeface="나눔스퀘어" panose="020B0600000101010101" pitchFamily="50" charset="-127"/>
+                <a:ea typeface="나눔스퀘어" panose="020B0600000101010101" pitchFamily="50" charset="-127"/>
+              </a:rPr>
+              <a:t>비클 명령과 </a:t>
+            </a:r>
+            <a:r>
+              <a:rPr lang="en-US" altLang="ko-KR" sz="1600" dirty="0">
+                <a:latin typeface="나눔스퀘어" panose="020B0600000101010101" pitchFamily="50" charset="-127"/>
+                <a:ea typeface="나눔스퀘어" panose="020B0600000101010101" pitchFamily="50" charset="-127"/>
+              </a:rPr>
+              <a:t>ACK, NACK </a:t>
+            </a:r>
+            <a:r>
+              <a:rPr lang="ko-KR" altLang="en-US" sz="1600" dirty="0">
+                <a:latin typeface="나눔스퀘어" panose="020B0600000101010101" pitchFamily="50" charset="-127"/>
+                <a:ea typeface="나눔스퀘어" panose="020B0600000101010101" pitchFamily="50" charset="-127"/>
+              </a:rPr>
+              <a:t>신호를 수신한다</a:t>
+            </a:r>
+            <a:r>
+              <a:rPr lang="en-US" altLang="ko-KR" sz="1600" dirty="0">
+                <a:latin typeface="나눔스퀘어" panose="020B0600000101010101" pitchFamily="50" charset="-127"/>
+                <a:ea typeface="나눔스퀘어" panose="020B0600000101010101" pitchFamily="50" charset="-127"/>
+              </a:rPr>
+              <a:t>.</a:t>
+            </a:r>
+          </a:p>
+          <a:p>
+            <a:pPr marL="742950" lvl="1" indent="-285750">
+              <a:buFont typeface="Wingdings" panose="05000000000000000000" pitchFamily="2" charset="2"/>
+              <a:buChar char="ü"/>
+            </a:pPr>
+            <a:r>
+              <a:rPr lang="en-US" altLang="ko-KR" sz="1600" dirty="0">
+                <a:latin typeface="나눔스퀘어" panose="020B0600000101010101" pitchFamily="50" charset="-127"/>
+                <a:ea typeface="나눔스퀘어" panose="020B0600000101010101" pitchFamily="50" charset="-127"/>
+              </a:rPr>
+              <a:t>UnitySW</a:t>
+            </a:r>
+            <a:r>
+              <a:rPr lang="ko-KR" altLang="en-US" sz="1600" dirty="0">
+                <a:latin typeface="나눔스퀘어" panose="020B0600000101010101" pitchFamily="50" charset="-127"/>
+                <a:ea typeface="나눔스퀘어" panose="020B0600000101010101" pitchFamily="50" charset="-127"/>
+              </a:rPr>
+              <a:t>는 </a:t>
+            </a:r>
+            <a:r>
+              <a:rPr lang="en-US" altLang="ko-KR" sz="1600" dirty="0">
+                <a:latin typeface="나눔스퀘어" panose="020B0600000101010101" pitchFamily="50" charset="-127"/>
+                <a:ea typeface="나눔스퀘어" panose="020B0600000101010101" pitchFamily="50" charset="-127"/>
+              </a:rPr>
+              <a:t>OHTSim</a:t>
+            </a:r>
+            <a:r>
+              <a:rPr lang="ko-KR" altLang="en-US" sz="1600" dirty="0">
+                <a:latin typeface="나눔스퀘어" panose="020B0600000101010101" pitchFamily="50" charset="-127"/>
+                <a:ea typeface="나눔스퀘어" panose="020B0600000101010101" pitchFamily="50" charset="-127"/>
+              </a:rPr>
+              <a:t>으로 명령에 대한 </a:t>
+            </a:r>
+            <a:r>
+              <a:rPr lang="en-US" altLang="ko-KR" sz="1600" dirty="0">
+                <a:latin typeface="나눔스퀘어" panose="020B0600000101010101" pitchFamily="50" charset="-127"/>
+                <a:ea typeface="나눔스퀘어" panose="020B0600000101010101" pitchFamily="50" charset="-127"/>
+              </a:rPr>
+              <a:t>ACK, NACK </a:t>
+            </a:r>
+            <a:r>
+              <a:rPr lang="ko-KR" altLang="en-US" sz="1600" dirty="0">
+                <a:latin typeface="나눔스퀘어" panose="020B0600000101010101" pitchFamily="50" charset="-127"/>
+                <a:ea typeface="나눔스퀘어" panose="020B0600000101010101" pitchFamily="50" charset="-127"/>
+              </a:rPr>
+              <a:t>신호와 사용자 명령</a:t>
+            </a:r>
+            <a:r>
+              <a:rPr lang="en-US" altLang="ko-KR" sz="1600" dirty="0">
+                <a:latin typeface="나눔스퀘어" panose="020B0600000101010101" pitchFamily="50" charset="-127"/>
+                <a:ea typeface="나눔스퀘어" panose="020B0600000101010101" pitchFamily="50" charset="-127"/>
+              </a:rPr>
+              <a:t>(</a:t>
+            </a:r>
+            <a:r>
+              <a:rPr lang="ko-KR" altLang="en-US" sz="1600" dirty="0">
+                <a:latin typeface="나눔스퀘어" panose="020B0600000101010101" pitchFamily="50" charset="-127"/>
+                <a:ea typeface="나눔스퀘어" panose="020B0600000101010101" pitchFamily="50" charset="-127"/>
+              </a:rPr>
+              <a:t>재생</a:t>
+            </a:r>
+            <a:r>
+              <a:rPr lang="en-US" altLang="ko-KR" sz="1600" dirty="0">
+                <a:latin typeface="나눔스퀘어" panose="020B0600000101010101" pitchFamily="50" charset="-127"/>
+                <a:ea typeface="나눔스퀘어" panose="020B0600000101010101" pitchFamily="50" charset="-127"/>
+              </a:rPr>
+              <a:t>, </a:t>
+            </a:r>
+            <a:r>
+              <a:rPr lang="ko-KR" altLang="en-US" sz="1600" dirty="0">
+                <a:latin typeface="나눔스퀘어" panose="020B0600000101010101" pitchFamily="50" charset="-127"/>
+                <a:ea typeface="나눔스퀘어" panose="020B0600000101010101" pitchFamily="50" charset="-127"/>
+              </a:rPr>
+              <a:t>정지</a:t>
+            </a:r>
+            <a:r>
+              <a:rPr lang="en-US" altLang="ko-KR" sz="1600" dirty="0">
+                <a:latin typeface="나눔스퀘어" panose="020B0600000101010101" pitchFamily="50" charset="-127"/>
+                <a:ea typeface="나눔스퀘어" panose="020B0600000101010101" pitchFamily="50" charset="-127"/>
+              </a:rPr>
+              <a:t>)</a:t>
+            </a:r>
+            <a:r>
+              <a:rPr lang="ko-KR" altLang="en-US" sz="1600" dirty="0">
+                <a:latin typeface="나눔스퀘어" panose="020B0600000101010101" pitchFamily="50" charset="-127"/>
+                <a:ea typeface="나눔스퀘어" panose="020B0600000101010101" pitchFamily="50" charset="-127"/>
+              </a:rPr>
+              <a:t>을 송신한다</a:t>
+            </a:r>
+            <a:r>
+              <a:rPr lang="en-US" altLang="ko-KR" sz="1600" dirty="0">
+                <a:latin typeface="나눔스퀘어" panose="020B0600000101010101" pitchFamily="50" charset="-127"/>
+                <a:ea typeface="나눔스퀘어" panose="020B0600000101010101" pitchFamily="50" charset="-127"/>
+              </a:rPr>
+              <a:t>.(</a:t>
+            </a:r>
+            <a:r>
+              <a:rPr lang="ko-KR" altLang="en-US" sz="1600" dirty="0">
+                <a:latin typeface="나눔스퀘어" panose="020B0600000101010101" pitchFamily="50" charset="-127"/>
+                <a:ea typeface="나눔스퀘어" panose="020B0600000101010101" pitchFamily="50" charset="-127"/>
+              </a:rPr>
+              <a:t>실시간 모드이기 때문에 감속</a:t>
+            </a:r>
+            <a:r>
+              <a:rPr lang="en-US" altLang="ko-KR" sz="1600" dirty="0">
+                <a:latin typeface="나눔스퀘어" panose="020B0600000101010101" pitchFamily="50" charset="-127"/>
+                <a:ea typeface="나눔스퀘어" panose="020B0600000101010101" pitchFamily="50" charset="-127"/>
+              </a:rPr>
+              <a:t>, </a:t>
+            </a:r>
+            <a:r>
+              <a:rPr lang="ko-KR" altLang="en-US" sz="1600" dirty="0">
+                <a:latin typeface="나눔스퀘어" panose="020B0600000101010101" pitchFamily="50" charset="-127"/>
+                <a:ea typeface="나눔스퀘어" panose="020B0600000101010101" pitchFamily="50" charset="-127"/>
+              </a:rPr>
+              <a:t>가속 등의 기능은 제공하지 않는다</a:t>
+            </a:r>
+            <a:r>
+              <a:rPr lang="en-US" altLang="ko-KR" sz="1600" dirty="0">
+                <a:latin typeface="나눔스퀘어" panose="020B0600000101010101" pitchFamily="50" charset="-127"/>
+                <a:ea typeface="나눔스퀘어" panose="020B0600000101010101" pitchFamily="50" charset="-127"/>
+              </a:rPr>
+              <a:t>)</a:t>
+            </a:r>
+          </a:p>
+          <a:p>
+            <a:pPr marL="742950" lvl="1" indent="-285750">
+              <a:buFont typeface="Wingdings" panose="05000000000000000000" pitchFamily="2" charset="2"/>
+              <a:buChar char="ü"/>
+            </a:pPr>
+            <a:r>
+              <a:rPr lang="en-US" altLang="ko-KR" sz="1600" dirty="0">
+                <a:latin typeface="나눔스퀘어" panose="020B0600000101010101" pitchFamily="50" charset="-127"/>
+                <a:ea typeface="나눔스퀘어" panose="020B0600000101010101" pitchFamily="50" charset="-127"/>
+              </a:rPr>
+              <a:t>UnitySW</a:t>
+            </a:r>
+            <a:r>
+              <a:rPr lang="ko-KR" altLang="en-US" sz="1600" dirty="0">
+                <a:latin typeface="나눔스퀘어" panose="020B0600000101010101" pitchFamily="50" charset="-127"/>
+                <a:ea typeface="나눔스퀘어" panose="020B0600000101010101" pitchFamily="50" charset="-127"/>
+              </a:rPr>
+              <a:t>는 </a:t>
+            </a:r>
+            <a:r>
+              <a:rPr lang="en-US" altLang="ko-KR" sz="1600" dirty="0">
+                <a:latin typeface="나눔스퀘어" panose="020B0600000101010101" pitchFamily="50" charset="-127"/>
+                <a:ea typeface="나눔스퀘어" panose="020B0600000101010101" pitchFamily="50" charset="-127"/>
+              </a:rPr>
+              <a:t>OHTSim</a:t>
+            </a:r>
+            <a:r>
+              <a:rPr lang="ko-KR" altLang="en-US" sz="1600" dirty="0">
+                <a:latin typeface="나눔스퀘어" panose="020B0600000101010101" pitchFamily="50" charset="-127"/>
+                <a:ea typeface="나눔스퀘어" panose="020B0600000101010101" pitchFamily="50" charset="-127"/>
+              </a:rPr>
+              <a:t>으로부터 수신한 명령에 대한 로그를 </a:t>
+            </a:r>
+            <a:r>
+              <a:rPr lang="en-US" altLang="ko-KR" sz="1600" dirty="0">
+                <a:latin typeface="나눔스퀘어" panose="020B0600000101010101" pitchFamily="50" charset="-127"/>
+                <a:ea typeface="나눔스퀘어" panose="020B0600000101010101" pitchFamily="50" charset="-127"/>
+              </a:rPr>
+              <a:t>DB</a:t>
+            </a:r>
+            <a:r>
+              <a:rPr lang="ko-KR" altLang="en-US" sz="1600" dirty="0">
+                <a:latin typeface="나눔스퀘어" panose="020B0600000101010101" pitchFamily="50" charset="-127"/>
+                <a:ea typeface="나눔스퀘어" panose="020B0600000101010101" pitchFamily="50" charset="-127"/>
+              </a:rPr>
+              <a:t>에 주기마다 저장한다</a:t>
+            </a:r>
+            <a:r>
+              <a:rPr lang="en-US" altLang="ko-KR" sz="1600" dirty="0">
+                <a:latin typeface="나눔스퀘어" panose="020B0600000101010101" pitchFamily="50" charset="-127"/>
+                <a:ea typeface="나눔스퀘어" panose="020B0600000101010101" pitchFamily="50" charset="-127"/>
+              </a:rPr>
+              <a:t>.</a:t>
+            </a:r>
+          </a:p>
+          <a:p>
+            <a:pPr marL="742950" lvl="1" indent="-285750">
+              <a:buFont typeface="Wingdings" panose="05000000000000000000" pitchFamily="2" charset="2"/>
+              <a:buChar char="ü"/>
+            </a:pPr>
+            <a:endParaRPr lang="en-US" altLang="ko-KR" sz="1600" dirty="0">
+              <a:latin typeface="나눔스퀘어" panose="020B0600000101010101" pitchFamily="50" charset="-127"/>
+              <a:ea typeface="나눔스퀘어" panose="020B0600000101010101" pitchFamily="50" charset="-127"/>
+            </a:endParaRPr>
+          </a:p>
+        </p:txBody>
+      </p:sp>
+      <p:sp>
+        <p:nvSpPr>
+          <p:cNvPr id="33" name="직사각형 32"/>
+          <p:cNvSpPr/>
+          <p:nvPr/>
+        </p:nvSpPr>
+        <p:spPr>
+          <a:xfrm>
+            <a:off x="-1" y="0"/>
+            <a:ext cx="3240000" cy="381687"/>
+          </a:xfrm>
+          <a:prstGeom prst="rect">
+            <a:avLst/>
+          </a:prstGeom>
+          <a:solidFill>
+            <a:srgbClr val="002060"/>
+          </a:solidFill>
+          <a:ln>
+            <a:noFill/>
+          </a:ln>
+        </p:spPr>
+        <p:style>
+          <a:lnRef idx="2">
+            <a:schemeClr val="accent1">
+              <a:shade val="50000"/>
+            </a:schemeClr>
+          </a:lnRef>
+          <a:fillRef idx="1">
+            <a:schemeClr val="accent1"/>
+          </a:fillRef>
+          <a:effectRef idx="0">
+            <a:schemeClr val="accent1"/>
+          </a:effectRef>
+          <a:fontRef idx="minor">
+            <a:schemeClr val="lt1"/>
+          </a:fontRef>
+        </p:style>
+        <p:txBody>
+          <a:bodyPr rtlCol="0" anchor="ctr"/>
+          <a:lstStyle/>
+          <a:p>
+            <a:pPr algn="ctr"/>
+            <a:r>
+              <a:rPr lang="ko-KR" altLang="en-US" dirty="0">
+                <a:latin typeface="나눔스퀘어 Bold" panose="020B0600000101010101" pitchFamily="50" charset="-127"/>
+                <a:ea typeface="나눔스퀘어 Bold" panose="020B0600000101010101" pitchFamily="50" charset="-127"/>
+              </a:rPr>
+              <a:t>기능 명세서</a:t>
+            </a:r>
+          </a:p>
+        </p:txBody>
+      </p:sp>
+    </p:spTree>
+    <p:extLst>
+      <p:ext uri="{BB962C8B-B14F-4D97-AF65-F5344CB8AC3E}">
+        <p14:creationId xmlns:p14="http://schemas.microsoft.com/office/powerpoint/2010/main" val="3459689112"/>
+      </p:ext>
+    </p:extLst>
+  </p:cSld>
+  <p:clrMapOvr>
+    <a:masterClrMapping/>
+  </p:clrMapOvr>
+</p:sld>
+</file>
+
+<file path=ppt/slides/slide3.xml><?xml version="1.0" encoding="utf-8"?>
+<p:sld xmlns:a="http://schemas.openxmlformats.org/drawingml/2006/main" xmlns:r="http://schemas.openxmlformats.org/officeDocument/2006/relationships" xmlns:p="http://schemas.openxmlformats.org/presentationml/2006/main">
+  <p:cSld>
+    <p:spTree>
+      <p:nvGrpSpPr>
+        <p:cNvPr id="1" name=""/>
+        <p:cNvGrpSpPr/>
+        <p:nvPr/>
+      </p:nvGrpSpPr>
+      <p:grpSpPr>
+        <a:xfrm>
+          <a:off x="0" y="0"/>
+          <a:ext cx="0" cy="0"/>
+          <a:chOff x="0" y="0"/>
+          <a:chExt cx="0" cy="0"/>
+        </a:xfrm>
+      </p:grpSpPr>
+      <p:sp>
+        <p:nvSpPr>
+          <p:cNvPr id="38" name="직사각형 37"/>
+          <p:cNvSpPr/>
+          <p:nvPr/>
+        </p:nvSpPr>
+        <p:spPr>
+          <a:xfrm>
+            <a:off x="-1" y="0"/>
+            <a:ext cx="3240000" cy="381687"/>
+          </a:xfrm>
+          <a:prstGeom prst="rect">
+            <a:avLst/>
+          </a:prstGeom>
+          <a:solidFill>
+            <a:srgbClr val="002060"/>
+          </a:solidFill>
+          <a:ln>
+            <a:noFill/>
+          </a:ln>
+        </p:spPr>
+        <p:style>
+          <a:lnRef idx="2">
+            <a:schemeClr val="accent1">
+              <a:shade val="50000"/>
+            </a:schemeClr>
+          </a:lnRef>
+          <a:fillRef idx="1">
+            <a:schemeClr val="accent1"/>
+          </a:fillRef>
+          <a:effectRef idx="0">
+            <a:schemeClr val="accent1"/>
+          </a:effectRef>
+          <a:fontRef idx="minor">
+            <a:schemeClr val="lt1"/>
+          </a:fontRef>
+        </p:style>
+        <p:txBody>
+          <a:bodyPr rtlCol="0" anchor="ctr"/>
+          <a:lstStyle/>
+          <a:p>
+            <a:pPr algn="ctr"/>
+            <a:r>
+              <a:rPr lang="ko-KR" altLang="en-US" dirty="0">
+                <a:latin typeface="나눔스퀘어 Bold" panose="020B0600000101010101" pitchFamily="50" charset="-127"/>
+                <a:ea typeface="나눔스퀘어 Bold" panose="020B0600000101010101" pitchFamily="50" charset="-127"/>
+              </a:rPr>
+              <a:t>인터페이스 구조</a:t>
+            </a:r>
+          </a:p>
+        </p:txBody>
+      </p:sp>
+      <p:grpSp>
+        <p:nvGrpSpPr>
+          <p:cNvPr id="2" name="그룹 1"/>
+          <p:cNvGrpSpPr/>
+          <p:nvPr/>
+        </p:nvGrpSpPr>
+        <p:grpSpPr>
+          <a:xfrm>
+            <a:off x="1063390" y="619812"/>
+            <a:ext cx="10065221" cy="6094626"/>
+            <a:chOff x="1063390" y="619812"/>
+            <a:chExt cx="10065221" cy="6094626"/>
+          </a:xfrm>
+        </p:grpSpPr>
+        <p:sp>
+          <p:nvSpPr>
+            <p:cNvPr id="81" name="순서도: 자기 디스크 80">
+              <a:extLst>
+                <a:ext uri="{FF2B5EF4-FFF2-40B4-BE49-F238E27FC236}">
+                  <a16:creationId xmlns:a16="http://schemas.microsoft.com/office/drawing/2014/main" id="{AE1855F9-6237-4E60-876C-1A0ED878119C}"/>
+                </a:ext>
+              </a:extLst>
+            </p:cNvPr>
+            <p:cNvSpPr/>
+            <p:nvPr/>
+          </p:nvSpPr>
+          <p:spPr>
+            <a:xfrm>
+              <a:off x="5556001" y="619812"/>
+              <a:ext cx="1080000" cy="1080000"/>
+            </a:xfrm>
+            <a:prstGeom prst="flowChartMagneticDisk">
+              <a:avLst/>
+            </a:prstGeom>
+            <a:noFill/>
+            <a:ln>
+              <a:solidFill>
+                <a:schemeClr val="tx1"/>
+              </a:solidFill>
+            </a:ln>
+          </p:spPr>
+          <p:style>
+            <a:lnRef idx="2">
+              <a:schemeClr val="accent1">
+                <a:shade val="50000"/>
+              </a:schemeClr>
+            </a:lnRef>
+            <a:fillRef idx="1">
+              <a:schemeClr val="accent1"/>
+            </a:fillRef>
+            <a:effectRef idx="0">
+              <a:schemeClr val="accent1"/>
+            </a:effectRef>
+            <a:fontRef idx="minor">
+              <a:schemeClr val="lt1"/>
+            </a:fontRef>
+          </p:style>
+          <p:txBody>
+            <a:bodyPr rtlCol="0" anchor="ctr"/>
+            <a:lstStyle/>
+            <a:p>
+              <a:pPr algn="ctr"/>
+              <a:r>
+                <a:rPr lang="en-US" altLang="ko-KR" sz="1600" dirty="0">
+                  <a:solidFill>
+                    <a:schemeClr val="tx1"/>
+                  </a:solidFill>
+                  <a:latin typeface="나눔스퀘어" panose="020B0600000101010101" pitchFamily="50" charset="-127"/>
+                  <a:ea typeface="나눔스퀘어" panose="020B0600000101010101" pitchFamily="50" charset="-127"/>
+                </a:rPr>
+                <a:t>JSON</a:t>
+              </a:r>
+              <a:endParaRPr lang="ko-KR" altLang="en-US" sz="1600" dirty="0">
+                <a:solidFill>
+                  <a:schemeClr val="tx1"/>
+                </a:solidFill>
+                <a:latin typeface="나눔스퀘어" panose="020B0600000101010101" pitchFamily="50" charset="-127"/>
+                <a:ea typeface="나눔스퀘어" panose="020B0600000101010101" pitchFamily="50" charset="-127"/>
+              </a:endParaRPr>
+            </a:p>
+          </p:txBody>
+        </p:sp>
+        <p:grpSp>
+          <p:nvGrpSpPr>
+            <p:cNvPr id="16" name="그룹 15"/>
+            <p:cNvGrpSpPr/>
+            <p:nvPr/>
+          </p:nvGrpSpPr>
+          <p:grpSpPr>
+            <a:xfrm>
+              <a:off x="1063390" y="3206861"/>
+              <a:ext cx="1080000" cy="1080000"/>
+              <a:chOff x="1166535" y="2118856"/>
+              <a:chExt cx="1080000" cy="1080000"/>
+            </a:xfrm>
+          </p:grpSpPr>
+          <p:sp>
+            <p:nvSpPr>
+              <p:cNvPr id="77" name="TextBox 76">
+                <a:extLst>
+                  <a:ext uri="{FF2B5EF4-FFF2-40B4-BE49-F238E27FC236}">
+                    <a16:creationId xmlns:a16="http://schemas.microsoft.com/office/drawing/2014/main" id="{ACB2EC1B-F576-4AD2-B5AE-89ED1B7BA43F}"/>
+                  </a:ext>
+                </a:extLst>
+              </p:cNvPr>
+              <p:cNvSpPr txBox="1"/>
+              <p:nvPr/>
+            </p:nvSpPr>
+            <p:spPr>
+              <a:xfrm>
+                <a:off x="1178972" y="2489579"/>
+                <a:ext cx="1055127" cy="338554"/>
+              </a:xfrm>
+              <a:prstGeom prst="rect">
+                <a:avLst/>
+              </a:prstGeom>
+              <a:noFill/>
+            </p:spPr>
+            <p:txBody>
+              <a:bodyPr wrap="square" rtlCol="0">
+                <a:spAutoFit/>
+              </a:bodyPr>
+              <a:lstStyle/>
+              <a:p>
+                <a:pPr algn="ctr"/>
+                <a:r>
+                  <a:rPr lang="en-US" altLang="ko-KR" sz="1600" dirty="0">
+                    <a:latin typeface="나눔스퀘어" panose="020B0600000101010101" pitchFamily="50" charset="-127"/>
+                    <a:ea typeface="나눔스퀘어" panose="020B0600000101010101" pitchFamily="50" charset="-127"/>
+                  </a:rPr>
+                  <a:t>UnitySW</a:t>
+                </a:r>
+                <a:endParaRPr lang="ko-KR" altLang="en-US" sz="1600" dirty="0">
+                  <a:latin typeface="나눔스퀘어" panose="020B0600000101010101" pitchFamily="50" charset="-127"/>
+                  <a:ea typeface="나눔스퀘어" panose="020B0600000101010101" pitchFamily="50" charset="-127"/>
+                </a:endParaRPr>
+              </a:p>
+            </p:txBody>
+          </p:sp>
+          <p:sp>
+            <p:nvSpPr>
+              <p:cNvPr id="78" name="직사각형 77">
+                <a:extLst>
+                  <a:ext uri="{FF2B5EF4-FFF2-40B4-BE49-F238E27FC236}">
+                    <a16:creationId xmlns:a16="http://schemas.microsoft.com/office/drawing/2014/main" id="{D82F03FC-4C24-4189-84F3-D0523241E733}"/>
+                  </a:ext>
+                </a:extLst>
+              </p:cNvPr>
+              <p:cNvSpPr/>
+              <p:nvPr/>
+            </p:nvSpPr>
+            <p:spPr>
+              <a:xfrm>
+                <a:off x="1166535" y="2118856"/>
+                <a:ext cx="1080000" cy="1080000"/>
+              </a:xfrm>
+              <a:prstGeom prst="rect">
+                <a:avLst/>
+              </a:prstGeom>
+              <a:noFill/>
+              <a:ln>
+                <a:solidFill>
+                  <a:schemeClr val="tx1"/>
+                </a:solidFill>
+              </a:ln>
+            </p:spPr>
+            <p:style>
+              <a:lnRef idx="2">
+                <a:schemeClr val="accent1">
+                  <a:shade val="50000"/>
+                </a:schemeClr>
+              </a:lnRef>
+              <a:fillRef idx="1">
+                <a:schemeClr val="accent1"/>
+              </a:fillRef>
+              <a:effectRef idx="0">
+                <a:schemeClr val="accent1"/>
+              </a:effectRef>
+              <a:fontRef idx="minor">
+                <a:schemeClr val="lt1"/>
+              </a:fontRef>
+            </p:style>
+            <p:txBody>
+              <a:bodyPr rtlCol="0" anchor="ctr"/>
+              <a:lstStyle/>
+              <a:p>
+                <a:pPr algn="ctr"/>
+                <a:endParaRPr lang="ko-KR" altLang="en-US" sz="1600" dirty="0">
+                  <a:latin typeface="나눔스퀘어" panose="020B0600000101010101" pitchFamily="50" charset="-127"/>
+                  <a:ea typeface="나눔스퀘어" panose="020B0600000101010101" pitchFamily="50" charset="-127"/>
+                </a:endParaRPr>
+              </a:p>
+            </p:txBody>
+          </p:sp>
+        </p:grpSp>
+        <p:sp>
+          <p:nvSpPr>
+            <p:cNvPr id="95" name="TextBox 94">
+              <a:extLst>
+                <a:ext uri="{FF2B5EF4-FFF2-40B4-BE49-F238E27FC236}">
+                  <a16:creationId xmlns:a16="http://schemas.microsoft.com/office/drawing/2014/main" id="{810BC3FF-13F3-4A22-916F-D676E5700357}"/>
+                </a:ext>
+              </a:extLst>
+            </p:cNvPr>
+            <p:cNvSpPr txBox="1"/>
+            <p:nvPr/>
+          </p:nvSpPr>
+          <p:spPr>
+            <a:xfrm flipH="1">
+              <a:off x="3421268" y="3047390"/>
+              <a:ext cx="5312897" cy="338554"/>
+            </a:xfrm>
+            <a:prstGeom prst="rect">
+              <a:avLst/>
+            </a:prstGeom>
+            <a:noFill/>
+          </p:spPr>
+          <p:txBody>
+            <a:bodyPr wrap="square" rtlCol="0">
+              <a:spAutoFit/>
+            </a:bodyPr>
+            <a:lstStyle/>
+            <a:p>
+              <a:pPr algn="ctr"/>
+              <a:r>
+                <a:rPr lang="en-US" altLang="ko-KR" sz="1600" dirty="0">
+                  <a:latin typeface="나눔스퀘어" panose="020B0600000101010101" pitchFamily="50" charset="-127"/>
+                  <a:ea typeface="나눔스퀘어" panose="020B0600000101010101" pitchFamily="50" charset="-127"/>
+                </a:rPr>
+                <a:t>Send Commands, Reply Commands(ACK, NACK) </a:t>
+              </a:r>
+              <a:endParaRPr lang="ko-KR" altLang="en-US" sz="1600" dirty="0">
+                <a:latin typeface="나눔스퀘어" panose="020B0600000101010101" pitchFamily="50" charset="-127"/>
+                <a:ea typeface="나눔스퀘어" panose="020B0600000101010101" pitchFamily="50" charset="-127"/>
+              </a:endParaRPr>
+            </a:p>
+          </p:txBody>
+        </p:sp>
+        <p:cxnSp>
+          <p:nvCxnSpPr>
+            <p:cNvPr id="94" name="직선 화살표 연결선 93">
+              <a:extLst>
+                <a:ext uri="{FF2B5EF4-FFF2-40B4-BE49-F238E27FC236}">
+                  <a16:creationId xmlns:a16="http://schemas.microsoft.com/office/drawing/2014/main" id="{261E9482-F260-4916-BDFE-B0299234DD22}"/>
+                </a:ext>
+              </a:extLst>
+            </p:cNvPr>
+            <p:cNvCxnSpPr>
+              <a:cxnSpLocks/>
+            </p:cNvCxnSpPr>
+            <p:nvPr/>
+          </p:nvCxnSpPr>
+          <p:spPr>
+            <a:xfrm flipH="1">
+              <a:off x="2143391" y="3385944"/>
+              <a:ext cx="7868650" cy="0"/>
+            </a:xfrm>
+            <a:prstGeom prst="straightConnector1">
+              <a:avLst/>
+            </a:prstGeom>
+            <a:ln>
+              <a:tailEnd type="triangle"/>
+            </a:ln>
+          </p:spPr>
+          <p:style>
+            <a:lnRef idx="1">
+              <a:schemeClr val="accent1"/>
+            </a:lnRef>
+            <a:fillRef idx="0">
+              <a:schemeClr val="accent1"/>
+            </a:fillRef>
+            <a:effectRef idx="0">
+              <a:schemeClr val="accent1"/>
+            </a:effectRef>
+            <a:fontRef idx="minor">
+              <a:schemeClr val="tx1"/>
+            </a:fontRef>
+          </p:style>
+        </p:cxnSp>
+        <p:grpSp>
+          <p:nvGrpSpPr>
+            <p:cNvPr id="22" name="그룹 21"/>
+            <p:cNvGrpSpPr/>
+            <p:nvPr/>
+          </p:nvGrpSpPr>
+          <p:grpSpPr>
+            <a:xfrm>
+              <a:off x="2143390" y="3769225"/>
+              <a:ext cx="7868651" cy="338554"/>
+              <a:chOff x="2246535" y="3021188"/>
+              <a:chExt cx="7868651" cy="338554"/>
+            </a:xfrm>
+          </p:grpSpPr>
+          <p:cxnSp>
+            <p:nvCxnSpPr>
+              <p:cNvPr id="97" name="직선 화살표 연결선 96">
+                <a:extLst>
+                  <a:ext uri="{FF2B5EF4-FFF2-40B4-BE49-F238E27FC236}">
+                    <a16:creationId xmlns:a16="http://schemas.microsoft.com/office/drawing/2014/main" id="{2EE71A2C-F672-4E4B-ABE9-2890576EBB63}"/>
+                  </a:ext>
+                </a:extLst>
+              </p:cNvPr>
+              <p:cNvCxnSpPr/>
+              <p:nvPr/>
+            </p:nvCxnSpPr>
+            <p:spPr>
+              <a:xfrm>
+                <a:off x="2246535" y="3359742"/>
+                <a:ext cx="7868651" cy="0"/>
+              </a:xfrm>
+              <a:prstGeom prst="straightConnector1">
+                <a:avLst/>
+              </a:prstGeom>
+              <a:ln>
+                <a:tailEnd type="triangle"/>
+              </a:ln>
+            </p:spPr>
+            <p:style>
+              <a:lnRef idx="1">
+                <a:schemeClr val="accent1"/>
+              </a:lnRef>
+              <a:fillRef idx="0">
+                <a:schemeClr val="accent1"/>
+              </a:fillRef>
+              <a:effectRef idx="0">
+                <a:schemeClr val="accent1"/>
+              </a:effectRef>
+              <a:fontRef idx="minor">
+                <a:schemeClr val="tx1"/>
+              </a:fontRef>
+            </p:style>
+          </p:cxnSp>
+          <p:sp>
+            <p:nvSpPr>
+              <p:cNvPr id="98" name="TextBox 97">
+                <a:extLst>
+                  <a:ext uri="{FF2B5EF4-FFF2-40B4-BE49-F238E27FC236}">
+                    <a16:creationId xmlns:a16="http://schemas.microsoft.com/office/drawing/2014/main" id="{1213C37D-7C53-4FAE-B9A4-55A7CB65AE36}"/>
+                  </a:ext>
+                </a:extLst>
+              </p:cNvPr>
+              <p:cNvSpPr txBox="1"/>
+              <p:nvPr/>
+            </p:nvSpPr>
+            <p:spPr>
+              <a:xfrm flipH="1">
+                <a:off x="3167426" y="3021188"/>
+                <a:ext cx="6026869" cy="338554"/>
+              </a:xfrm>
+              <a:prstGeom prst="rect">
+                <a:avLst/>
+              </a:prstGeom>
+              <a:noFill/>
+            </p:spPr>
+            <p:txBody>
+              <a:bodyPr wrap="square" rtlCol="0">
+                <a:spAutoFit/>
+              </a:bodyPr>
+              <a:lstStyle/>
+              <a:p>
+                <a:pPr algn="ctr"/>
+                <a:r>
+                  <a:rPr lang="en-US" altLang="ko-KR" sz="1600" dirty="0">
+                    <a:latin typeface="나눔스퀘어" panose="020B0600000101010101" pitchFamily="50" charset="-127"/>
+                    <a:ea typeface="나눔스퀘어" panose="020B0600000101010101" pitchFamily="50" charset="-127"/>
+                  </a:rPr>
+                  <a:t>Reply Commands(ACK, NACK), User Commands</a:t>
+                </a:r>
+                <a:endParaRPr lang="ko-KR" altLang="en-US" sz="1600" dirty="0">
+                  <a:latin typeface="나눔스퀘어" panose="020B0600000101010101" pitchFamily="50" charset="-127"/>
+                  <a:ea typeface="나눔스퀘어" panose="020B0600000101010101" pitchFamily="50" charset="-127"/>
+                </a:endParaRPr>
+              </a:p>
+            </p:txBody>
+          </p:sp>
+        </p:grpSp>
+        <p:grpSp>
+          <p:nvGrpSpPr>
+            <p:cNvPr id="13" name="그룹 12"/>
+            <p:cNvGrpSpPr/>
+            <p:nvPr/>
+          </p:nvGrpSpPr>
+          <p:grpSpPr>
+            <a:xfrm>
+              <a:off x="10048611" y="3206861"/>
+              <a:ext cx="1080000" cy="1080000"/>
+              <a:chOff x="10151756" y="2118856"/>
+              <a:chExt cx="1080000" cy="1080000"/>
+            </a:xfrm>
+          </p:grpSpPr>
+          <p:sp>
+            <p:nvSpPr>
+              <p:cNvPr id="31" name="TextBox 30">
+                <a:extLst>
+                  <a:ext uri="{FF2B5EF4-FFF2-40B4-BE49-F238E27FC236}">
+                    <a16:creationId xmlns:a16="http://schemas.microsoft.com/office/drawing/2014/main" id="{ACB2EC1B-F576-4AD2-B5AE-89ED1B7BA43F}"/>
+                  </a:ext>
+                </a:extLst>
+              </p:cNvPr>
+              <p:cNvSpPr txBox="1"/>
+              <p:nvPr/>
+            </p:nvSpPr>
+            <p:spPr>
+              <a:xfrm>
+                <a:off x="10212153" y="2489579"/>
+                <a:ext cx="959206" cy="338554"/>
+              </a:xfrm>
+              <a:prstGeom prst="rect">
+                <a:avLst/>
+              </a:prstGeom>
+              <a:noFill/>
+            </p:spPr>
+            <p:txBody>
+              <a:bodyPr wrap="square" rtlCol="0">
+                <a:spAutoFit/>
+              </a:bodyPr>
+              <a:lstStyle/>
+              <a:p>
+                <a:pPr algn="ctr"/>
+                <a:r>
+                  <a:rPr lang="en-US" altLang="ko-KR" sz="1600" dirty="0">
+                    <a:latin typeface="나눔스퀘어" panose="020B0600000101010101" pitchFamily="50" charset="-127"/>
+                    <a:ea typeface="나눔스퀘어" panose="020B0600000101010101" pitchFamily="50" charset="-127"/>
+                  </a:rPr>
+                  <a:t>OHTSim</a:t>
+                </a:r>
+                <a:endParaRPr lang="ko-KR" altLang="en-US" sz="1600" dirty="0">
+                  <a:latin typeface="나눔스퀘어" panose="020B0600000101010101" pitchFamily="50" charset="-127"/>
+                  <a:ea typeface="나눔스퀘어" panose="020B0600000101010101" pitchFamily="50" charset="-127"/>
+                </a:endParaRPr>
+              </a:p>
+            </p:txBody>
+          </p:sp>
+          <p:sp>
+            <p:nvSpPr>
+              <p:cNvPr id="32" name="직사각형 31">
+                <a:extLst>
+                  <a:ext uri="{FF2B5EF4-FFF2-40B4-BE49-F238E27FC236}">
+                    <a16:creationId xmlns:a16="http://schemas.microsoft.com/office/drawing/2014/main" id="{D82F03FC-4C24-4189-84F3-D0523241E733}"/>
+                  </a:ext>
+                </a:extLst>
+              </p:cNvPr>
+              <p:cNvSpPr/>
+              <p:nvPr/>
+            </p:nvSpPr>
+            <p:spPr>
+              <a:xfrm>
+                <a:off x="10151756" y="2118856"/>
+                <a:ext cx="1080000" cy="1080000"/>
+              </a:xfrm>
+              <a:prstGeom prst="rect">
+                <a:avLst/>
+              </a:prstGeom>
+              <a:noFill/>
+              <a:ln>
+                <a:solidFill>
+                  <a:schemeClr val="tx1"/>
+                </a:solidFill>
+              </a:ln>
+            </p:spPr>
+            <p:style>
+              <a:lnRef idx="2">
+                <a:schemeClr val="accent1">
+                  <a:shade val="50000"/>
+                </a:schemeClr>
+              </a:lnRef>
+              <a:fillRef idx="1">
+                <a:schemeClr val="accent1"/>
+              </a:fillRef>
+              <a:effectRef idx="0">
+                <a:schemeClr val="accent1"/>
+              </a:effectRef>
+              <a:fontRef idx="minor">
+                <a:schemeClr val="lt1"/>
+              </a:fontRef>
+            </p:style>
+            <p:txBody>
+              <a:bodyPr rtlCol="0" anchor="ctr"/>
+              <a:lstStyle/>
+              <a:p>
+                <a:pPr algn="ctr"/>
+                <a:endParaRPr lang="ko-KR" altLang="en-US" sz="1600" dirty="0">
+                  <a:latin typeface="나눔스퀘어" panose="020B0600000101010101" pitchFamily="50" charset="-127"/>
+                  <a:ea typeface="나눔스퀘어" panose="020B0600000101010101" pitchFamily="50" charset="-127"/>
+                </a:endParaRPr>
+              </a:p>
+            </p:txBody>
+          </p:sp>
+        </p:grpSp>
+        <p:cxnSp>
+          <p:nvCxnSpPr>
+            <p:cNvPr id="89" name="직선 화살표 연결선 88">
+              <a:extLst>
+                <a:ext uri="{FF2B5EF4-FFF2-40B4-BE49-F238E27FC236}">
+                  <a16:creationId xmlns:a16="http://schemas.microsoft.com/office/drawing/2014/main" id="{E99D5FCD-D1B1-4529-868B-B6661C40ED96}"/>
+                </a:ext>
+              </a:extLst>
+            </p:cNvPr>
+            <p:cNvCxnSpPr/>
+            <p:nvPr/>
+          </p:nvCxnSpPr>
+          <p:spPr>
+            <a:xfrm>
+              <a:off x="6636001" y="1322606"/>
+              <a:ext cx="3376040" cy="1865874"/>
+            </a:xfrm>
+            <a:prstGeom prst="straightConnector1">
+              <a:avLst/>
+            </a:prstGeom>
+            <a:ln>
+              <a:tailEnd type="triangle"/>
+            </a:ln>
+          </p:spPr>
+          <p:style>
+            <a:lnRef idx="1">
+              <a:schemeClr val="accent1"/>
+            </a:lnRef>
+            <a:fillRef idx="0">
+              <a:schemeClr val="accent1"/>
+            </a:fillRef>
+            <a:effectRef idx="0">
+              <a:schemeClr val="accent1"/>
+            </a:effectRef>
+            <a:fontRef idx="minor">
+              <a:schemeClr val="tx1"/>
+            </a:fontRef>
+          </p:style>
+        </p:cxnSp>
+        <p:sp>
+          <p:nvSpPr>
+            <p:cNvPr id="50" name="TextBox 49">
+              <a:extLst>
+                <a:ext uri="{FF2B5EF4-FFF2-40B4-BE49-F238E27FC236}">
+                  <a16:creationId xmlns:a16="http://schemas.microsoft.com/office/drawing/2014/main" id="{810BC3FF-13F3-4A22-916F-D676E5700357}"/>
+                </a:ext>
+              </a:extLst>
+            </p:cNvPr>
+            <p:cNvSpPr txBox="1"/>
+            <p:nvPr/>
+          </p:nvSpPr>
+          <p:spPr>
+            <a:xfrm flipH="1">
+              <a:off x="7259877" y="2086266"/>
+              <a:ext cx="2128289" cy="338554"/>
+            </a:xfrm>
+            <a:prstGeom prst="rect">
+              <a:avLst/>
+            </a:prstGeom>
+            <a:solidFill>
+              <a:schemeClr val="bg1"/>
+            </a:solidFill>
+          </p:spPr>
+          <p:txBody>
+            <a:bodyPr wrap="square" rtlCol="0">
+              <a:spAutoFit/>
+            </a:bodyPr>
+            <a:lstStyle/>
+            <a:p>
+              <a:pPr algn="ctr"/>
+              <a:r>
+                <a:rPr lang="en-US" altLang="ko-KR" sz="1600" dirty="0">
+                  <a:latin typeface="나눔스퀘어" panose="020B0600000101010101" pitchFamily="50" charset="-127"/>
+                  <a:ea typeface="나눔스퀘어" panose="020B0600000101010101" pitchFamily="50" charset="-127"/>
+                </a:rPr>
+                <a:t>Load Init Data</a:t>
+              </a:r>
+              <a:endParaRPr lang="ko-KR" altLang="en-US" sz="1600" dirty="0">
+                <a:latin typeface="나눔스퀘어" panose="020B0600000101010101" pitchFamily="50" charset="-127"/>
+                <a:ea typeface="나눔스퀘어" panose="020B0600000101010101" pitchFamily="50" charset="-127"/>
+              </a:endParaRPr>
+            </a:p>
+          </p:txBody>
+        </p:sp>
+        <p:cxnSp>
+          <p:nvCxnSpPr>
+            <p:cNvPr id="51" name="직선 화살표 연결선 50">
+              <a:extLst>
+                <a:ext uri="{FF2B5EF4-FFF2-40B4-BE49-F238E27FC236}">
+                  <a16:creationId xmlns:a16="http://schemas.microsoft.com/office/drawing/2014/main" id="{E99D5FCD-D1B1-4529-868B-B6661C40ED96}"/>
+                </a:ext>
+              </a:extLst>
+            </p:cNvPr>
+            <p:cNvCxnSpPr/>
+            <p:nvPr/>
+          </p:nvCxnSpPr>
+          <p:spPr>
+            <a:xfrm flipH="1">
+              <a:off x="2169613" y="1322606"/>
+              <a:ext cx="3376040" cy="1865874"/>
+            </a:xfrm>
+            <a:prstGeom prst="straightConnector1">
+              <a:avLst/>
+            </a:prstGeom>
+            <a:ln>
+              <a:tailEnd type="triangle"/>
+            </a:ln>
+          </p:spPr>
+          <p:style>
+            <a:lnRef idx="1">
+              <a:schemeClr val="accent1"/>
+            </a:lnRef>
+            <a:fillRef idx="0">
+              <a:schemeClr val="accent1"/>
+            </a:fillRef>
+            <a:effectRef idx="0">
+              <a:schemeClr val="accent1"/>
+            </a:effectRef>
+            <a:fontRef idx="minor">
+              <a:schemeClr val="tx1"/>
+            </a:fontRef>
+          </p:style>
+        </p:cxnSp>
+        <p:sp>
+          <p:nvSpPr>
+            <p:cNvPr id="52" name="TextBox 51">
+              <a:extLst>
+                <a:ext uri="{FF2B5EF4-FFF2-40B4-BE49-F238E27FC236}">
+                  <a16:creationId xmlns:a16="http://schemas.microsoft.com/office/drawing/2014/main" id="{810BC3FF-13F3-4A22-916F-D676E5700357}"/>
+                </a:ext>
+              </a:extLst>
+            </p:cNvPr>
+            <p:cNvSpPr txBox="1"/>
+            <p:nvPr/>
+          </p:nvSpPr>
+          <p:spPr>
+            <a:xfrm flipH="1">
+              <a:off x="2793489" y="2086266"/>
+              <a:ext cx="2128289" cy="338554"/>
+            </a:xfrm>
+            <a:prstGeom prst="rect">
+              <a:avLst/>
+            </a:prstGeom>
+            <a:solidFill>
+              <a:schemeClr val="bg1"/>
+            </a:solidFill>
+          </p:spPr>
+          <p:txBody>
+            <a:bodyPr wrap="square" rtlCol="0">
+              <a:spAutoFit/>
+            </a:bodyPr>
+            <a:lstStyle/>
+            <a:p>
+              <a:pPr algn="ctr"/>
+              <a:r>
+                <a:rPr lang="en-US" altLang="ko-KR" sz="1600" dirty="0">
+                  <a:latin typeface="나눔스퀘어" panose="020B0600000101010101" pitchFamily="50" charset="-127"/>
+                  <a:ea typeface="나눔스퀘어" panose="020B0600000101010101" pitchFamily="50" charset="-127"/>
+                </a:rPr>
+                <a:t>Visualize Map</a:t>
+              </a:r>
+              <a:endParaRPr lang="ko-KR" altLang="en-US" sz="1600" dirty="0">
+                <a:latin typeface="나눔스퀘어" panose="020B0600000101010101" pitchFamily="50" charset="-127"/>
+                <a:ea typeface="나눔스퀘어" panose="020B0600000101010101" pitchFamily="50" charset="-127"/>
+              </a:endParaRPr>
+            </a:p>
+          </p:txBody>
+        </p:sp>
+        <p:sp>
+          <p:nvSpPr>
+            <p:cNvPr id="53" name="순서도: 자기 디스크 52">
+              <a:extLst>
+                <a:ext uri="{FF2B5EF4-FFF2-40B4-BE49-F238E27FC236}">
+                  <a16:creationId xmlns:a16="http://schemas.microsoft.com/office/drawing/2014/main" id="{AE1855F9-6237-4E60-876C-1A0ED878119C}"/>
+                </a:ext>
+              </a:extLst>
+            </p:cNvPr>
+            <p:cNvSpPr/>
+            <p:nvPr/>
+          </p:nvSpPr>
+          <p:spPr>
+            <a:xfrm>
+              <a:off x="5556001" y="5634438"/>
+              <a:ext cx="1080000" cy="1080000"/>
+            </a:xfrm>
+            <a:prstGeom prst="flowChartMagneticDisk">
+              <a:avLst/>
+            </a:prstGeom>
+            <a:noFill/>
+            <a:ln>
+              <a:solidFill>
+                <a:schemeClr val="tx1"/>
+              </a:solidFill>
+            </a:ln>
+          </p:spPr>
+          <p:style>
+            <a:lnRef idx="2">
+              <a:schemeClr val="accent1">
+                <a:shade val="50000"/>
+              </a:schemeClr>
+            </a:lnRef>
+            <a:fillRef idx="1">
+              <a:schemeClr val="accent1"/>
+            </a:fillRef>
+            <a:effectRef idx="0">
+              <a:schemeClr val="accent1"/>
+            </a:effectRef>
+            <a:fontRef idx="minor">
+              <a:schemeClr val="lt1"/>
+            </a:fontRef>
+          </p:style>
+          <p:txBody>
+            <a:bodyPr rtlCol="0" anchor="ctr"/>
+            <a:lstStyle/>
+            <a:p>
+              <a:pPr algn="ctr"/>
+              <a:r>
+                <a:rPr lang="en-US" altLang="ko-KR" sz="1600" dirty="0">
+                  <a:solidFill>
+                    <a:schemeClr val="tx1"/>
+                  </a:solidFill>
+                  <a:latin typeface="나눔스퀘어" panose="020B0600000101010101" pitchFamily="50" charset="-127"/>
+                  <a:ea typeface="나눔스퀘어" panose="020B0600000101010101" pitchFamily="50" charset="-127"/>
+                </a:rPr>
+                <a:t>DB</a:t>
+              </a:r>
+              <a:endParaRPr lang="ko-KR" altLang="en-US" sz="1600" dirty="0">
+                <a:solidFill>
+                  <a:schemeClr val="tx1"/>
+                </a:solidFill>
+                <a:latin typeface="나눔스퀘어" panose="020B0600000101010101" pitchFamily="50" charset="-127"/>
+                <a:ea typeface="나눔스퀘어" panose="020B0600000101010101" pitchFamily="50" charset="-127"/>
+              </a:endParaRPr>
+            </a:p>
+          </p:txBody>
+        </p:sp>
+        <p:cxnSp>
+          <p:nvCxnSpPr>
+            <p:cNvPr id="58" name="직선 화살표 연결선 57">
+              <a:extLst>
+                <a:ext uri="{FF2B5EF4-FFF2-40B4-BE49-F238E27FC236}">
+                  <a16:creationId xmlns:a16="http://schemas.microsoft.com/office/drawing/2014/main" id="{E99D5FCD-D1B1-4529-868B-B6661C40ED96}"/>
+                </a:ext>
+              </a:extLst>
+            </p:cNvPr>
+            <p:cNvCxnSpPr/>
+            <p:nvPr/>
+          </p:nvCxnSpPr>
+          <p:spPr>
+            <a:xfrm flipH="1">
+              <a:off x="6636000" y="4308564"/>
+              <a:ext cx="3376040" cy="1865874"/>
+            </a:xfrm>
+            <a:prstGeom prst="straightConnector1">
+              <a:avLst/>
+            </a:prstGeom>
+            <a:ln>
+              <a:tailEnd type="triangle"/>
+            </a:ln>
+          </p:spPr>
+          <p:style>
+            <a:lnRef idx="1">
+              <a:schemeClr val="accent1"/>
+            </a:lnRef>
+            <a:fillRef idx="0">
+              <a:schemeClr val="accent1"/>
+            </a:fillRef>
+            <a:effectRef idx="0">
+              <a:schemeClr val="accent1"/>
+            </a:effectRef>
+            <a:fontRef idx="minor">
+              <a:schemeClr val="tx1"/>
+            </a:fontRef>
+          </p:style>
+        </p:cxnSp>
+        <p:sp>
+          <p:nvSpPr>
+            <p:cNvPr id="59" name="TextBox 58">
+              <a:extLst>
+                <a:ext uri="{FF2B5EF4-FFF2-40B4-BE49-F238E27FC236}">
+                  <a16:creationId xmlns:a16="http://schemas.microsoft.com/office/drawing/2014/main" id="{810BC3FF-13F3-4A22-916F-D676E5700357}"/>
+                </a:ext>
+              </a:extLst>
+            </p:cNvPr>
+            <p:cNvSpPr txBox="1"/>
+            <p:nvPr/>
+          </p:nvSpPr>
+          <p:spPr>
+            <a:xfrm>
+              <a:off x="7259876" y="4826003"/>
+              <a:ext cx="2128289" cy="830997"/>
+            </a:xfrm>
+            <a:prstGeom prst="rect">
+              <a:avLst/>
+            </a:prstGeom>
+            <a:solidFill>
+              <a:schemeClr val="bg1"/>
+            </a:solidFill>
+          </p:spPr>
+          <p:txBody>
+            <a:bodyPr wrap="square" rtlCol="0">
+              <a:spAutoFit/>
+            </a:bodyPr>
+            <a:lstStyle/>
+            <a:p>
+              <a:pPr algn="ctr"/>
+              <a:r>
+                <a:rPr lang="en-US" altLang="ko-KR" sz="1600" dirty="0">
+                  <a:latin typeface="나눔스퀘어" panose="020B0600000101010101" pitchFamily="50" charset="-127"/>
+                  <a:ea typeface="나눔스퀘어" panose="020B0600000101010101" pitchFamily="50" charset="-127"/>
+                </a:rPr>
+                <a:t>Init DB,</a:t>
+              </a:r>
+            </a:p>
+            <a:p>
+              <a:pPr algn="ctr"/>
+              <a:r>
+                <a:rPr lang="en-US" altLang="ko-KR" sz="1600" dirty="0">
+                  <a:latin typeface="나눔스퀘어" panose="020B0600000101010101" pitchFamily="50" charset="-127"/>
+                  <a:ea typeface="나눔스퀘어" panose="020B0600000101010101" pitchFamily="50" charset="-127"/>
+                </a:rPr>
+                <a:t>Save Simulation Results</a:t>
+              </a:r>
+              <a:endParaRPr lang="ko-KR" altLang="en-US" sz="1600" dirty="0">
+                <a:latin typeface="나눔스퀘어" panose="020B0600000101010101" pitchFamily="50" charset="-127"/>
+                <a:ea typeface="나눔스퀘어" panose="020B0600000101010101" pitchFamily="50" charset="-127"/>
+              </a:endParaRPr>
+            </a:p>
+          </p:txBody>
+        </p:sp>
+        <p:cxnSp>
+          <p:nvCxnSpPr>
+            <p:cNvPr id="63" name="직선 화살표 연결선 62">
+              <a:extLst>
+                <a:ext uri="{FF2B5EF4-FFF2-40B4-BE49-F238E27FC236}">
+                  <a16:creationId xmlns:a16="http://schemas.microsoft.com/office/drawing/2014/main" id="{E99D5FCD-D1B1-4529-868B-B6661C40ED96}"/>
+                </a:ext>
+              </a:extLst>
+            </p:cNvPr>
+            <p:cNvCxnSpPr/>
+            <p:nvPr/>
+          </p:nvCxnSpPr>
+          <p:spPr>
+            <a:xfrm>
+              <a:off x="2169613" y="4177791"/>
+              <a:ext cx="3376040" cy="1865874"/>
+            </a:xfrm>
+            <a:prstGeom prst="straightConnector1">
+              <a:avLst/>
+            </a:prstGeom>
+            <a:ln>
+              <a:tailEnd type="triangle"/>
+            </a:ln>
+          </p:spPr>
+          <p:style>
+            <a:lnRef idx="1">
+              <a:schemeClr val="accent1"/>
+            </a:lnRef>
+            <a:fillRef idx="0">
+              <a:schemeClr val="accent1"/>
+            </a:fillRef>
+            <a:effectRef idx="0">
+              <a:schemeClr val="accent1"/>
+            </a:effectRef>
+            <a:fontRef idx="minor">
+              <a:schemeClr val="tx1"/>
+            </a:fontRef>
+          </p:style>
+        </p:cxnSp>
+        <p:cxnSp>
+          <p:nvCxnSpPr>
+            <p:cNvPr id="68" name="직선 화살표 연결선 67">
+              <a:extLst>
+                <a:ext uri="{FF2B5EF4-FFF2-40B4-BE49-F238E27FC236}">
+                  <a16:creationId xmlns:a16="http://schemas.microsoft.com/office/drawing/2014/main" id="{E99D5FCD-D1B1-4529-868B-B6661C40ED96}"/>
+                </a:ext>
+              </a:extLst>
+            </p:cNvPr>
+            <p:cNvCxnSpPr/>
+            <p:nvPr/>
+          </p:nvCxnSpPr>
+          <p:spPr>
+            <a:xfrm flipH="1" flipV="1">
+              <a:off x="2026745" y="4368147"/>
+              <a:ext cx="3376040" cy="1865874"/>
+            </a:xfrm>
+            <a:prstGeom prst="straightConnector1">
+              <a:avLst/>
+            </a:prstGeom>
+            <a:ln>
+              <a:tailEnd type="triangle"/>
+            </a:ln>
+          </p:spPr>
+          <p:style>
+            <a:lnRef idx="1">
+              <a:schemeClr val="accent1"/>
+            </a:lnRef>
+            <a:fillRef idx="0">
+              <a:schemeClr val="accent1"/>
+            </a:fillRef>
+            <a:effectRef idx="0">
+              <a:schemeClr val="accent1"/>
+            </a:effectRef>
+            <a:fontRef idx="minor">
+              <a:schemeClr val="tx1"/>
+            </a:fontRef>
+          </p:style>
+        </p:cxnSp>
+        <p:grpSp>
+          <p:nvGrpSpPr>
+            <p:cNvPr id="39" name="그룹 38"/>
+            <p:cNvGrpSpPr/>
+            <p:nvPr/>
+          </p:nvGrpSpPr>
+          <p:grpSpPr>
+            <a:xfrm>
+              <a:off x="1946978" y="4991419"/>
+              <a:ext cx="3967762" cy="584775"/>
+              <a:chOff x="1889828" y="4600894"/>
+              <a:chExt cx="3967762" cy="584775"/>
+            </a:xfrm>
+          </p:grpSpPr>
+          <p:sp>
+            <p:nvSpPr>
+              <p:cNvPr id="64" name="TextBox 63">
+                <a:extLst>
+                  <a:ext uri="{FF2B5EF4-FFF2-40B4-BE49-F238E27FC236}">
+                    <a16:creationId xmlns:a16="http://schemas.microsoft.com/office/drawing/2014/main" id="{810BC3FF-13F3-4A22-916F-D676E5700357}"/>
+                  </a:ext>
+                </a:extLst>
+              </p:cNvPr>
+              <p:cNvSpPr txBox="1"/>
+              <p:nvPr/>
+            </p:nvSpPr>
+            <p:spPr>
+              <a:xfrm flipH="1">
+                <a:off x="3729301" y="4600894"/>
+                <a:ext cx="2128289" cy="584775"/>
+              </a:xfrm>
+              <a:prstGeom prst="rect">
+                <a:avLst/>
+              </a:prstGeom>
+              <a:noFill/>
+            </p:spPr>
+            <p:txBody>
+              <a:bodyPr wrap="square" rtlCol="0">
+                <a:spAutoFit/>
+              </a:bodyPr>
+              <a:lstStyle/>
+              <a:p>
+                <a:pPr algn="ctr"/>
+                <a:r>
+                  <a:rPr lang="en-US" altLang="ko-KR" sz="1600" dirty="0">
+                    <a:latin typeface="나눔스퀘어" panose="020B0600000101010101" pitchFamily="50" charset="-127"/>
+                    <a:ea typeface="나눔스퀘어" panose="020B0600000101010101" pitchFamily="50" charset="-127"/>
+                  </a:rPr>
+                  <a:t>Update Simulation Data</a:t>
+                </a:r>
+                <a:endParaRPr lang="ko-KR" altLang="en-US" sz="1600" dirty="0">
+                  <a:latin typeface="나눔스퀘어" panose="020B0600000101010101" pitchFamily="50" charset="-127"/>
+                  <a:ea typeface="나눔스퀘어" panose="020B0600000101010101" pitchFamily="50" charset="-127"/>
+                </a:endParaRPr>
+              </a:p>
+            </p:txBody>
+          </p:sp>
+          <p:sp>
+            <p:nvSpPr>
+              <p:cNvPr id="69" name="TextBox 68">
+                <a:extLst>
+                  <a:ext uri="{FF2B5EF4-FFF2-40B4-BE49-F238E27FC236}">
+                    <a16:creationId xmlns:a16="http://schemas.microsoft.com/office/drawing/2014/main" id="{810BC3FF-13F3-4A22-916F-D676E5700357}"/>
+                  </a:ext>
+                </a:extLst>
+              </p:cNvPr>
+              <p:cNvSpPr txBox="1"/>
+              <p:nvPr/>
+            </p:nvSpPr>
+            <p:spPr>
+              <a:xfrm flipH="1">
+                <a:off x="1889828" y="4600894"/>
+                <a:ext cx="2128289" cy="584775"/>
+              </a:xfrm>
+              <a:prstGeom prst="rect">
+                <a:avLst/>
+              </a:prstGeom>
+              <a:noFill/>
+            </p:spPr>
+            <p:txBody>
+              <a:bodyPr wrap="square" rtlCol="0">
+                <a:spAutoFit/>
+              </a:bodyPr>
+              <a:lstStyle/>
+              <a:p>
+                <a:pPr algn="ctr"/>
+                <a:r>
+                  <a:rPr lang="en-US" altLang="ko-KR" sz="1600" dirty="0">
+                    <a:latin typeface="나눔스퀘어" panose="020B0600000101010101" pitchFamily="50" charset="-127"/>
+                    <a:ea typeface="나눔스퀘어" panose="020B0600000101010101" pitchFamily="50" charset="-127"/>
+                  </a:rPr>
+                  <a:t>Visualize </a:t>
+                </a:r>
+              </a:p>
+              <a:p>
+                <a:pPr algn="ctr"/>
+                <a:r>
+                  <a:rPr lang="en-US" altLang="ko-KR" sz="1600" dirty="0">
+                    <a:latin typeface="나눔스퀘어" panose="020B0600000101010101" pitchFamily="50" charset="-127"/>
+                    <a:ea typeface="나눔스퀘어" panose="020B0600000101010101" pitchFamily="50" charset="-127"/>
+                  </a:rPr>
+                  <a:t>Simulation Results</a:t>
+                </a:r>
+                <a:endParaRPr lang="ko-KR" altLang="en-US" sz="1600" dirty="0">
+                  <a:latin typeface="나눔스퀘어" panose="020B0600000101010101" pitchFamily="50" charset="-127"/>
+                  <a:ea typeface="나눔스퀘어" panose="020B0600000101010101" pitchFamily="50" charset="-127"/>
+                </a:endParaRPr>
+              </a:p>
+            </p:txBody>
+          </p:sp>
+        </p:grpSp>
+      </p:grpSp>
+      <p:grpSp>
+        <p:nvGrpSpPr>
+          <p:cNvPr id="28" name="그룹 27"/>
+          <p:cNvGrpSpPr/>
+          <p:nvPr/>
+        </p:nvGrpSpPr>
+        <p:grpSpPr>
+          <a:xfrm>
+            <a:off x="2826699" y="1957799"/>
+            <a:ext cx="2128289" cy="1415438"/>
+            <a:chOff x="2826699" y="1957799"/>
+            <a:chExt cx="2128289" cy="1415438"/>
+          </a:xfrm>
+        </p:grpSpPr>
+        <p:sp>
+          <p:nvSpPr>
+            <p:cNvPr id="29" name="직사각형 28"/>
+            <p:cNvSpPr/>
+            <p:nvPr/>
+          </p:nvSpPr>
+          <p:spPr>
+            <a:xfrm>
+              <a:off x="3011122" y="1957799"/>
+              <a:ext cx="1594974" cy="595488"/>
+            </a:xfrm>
+            <a:prstGeom prst="rect">
+              <a:avLst/>
+            </a:prstGeom>
+            <a:noFill/>
+            <a:ln>
+              <a:solidFill>
+                <a:srgbClr val="FF0000"/>
+              </a:solidFill>
+              <a:prstDash val="dash"/>
+            </a:ln>
+          </p:spPr>
+          <p:style>
+            <a:lnRef idx="2">
+              <a:schemeClr val="accent1">
+                <a:shade val="50000"/>
+              </a:schemeClr>
+            </a:lnRef>
+            <a:fillRef idx="1">
+              <a:schemeClr val="accent1"/>
+            </a:fillRef>
+            <a:effectRef idx="0">
+              <a:schemeClr val="accent1"/>
+            </a:effectRef>
+            <a:fontRef idx="minor">
+              <a:schemeClr val="lt1"/>
+            </a:fontRef>
+          </p:style>
+          <p:txBody>
+            <a:bodyPr rtlCol="0" anchor="ctr"/>
+            <a:lstStyle/>
+            <a:p>
+              <a:pPr algn="ctr"/>
+              <a:endParaRPr lang="ko-KR" altLang="en-US"/>
+            </a:p>
+          </p:txBody>
+        </p:sp>
+        <p:sp>
+          <p:nvSpPr>
+            <p:cNvPr id="30" name="TextBox 29">
+              <a:extLst>
+                <a:ext uri="{FF2B5EF4-FFF2-40B4-BE49-F238E27FC236}">
+                  <a16:creationId xmlns:a16="http://schemas.microsoft.com/office/drawing/2014/main" id="{810BC3FF-13F3-4A22-916F-D676E5700357}"/>
+                </a:ext>
+              </a:extLst>
+            </p:cNvPr>
+            <p:cNvSpPr txBox="1"/>
+            <p:nvPr/>
+          </p:nvSpPr>
+          <p:spPr>
+            <a:xfrm flipH="1">
+              <a:off x="2826699" y="2634573"/>
+              <a:ext cx="2128289" cy="738664"/>
+            </a:xfrm>
+            <a:prstGeom prst="rect">
+              <a:avLst/>
+            </a:prstGeom>
+            <a:solidFill>
+              <a:schemeClr val="bg1"/>
+            </a:solidFill>
+          </p:spPr>
+          <p:txBody>
+            <a:bodyPr wrap="square" rtlCol="0">
+              <a:spAutoFit/>
+            </a:bodyPr>
+            <a:lstStyle/>
+            <a:p>
+              <a:r>
+                <a:rPr lang="en-US" altLang="ko-KR" sz="1400" dirty="0">
+                  <a:solidFill>
+                    <a:srgbClr val="FF0000"/>
+                  </a:solidFill>
+                  <a:latin typeface="나눔스퀘어" panose="020B0600000101010101" pitchFamily="50" charset="-127"/>
+                  <a:ea typeface="나눔스퀘어" panose="020B0600000101010101" pitchFamily="50" charset="-127"/>
+                </a:rPr>
+                <a:t>UnitySW </a:t>
+              </a:r>
+              <a:r>
+                <a:rPr lang="ko-KR" altLang="en-US" sz="1400" dirty="0">
+                  <a:solidFill>
+                    <a:srgbClr val="FF0000"/>
+                  </a:solidFill>
+                  <a:latin typeface="나눔스퀘어" panose="020B0600000101010101" pitchFamily="50" charset="-127"/>
+                  <a:ea typeface="나눔스퀘어" panose="020B0600000101010101" pitchFamily="50" charset="-127"/>
+                </a:rPr>
+                <a:t>실행 시</a:t>
+              </a:r>
+              <a:r>
+                <a:rPr lang="en-US" altLang="ko-KR" sz="1400" dirty="0">
+                  <a:solidFill>
+                    <a:srgbClr val="FF0000"/>
+                  </a:solidFill>
+                  <a:latin typeface="나눔스퀘어" panose="020B0600000101010101" pitchFamily="50" charset="-127"/>
+                  <a:ea typeface="나눔스퀘어" panose="020B0600000101010101" pitchFamily="50" charset="-127"/>
+                </a:rPr>
+                <a:t> JSON </a:t>
+              </a:r>
+              <a:r>
+                <a:rPr lang="ko-KR" altLang="en-US" sz="1400" dirty="0">
+                  <a:solidFill>
+                    <a:srgbClr val="FF0000"/>
+                  </a:solidFill>
+                  <a:latin typeface="나눔스퀘어" panose="020B0600000101010101" pitchFamily="50" charset="-127"/>
+                  <a:ea typeface="나눔스퀘어" panose="020B0600000101010101" pitchFamily="50" charset="-127"/>
+                </a:rPr>
+                <a:t>파일을 선택하여 공간 맵 가시화</a:t>
+              </a:r>
+              <a:r>
+                <a:rPr lang="en-US" altLang="ko-KR" sz="1400" dirty="0">
+                  <a:solidFill>
+                    <a:srgbClr val="FF0000"/>
+                  </a:solidFill>
+                  <a:latin typeface="나눔스퀘어" panose="020B0600000101010101" pitchFamily="50" charset="-127"/>
+                  <a:ea typeface="나눔스퀘어" panose="020B0600000101010101" pitchFamily="50" charset="-127"/>
+                </a:rPr>
+                <a:t>(</a:t>
+              </a:r>
+              <a:r>
+                <a:rPr lang="ko-KR" altLang="en-US" sz="1400" dirty="0">
+                  <a:solidFill>
+                    <a:srgbClr val="FF0000"/>
+                  </a:solidFill>
+                  <a:latin typeface="나눔스퀘어" panose="020B0600000101010101" pitchFamily="50" charset="-127"/>
+                  <a:ea typeface="나눔스퀘어" panose="020B0600000101010101" pitchFamily="50" charset="-127"/>
+                </a:rPr>
+                <a:t>초기화</a:t>
+              </a:r>
+              <a:r>
+                <a:rPr lang="en-US" altLang="ko-KR" sz="1400" dirty="0">
+                  <a:solidFill>
+                    <a:srgbClr val="FF0000"/>
+                  </a:solidFill>
+                  <a:latin typeface="나눔스퀘어" panose="020B0600000101010101" pitchFamily="50" charset="-127"/>
+                  <a:ea typeface="나눔스퀘어" panose="020B0600000101010101" pitchFamily="50" charset="-127"/>
+                </a:rPr>
+                <a:t>) </a:t>
+              </a:r>
+              <a:r>
+                <a:rPr lang="ko-KR" altLang="en-US" sz="1400" dirty="0">
+                  <a:solidFill>
+                    <a:srgbClr val="FF0000"/>
+                  </a:solidFill>
+                  <a:latin typeface="나눔스퀘어" panose="020B0600000101010101" pitchFamily="50" charset="-127"/>
+                  <a:ea typeface="나눔스퀘어" panose="020B0600000101010101" pitchFamily="50" charset="-127"/>
+                </a:rPr>
+                <a:t>진행</a:t>
+              </a:r>
+            </a:p>
+          </p:txBody>
+        </p:sp>
+      </p:grpSp>
+    </p:spTree>
+    <p:extLst>
+      <p:ext uri="{BB962C8B-B14F-4D97-AF65-F5344CB8AC3E}">
+        <p14:creationId xmlns:p14="http://schemas.microsoft.com/office/powerpoint/2010/main" val="3235103206"/>
+      </p:ext>
+    </p:extLst>
+  </p:cSld>
+  <p:clrMapOvr>
+    <a:masterClrMapping/>
+  </p:clrMapOvr>
+</p:sld>
+</file>
+
+<file path=ppt/slides/slide4.xml><?xml version="1.0" encoding="utf-8"?>
 <p:sld xmlns:a="http://schemas.openxmlformats.org/drawingml/2006/main" xmlns:r="http://schemas.openxmlformats.org/officeDocument/2006/relationships" xmlns:p="http://schemas.openxmlformats.org/presentationml/2006/main">
   <p:cSld>
     <p:spTree>
@@ -20341,7 +24200,7 @@
           <a:lstStyle/>
           <a:p>
             <a:r>
-              <a:rPr lang="en-US" altLang="ko-KR" dirty="0" smtClean="0">
+              <a:rPr lang="en-US" altLang="ko-KR" dirty="0">
                 <a:latin typeface="나눔스퀘어" panose="020B0600000101010101" pitchFamily="50" charset="-127"/>
                 <a:ea typeface="나눔스퀘어" panose="020B0600000101010101" pitchFamily="50" charset="-127"/>
               </a:rPr>
@@ -21599,17 +25458,10 @@
   <p:clrMapOvr>
     <a:masterClrMapping/>
   </p:clrMapOvr>
-  <p:timing>
-    <p:tnLst>
-      <p:par>
-        <p:cTn id="1" dur="indefinite" restart="never" nodeType="tmRoot"/>
-      </p:par>
-    </p:tnLst>
-  </p:timing>
 </p:sld>
 </file>
 
-<file path=ppt/slides/slide3.xml><?xml version="1.0" encoding="utf-8"?>
+<file path=ppt/slides/slide5.xml><?xml version="1.0" encoding="utf-8"?>
 <p:sld xmlns:a="http://schemas.openxmlformats.org/drawingml/2006/main" xmlns:r="http://schemas.openxmlformats.org/officeDocument/2006/relationships" xmlns:p="http://schemas.openxmlformats.org/presentationml/2006/main">
   <p:cSld>
     <p:spTree>
@@ -21654,7 +25506,7 @@
           <a:lstStyle/>
           <a:p>
             <a:r>
-              <a:rPr lang="en-US" altLang="ko-KR" dirty="0" smtClean="0">
+              <a:rPr lang="en-US" altLang="ko-KR" dirty="0">
                 <a:latin typeface="나눔스퀘어" panose="020B0600000101010101" pitchFamily="50" charset="-127"/>
                 <a:ea typeface="나눔스퀘어" panose="020B0600000101010101" pitchFamily="50" charset="-127"/>
               </a:rPr>
@@ -23019,18 +26871,11 @@
           <a:lstStyle/>
           <a:p>
             <a:r>
-              <a:rPr lang="en-US" altLang="ko-KR" dirty="0" smtClean="0">
-                <a:latin typeface="나눔스퀘어" panose="020B0600000101010101" pitchFamily="50" charset="-127"/>
-                <a:ea typeface="나눔스퀘어" panose="020B0600000101010101" pitchFamily="50" charset="-127"/>
-              </a:rPr>
-              <a:t>5. </a:t>
-            </a:r>
-            <a:r>
               <a:rPr lang="en-US" altLang="ko-KR" dirty="0">
                 <a:latin typeface="나눔스퀘어" panose="020B0600000101010101" pitchFamily="50" charset="-127"/>
                 <a:ea typeface="나눔스퀘어" panose="020B0600000101010101" pitchFamily="50" charset="-127"/>
               </a:rPr>
-              <a:t>JobList</a:t>
+              <a:t>5. JobList</a:t>
             </a:r>
           </a:p>
         </p:txBody>
@@ -23096,7 +26941,7 @@
                     <a:p>
                       <a:pPr algn="ctr" latinLnBrk="1"/>
                       <a:r>
-                        <a:rPr lang="en-US" altLang="ko-KR" sz="900" dirty="0" smtClean="0">
+                        <a:rPr lang="en-US" altLang="ko-KR" sz="900" dirty="0">
                           <a:latin typeface="나눔스퀘어" panose="020B0600000101010101" pitchFamily="50" charset="-127"/>
                           <a:ea typeface="나눔스퀘어" panose="020B0600000101010101" pitchFamily="50" charset="-127"/>
                         </a:rPr>
@@ -23174,7 +27019,7 @@
                     <a:p>
                       <a:pPr algn="ctr" latinLnBrk="1"/>
                       <a:r>
-                        <a:rPr lang="en-US" altLang="ko-KR" sz="900" dirty="0" smtClean="0">
+                        <a:rPr lang="en-US" altLang="ko-KR" sz="900" dirty="0">
                           <a:latin typeface="나눔스퀘어" panose="020B0600000101010101" pitchFamily="50" charset="-127"/>
                           <a:ea typeface="나눔스퀘어" panose="020B0600000101010101" pitchFamily="50" charset="-127"/>
                         </a:rPr>
@@ -23224,7 +27069,7 @@
                     <a:p>
                       <a:pPr algn="ctr" latinLnBrk="1"/>
                       <a:r>
-                        <a:rPr lang="en-US" altLang="ko-KR" sz="900" dirty="0" smtClean="0">
+                        <a:rPr lang="en-US" altLang="ko-KR" sz="900" dirty="0">
                           <a:latin typeface="나눔스퀘어" panose="020B0600000101010101" pitchFamily="50" charset="-127"/>
                           <a:ea typeface="나눔스퀘어" panose="020B0600000101010101" pitchFamily="50" charset="-127"/>
                         </a:rPr>
@@ -23256,7 +27101,7 @@
                     <a:p>
                       <a:pPr algn="ctr" latinLnBrk="1"/>
                       <a:r>
-                        <a:rPr lang="en-US" altLang="ko-KR" sz="900" dirty="0" smtClean="0">
+                        <a:rPr lang="en-US" altLang="ko-KR" sz="900" dirty="0">
                           <a:latin typeface="나눔스퀘어" panose="020B0600000101010101" pitchFamily="50" charset="-127"/>
                           <a:ea typeface="나눔스퀘어" panose="020B0600000101010101" pitchFamily="50" charset="-127"/>
                         </a:rPr>
@@ -23306,7 +27151,7 @@
                     <a:p>
                       <a:pPr algn="ctr" latinLnBrk="1"/>
                       <a:r>
-                        <a:rPr lang="en-US" altLang="ko-KR" sz="900" dirty="0" smtClean="0">
+                        <a:rPr lang="en-US" altLang="ko-KR" sz="900" dirty="0">
                           <a:latin typeface="나눔스퀘어" panose="020B0600000101010101" pitchFamily="50" charset="-127"/>
                           <a:ea typeface="나눔스퀘어" panose="020B0600000101010101" pitchFamily="50" charset="-127"/>
                         </a:rPr>
@@ -23354,7 +27199,7 @@
                         <a:defRPr/>
                       </a:pPr>
                       <a:r>
-                        <a:rPr lang="en-US" altLang="ko-KR" sz="900" dirty="0" smtClean="0">
+                        <a:rPr lang="en-US" altLang="ko-KR" sz="900" dirty="0">
                           <a:latin typeface="나눔스퀘어" panose="020B0600000101010101" pitchFamily="50" charset="-127"/>
                           <a:ea typeface="나눔스퀘어" panose="020B0600000101010101" pitchFamily="50" charset="-127"/>
                         </a:rPr>
@@ -23420,7 +27265,7 @@
                     <a:p>
                       <a:pPr algn="ctr" latinLnBrk="1"/>
                       <a:r>
-                        <a:rPr lang="en-US" altLang="ko-KR" sz="900" dirty="0" smtClean="0">
+                        <a:rPr lang="en-US" altLang="ko-KR" sz="900" dirty="0">
                           <a:latin typeface="나눔스퀘어" panose="020B0600000101010101" pitchFamily="50" charset="-127"/>
                           <a:ea typeface="나눔스퀘어" panose="020B0600000101010101" pitchFamily="50" charset="-127"/>
                         </a:rPr>
@@ -23468,7 +27313,7 @@
                         <a:defRPr/>
                       </a:pPr>
                       <a:r>
-                        <a:rPr lang="en-US" altLang="ko-KR" sz="900" dirty="0" smtClean="0">
+                        <a:rPr lang="en-US" altLang="ko-KR" sz="900" dirty="0">
                           <a:latin typeface="나눔스퀘어" panose="020B0600000101010101" pitchFamily="50" charset="-127"/>
                           <a:ea typeface="나눔스퀘어" panose="020B0600000101010101" pitchFamily="50" charset="-127"/>
                         </a:rPr>
@@ -23509,7 +27354,7 @@
                         <a:defRPr/>
                       </a:pPr>
                       <a:r>
-                        <a:rPr lang="en-US" altLang="ko-KR" sz="900" dirty="0" smtClean="0">
+                        <a:rPr lang="en-US" altLang="ko-KR" sz="900" dirty="0">
                           <a:latin typeface="나눔스퀘어" panose="020B0600000101010101" pitchFamily="50" charset="-127"/>
                           <a:ea typeface="나눔스퀘어" panose="020B0600000101010101" pitchFamily="50" charset="-127"/>
                         </a:rPr>
@@ -23582,7 +27427,7 @@
                         <a:defRPr/>
                       </a:pPr>
                       <a:r>
-                        <a:rPr lang="en-US" altLang="ko-KR" sz="900" dirty="0" smtClean="0">
+                        <a:rPr lang="en-US" altLang="ko-KR" sz="900" dirty="0">
                           <a:latin typeface="나눔스퀘어" panose="020B0600000101010101" pitchFamily="50" charset="-127"/>
                           <a:ea typeface="나눔스퀘어" panose="020B0600000101010101" pitchFamily="50" charset="-127"/>
                         </a:rPr>
@@ -23623,7 +27468,7 @@
                         <a:defRPr/>
                       </a:pPr>
                       <a:r>
-                        <a:rPr lang="en-US" altLang="ko-KR" sz="900" dirty="0" smtClean="0">
+                        <a:rPr lang="en-US" altLang="ko-KR" sz="900" dirty="0">
                           <a:latin typeface="나눔스퀘어" panose="020B0600000101010101" pitchFamily="50" charset="-127"/>
                           <a:ea typeface="나눔스퀘어" panose="020B0600000101010101" pitchFamily="50" charset="-127"/>
                         </a:rPr>
@@ -23696,7 +27541,7 @@
                         <a:defRPr/>
                       </a:pPr>
                       <a:r>
-                        <a:rPr lang="en-US" altLang="ko-KR" sz="900" dirty="0" smtClean="0">
+                        <a:rPr lang="en-US" altLang="ko-KR" sz="900" dirty="0">
                           <a:latin typeface="나눔스퀘어" panose="020B0600000101010101" pitchFamily="50" charset="-127"/>
                           <a:ea typeface="나눔스퀘어" panose="020B0600000101010101" pitchFamily="50" charset="-127"/>
                         </a:rPr>
@@ -23737,7 +27582,7 @@
                         <a:defRPr/>
                       </a:pPr>
                       <a:r>
-                        <a:rPr lang="en-US" altLang="ko-KR" sz="900" dirty="0" smtClean="0">
+                        <a:rPr lang="en-US" altLang="ko-KR" sz="900" dirty="0">
                           <a:latin typeface="나눔스퀘어" panose="020B0600000101010101" pitchFamily="50" charset="-127"/>
                           <a:ea typeface="나눔스퀘어" panose="020B0600000101010101" pitchFamily="50" charset="-127"/>
                         </a:rPr>
@@ -23810,7 +27655,7 @@
                         <a:defRPr/>
                       </a:pPr>
                       <a:r>
-                        <a:rPr lang="en-US" altLang="ko-KR" sz="900" dirty="0" smtClean="0">
+                        <a:rPr lang="en-US" altLang="ko-KR" sz="900" dirty="0">
                           <a:latin typeface="나눔스퀘어" panose="020B0600000101010101" pitchFamily="50" charset="-127"/>
                           <a:ea typeface="나눔스퀘어" panose="020B0600000101010101" pitchFamily="50" charset="-127"/>
                         </a:rPr>
@@ -23851,7 +27696,7 @@
                         <a:defRPr/>
                       </a:pPr>
                       <a:r>
-                        <a:rPr lang="en-US" altLang="ko-KR" sz="900" dirty="0" smtClean="0">
+                        <a:rPr lang="en-US" altLang="ko-KR" sz="900" dirty="0">
                           <a:latin typeface="나눔스퀘어" panose="020B0600000101010101" pitchFamily="50" charset="-127"/>
                           <a:ea typeface="나눔스퀘어" panose="020B0600000101010101" pitchFamily="50" charset="-127"/>
                         </a:rPr>
@@ -23876,7 +27721,7 @@
                     <a:p>
                       <a:pPr algn="ctr" latinLnBrk="1"/>
                       <a:r>
-                        <a:rPr lang="en-US" altLang="ko-KR" sz="900" dirty="0" smtClean="0">
+                        <a:rPr lang="en-US" altLang="ko-KR" sz="900" dirty="0">
                           <a:latin typeface="나눔스퀘어" panose="020B0600000101010101" pitchFamily="50" charset="-127"/>
                           <a:ea typeface="나눔스퀘어" panose="020B0600000101010101" pitchFamily="50" charset="-127"/>
                         </a:rPr>
@@ -23932,16 +27777,12 @@
           <a:lstStyle/>
           <a:p>
             <a:r>
-              <a:rPr lang="en-US" altLang="ko-KR" dirty="0" smtClean="0">
+              <a:rPr lang="en-US" altLang="ko-KR" dirty="0">
                 <a:latin typeface="나눔스퀘어" panose="020B0600000101010101" pitchFamily="50" charset="-127"/>
                 <a:ea typeface="나눔스퀘어" panose="020B0600000101010101" pitchFamily="50" charset="-127"/>
               </a:rPr>
               <a:t>6. JobSequence</a:t>
             </a:r>
-            <a:endParaRPr lang="en-US" altLang="ko-KR" dirty="0">
-              <a:latin typeface="나눔스퀘어" panose="020B0600000101010101" pitchFamily="50" charset="-127"/>
-              <a:ea typeface="나눔스퀘어" panose="020B0600000101010101" pitchFamily="50" charset="-127"/>
-            </a:endParaRPr>
           </a:p>
         </p:txBody>
       </p:sp>
@@ -24552,17 +28393,10 @@
   <p:clrMapOvr>
     <a:masterClrMapping/>
   </p:clrMapOvr>
-  <p:timing>
-    <p:tnLst>
-      <p:par>
-        <p:cTn id="1" dur="indefinite" restart="never" nodeType="tmRoot"/>
-      </p:par>
-    </p:tnLst>
-  </p:timing>
 </p:sld>
 </file>
 
-<file path=ppt/slides/slide4.xml><?xml version="1.0" encoding="utf-8"?>
+<file path=ppt/slides/slide6.xml><?xml version="1.0" encoding="utf-8"?>
 <p:sld xmlns:a="http://schemas.openxmlformats.org/drawingml/2006/main" xmlns:r="http://schemas.openxmlformats.org/officeDocument/2006/relationships" xmlns:p="http://schemas.openxmlformats.org/presentationml/2006/main">
   <p:cSld>
     <p:spTree>
@@ -24622,37 +28456,19 @@
           <a:p>
             <a:pPr algn="ctr"/>
             <a:r>
-              <a:rPr lang="en-US" altLang="ko-KR" dirty="0" smtClean="0">
+              <a:rPr lang="en-US" altLang="ko-KR" dirty="0">
                 <a:latin typeface="나눔스퀘어 Bold" panose="020B0600000101010101" pitchFamily="50" charset="-127"/>
                 <a:ea typeface="나눔스퀘어 Bold" panose="020B0600000101010101" pitchFamily="50" charset="-127"/>
               </a:rPr>
               <a:t>Ex) </a:t>
-            </a:r>
-            <a:r>
-              <a:rPr lang="ko-KR" altLang="en-US" dirty="0" smtClean="0">
-                <a:latin typeface="나눔스퀘어 Bold" panose="020B0600000101010101" pitchFamily="50" charset="-127"/>
-                <a:ea typeface="나눔스퀘어 Bold" panose="020B0600000101010101" pitchFamily="50" charset="-127"/>
-              </a:rPr>
-              <a:t>공간 </a:t>
             </a:r>
             <a:r>
               <a:rPr lang="ko-KR" altLang="en-US" dirty="0">
                 <a:latin typeface="나눔스퀘어 Bold" panose="020B0600000101010101" pitchFamily="50" charset="-127"/>
                 <a:ea typeface="나눔스퀘어 Bold" panose="020B0600000101010101" pitchFamily="50" charset="-127"/>
               </a:rPr>
-              <a:t>맵 </a:t>
-            </a:r>
-            <a:r>
-              <a:rPr lang="ko-KR" altLang="en-US" dirty="0" smtClean="0">
-                <a:latin typeface="나눔스퀘어 Bold" panose="020B0600000101010101" pitchFamily="50" charset="-127"/>
-                <a:ea typeface="나눔스퀘어 Bold" panose="020B0600000101010101" pitchFamily="50" charset="-127"/>
-              </a:rPr>
-              <a:t>가시화 </a:t>
-            </a:r>
-            <a:endParaRPr lang="ko-KR" altLang="en-US" dirty="0">
-              <a:latin typeface="나눔스퀘어 Bold" panose="020B0600000101010101" pitchFamily="50" charset="-127"/>
-              <a:ea typeface="나눔스퀘어 Bold" panose="020B0600000101010101" pitchFamily="50" charset="-127"/>
-            </a:endParaRPr>
+              <a:t>공간 맵 가시화 </a:t>
+            </a:r>
           </a:p>
         </p:txBody>
       </p:sp>
@@ -24750,10 +28566,9 @@
             <a:p>
               <a:pPr algn="ctr"/>
               <a:r>
-                <a:rPr lang="ko-KR" altLang="en-US" sz="1500" dirty="0" smtClean="0"/>
+                <a:rPr lang="ko-KR" altLang="en-US" sz="1500" dirty="0"/>
                 <a:t>활성화</a:t>
               </a:r>
-              <a:endParaRPr lang="ko-KR" altLang="en-US" sz="1500" dirty="0"/>
             </a:p>
           </p:txBody>
         </p:sp>
@@ -24900,10 +28715,9 @@
             <a:p>
               <a:pPr algn="ctr"/>
               <a:r>
-                <a:rPr lang="ko-KR" altLang="en-US" sz="1500" dirty="0" smtClean="0"/>
+                <a:rPr lang="ko-KR" altLang="en-US" sz="1500" dirty="0"/>
                 <a:t>비활성화</a:t>
               </a:r>
-              <a:endParaRPr lang="ko-KR" altLang="en-US" sz="1500" dirty="0"/>
             </a:p>
           </p:txBody>
         </p:sp>
@@ -25113,11 +28927,7 @@
                 <a:pPr algn="ctr"/>
                 <a:r>
                   <a:rPr lang="en-US" altLang="ko-KR" sz="1500" dirty="0"/>
-                  <a:t>Load </a:t>
-                </a:r>
-                <a:r>
-                  <a:rPr lang="en-US" altLang="ko-KR" sz="1500" dirty="0" smtClean="0"/>
-                  <a:t>Vehicle</a:t>
+                  <a:t>Load Vehicle</a:t>
                 </a:r>
                 <a:endParaRPr lang="ko-KR" altLang="en-US" sz="1500" dirty="0"/>
               </a:p>
@@ -25267,11 +29077,7 @@
                 <a:pPr algn="ctr"/>
                 <a:r>
                   <a:rPr lang="en-US" altLang="ko-KR" sz="1500" dirty="0"/>
-                  <a:t>Load </a:t>
-                </a:r>
-                <a:r>
-                  <a:rPr lang="en-US" altLang="ko-KR" sz="1500" dirty="0" smtClean="0"/>
-                  <a:t>Facility</a:t>
+                  <a:t>Load Facility</a:t>
                 </a:r>
                 <a:endParaRPr lang="ko-KR" altLang="en-US" sz="1500" dirty="0"/>
               </a:p>
@@ -25421,11 +29227,7 @@
                 <a:pPr algn="ctr"/>
                 <a:r>
                   <a:rPr lang="en-US" altLang="ko-KR" sz="1500" dirty="0"/>
-                  <a:t>Load </a:t>
-                </a:r>
-                <a:r>
-                  <a:rPr lang="en-US" altLang="ko-KR" sz="1500" dirty="0" smtClean="0"/>
-                  <a:t>Node</a:t>
+                  <a:t>Load Node</a:t>
                 </a:r>
                 <a:endParaRPr lang="ko-KR" altLang="en-US" sz="1500" dirty="0"/>
               </a:p>
@@ -25575,11 +29377,7 @@
                 <a:pPr algn="ctr"/>
                 <a:r>
                   <a:rPr lang="en-US" altLang="ko-KR" sz="1500" dirty="0"/>
-                  <a:t>Load </a:t>
-                </a:r>
-                <a:r>
-                  <a:rPr lang="en-US" altLang="ko-KR" sz="1500" dirty="0" smtClean="0"/>
-                  <a:t>Rail</a:t>
+                  <a:t>Load Rail</a:t>
                 </a:r>
                 <a:endParaRPr lang="ko-KR" altLang="en-US" sz="1500" dirty="0"/>
               </a:p>
@@ -25792,11 +29590,7 @@
                     <a:pPr algn="ctr"/>
                     <a:r>
                       <a:rPr lang="en-US" altLang="ko-KR" sz="1500" dirty="0"/>
-                      <a:t>Load </a:t>
-                    </a:r>
-                    <a:r>
-                      <a:rPr lang="en-US" altLang="ko-KR" sz="1500" dirty="0" smtClean="0"/>
-                      <a:t>JobList</a:t>
+                      <a:t>Load JobList</a:t>
                     </a:r>
                     <a:endParaRPr lang="ko-KR" altLang="en-US" sz="1500" dirty="0"/>
                   </a:p>
@@ -25874,15 +29668,15 @@
                 <a:lstStyle/>
                 <a:p>
                   <a:r>
-                    <a:rPr lang="en-US" altLang="ko-KR" dirty="0" smtClean="0"/>
+                    <a:rPr lang="en-US" altLang="ko-KR" dirty="0"/>
                     <a:t>-</a:t>
                   </a:r>
                   <a:r>
-                    <a:rPr lang="ko-KR" altLang="en-US" dirty="0" smtClean="0"/>
+                    <a:rPr lang="ko-KR" altLang="en-US" dirty="0"/>
                     <a:t>제품</a:t>
                   </a:r>
                   <a:r>
-                    <a:rPr lang="en-US" altLang="ko-KR" dirty="0" smtClean="0"/>
+                    <a:rPr lang="en-US" altLang="ko-KR" dirty="0"/>
                     <a:t>: - EA</a:t>
                   </a:r>
                 </a:p>
@@ -26012,11 +29806,7 @@
                       <a:pPr algn="ctr"/>
                       <a:r>
                         <a:rPr lang="en-US" altLang="ko-KR" sz="1500" dirty="0"/>
-                        <a:t>Load </a:t>
-                      </a:r>
-                      <a:r>
-                        <a:rPr lang="en-US" altLang="ko-KR" sz="1500" dirty="0" smtClean="0"/>
-                        <a:t>JobList</a:t>
+                        <a:t>Load JobList</a:t>
                       </a:r>
                       <a:endParaRPr lang="ko-KR" altLang="en-US" sz="1500" dirty="0"/>
                     </a:p>
@@ -26094,36 +29884,31 @@
                   <a:lstStyle/>
                   <a:p>
                     <a:r>
-                      <a:rPr lang="en-US" altLang="ko-KR" dirty="0" smtClean="0"/>
+                      <a:rPr lang="en-US" altLang="ko-KR" dirty="0"/>
                       <a:t>X</a:t>
                     </a:r>
                     <a:r>
-                      <a:rPr lang="ko-KR" altLang="en-US" dirty="0" smtClean="0"/>
+                      <a:rPr lang="ko-KR" altLang="en-US" dirty="0"/>
                       <a:t>제품</a:t>
                     </a:r>
                     <a:r>
-                      <a:rPr lang="en-US" altLang="ko-KR" dirty="0" smtClean="0"/>
+                      <a:rPr lang="en-US" altLang="ko-KR" dirty="0"/>
                       <a:t>: 50 EA</a:t>
                     </a:r>
                   </a:p>
                   <a:p>
                     <a:r>
-                      <a:rPr lang="en-US" altLang="ko-KR" dirty="0" smtClean="0"/>
+                      <a:rPr lang="en-US" altLang="ko-KR" dirty="0"/>
                       <a:t>Y</a:t>
                     </a:r>
                     <a:r>
-                      <a:rPr lang="ko-KR" altLang="en-US" dirty="0" smtClean="0"/>
+                      <a:rPr lang="ko-KR" altLang="en-US" dirty="0"/>
                       <a:t>제품</a:t>
                     </a:r>
                     <a:r>
                       <a:rPr lang="en-US" altLang="ko-KR" dirty="0"/>
-                      <a:t>: </a:t>
+                      <a:t>: 50 EA</a:t>
                     </a:r>
-                    <a:r>
-                      <a:rPr lang="en-US" altLang="ko-KR" dirty="0" smtClean="0"/>
-                      <a:t>50 EA</a:t>
-                    </a:r>
-                    <a:endParaRPr lang="en-US" altLang="ko-KR" dirty="0"/>
                   </a:p>
                 </p:txBody>
               </p:sp>
@@ -26271,11 +30056,7 @@
                 <a:pPr algn="ctr"/>
                 <a:r>
                   <a:rPr lang="en-US" altLang="ko-KR" sz="1500" dirty="0"/>
-                  <a:t>Load </a:t>
-                </a:r>
-                <a:r>
-                  <a:rPr lang="en-US" altLang="ko-KR" sz="1500" dirty="0" smtClean="0"/>
-                  <a:t>JobSeq.</a:t>
+                  <a:t>Load JobSeq.</a:t>
                 </a:r>
                 <a:endParaRPr lang="ko-KR" altLang="en-US" sz="1500" dirty="0"/>
               </a:p>
@@ -26427,17 +30208,10 @@
   <p:clrMapOvr>
     <a:masterClrMapping/>
   </p:clrMapOvr>
-  <p:timing>
-    <p:tnLst>
-      <p:par>
-        <p:cTn id="1" dur="indefinite" restart="never" nodeType="tmRoot"/>
-      </p:par>
-    </p:tnLst>
-  </p:timing>
 </p:sld>
 </file>
 
-<file path=ppt/slides/slide5.xml><?xml version="1.0" encoding="utf-8"?>
+<file path=ppt/slides/slide7.xml><?xml version="1.0" encoding="utf-8"?>
 <p:sld xmlns:a="http://schemas.openxmlformats.org/drawingml/2006/main" xmlns:r="http://schemas.openxmlformats.org/officeDocument/2006/relationships" xmlns:p="http://schemas.openxmlformats.org/presentationml/2006/main">
   <p:cSld>
     <p:spTree>
@@ -28147,7 +31921,7 @@
                   <a:buAutoNum type="arabicPeriod"/>
                 </a:pPr>
                 <a:r>
-                  <a:rPr lang="ko-KR" altLang="en-US" sz="1400" dirty="0" err="1" smtClean="0">
+                  <a:rPr lang="ko-KR" altLang="en-US" sz="1400" dirty="0" err="1">
                     <a:solidFill>
                       <a:srgbClr val="FF0000"/>
                     </a:solidFill>
@@ -28157,7 +31931,7 @@
                   <a:t>설비생산</a:t>
                 </a:r>
                 <a:r>
-                  <a:rPr lang="en-US" altLang="ko-KR" sz="1400" dirty="0" smtClean="0">
+                  <a:rPr lang="en-US" altLang="ko-KR" sz="1400" dirty="0">
                     <a:solidFill>
                       <a:srgbClr val="FF0000"/>
                     </a:solidFill>
@@ -28167,16 +31941,6 @@
                   <a:t>(Process Start)</a:t>
                 </a:r>
                 <a:r>
-                  <a:rPr lang="ko-KR" altLang="en-US" sz="1400" dirty="0" smtClean="0">
-                    <a:solidFill>
-                      <a:srgbClr val="FF0000"/>
-                    </a:solidFill>
-                    <a:latin typeface="나눔스퀘어" panose="020B0600000101010101" pitchFamily="50" charset="-127"/>
-                    <a:ea typeface="나눔스퀘어" panose="020B0600000101010101" pitchFamily="50" charset="-127"/>
-                  </a:rPr>
-                  <a:t> </a:t>
-                </a:r>
-                <a:r>
                   <a:rPr lang="ko-KR" altLang="en-US" sz="1400" dirty="0">
                     <a:solidFill>
                       <a:srgbClr val="FF0000"/>
@@ -28184,7 +31948,7 @@
                     <a:latin typeface="나눔스퀘어" panose="020B0600000101010101" pitchFamily="50" charset="-127"/>
                     <a:ea typeface="나눔스퀘어" panose="020B0600000101010101" pitchFamily="50" charset="-127"/>
                   </a:rPr>
-                  <a:t>명령</a:t>
+                  <a:t> 명령</a:t>
                 </a:r>
                 <a:endParaRPr lang="en-US" altLang="ko-KR" sz="1400" dirty="0">
                   <a:solidFill>
@@ -28206,20 +31970,10 @@
                     <a:latin typeface="나눔스퀘어" panose="020B0600000101010101" pitchFamily="50" charset="-127"/>
                     <a:ea typeface="나눔스퀘어" panose="020B0600000101010101" pitchFamily="50" charset="-127"/>
                   </a:rPr>
-                  <a:t>비클 </a:t>
+                  <a:t>비클 움직임</a:t>
                 </a:r>
                 <a:r>
-                  <a:rPr lang="ko-KR" altLang="en-US" sz="1400" dirty="0" smtClean="0">
-                    <a:solidFill>
-                      <a:srgbClr val="FF0000"/>
-                    </a:solidFill>
-                    <a:latin typeface="나눔스퀘어" panose="020B0600000101010101" pitchFamily="50" charset="-127"/>
-                    <a:ea typeface="나눔스퀘어" panose="020B0600000101010101" pitchFamily="50" charset="-127"/>
-                  </a:rPr>
-                  <a:t>움직임</a:t>
-                </a:r>
-                <a:r>
-                  <a:rPr lang="en-US" altLang="ko-KR" sz="1400" dirty="0" smtClean="0">
+                  <a:rPr lang="en-US" altLang="ko-KR" sz="1400" dirty="0">
                     <a:solidFill>
                       <a:srgbClr val="FF0000"/>
                     </a:solidFill>
@@ -28229,7 +31983,7 @@
                   <a:t>(Command Start)</a:t>
                 </a:r>
                 <a:r>
-                  <a:rPr lang="ko-KR" altLang="en-US" sz="1400" dirty="0" smtClean="0">
+                  <a:rPr lang="ko-KR" altLang="en-US" sz="1400" dirty="0">
                     <a:solidFill>
                       <a:srgbClr val="FF0000"/>
                     </a:solidFill>
@@ -28238,7 +31992,7 @@
                   </a:rPr>
                   <a:t> 명령</a:t>
                 </a:r>
-                <a:endParaRPr lang="en-US" altLang="ko-KR" sz="1400" dirty="0" smtClean="0">
+                <a:endParaRPr lang="en-US" altLang="ko-KR" sz="1400" dirty="0">
                   <a:solidFill>
                     <a:srgbClr val="FF0000"/>
                   </a:solidFill>
@@ -28251,7 +32005,7 @@
                   <a:buAutoNum type="arabicPeriod"/>
                 </a:pPr>
                 <a:r>
-                  <a:rPr lang="en-US" altLang="ko-KR" sz="1400" dirty="0" smtClean="0">
+                  <a:rPr lang="en-US" altLang="ko-KR" sz="1400" dirty="0">
                     <a:solidFill>
                       <a:srgbClr val="FF0000"/>
                     </a:solidFill>
@@ -28261,7 +32015,7 @@
                   <a:t>User Commands</a:t>
                 </a:r>
                 <a:r>
-                  <a:rPr lang="ko-KR" altLang="en-US" sz="1400" dirty="0" smtClean="0">
+                  <a:rPr lang="ko-KR" altLang="en-US" sz="1400" dirty="0">
                     <a:solidFill>
                       <a:srgbClr val="FF0000"/>
                     </a:solidFill>
@@ -28271,7 +32025,7 @@
                   <a:t>에 대한 </a:t>
                 </a:r>
                 <a:r>
-                  <a:rPr lang="en-US" altLang="ko-KR" sz="1400" dirty="0" smtClean="0">
+                  <a:rPr lang="en-US" altLang="ko-KR" sz="1400" dirty="0">
                     <a:solidFill>
                       <a:srgbClr val="FF0000"/>
                     </a:solidFill>
@@ -28280,13 +32034,6 @@
                   </a:rPr>
                   <a:t>ACK, NACK</a:t>
                 </a:r>
-                <a:endParaRPr lang="en-US" altLang="ko-KR" sz="1400" dirty="0">
-                  <a:solidFill>
-                    <a:srgbClr val="FF0000"/>
-                  </a:solidFill>
-                  <a:latin typeface="나눔스퀘어" panose="020B0600000101010101" pitchFamily="50" charset="-127"/>
-                  <a:ea typeface="나눔스퀘어" panose="020B0600000101010101" pitchFamily="50" charset="-127"/>
-                </a:endParaRPr>
               </a:p>
             </p:txBody>
           </p:sp>
@@ -28341,7 +32088,7 @@
                   <a:t>으로 </a:t>
                 </a:r>
                 <a:r>
-                  <a:rPr lang="en-US" altLang="ko-KR" sz="1400" dirty="0" smtClean="0">
+                  <a:rPr lang="en-US" altLang="ko-KR" sz="1400" dirty="0">
                     <a:solidFill>
                       <a:srgbClr val="FF0000"/>
                     </a:solidFill>
@@ -28351,7 +32098,7 @@
                   <a:t>1</a:t>
                 </a:r>
                 <a:r>
-                  <a:rPr lang="ko-KR" altLang="en-US" sz="1400" dirty="0" smtClean="0">
+                  <a:rPr lang="ko-KR" altLang="en-US" sz="1400" dirty="0">
                     <a:solidFill>
                       <a:srgbClr val="FF0000"/>
                     </a:solidFill>
@@ -28361,7 +32108,7 @@
                   <a:t>가지 명령</a:t>
                 </a:r>
                 <a:r>
-                  <a:rPr lang="en-US" altLang="ko-KR" sz="1400" dirty="0" smtClean="0">
+                  <a:rPr lang="en-US" altLang="ko-KR" sz="1400" dirty="0">
                     <a:solidFill>
                       <a:srgbClr val="FF0000"/>
                     </a:solidFill>
@@ -28371,16 +32118,6 @@
                   <a:t>, ACK, NACK</a:t>
                 </a:r>
                 <a:r>
-                  <a:rPr lang="ko-KR" altLang="en-US" sz="1400" dirty="0" smtClean="0">
-                    <a:solidFill>
-                      <a:srgbClr val="FF0000"/>
-                    </a:solidFill>
-                    <a:latin typeface="나눔스퀘어" panose="020B0600000101010101" pitchFamily="50" charset="-127"/>
-                    <a:ea typeface="나눔스퀘어" panose="020B0600000101010101" pitchFamily="50" charset="-127"/>
-                  </a:rPr>
-                  <a:t> </a:t>
-                </a:r>
-                <a:r>
                   <a:rPr lang="ko-KR" altLang="en-US" sz="1400" dirty="0">
                     <a:solidFill>
                       <a:srgbClr val="FF0000"/>
@@ -28388,7 +32125,7 @@
                     <a:latin typeface="나눔스퀘어" panose="020B0600000101010101" pitchFamily="50" charset="-127"/>
                     <a:ea typeface="나눔스퀘어" panose="020B0600000101010101" pitchFamily="50" charset="-127"/>
                   </a:rPr>
-                  <a:t>송신</a:t>
+                  <a:t> 송신</a:t>
                 </a:r>
                 <a:endParaRPr lang="en-US" altLang="ko-KR" sz="1400" dirty="0">
                   <a:solidFill>
@@ -28403,7 +32140,7 @@
                   <a:buAutoNum type="arabicPeriod"/>
                 </a:pPr>
                 <a:r>
-                  <a:rPr lang="en-US" altLang="ko-KR" sz="1400" dirty="0" smtClean="0">
+                  <a:rPr lang="en-US" altLang="ko-KR" sz="1400" dirty="0">
                     <a:solidFill>
                       <a:srgbClr val="FF0000"/>
                     </a:solidFill>
@@ -28413,16 +32150,6 @@
                   <a:t>UnitySW</a:t>
                 </a:r>
                 <a:r>
-                  <a:rPr lang="ko-KR" altLang="en-US" sz="1400" dirty="0" smtClean="0">
-                    <a:solidFill>
-                      <a:srgbClr val="FF0000"/>
-                    </a:solidFill>
-                    <a:latin typeface="나눔스퀘어" panose="020B0600000101010101" pitchFamily="50" charset="-127"/>
-                    <a:ea typeface="나눔스퀘어" panose="020B0600000101010101" pitchFamily="50" charset="-127"/>
-                  </a:rPr>
-                  <a:t> </a:t>
-                </a:r>
-                <a:r>
                   <a:rPr lang="ko-KR" altLang="en-US" sz="1400" dirty="0">
                     <a:solidFill>
                       <a:srgbClr val="FF0000"/>
@@ -28430,7 +32157,7 @@
                     <a:latin typeface="나눔스퀘어" panose="020B0600000101010101" pitchFamily="50" charset="-127"/>
                     <a:ea typeface="나눔스퀘어" panose="020B0600000101010101" pitchFamily="50" charset="-127"/>
                   </a:rPr>
-                  <a:t>재생</a:t>
+                  <a:t> 재생</a:t>
                 </a:r>
                 <a:r>
                   <a:rPr lang="en-US" altLang="ko-KR" sz="1400" dirty="0">
@@ -28450,19 +32177,9 @@
                     <a:latin typeface="나눔스퀘어" panose="020B0600000101010101" pitchFamily="50" charset="-127"/>
                     <a:ea typeface="나눔스퀘어" panose="020B0600000101010101" pitchFamily="50" charset="-127"/>
                   </a:rPr>
-                  <a:t>정지 </a:t>
+                  <a:t>정지 등</a:t>
                 </a:r>
-                <a:r>
-                  <a:rPr lang="ko-KR" altLang="en-US" sz="1400" dirty="0" smtClean="0">
-                    <a:solidFill>
-                      <a:srgbClr val="FF0000"/>
-                    </a:solidFill>
-                    <a:latin typeface="나눔스퀘어" panose="020B0600000101010101" pitchFamily="50" charset="-127"/>
-                    <a:ea typeface="나눔스퀘어" panose="020B0600000101010101" pitchFamily="50" charset="-127"/>
-                  </a:rPr>
-                  <a:t>등</a:t>
-                </a:r>
-                <a:endParaRPr lang="en-US" altLang="ko-KR" sz="1400" dirty="0" smtClean="0">
+                <a:endParaRPr lang="en-US" altLang="ko-KR" sz="1400" dirty="0">
                   <a:solidFill>
                     <a:srgbClr val="FF0000"/>
                   </a:solidFill>
@@ -28486,7 +32203,7 @@
                   <a:t>수신한 </a:t>
                 </a:r>
                 <a:r>
-                  <a:rPr lang="en-US" altLang="ko-KR" sz="1400" dirty="0" smtClean="0">
+                  <a:rPr lang="en-US" altLang="ko-KR" sz="1400" dirty="0">
                     <a:solidFill>
                       <a:srgbClr val="FF0000"/>
                     </a:solidFill>
@@ -28496,16 +32213,6 @@
                   <a:t>2</a:t>
                 </a:r>
                 <a:r>
-                  <a:rPr lang="ko-KR" altLang="en-US" sz="1400" dirty="0" smtClean="0">
-                    <a:solidFill>
-                      <a:srgbClr val="FF0000"/>
-                    </a:solidFill>
-                    <a:latin typeface="나눔스퀘어" panose="020B0600000101010101" pitchFamily="50" charset="-127"/>
-                    <a:ea typeface="나눔스퀘어" panose="020B0600000101010101" pitchFamily="50" charset="-127"/>
-                  </a:rPr>
-                  <a:t>가지 명령에 </a:t>
-                </a:r>
-                <a:r>
                   <a:rPr lang="ko-KR" altLang="en-US" sz="1400" dirty="0">
                     <a:solidFill>
                       <a:srgbClr val="FF0000"/>
@@ -28513,7 +32220,7 @@
                     <a:latin typeface="나눔스퀘어" panose="020B0600000101010101" pitchFamily="50" charset="-127"/>
                     <a:ea typeface="나눔스퀘어" panose="020B0600000101010101" pitchFamily="50" charset="-127"/>
                   </a:rPr>
-                  <a:t>대한 </a:t>
+                  <a:t>가지 명령에 대한 </a:t>
                 </a:r>
                 <a:r>
                   <a:rPr lang="en-US" altLang="ko-KR" sz="1400" dirty="0">
@@ -28932,7 +32639,7 @@
             <a:lstStyle/>
             <a:p>
               <a:r>
-                <a:rPr lang="ko-KR" altLang="en-US" sz="1400" dirty="0" smtClean="0">
+                <a:rPr lang="ko-KR" altLang="en-US" sz="1400" dirty="0">
                   <a:solidFill>
                     <a:srgbClr val="FF0000"/>
                   </a:solidFill>
@@ -28949,27 +32656,7 @@
                   <a:latin typeface="나눔스퀘어" panose="020B0600000101010101" pitchFamily="50" charset="-127"/>
                   <a:ea typeface="나눔스퀘어" panose="020B0600000101010101" pitchFamily="50" charset="-127"/>
                 </a:rPr>
-                <a:t> </a:t>
-              </a:r>
-              <a:r>
-                <a:rPr lang="en-US" altLang="ko-KR" sz="1400" dirty="0" smtClean="0">
-                  <a:solidFill>
-                    <a:srgbClr val="FF0000"/>
-                  </a:solidFill>
-                  <a:latin typeface="나눔스퀘어" panose="020B0600000101010101" pitchFamily="50" charset="-127"/>
-                  <a:ea typeface="나눔스퀘어" panose="020B0600000101010101" pitchFamily="50" charset="-127"/>
-                </a:rPr>
-                <a:t>UnitySW </a:t>
-              </a:r>
-              <a:r>
-                <a:rPr lang="ko-KR" altLang="en-US" sz="1400" dirty="0" smtClean="0">
-                  <a:solidFill>
-                    <a:srgbClr val="FF0000"/>
-                  </a:solidFill>
-                  <a:latin typeface="나눔스퀘어" panose="020B0600000101010101" pitchFamily="50" charset="-127"/>
-                  <a:ea typeface="나눔스퀘어" panose="020B0600000101010101" pitchFamily="50" charset="-127"/>
-                </a:rPr>
-                <a:t>변동 </a:t>
+                <a:t> UnitySW </a:t>
               </a:r>
               <a:r>
                 <a:rPr lang="ko-KR" altLang="en-US" sz="1400" dirty="0">
@@ -28979,7 +32666,7 @@
                   <a:latin typeface="나눔스퀘어" panose="020B0600000101010101" pitchFamily="50" charset="-127"/>
                   <a:ea typeface="나눔스퀘어" panose="020B0600000101010101" pitchFamily="50" charset="-127"/>
                 </a:rPr>
-                <a:t>데이터</a:t>
+                <a:t>변동 데이터</a:t>
               </a:r>
               <a:endParaRPr lang="en-US" altLang="ko-KR" sz="1400" dirty="0">
                 <a:solidFill>
@@ -29024,688 +32711,10 @@
   <p:clrMapOvr>
     <a:masterClrMapping/>
   </p:clrMapOvr>
-  <p:timing>
-    <p:tnLst>
-      <p:par>
-        <p:cTn id="1" dur="indefinite" restart="never" nodeType="tmRoot"/>
-      </p:par>
-    </p:tnLst>
-  </p:timing>
 </p:sld>
 </file>
 
-<file path=ppt/slides/slide6.xml><?xml version="1.0" encoding="utf-8"?>
-<p:sld xmlns:a="http://schemas.openxmlformats.org/drawingml/2006/main" xmlns:r="http://schemas.openxmlformats.org/officeDocument/2006/relationships" xmlns:p="http://schemas.openxmlformats.org/presentationml/2006/main">
-  <p:cSld>
-    <p:spTree>
-      <p:nvGrpSpPr>
-        <p:cNvPr id="1" name=""/>
-        <p:cNvGrpSpPr/>
-        <p:nvPr/>
-      </p:nvGrpSpPr>
-      <p:grpSpPr>
-        <a:xfrm>
-          <a:off x="0" y="0"/>
-          <a:ext cx="0" cy="0"/>
-          <a:chOff x="0" y="0"/>
-          <a:chExt cx="0" cy="0"/>
-        </a:xfrm>
-      </p:grpSpPr>
-      <p:sp>
-        <p:nvSpPr>
-          <p:cNvPr id="12" name="직사각형 11">
-            <a:extLst>
-              <a:ext uri="{FF2B5EF4-FFF2-40B4-BE49-F238E27FC236}">
-                <a16:creationId xmlns:a16="http://schemas.microsoft.com/office/drawing/2014/main" id="{5F6FDDE3-D113-4B6E-B1A0-3127D6C9AE6E}"/>
-              </a:ext>
-            </a:extLst>
-          </p:cNvPr>
-          <p:cNvSpPr/>
-          <p:nvPr/>
-        </p:nvSpPr>
-        <p:spPr>
-          <a:xfrm>
-            <a:off x="201100" y="430095"/>
-            <a:ext cx="11715283" cy="3570208"/>
-          </a:xfrm>
-          <a:prstGeom prst="rect">
-            <a:avLst/>
-          </a:prstGeom>
-        </p:spPr>
-        <p:txBody>
-          <a:bodyPr wrap="square">
-            <a:spAutoFit/>
-          </a:bodyPr>
-          <a:lstStyle/>
-          <a:p>
-            <a:r>
-              <a:rPr lang="en-US" altLang="ko-KR" sz="1600" dirty="0">
-                <a:latin typeface="나눔스퀘어" panose="020B0600000101010101" pitchFamily="50" charset="-127"/>
-                <a:ea typeface="나눔스퀘어" panose="020B0600000101010101" pitchFamily="50" charset="-127"/>
-              </a:rPr>
-              <a:t>※ UnitySW</a:t>
-            </a:r>
-            <a:r>
-              <a:rPr lang="ko-KR" altLang="en-US" sz="1600" dirty="0">
-                <a:latin typeface="나눔스퀘어" panose="020B0600000101010101" pitchFamily="50" charset="-127"/>
-                <a:ea typeface="나눔스퀘어" panose="020B0600000101010101" pitchFamily="50" charset="-127"/>
-              </a:rPr>
-              <a:t>는 </a:t>
-            </a:r>
-            <a:r>
-              <a:rPr lang="en-US" altLang="ko-KR" sz="1600" dirty="0" smtClean="0">
-                <a:latin typeface="나눔스퀘어" panose="020B0600000101010101" pitchFamily="50" charset="-127"/>
-                <a:ea typeface="나눔스퀘어" panose="020B0600000101010101" pitchFamily="50" charset="-127"/>
-              </a:rPr>
-              <a:t>OHTSim</a:t>
-            </a:r>
-            <a:r>
-              <a:rPr lang="ko-KR" altLang="en-US" sz="1600" dirty="0" smtClean="0">
-                <a:latin typeface="나눔스퀘어" panose="020B0600000101010101" pitchFamily="50" charset="-127"/>
-                <a:ea typeface="나눔스퀘어" panose="020B0600000101010101" pitchFamily="50" charset="-127"/>
-              </a:rPr>
-              <a:t>과 연결하여 동작하는 </a:t>
-            </a:r>
-            <a:r>
-              <a:rPr lang="ko-KR" altLang="en-US" dirty="0" smtClean="0">
-                <a:latin typeface="나눔스퀘어 Bold" panose="020B0600000101010101" pitchFamily="50" charset="-127"/>
-                <a:ea typeface="나눔스퀘어 Bold" panose="020B0600000101010101" pitchFamily="50" charset="-127"/>
-              </a:rPr>
-              <a:t>연동형 가시화 모드 </a:t>
-            </a:r>
-            <a:r>
-              <a:rPr lang="en-US" altLang="ko-KR" sz="1600" dirty="0" smtClean="0">
-                <a:latin typeface="나눔스퀘어" panose="020B0600000101010101" pitchFamily="50" charset="-127"/>
-                <a:ea typeface="나눔스퀘어" panose="020B0600000101010101" pitchFamily="50" charset="-127"/>
-              </a:rPr>
-              <a:t>, DB</a:t>
-            </a:r>
-            <a:r>
-              <a:rPr lang="ko-KR" altLang="en-US" sz="1600" dirty="0" smtClean="0">
-                <a:latin typeface="나눔스퀘어" panose="020B0600000101010101" pitchFamily="50" charset="-127"/>
-                <a:ea typeface="나눔스퀘어" panose="020B0600000101010101" pitchFamily="50" charset="-127"/>
-              </a:rPr>
-              <a:t>만 </a:t>
-            </a:r>
-            <a:r>
-              <a:rPr lang="en-US" altLang="ko-KR" sz="1600" dirty="0" smtClean="0">
-                <a:latin typeface="나눔스퀘어" panose="020B0600000101010101" pitchFamily="50" charset="-127"/>
-                <a:ea typeface="나눔스퀘어" panose="020B0600000101010101" pitchFamily="50" charset="-127"/>
-              </a:rPr>
-              <a:t>Load</a:t>
-            </a:r>
-            <a:r>
-              <a:rPr lang="ko-KR" altLang="en-US" sz="1600" dirty="0" smtClean="0">
-                <a:latin typeface="나눔스퀘어" panose="020B0600000101010101" pitchFamily="50" charset="-127"/>
-                <a:ea typeface="나눔스퀘어" panose="020B0600000101010101" pitchFamily="50" charset="-127"/>
-              </a:rPr>
-              <a:t>하여 가시화해주는 </a:t>
-            </a:r>
-            <a:r>
-              <a:rPr lang="ko-KR" altLang="en-US" dirty="0" err="1" smtClean="0">
-                <a:latin typeface="나눔스퀘어 Bold" panose="020B0600000101010101" pitchFamily="50" charset="-127"/>
-                <a:ea typeface="나눔스퀘어 Bold" panose="020B0600000101010101" pitchFamily="50" charset="-127"/>
-              </a:rPr>
-              <a:t>독립형</a:t>
-            </a:r>
-            <a:r>
-              <a:rPr lang="ko-KR" altLang="en-US" dirty="0" smtClean="0">
-                <a:latin typeface="나눔스퀘어 Bold" panose="020B0600000101010101" pitchFamily="50" charset="-127"/>
-                <a:ea typeface="나눔스퀘어 Bold" panose="020B0600000101010101" pitchFamily="50" charset="-127"/>
-              </a:rPr>
-              <a:t> 가시화 모드</a:t>
-            </a:r>
-            <a:r>
-              <a:rPr lang="ko-KR" altLang="en-US" sz="1600" dirty="0" smtClean="0">
-                <a:latin typeface="나눔스퀘어" panose="020B0600000101010101" pitchFamily="50" charset="-127"/>
-                <a:ea typeface="나눔스퀘어" panose="020B0600000101010101" pitchFamily="50" charset="-127"/>
-              </a:rPr>
-              <a:t>가 있으며</a:t>
-            </a:r>
-            <a:r>
-              <a:rPr lang="en-US" altLang="ko-KR" sz="1600" dirty="0" smtClean="0">
-                <a:latin typeface="나눔스퀘어" panose="020B0600000101010101" pitchFamily="50" charset="-127"/>
-                <a:ea typeface="나눔스퀘어" panose="020B0600000101010101" pitchFamily="50" charset="-127"/>
-              </a:rPr>
-              <a:t>, </a:t>
-            </a:r>
-            <a:r>
-              <a:rPr lang="ko-KR" altLang="en-US" sz="1600" dirty="0" smtClean="0">
-                <a:latin typeface="나눔스퀘어" panose="020B0600000101010101" pitchFamily="50" charset="-127"/>
-                <a:ea typeface="나눔스퀘어" panose="020B0600000101010101" pitchFamily="50" charset="-127"/>
-              </a:rPr>
-              <a:t>사용자가 프로그램 첫 실행 시 선택할 수 있어야 한다</a:t>
-            </a:r>
-            <a:r>
-              <a:rPr lang="en-US" altLang="ko-KR" sz="1600" dirty="0" smtClean="0">
-                <a:latin typeface="나눔스퀘어" panose="020B0600000101010101" pitchFamily="50" charset="-127"/>
-                <a:ea typeface="나눔스퀘어" panose="020B0600000101010101" pitchFamily="50" charset="-127"/>
-              </a:rPr>
-              <a:t>.</a:t>
-            </a:r>
-          </a:p>
-          <a:p>
-            <a:endParaRPr lang="en-US" altLang="ko-KR" sz="1600" dirty="0" smtClean="0">
-              <a:latin typeface="나눔스퀘어" panose="020B0600000101010101" pitchFamily="50" charset="-127"/>
-              <a:ea typeface="나눔스퀘어" panose="020B0600000101010101" pitchFamily="50" charset="-127"/>
-            </a:endParaRPr>
-          </a:p>
-          <a:p>
-            <a:r>
-              <a:rPr lang="en-US" altLang="ko-KR" sz="1600" dirty="0" smtClean="0">
-                <a:latin typeface="나눔스퀘어" panose="020B0600000101010101" pitchFamily="50" charset="-127"/>
-                <a:ea typeface="나눔스퀘어" panose="020B0600000101010101" pitchFamily="50" charset="-127"/>
-              </a:rPr>
-              <a:t>※ JSON</a:t>
-            </a:r>
-            <a:r>
-              <a:rPr lang="ko-KR" altLang="en-US" sz="1600" dirty="0" smtClean="0">
-                <a:latin typeface="나눔스퀘어" panose="020B0600000101010101" pitchFamily="50" charset="-127"/>
-                <a:ea typeface="나눔스퀘어" panose="020B0600000101010101" pitchFamily="50" charset="-127"/>
-              </a:rPr>
-              <a:t>파일은 모드 선택에 상관없이 필수적으로 선택을 해 주어야 한다</a:t>
-            </a:r>
-            <a:r>
-              <a:rPr lang="en-US" altLang="ko-KR" sz="1600" dirty="0" smtClean="0">
-                <a:latin typeface="나눔스퀘어" panose="020B0600000101010101" pitchFamily="50" charset="-127"/>
-                <a:ea typeface="나눔스퀘어" panose="020B0600000101010101" pitchFamily="50" charset="-127"/>
-              </a:rPr>
-              <a:t>.</a:t>
-            </a:r>
-          </a:p>
-          <a:p>
-            <a:endParaRPr lang="en-US" altLang="ko-KR" sz="1600" dirty="0" smtClean="0">
-              <a:latin typeface="나눔스퀘어" panose="020B0600000101010101" pitchFamily="50" charset="-127"/>
-              <a:ea typeface="나눔스퀘어" panose="020B0600000101010101" pitchFamily="50" charset="-127"/>
-            </a:endParaRPr>
-          </a:p>
-          <a:p>
-            <a:r>
-              <a:rPr lang="en-US" altLang="ko-KR" sz="1600" dirty="0">
-                <a:latin typeface="나눔스퀘어" panose="020B0600000101010101" pitchFamily="50" charset="-127"/>
-                <a:ea typeface="나눔스퀘어" panose="020B0600000101010101" pitchFamily="50" charset="-127"/>
-              </a:rPr>
-              <a:t>※ UnitySW</a:t>
-            </a:r>
-            <a:r>
-              <a:rPr lang="ko-KR" altLang="en-US" sz="1600" dirty="0">
-                <a:latin typeface="나눔스퀘어" panose="020B0600000101010101" pitchFamily="50" charset="-127"/>
-                <a:ea typeface="나눔스퀘어" panose="020B0600000101010101" pitchFamily="50" charset="-127"/>
-              </a:rPr>
-              <a:t>는 </a:t>
-            </a:r>
-            <a:r>
-              <a:rPr lang="ko-KR" altLang="en-US" sz="1600" dirty="0" err="1">
-                <a:latin typeface="나눔스퀘어" panose="020B0600000101010101" pitchFamily="50" charset="-127"/>
-                <a:ea typeface="나눔스퀘어" panose="020B0600000101010101" pitchFamily="50" charset="-127"/>
-              </a:rPr>
-              <a:t>소켓통신에</a:t>
-            </a:r>
-            <a:r>
-              <a:rPr lang="ko-KR" altLang="en-US" sz="1600" dirty="0">
-                <a:latin typeface="나눔스퀘어" panose="020B0600000101010101" pitchFamily="50" charset="-127"/>
-                <a:ea typeface="나눔스퀘어" panose="020B0600000101010101" pitchFamily="50" charset="-127"/>
-              </a:rPr>
-              <a:t> 있어 </a:t>
-            </a:r>
-            <a:r>
-              <a:rPr lang="en-US" altLang="ko-KR" sz="1600" dirty="0">
-                <a:latin typeface="나눔스퀘어" panose="020B0600000101010101" pitchFamily="50" charset="-127"/>
-                <a:ea typeface="나눔스퀘어" panose="020B0600000101010101" pitchFamily="50" charset="-127"/>
-              </a:rPr>
-              <a:t>Server</a:t>
-            </a:r>
-            <a:r>
-              <a:rPr lang="ko-KR" altLang="en-US" sz="1600" dirty="0">
-                <a:latin typeface="나눔스퀘어" panose="020B0600000101010101" pitchFamily="50" charset="-127"/>
-                <a:ea typeface="나눔스퀘어" panose="020B0600000101010101" pitchFamily="50" charset="-127"/>
-              </a:rPr>
-              <a:t>로서 동작하며</a:t>
-            </a:r>
-            <a:r>
-              <a:rPr lang="en-US" altLang="ko-KR" sz="1600" dirty="0">
-                <a:latin typeface="나눔스퀘어" panose="020B0600000101010101" pitchFamily="50" charset="-127"/>
-                <a:ea typeface="나눔스퀘어" panose="020B0600000101010101" pitchFamily="50" charset="-127"/>
-              </a:rPr>
-              <a:t>, OHTSim</a:t>
-            </a:r>
-            <a:r>
-              <a:rPr lang="ko-KR" altLang="en-US" sz="1600" dirty="0">
-                <a:latin typeface="나눔스퀘어" panose="020B0600000101010101" pitchFamily="50" charset="-127"/>
-                <a:ea typeface="나눔스퀘어" panose="020B0600000101010101" pitchFamily="50" charset="-127"/>
-              </a:rPr>
-              <a:t>은 </a:t>
-            </a:r>
-            <a:r>
-              <a:rPr lang="en-US" altLang="ko-KR" sz="1600" dirty="0">
-                <a:latin typeface="나눔스퀘어" panose="020B0600000101010101" pitchFamily="50" charset="-127"/>
-                <a:ea typeface="나눔스퀘어" panose="020B0600000101010101" pitchFamily="50" charset="-127"/>
-              </a:rPr>
-              <a:t>Client</a:t>
-            </a:r>
-            <a:r>
-              <a:rPr lang="ko-KR" altLang="en-US" sz="1600" dirty="0">
-                <a:latin typeface="나눔스퀘어" panose="020B0600000101010101" pitchFamily="50" charset="-127"/>
-                <a:ea typeface="나눔스퀘어" panose="020B0600000101010101" pitchFamily="50" charset="-127"/>
-              </a:rPr>
-              <a:t>로 동작한다</a:t>
-            </a:r>
-            <a:r>
-              <a:rPr lang="en-US" altLang="ko-KR" sz="1600" dirty="0">
-                <a:latin typeface="나눔스퀘어" panose="020B0600000101010101" pitchFamily="50" charset="-127"/>
-                <a:ea typeface="나눔스퀘어" panose="020B0600000101010101" pitchFamily="50" charset="-127"/>
-              </a:rPr>
-              <a:t>.</a:t>
-            </a:r>
-          </a:p>
-          <a:p>
-            <a:endParaRPr lang="en-US" altLang="ko-KR" sz="1600" dirty="0" smtClean="0">
-              <a:latin typeface="나눔스퀘어 Bold" panose="020B0600000101010101" pitchFamily="50" charset="-127"/>
-              <a:ea typeface="나눔스퀘어 Bold" panose="020B0600000101010101" pitchFamily="50" charset="-127"/>
-            </a:endParaRPr>
-          </a:p>
-          <a:p>
-            <a:pPr marL="285750" indent="-285750">
-              <a:buFont typeface="Arial" panose="020B0604020202020204" pitchFamily="34" charset="0"/>
-              <a:buChar char="•"/>
-            </a:pPr>
-            <a:r>
-              <a:rPr lang="ko-KR" altLang="en-US" sz="1600" dirty="0" err="1" smtClean="0">
-                <a:latin typeface="나눔스퀘어 Bold" panose="020B0600000101010101" pitchFamily="50" charset="-127"/>
-                <a:ea typeface="나눔스퀘어 Bold" panose="020B0600000101010101" pitchFamily="50" charset="-127"/>
-              </a:rPr>
-              <a:t>독립형</a:t>
-            </a:r>
-            <a:r>
-              <a:rPr lang="ko-KR" altLang="en-US" sz="1600" dirty="0" smtClean="0">
-                <a:latin typeface="나눔스퀘어 Bold" panose="020B0600000101010101" pitchFamily="50" charset="-127"/>
-                <a:ea typeface="나눔스퀘어 Bold" panose="020B0600000101010101" pitchFamily="50" charset="-127"/>
-              </a:rPr>
-              <a:t> 가시화 모드</a:t>
-            </a:r>
-            <a:r>
-              <a:rPr lang="en-US" altLang="ko-KR" sz="1600" dirty="0" smtClean="0">
-                <a:latin typeface="나눔스퀘어" panose="020B0600000101010101" pitchFamily="50" charset="-127"/>
-                <a:ea typeface="나눔스퀘어" panose="020B0600000101010101" pitchFamily="50" charset="-127"/>
-              </a:rPr>
-              <a:t>: </a:t>
-            </a:r>
-          </a:p>
-          <a:p>
-            <a:pPr marL="742950" lvl="1" indent="-285750">
-              <a:buFont typeface="Wingdings" panose="05000000000000000000" pitchFamily="2" charset="2"/>
-              <a:buChar char="ü"/>
-            </a:pPr>
-            <a:r>
-              <a:rPr lang="ko-KR" altLang="en-US" sz="1600" dirty="0" smtClean="0">
-                <a:latin typeface="나눔스퀘어" panose="020B0600000101010101" pitchFamily="50" charset="-127"/>
-                <a:ea typeface="나눔스퀘어" panose="020B0600000101010101" pitchFamily="50" charset="-127"/>
-              </a:rPr>
-              <a:t>저장된 </a:t>
-            </a:r>
-            <a:r>
-              <a:rPr lang="ko-KR" altLang="en-US" sz="1600" dirty="0">
-                <a:latin typeface="나눔스퀘어" panose="020B0600000101010101" pitchFamily="50" charset="-127"/>
-                <a:ea typeface="나눔스퀘어" panose="020B0600000101010101" pitchFamily="50" charset="-127"/>
-              </a:rPr>
-              <a:t>설비</a:t>
-            </a:r>
-            <a:r>
-              <a:rPr lang="en-US" altLang="ko-KR" sz="1600" dirty="0">
-                <a:latin typeface="나눔스퀘어" panose="020B0600000101010101" pitchFamily="50" charset="-127"/>
-                <a:ea typeface="나눔스퀘어" panose="020B0600000101010101" pitchFamily="50" charset="-127"/>
-              </a:rPr>
-              <a:t>, </a:t>
-            </a:r>
-            <a:r>
-              <a:rPr lang="ko-KR" altLang="en-US" sz="1600" dirty="0">
-                <a:latin typeface="나눔스퀘어" panose="020B0600000101010101" pitchFamily="50" charset="-127"/>
-                <a:ea typeface="나눔스퀘어" panose="020B0600000101010101" pitchFamily="50" charset="-127"/>
-              </a:rPr>
-              <a:t>비클</a:t>
-            </a:r>
-            <a:r>
-              <a:rPr lang="en-US" altLang="ko-KR" sz="1600" dirty="0">
-                <a:latin typeface="나눔스퀘어" panose="020B0600000101010101" pitchFamily="50" charset="-127"/>
-                <a:ea typeface="나눔스퀘어" panose="020B0600000101010101" pitchFamily="50" charset="-127"/>
-              </a:rPr>
-              <a:t> </a:t>
-            </a:r>
-            <a:r>
-              <a:rPr lang="ko-KR" altLang="en-US" sz="1600" dirty="0">
-                <a:latin typeface="나눔스퀘어" panose="020B0600000101010101" pitchFamily="50" charset="-127"/>
-                <a:ea typeface="나눔스퀘어" panose="020B0600000101010101" pitchFamily="50" charset="-127"/>
-              </a:rPr>
-              <a:t>등의 정보를 시간대별로 </a:t>
-            </a:r>
-            <a:r>
-              <a:rPr lang="en-US" altLang="ko-KR" sz="1600" dirty="0">
-                <a:latin typeface="나눔스퀘어" panose="020B0600000101010101" pitchFamily="50" charset="-127"/>
-                <a:ea typeface="나눔스퀘어" panose="020B0600000101010101" pitchFamily="50" charset="-127"/>
-              </a:rPr>
-              <a:t>Load</a:t>
-            </a:r>
-            <a:r>
-              <a:rPr lang="ko-KR" altLang="en-US" sz="1600" dirty="0">
-                <a:latin typeface="나눔스퀘어" panose="020B0600000101010101" pitchFamily="50" charset="-127"/>
-                <a:ea typeface="나눔스퀘어" panose="020B0600000101010101" pitchFamily="50" charset="-127"/>
-              </a:rPr>
-              <a:t>하여 가시화 해주는 모드로서 </a:t>
-            </a:r>
-            <a:r>
-              <a:rPr lang="en-US" altLang="ko-KR" sz="1600" dirty="0">
-                <a:latin typeface="나눔스퀘어" panose="020B0600000101010101" pitchFamily="50" charset="-127"/>
-                <a:ea typeface="나눔스퀘어" panose="020B0600000101010101" pitchFamily="50" charset="-127"/>
-              </a:rPr>
-              <a:t>OHTSim</a:t>
-            </a:r>
-            <a:r>
-              <a:rPr lang="ko-KR" altLang="en-US" sz="1600" dirty="0">
-                <a:latin typeface="나눔스퀘어" panose="020B0600000101010101" pitchFamily="50" charset="-127"/>
-                <a:ea typeface="나눔스퀘어" panose="020B0600000101010101" pitchFamily="50" charset="-127"/>
-              </a:rPr>
-              <a:t> 연동없이 독립적으로 동작한다</a:t>
-            </a:r>
-            <a:r>
-              <a:rPr lang="en-US" altLang="ko-KR" sz="1600" dirty="0">
-                <a:latin typeface="나눔스퀘어" panose="020B0600000101010101" pitchFamily="50" charset="-127"/>
-                <a:ea typeface="나눔스퀘어" panose="020B0600000101010101" pitchFamily="50" charset="-127"/>
-              </a:rPr>
-              <a:t>.</a:t>
-            </a:r>
-          </a:p>
-          <a:p>
-            <a:pPr marL="742950" lvl="1" indent="-285750">
-              <a:buFont typeface="Wingdings" panose="05000000000000000000" pitchFamily="2" charset="2"/>
-              <a:buChar char="ü"/>
-            </a:pPr>
-            <a:r>
-              <a:rPr lang="ko-KR" altLang="en-US" sz="1600" dirty="0">
-                <a:latin typeface="나눔스퀘어" panose="020B0600000101010101" pitchFamily="50" charset="-127"/>
-                <a:ea typeface="나눔스퀘어" panose="020B0600000101010101" pitchFamily="50" charset="-127"/>
-              </a:rPr>
-              <a:t>감속</a:t>
-            </a:r>
-            <a:r>
-              <a:rPr lang="en-US" altLang="ko-KR" sz="1600" dirty="0">
-                <a:latin typeface="나눔스퀘어" panose="020B0600000101010101" pitchFamily="50" charset="-127"/>
-                <a:ea typeface="나눔스퀘어" panose="020B0600000101010101" pitchFamily="50" charset="-127"/>
-              </a:rPr>
-              <a:t>, </a:t>
-            </a:r>
-            <a:r>
-              <a:rPr lang="ko-KR" altLang="en-US" sz="1600" dirty="0" smtClean="0">
-                <a:latin typeface="나눔스퀘어" panose="020B0600000101010101" pitchFamily="50" charset="-127"/>
-                <a:ea typeface="나눔스퀘어" panose="020B0600000101010101" pitchFamily="50" charset="-127"/>
-              </a:rPr>
-              <a:t>배속</a:t>
-            </a:r>
-            <a:r>
-              <a:rPr lang="en-US" altLang="ko-KR" sz="1600" dirty="0" smtClean="0">
-                <a:latin typeface="나눔스퀘어" panose="020B0600000101010101" pitchFamily="50" charset="-127"/>
-                <a:ea typeface="나눔스퀘어" panose="020B0600000101010101" pitchFamily="50" charset="-127"/>
-              </a:rPr>
-              <a:t>, </a:t>
-            </a:r>
-            <a:r>
-              <a:rPr lang="ko-KR" altLang="en-US" sz="1600" dirty="0" smtClean="0">
-                <a:latin typeface="나눔스퀘어" panose="020B0600000101010101" pitchFamily="50" charset="-127"/>
-                <a:ea typeface="나눔스퀘어" panose="020B0600000101010101" pitchFamily="50" charset="-127"/>
-              </a:rPr>
-              <a:t>정지</a:t>
-            </a:r>
-            <a:r>
-              <a:rPr lang="en-US" altLang="ko-KR" sz="1600" dirty="0" smtClean="0">
-                <a:latin typeface="나눔스퀘어" panose="020B0600000101010101" pitchFamily="50" charset="-127"/>
-                <a:ea typeface="나눔스퀘어" panose="020B0600000101010101" pitchFamily="50" charset="-127"/>
-              </a:rPr>
-              <a:t>, </a:t>
-            </a:r>
-            <a:r>
-              <a:rPr lang="ko-KR" altLang="en-US" sz="1600" dirty="0" smtClean="0">
-                <a:latin typeface="나눔스퀘어" panose="020B0600000101010101" pitchFamily="50" charset="-127"/>
-                <a:ea typeface="나눔스퀘어" panose="020B0600000101010101" pitchFamily="50" charset="-127"/>
-              </a:rPr>
-              <a:t>재생</a:t>
-            </a:r>
-            <a:r>
-              <a:rPr lang="en-US" altLang="ko-KR" sz="1600" dirty="0" smtClean="0">
-                <a:latin typeface="나눔스퀘어" panose="020B0600000101010101" pitchFamily="50" charset="-127"/>
-                <a:ea typeface="나눔스퀘어" panose="020B0600000101010101" pitchFamily="50" charset="-127"/>
-              </a:rPr>
-              <a:t>, </a:t>
-            </a:r>
-            <a:r>
-              <a:rPr lang="ko-KR" altLang="en-US" sz="1600" dirty="0" smtClean="0">
-                <a:latin typeface="나눔스퀘어" panose="020B0600000101010101" pitchFamily="50" charset="-127"/>
-                <a:ea typeface="나눔스퀘어" panose="020B0600000101010101" pitchFamily="50" charset="-127"/>
-              </a:rPr>
-              <a:t>재생 기반 객체정보 가시화</a:t>
-            </a:r>
-            <a:r>
-              <a:rPr lang="en-US" altLang="ko-KR" sz="1600" dirty="0" smtClean="0">
-                <a:latin typeface="나눔스퀘어" panose="020B0600000101010101" pitchFamily="50" charset="-127"/>
-                <a:ea typeface="나눔스퀘어" panose="020B0600000101010101" pitchFamily="50" charset="-127"/>
-              </a:rPr>
-              <a:t>, DB </a:t>
-            </a:r>
-            <a:r>
-              <a:rPr lang="ko-KR" altLang="en-US" sz="1600" dirty="0" smtClean="0">
-                <a:latin typeface="나눔스퀘어" panose="020B0600000101010101" pitchFamily="50" charset="-127"/>
-                <a:ea typeface="나눔스퀘어" panose="020B0600000101010101" pitchFamily="50" charset="-127"/>
-              </a:rPr>
-              <a:t>결과 가시화 등의 기능을 사용자가 활용 할 수 있어야 한다</a:t>
-            </a:r>
-            <a:r>
-              <a:rPr lang="en-US" altLang="ko-KR" sz="1600" dirty="0" smtClean="0">
-                <a:latin typeface="나눔스퀘어" panose="020B0600000101010101" pitchFamily="50" charset="-127"/>
-                <a:ea typeface="나눔스퀘어" panose="020B0600000101010101" pitchFamily="50" charset="-127"/>
-              </a:rPr>
-              <a:t>.</a:t>
-            </a:r>
-          </a:p>
-          <a:p>
-            <a:pPr marL="742950" lvl="1" indent="-285750">
-              <a:buFont typeface="Wingdings" panose="05000000000000000000" pitchFamily="2" charset="2"/>
-              <a:buChar char="ü"/>
-            </a:pPr>
-            <a:endParaRPr lang="en-US" altLang="ko-KR" sz="1600" dirty="0" smtClean="0">
-              <a:latin typeface="나눔스퀘어" panose="020B0600000101010101" pitchFamily="50" charset="-127"/>
-              <a:ea typeface="나눔스퀘어" panose="020B0600000101010101" pitchFamily="50" charset="-127"/>
-            </a:endParaRPr>
-          </a:p>
-          <a:p>
-            <a:pPr marL="285750" indent="-285750">
-              <a:buFont typeface="Arial" panose="020B0604020202020204" pitchFamily="34" charset="0"/>
-              <a:buChar char="•"/>
-            </a:pPr>
-            <a:r>
-              <a:rPr lang="ko-KR" altLang="en-US" sz="1600" dirty="0" smtClean="0">
-                <a:latin typeface="나눔스퀘어 Bold" panose="020B0600000101010101" pitchFamily="50" charset="-127"/>
-                <a:ea typeface="나눔스퀘어 Bold" panose="020B0600000101010101" pitchFamily="50" charset="-127"/>
-              </a:rPr>
-              <a:t>연동형 </a:t>
-            </a:r>
-            <a:r>
-              <a:rPr lang="ko-KR" altLang="en-US" sz="1600" dirty="0">
-                <a:latin typeface="나눔스퀘어 Bold" panose="020B0600000101010101" pitchFamily="50" charset="-127"/>
-                <a:ea typeface="나눔스퀘어 Bold" panose="020B0600000101010101" pitchFamily="50" charset="-127"/>
-              </a:rPr>
-              <a:t>가시화 모드</a:t>
-            </a:r>
-            <a:r>
-              <a:rPr lang="en-US" altLang="ko-KR" sz="1600" dirty="0">
-                <a:latin typeface="나눔스퀘어" panose="020B0600000101010101" pitchFamily="50" charset="-127"/>
-                <a:ea typeface="나눔스퀘어" panose="020B0600000101010101" pitchFamily="50" charset="-127"/>
-              </a:rPr>
-              <a:t>: </a:t>
-            </a:r>
-          </a:p>
-          <a:p>
-            <a:pPr marL="742950" lvl="1" indent="-285750">
-              <a:buFont typeface="Wingdings" panose="05000000000000000000" pitchFamily="2" charset="2"/>
-              <a:buChar char="ü"/>
-            </a:pPr>
-            <a:r>
-              <a:rPr lang="en-US" altLang="ko-KR" sz="1600" dirty="0" smtClean="0">
-                <a:latin typeface="나눔스퀘어" panose="020B0600000101010101" pitchFamily="50" charset="-127"/>
-                <a:ea typeface="나눔스퀘어" panose="020B0600000101010101" pitchFamily="50" charset="-127"/>
-              </a:rPr>
-              <a:t>OHTSim(Client)</a:t>
-            </a:r>
-            <a:r>
-              <a:rPr lang="ko-KR" altLang="en-US" sz="1600" dirty="0" smtClean="0">
-                <a:latin typeface="나눔스퀘어" panose="020B0600000101010101" pitchFamily="50" charset="-127"/>
-                <a:ea typeface="나눔스퀘어" panose="020B0600000101010101" pitchFamily="50" charset="-127"/>
-              </a:rPr>
-              <a:t>가 연결 될 때까지 대기 후 동작</a:t>
-            </a:r>
-            <a:r>
-              <a:rPr lang="en-US" altLang="ko-KR" sz="1600" dirty="0" smtClean="0">
-                <a:latin typeface="나눔스퀘어" panose="020B0600000101010101" pitchFamily="50" charset="-127"/>
-                <a:ea typeface="나눔스퀘어" panose="020B0600000101010101" pitchFamily="50" charset="-127"/>
-              </a:rPr>
-              <a:t>.</a:t>
-            </a:r>
-            <a:endParaRPr lang="en-US" altLang="ko-KR" sz="1600" dirty="0">
-              <a:latin typeface="나눔스퀘어" panose="020B0600000101010101" pitchFamily="50" charset="-127"/>
-              <a:ea typeface="나눔스퀘어" panose="020B0600000101010101" pitchFamily="50" charset="-127"/>
-            </a:endParaRPr>
-          </a:p>
-          <a:p>
-            <a:pPr marL="742950" lvl="1" indent="-285750">
-              <a:buFont typeface="Wingdings" panose="05000000000000000000" pitchFamily="2" charset="2"/>
-              <a:buChar char="ü"/>
-            </a:pPr>
-            <a:r>
-              <a:rPr lang="en-US" altLang="ko-KR" sz="1600" dirty="0" smtClean="0">
-                <a:latin typeface="나눔스퀘어" panose="020B0600000101010101" pitchFamily="50" charset="-127"/>
-                <a:ea typeface="나눔스퀘어" panose="020B0600000101010101" pitchFamily="50" charset="-127"/>
-              </a:rPr>
-              <a:t>OHTSim</a:t>
-            </a:r>
-            <a:r>
-              <a:rPr lang="ko-KR" altLang="en-US" sz="1600" dirty="0" smtClean="0">
-                <a:latin typeface="나눔스퀘어" panose="020B0600000101010101" pitchFamily="50" charset="-127"/>
-                <a:ea typeface="나눔스퀘어" panose="020B0600000101010101" pitchFamily="50" charset="-127"/>
-              </a:rPr>
-              <a:t>으로부터 수신하는 명령 데이터에 대한 가시화 </a:t>
-            </a:r>
-            <a:r>
-              <a:rPr lang="en-US" altLang="ko-KR" sz="1600" dirty="0" smtClean="0">
-                <a:latin typeface="나눔스퀘어" panose="020B0600000101010101" pitchFamily="50" charset="-127"/>
-                <a:ea typeface="나눔스퀘어" panose="020B0600000101010101" pitchFamily="50" charset="-127"/>
-              </a:rPr>
-              <a:t>&amp; </a:t>
-            </a:r>
-            <a:r>
-              <a:rPr lang="ko-KR" altLang="en-US" sz="1600" dirty="0" smtClean="0">
-                <a:latin typeface="나눔스퀘어" panose="020B0600000101010101" pitchFamily="50" charset="-127"/>
-                <a:ea typeface="나눔스퀘어" panose="020B0600000101010101" pitchFamily="50" charset="-127"/>
-              </a:rPr>
-              <a:t>진행과정 데이터를 </a:t>
-            </a:r>
-            <a:r>
-              <a:rPr lang="en-US" altLang="ko-KR" sz="1600" dirty="0" smtClean="0">
-                <a:latin typeface="나눔스퀘어" panose="020B0600000101010101" pitchFamily="50" charset="-127"/>
-                <a:ea typeface="나눔스퀘어" panose="020B0600000101010101" pitchFamily="50" charset="-127"/>
-              </a:rPr>
-              <a:t>DB</a:t>
-            </a:r>
-            <a:r>
-              <a:rPr lang="ko-KR" altLang="en-US" sz="1600" dirty="0" smtClean="0">
-                <a:latin typeface="나눔스퀘어" panose="020B0600000101010101" pitchFamily="50" charset="-127"/>
-                <a:ea typeface="나눔스퀘어" panose="020B0600000101010101" pitchFamily="50" charset="-127"/>
-              </a:rPr>
-              <a:t>에 저장 시키는 모드</a:t>
-            </a:r>
-            <a:r>
-              <a:rPr lang="en-US" altLang="ko-KR" sz="1600" dirty="0" smtClean="0">
-                <a:latin typeface="나눔스퀘어" panose="020B0600000101010101" pitchFamily="50" charset="-127"/>
-                <a:ea typeface="나눔스퀘어" panose="020B0600000101010101" pitchFamily="50" charset="-127"/>
-              </a:rPr>
-              <a:t>.</a:t>
-            </a:r>
-          </a:p>
-        </p:txBody>
-      </p:sp>
-      <p:sp>
-        <p:nvSpPr>
-          <p:cNvPr id="33" name="직사각형 32"/>
-          <p:cNvSpPr/>
-          <p:nvPr/>
-        </p:nvSpPr>
-        <p:spPr>
-          <a:xfrm>
-            <a:off x="-1" y="0"/>
-            <a:ext cx="3240000" cy="381687"/>
-          </a:xfrm>
-          <a:prstGeom prst="rect">
-            <a:avLst/>
-          </a:prstGeom>
-          <a:solidFill>
-            <a:srgbClr val="002060"/>
-          </a:solidFill>
-          <a:ln>
-            <a:noFill/>
-          </a:ln>
-        </p:spPr>
-        <p:style>
-          <a:lnRef idx="2">
-            <a:schemeClr val="accent1">
-              <a:shade val="50000"/>
-            </a:schemeClr>
-          </a:lnRef>
-          <a:fillRef idx="1">
-            <a:schemeClr val="accent1"/>
-          </a:fillRef>
-          <a:effectRef idx="0">
-            <a:schemeClr val="accent1"/>
-          </a:effectRef>
-          <a:fontRef idx="minor">
-            <a:schemeClr val="lt1"/>
-          </a:fontRef>
-        </p:style>
-        <p:txBody>
-          <a:bodyPr rtlCol="0" anchor="ctr"/>
-          <a:lstStyle/>
-          <a:p>
-            <a:pPr algn="ctr"/>
-            <a:r>
-              <a:rPr lang="ko-KR" altLang="en-US" dirty="0" smtClean="0">
-                <a:latin typeface="나눔스퀘어 Bold" panose="020B0600000101010101" pitchFamily="50" charset="-127"/>
-                <a:ea typeface="나눔스퀘어 Bold" panose="020B0600000101010101" pitchFamily="50" charset="-127"/>
-              </a:rPr>
-              <a:t>기능 명세서</a:t>
-            </a:r>
-            <a:endParaRPr lang="ko-KR" altLang="en-US" dirty="0">
-              <a:latin typeface="나눔스퀘어 Bold" panose="020B0600000101010101" pitchFamily="50" charset="-127"/>
-              <a:ea typeface="나눔스퀘어 Bold" panose="020B0600000101010101" pitchFamily="50" charset="-127"/>
-            </a:endParaRPr>
-          </a:p>
-        </p:txBody>
-      </p:sp>
-    </p:spTree>
-    <p:extLst>
-      <p:ext uri="{BB962C8B-B14F-4D97-AF65-F5344CB8AC3E}">
-        <p14:creationId xmlns:p14="http://schemas.microsoft.com/office/powerpoint/2010/main" val="3459689112"/>
-      </p:ext>
-    </p:extLst>
-  </p:cSld>
-  <p:clrMapOvr>
-    <a:masterClrMapping/>
-  </p:clrMapOvr>
-  <p:timing>
-    <p:tnLst>
-      <p:par>
-        <p:cTn id="1" dur="indefinite" restart="never" nodeType="tmRoot"/>
-      </p:par>
-    </p:tnLst>
-  </p:timing>
-</p:sld>
-</file>
-
-<file path=ppt/slides/slide7.xml><?xml version="1.0" encoding="utf-8"?>
+<file path=ppt/slides/slide8.xml><?xml version="1.0" encoding="utf-8"?>
 <p:sld xmlns:a="http://schemas.openxmlformats.org/drawingml/2006/main" xmlns:r="http://schemas.openxmlformats.org/officeDocument/2006/relationships" xmlns:p="http://schemas.openxmlformats.org/presentationml/2006/main">
   <p:cSld>
     <p:spTree>
@@ -30724,7 +33733,7 @@
               <a:t>이 완료 될 때 까지 공정을 진행한다</a:t>
             </a:r>
             <a:r>
-              <a:rPr lang="en-US" altLang="ko-KR" sz="1300" dirty="0" smtClean="0">
+              <a:rPr lang="en-US" altLang="ko-KR" sz="1300" dirty="0">
                 <a:latin typeface="나눔스퀘어" panose="020B0600000101010101" pitchFamily="50" charset="-127"/>
                 <a:ea typeface="나눔스퀘어" panose="020B0600000101010101" pitchFamily="50" charset="-127"/>
               </a:rPr>
@@ -30737,118 +33746,11 @@
               <a:buAutoNum type="arabicPeriod"/>
             </a:pPr>
             <a:r>
-              <a:rPr lang="en-US" altLang="ko-KR" sz="1400" dirty="0" smtClean="0">
+              <a:rPr lang="en-US" altLang="ko-KR" sz="1400" dirty="0">
                 <a:latin typeface="나눔스퀘어" panose="020B0600000101010101" pitchFamily="50" charset="-127"/>
                 <a:ea typeface="나눔스퀘어" panose="020B0600000101010101" pitchFamily="50" charset="-127"/>
               </a:rPr>
               <a:t>NACK(Error) </a:t>
-            </a:r>
-            <a:r>
-              <a:rPr lang="ko-KR" altLang="en-US" sz="1400" dirty="0" smtClean="0">
-                <a:latin typeface="나눔스퀘어" panose="020B0600000101010101" pitchFamily="50" charset="-127"/>
-                <a:ea typeface="나눔스퀘어" panose="020B0600000101010101" pitchFamily="50" charset="-127"/>
-              </a:rPr>
-              <a:t>메시지</a:t>
-            </a:r>
-            <a:endParaRPr lang="en-US" altLang="ko-KR" sz="1400" dirty="0" smtClean="0">
-              <a:latin typeface="나눔스퀘어" panose="020B0600000101010101" pitchFamily="50" charset="-127"/>
-              <a:ea typeface="나눔스퀘어" panose="020B0600000101010101" pitchFamily="50" charset="-127"/>
-            </a:endParaRPr>
-          </a:p>
-          <a:p>
-            <a:pPr marL="800100" lvl="1" indent="-342900">
-              <a:buFont typeface="Wingdings" panose="05000000000000000000" pitchFamily="2" charset="2"/>
-              <a:buChar char="ü"/>
-            </a:pPr>
-            <a:r>
-              <a:rPr lang="ko-KR" altLang="en-US" sz="1300" dirty="0" smtClean="0">
-                <a:latin typeface="나눔스퀘어" panose="020B0600000101010101" pitchFamily="50" charset="-127"/>
-                <a:ea typeface="나눔스퀘어" panose="020B0600000101010101" pitchFamily="50" charset="-127"/>
-              </a:rPr>
-              <a:t>메시지 수신 이후 가시화에 </a:t>
-            </a:r>
-            <a:r>
-              <a:rPr lang="ko-KR" altLang="en-US" sz="1300" dirty="0">
-                <a:latin typeface="나눔스퀘어" panose="020B0600000101010101" pitchFamily="50" charset="-127"/>
-                <a:ea typeface="나눔스퀘어" panose="020B0600000101010101" pitchFamily="50" charset="-127"/>
-              </a:rPr>
-              <a:t>실패 시</a:t>
-            </a:r>
-            <a:r>
-              <a:rPr lang="en-US" altLang="ko-KR" sz="1300" dirty="0">
-                <a:latin typeface="나눔스퀘어" panose="020B0600000101010101" pitchFamily="50" charset="-127"/>
-                <a:ea typeface="나눔스퀘어" panose="020B0600000101010101" pitchFamily="50" charset="-127"/>
-              </a:rPr>
-              <a:t>(= </a:t>
-            </a:r>
-            <a:r>
-              <a:rPr lang="ko-KR" altLang="en-US" sz="1300" dirty="0">
-                <a:latin typeface="나눔스퀘어" panose="020B0600000101010101" pitchFamily="50" charset="-127"/>
-                <a:ea typeface="나눔스퀘어" panose="020B0600000101010101" pitchFamily="50" charset="-127"/>
-              </a:rPr>
-              <a:t>에러가 있는 경우</a:t>
-            </a:r>
-            <a:r>
-              <a:rPr lang="en-US" altLang="ko-KR" sz="1300" dirty="0">
-                <a:latin typeface="나눔스퀘어" panose="020B0600000101010101" pitchFamily="50" charset="-127"/>
-                <a:ea typeface="나눔스퀘어" panose="020B0600000101010101" pitchFamily="50" charset="-127"/>
-              </a:rPr>
-              <a:t>) </a:t>
-            </a:r>
-            <a:r>
-              <a:rPr lang="ko-KR" altLang="en-US" sz="1300" dirty="0">
-                <a:latin typeface="나눔스퀘어" panose="020B0600000101010101" pitchFamily="50" charset="-127"/>
-                <a:ea typeface="나눔스퀘어" panose="020B0600000101010101" pitchFamily="50" charset="-127"/>
-              </a:rPr>
-              <a:t>알람 가시화와 함께 </a:t>
-            </a:r>
-            <a:r>
-              <a:rPr lang="en-US" altLang="ko-KR" sz="1300" dirty="0">
-                <a:latin typeface="나눔스퀘어" panose="020B0600000101010101" pitchFamily="50" charset="-127"/>
-                <a:ea typeface="나눔스퀘어" panose="020B0600000101010101" pitchFamily="50" charset="-127"/>
-              </a:rPr>
-              <a:t>NACK </a:t>
-            </a:r>
-            <a:r>
-              <a:rPr lang="ko-KR" altLang="en-US" sz="1300" dirty="0">
-                <a:latin typeface="나눔스퀘어" panose="020B0600000101010101" pitchFamily="50" charset="-127"/>
-                <a:ea typeface="나눔스퀘어" panose="020B0600000101010101" pitchFamily="50" charset="-127"/>
-              </a:rPr>
-              <a:t>메시지를 </a:t>
-            </a:r>
-            <a:r>
-              <a:rPr lang="en-US" altLang="ko-KR" sz="1300" dirty="0">
-                <a:latin typeface="나눔스퀘어" panose="020B0600000101010101" pitchFamily="50" charset="-127"/>
-                <a:ea typeface="나눔스퀘어" panose="020B0600000101010101" pitchFamily="50" charset="-127"/>
-              </a:rPr>
-              <a:t>OHTSim</a:t>
-            </a:r>
-            <a:r>
-              <a:rPr lang="ko-KR" altLang="en-US" sz="1300" dirty="0">
-                <a:latin typeface="나눔스퀘어" panose="020B0600000101010101" pitchFamily="50" charset="-127"/>
-                <a:ea typeface="나눔스퀘어" panose="020B0600000101010101" pitchFamily="50" charset="-127"/>
-              </a:rPr>
-              <a:t>으로 송신한다</a:t>
-            </a:r>
-            <a:r>
-              <a:rPr lang="en-US" altLang="ko-KR" sz="1300" dirty="0">
-                <a:latin typeface="나눔스퀘어" panose="020B0600000101010101" pitchFamily="50" charset="-127"/>
-                <a:ea typeface="나눔스퀘어" panose="020B0600000101010101" pitchFamily="50" charset="-127"/>
-              </a:rPr>
-              <a:t>.</a:t>
-            </a:r>
-          </a:p>
-          <a:p>
-            <a:pPr marL="342900" indent="-342900">
-              <a:buFont typeface="+mj-lt"/>
-              <a:buAutoNum type="arabicPeriod"/>
-            </a:pPr>
-            <a:r>
-              <a:rPr lang="en-US" altLang="ko-KR" sz="1400" dirty="0">
-                <a:latin typeface="나눔스퀘어" panose="020B0600000101010101" pitchFamily="50" charset="-127"/>
-                <a:ea typeface="나눔스퀘어" panose="020B0600000101010101" pitchFamily="50" charset="-127"/>
-              </a:rPr>
-              <a:t>ACK(Process Done) </a:t>
             </a:r>
             <a:r>
               <a:rPr lang="ko-KR" altLang="en-US" sz="1400" dirty="0">
@@ -30868,31 +33770,52 @@
               <a:buChar char="ü"/>
             </a:pPr>
             <a:r>
+              <a:rPr lang="ko-KR" altLang="en-US" sz="1300" dirty="0">
+                <a:latin typeface="나눔스퀘어" panose="020B0600000101010101" pitchFamily="50" charset="-127"/>
+                <a:ea typeface="나눔스퀘어" panose="020B0600000101010101" pitchFamily="50" charset="-127"/>
+              </a:rPr>
+              <a:t>메시지 수신 이후 가시화에 실패 시</a:t>
+            </a:r>
+            <a:r>
               <a:rPr lang="en-US" altLang="ko-KR" sz="1300" dirty="0">
                 <a:latin typeface="나눔스퀘어" panose="020B0600000101010101" pitchFamily="50" charset="-127"/>
                 <a:ea typeface="나눔스퀘어" panose="020B0600000101010101" pitchFamily="50" charset="-127"/>
               </a:rPr>
-              <a:t>UnitySW </a:t>
+              <a:t>(= </a:t>
             </a:r>
             <a:r>
               <a:rPr lang="ko-KR" altLang="en-US" sz="1300" dirty="0">
                 <a:latin typeface="나눔스퀘어" panose="020B0600000101010101" pitchFamily="50" charset="-127"/>
                 <a:ea typeface="나눔스퀘어" panose="020B0600000101010101" pitchFamily="50" charset="-127"/>
               </a:rPr>
-              <a:t>내부 작업이 완료된 경우 </a:t>
+              <a:t>에러가 있는 경우</a:t>
             </a:r>
             <a:r>
               <a:rPr lang="en-US" altLang="ko-KR" sz="1300" dirty="0">
                 <a:latin typeface="나눔스퀘어" panose="020B0600000101010101" pitchFamily="50" charset="-127"/>
                 <a:ea typeface="나눔스퀘어" panose="020B0600000101010101" pitchFamily="50" charset="-127"/>
               </a:rPr>
-              <a:t>ACK </a:t>
+              <a:t>) </a:t>
             </a:r>
             <a:r>
               <a:rPr lang="ko-KR" altLang="en-US" sz="1300" dirty="0">
                 <a:latin typeface="나눔스퀘어" panose="020B0600000101010101" pitchFamily="50" charset="-127"/>
                 <a:ea typeface="나눔스퀘어" panose="020B0600000101010101" pitchFamily="50" charset="-127"/>
               </a:rPr>
+              <a:t>알람 가시화와 함께 </a:t>
+            </a:r>
+            <a:r>
+              <a:rPr lang="en-US" altLang="ko-KR" sz="1300" dirty="0">
+                <a:latin typeface="나눔스퀘어" panose="020B0600000101010101" pitchFamily="50" charset="-127"/>
+                <a:ea typeface="나눔스퀘어" panose="020B0600000101010101" pitchFamily="50" charset="-127"/>
+              </a:rPr>
+              <a:t>NACK </a:t>
+            </a:r>
+            <a:r>
+              <a:rPr lang="ko-KR" altLang="en-US" sz="1300" dirty="0">
+                <a:latin typeface="나눔스퀘어" panose="020B0600000101010101" pitchFamily="50" charset="-127"/>
+                <a:ea typeface="나눔스퀘어" panose="020B0600000101010101" pitchFamily="50" charset="-127"/>
+              </a:rPr>
               <a:t>메시지를 </a:t>
             </a:r>
             <a:r>
@@ -30907,7 +33830,7 @@
                 <a:latin typeface="나눔스퀘어" panose="020B0600000101010101" pitchFamily="50" charset="-127"/>
                 <a:ea typeface="나눔스퀘어" panose="020B0600000101010101" pitchFamily="50" charset="-127"/>
               </a:rPr>
-              <a:t>으로 송신하다</a:t>
+              <a:t>으로 송신한다</a:t>
             </a:r>
             <a:r>
               <a:rPr lang="en-US" altLang="ko-KR" sz="1300" dirty="0">
@@ -30927,14 +33850,14 @@
                 <a:latin typeface="나눔스퀘어" panose="020B0600000101010101" pitchFamily="50" charset="-127"/>
                 <a:ea typeface="나눔스퀘어" panose="020B0600000101010101" pitchFamily="50" charset="-127"/>
               </a:rPr>
-              <a:t>DB </a:t>
+              <a:t>ACK(Process Done) </a:t>
             </a:r>
             <a:r>
               <a:rPr lang="ko-KR" altLang="en-US" sz="1400" dirty="0">
                 <a:latin typeface="나눔스퀘어" panose="020B0600000101010101" pitchFamily="50" charset="-127"/>
                 <a:ea typeface="나눔스퀘어" panose="020B0600000101010101" pitchFamily="50" charset="-127"/>
               </a:rPr>
-              <a:t>연동</a:t>
+              <a:t>메시지</a:t>
             </a:r>
             <a:endParaRPr lang="en-US" altLang="ko-KR" sz="1400" dirty="0">
               <a:latin typeface="나눔스퀘어" panose="020B0600000101010101" pitchFamily="50" charset="-127"/>
@@ -30947,28 +33870,107 @@
               <a:buChar char="ü"/>
             </a:pPr>
             <a:r>
+              <a:rPr lang="en-US" altLang="ko-KR" sz="1300" dirty="0">
+                <a:latin typeface="나눔스퀘어" panose="020B0600000101010101" pitchFamily="50" charset="-127"/>
+                <a:ea typeface="나눔스퀘어" panose="020B0600000101010101" pitchFamily="50" charset="-127"/>
+              </a:rPr>
+              <a:t>UnitySW </a:t>
+            </a:r>
+            <a:r>
               <a:rPr lang="ko-KR" altLang="en-US" sz="1300" dirty="0">
                 <a:latin typeface="나눔스퀘어" panose="020B0600000101010101" pitchFamily="50" charset="-127"/>
                 <a:ea typeface="나눔스퀘어" panose="020B0600000101010101" pitchFamily="50" charset="-127"/>
               </a:rPr>
+              <a:t>내부 작업이 완료된 경우 </a:t>
+            </a:r>
+            <a:r>
+              <a:rPr lang="en-US" altLang="ko-KR" sz="1300" dirty="0">
+                <a:latin typeface="나눔스퀘어" panose="020B0600000101010101" pitchFamily="50" charset="-127"/>
+                <a:ea typeface="나눔스퀘어" panose="020B0600000101010101" pitchFamily="50" charset="-127"/>
+              </a:rPr>
+              <a:t>ACK </a:t>
+            </a:r>
+            <a:r>
+              <a:rPr lang="ko-KR" altLang="en-US" sz="1300" dirty="0">
+                <a:latin typeface="나눔스퀘어" panose="020B0600000101010101" pitchFamily="50" charset="-127"/>
+                <a:ea typeface="나눔스퀘어" panose="020B0600000101010101" pitchFamily="50" charset="-127"/>
+              </a:rPr>
+              <a:t>메시지를 </a:t>
+            </a:r>
+            <a:r>
+              <a:rPr lang="en-US" altLang="ko-KR" sz="1300" dirty="0">
+                <a:latin typeface="나눔스퀘어" panose="020B0600000101010101" pitchFamily="50" charset="-127"/>
+                <a:ea typeface="나눔스퀘어" panose="020B0600000101010101" pitchFamily="50" charset="-127"/>
+              </a:rPr>
+              <a:t>OHTSim</a:t>
+            </a:r>
+            <a:r>
+              <a:rPr lang="ko-KR" altLang="en-US" sz="1300" dirty="0">
+                <a:latin typeface="나눔스퀘어" panose="020B0600000101010101" pitchFamily="50" charset="-127"/>
+                <a:ea typeface="나눔스퀘어" panose="020B0600000101010101" pitchFamily="50" charset="-127"/>
+              </a:rPr>
+              <a:t>으로 송신하다</a:t>
+            </a:r>
+            <a:r>
+              <a:rPr lang="en-US" altLang="ko-KR" sz="1300" dirty="0">
+                <a:latin typeface="나눔스퀘어" panose="020B0600000101010101" pitchFamily="50" charset="-127"/>
+                <a:ea typeface="나눔스퀘어" panose="020B0600000101010101" pitchFamily="50" charset="-127"/>
+              </a:rPr>
+              <a:t>.</a:t>
+            </a:r>
+          </a:p>
+          <a:p>
+            <a:pPr marL="342900" indent="-342900">
+              <a:buFont typeface="+mj-lt"/>
+              <a:buAutoNum type="arabicPeriod"/>
+            </a:pPr>
+            <a:r>
+              <a:rPr lang="en-US" altLang="ko-KR" sz="1400" dirty="0">
+                <a:latin typeface="나눔스퀘어" panose="020B0600000101010101" pitchFamily="50" charset="-127"/>
+                <a:ea typeface="나눔스퀘어" panose="020B0600000101010101" pitchFamily="50" charset="-127"/>
+              </a:rPr>
+              <a:t>DB </a:t>
+            </a:r>
+            <a:r>
+              <a:rPr lang="ko-KR" altLang="en-US" sz="1400" dirty="0">
+                <a:latin typeface="나눔스퀘어" panose="020B0600000101010101" pitchFamily="50" charset="-127"/>
+                <a:ea typeface="나눔스퀘어" panose="020B0600000101010101" pitchFamily="50" charset="-127"/>
+              </a:rPr>
+              <a:t>연동</a:t>
+            </a:r>
+            <a:endParaRPr lang="en-US" altLang="ko-KR" sz="1400" dirty="0">
+              <a:latin typeface="나눔스퀘어" panose="020B0600000101010101" pitchFamily="50" charset="-127"/>
+              <a:ea typeface="나눔스퀘어" panose="020B0600000101010101" pitchFamily="50" charset="-127"/>
+            </a:endParaRPr>
+          </a:p>
+          <a:p>
+            <a:pPr marL="800100" lvl="1" indent="-342900">
+              <a:buFont typeface="Wingdings" panose="05000000000000000000" pitchFamily="2" charset="2"/>
+              <a:buChar char="ü"/>
+            </a:pPr>
+            <a:r>
+              <a:rPr lang="ko-KR" altLang="en-US" sz="1300" dirty="0">
+                <a:latin typeface="나눔스퀘어" panose="020B0600000101010101" pitchFamily="50" charset="-127"/>
+                <a:ea typeface="나눔스퀘어" panose="020B0600000101010101" pitchFamily="50" charset="-127"/>
+              </a:rPr>
               <a:t>작업 진행중인 설비의 상태</a:t>
             </a:r>
             <a:r>
-              <a:rPr lang="en-US" altLang="ko-KR" sz="1300" dirty="0" smtClean="0">
+              <a:rPr lang="en-US" altLang="ko-KR" sz="1300" dirty="0">
                 <a:latin typeface="나눔스퀘어" panose="020B0600000101010101" pitchFamily="50" charset="-127"/>
                 <a:ea typeface="나눔스퀘어" panose="020B0600000101010101" pitchFamily="50" charset="-127"/>
               </a:rPr>
               <a:t>, FOUP </a:t>
             </a:r>
             <a:r>
-              <a:rPr lang="ko-KR" altLang="en-US" sz="1300" dirty="0" smtClean="0">
+              <a:rPr lang="ko-KR" altLang="en-US" sz="1300" dirty="0">
                 <a:latin typeface="나눔스퀘어" panose="020B0600000101010101" pitchFamily="50" charset="-127"/>
                 <a:ea typeface="나눔스퀘어" panose="020B0600000101010101" pitchFamily="50" charset="-127"/>
               </a:rPr>
               <a:t>정보</a:t>
             </a:r>
             <a:r>
-              <a:rPr lang="en-US" altLang="ko-KR" sz="1300" dirty="0" smtClean="0">
+              <a:rPr lang="en-US" altLang="ko-KR" sz="1300" dirty="0">
                 <a:latin typeface="나눔스퀘어" panose="020B0600000101010101" pitchFamily="50" charset="-127"/>
                 <a:ea typeface="나눔스퀘어" panose="020B0600000101010101" pitchFamily="50" charset="-127"/>
               </a:rPr>
@@ -31833,37 +34835,19 @@
           <a:p>
             <a:pPr algn="ctr"/>
             <a:r>
-              <a:rPr lang="en-US" altLang="ko-KR" dirty="0" smtClean="0">
+              <a:rPr lang="en-US" altLang="ko-KR" dirty="0">
                 <a:latin typeface="나눔스퀘어 Bold" panose="020B0600000101010101" pitchFamily="50" charset="-127"/>
                 <a:ea typeface="나눔스퀘어 Bold" panose="020B0600000101010101" pitchFamily="50" charset="-127"/>
               </a:rPr>
-              <a:t>Ex) </a:t>
-            </a:r>
-            <a:r>
-              <a:rPr lang="en-US" altLang="ko-KR" dirty="0" smtClean="0">
-                <a:latin typeface="나눔스퀘어 Bold" panose="020B0600000101010101" pitchFamily="50" charset="-127"/>
-                <a:ea typeface="나눔스퀘어 Bold" panose="020B0600000101010101" pitchFamily="50" charset="-127"/>
-              </a:rPr>
-              <a:t>OHTSim</a:t>
+              <a:t>Ex) OHTSim</a:t>
             </a:r>
             <a:r>
               <a:rPr lang="ko-KR" altLang="en-US" dirty="0">
                 <a:latin typeface="나눔스퀘어 Bold" panose="020B0600000101010101" pitchFamily="50" charset="-127"/>
                 <a:ea typeface="나눔스퀘어 Bold" panose="020B0600000101010101" pitchFamily="50" charset="-127"/>
               </a:rPr>
-              <a:t>과 데이터 </a:t>
-            </a:r>
-            <a:r>
-              <a:rPr lang="ko-KR" altLang="en-US" dirty="0" smtClean="0">
-                <a:latin typeface="나눔스퀘어 Bold" panose="020B0600000101010101" pitchFamily="50" charset="-127"/>
-                <a:ea typeface="나눔스퀘어 Bold" panose="020B0600000101010101" pitchFamily="50" charset="-127"/>
-              </a:rPr>
-              <a:t>송수신</a:t>
-            </a:r>
-            <a:endParaRPr lang="ko-KR" altLang="en-US" dirty="0">
-              <a:latin typeface="나눔스퀘어 Bold" panose="020B0600000101010101" pitchFamily="50" charset="-127"/>
-              <a:ea typeface="나눔스퀘어 Bold" panose="020B0600000101010101" pitchFamily="50" charset="-127"/>
-            </a:endParaRPr>
+              <a:t>과 데이터 송수신</a:t>
+            </a:r>
           </a:p>
         </p:txBody>
       </p:sp>
@@ -31963,17 +34947,10 @@
   <p:clrMapOvr>
     <a:masterClrMapping/>
   </p:clrMapOvr>
-  <p:timing>
-    <p:tnLst>
-      <p:par>
-        <p:cTn id="1" dur="indefinite" restart="never" nodeType="tmRoot"/>
-      </p:par>
-    </p:tnLst>
-  </p:timing>
 </p:sld>
 </file>
 
-<file path=ppt/slides/slide8.xml><?xml version="1.0" encoding="utf-8"?>
+<file path=ppt/slides/slide9.xml><?xml version="1.0" encoding="utf-8"?>
 <p:sld xmlns:a="http://schemas.openxmlformats.org/drawingml/2006/main" xmlns:r="http://schemas.openxmlformats.org/officeDocument/2006/relationships" xmlns:p="http://schemas.openxmlformats.org/presentationml/2006/main">
   <p:cSld>
     <p:spTree>
@@ -32046,10 +35023,6 @@
               </a:rPr>
               <a:t>과 데이터 송수신</a:t>
             </a:r>
-            <a:endParaRPr lang="ko-KR" altLang="en-US" dirty="0">
-              <a:latin typeface="나눔스퀘어 Bold" panose="020B0600000101010101" pitchFamily="50" charset="-127"/>
-              <a:ea typeface="나눔스퀘어 Bold" panose="020B0600000101010101" pitchFamily="50" charset="-127"/>
-            </a:endParaRPr>
           </a:p>
         </p:txBody>
       </p:sp>
@@ -32123,25 +35096,18 @@
               <a:t>하는 </a:t>
             </a:r>
             <a:r>
-              <a:rPr lang="en-US" altLang="ko-KR" sz="1600" dirty="0" smtClean="0">
+              <a:rPr lang="en-US" altLang="ko-KR" sz="1600" dirty="0">
                 <a:latin typeface="나눔스퀘어" panose="020B0600000101010101" pitchFamily="50" charset="-127"/>
                 <a:ea typeface="나눔스퀘어" panose="020B0600000101010101" pitchFamily="50" charset="-127"/>
               </a:rPr>
               <a:t>From/To/Go </a:t>
             </a:r>
             <a:r>
-              <a:rPr lang="ko-KR" altLang="en-US" sz="1600" dirty="0" smtClean="0">
-                <a:latin typeface="나눔스퀘어" panose="020B0600000101010101" pitchFamily="50" charset="-127"/>
-                <a:ea typeface="나눔스퀘어" panose="020B0600000101010101" pitchFamily="50" charset="-127"/>
-              </a:rPr>
-              <a:t>관련 비클 </a:t>
-            </a:r>
-            <a:r>
               <a:rPr lang="ko-KR" altLang="en-US" sz="1600" dirty="0">
                 <a:latin typeface="나눔스퀘어" panose="020B0600000101010101" pitchFamily="50" charset="-127"/>
                 <a:ea typeface="나눔스퀘어" panose="020B0600000101010101" pitchFamily="50" charset="-127"/>
               </a:rPr>
-              <a:t>움직임 관련 명령 </a:t>
+              <a:t>관련 비클 움직임 관련 명령 </a:t>
             </a:r>
             <a:endParaRPr lang="en-US" altLang="ko-KR" sz="1600" dirty="0">
               <a:latin typeface="나눔스퀘어" panose="020B0600000101010101" pitchFamily="50" charset="-127"/>
@@ -32225,21 +35191,7 @@
                 <a:latin typeface="나눔스퀘어" panose="020B0600000101010101" pitchFamily="50" charset="-127"/>
                 <a:ea typeface="나눔스퀘어" panose="020B0600000101010101" pitchFamily="50" charset="-127"/>
               </a:rPr>
-              <a:t>[Cmd Start] “</a:t>
-            </a:r>
-            <a:r>
-              <a:rPr lang="en-US" altLang="ko-KR" sz="1400" dirty="0" smtClean="0">
-                <a:latin typeface="나눔스퀘어" panose="020B0600000101010101" pitchFamily="50" charset="-127"/>
-                <a:ea typeface="나눔스퀘어" panose="020B0600000101010101" pitchFamily="50" charset="-127"/>
-              </a:rPr>
-              <a:t>YF000324VEHICLE000000000000100100013400032</a:t>
-            </a:r>
-            <a:r>
-              <a:rPr lang="en-US" altLang="ko-KR" sz="1400" dirty="0">
-                <a:latin typeface="나눔스퀘어" panose="020B0600000101010101" pitchFamily="50" charset="-127"/>
-                <a:ea typeface="나눔스퀘어" panose="020B0600000101010101" pitchFamily="50" charset="-127"/>
-              </a:rPr>
-              <a:t>”</a:t>
+              <a:t>[Cmd Start] “YF000324VEHICLE000000000000100100013400032”</a:t>
             </a:r>
           </a:p>
         </p:txBody>
@@ -32316,21 +35268,7 @@
                 <a:latin typeface="나눔스퀘어" panose="020B0600000101010101" pitchFamily="50" charset="-127"/>
                 <a:ea typeface="나눔스퀘어" panose="020B0600000101010101" pitchFamily="50" charset="-127"/>
               </a:rPr>
-              <a:t>[ACK] “</a:t>
-            </a:r>
-            <a:r>
-              <a:rPr lang="en-US" altLang="ko-KR" sz="1400" dirty="0" smtClean="0">
-                <a:latin typeface="나눔스퀘어" panose="020B0600000101010101" pitchFamily="50" charset="-127"/>
-                <a:ea typeface="나눔스퀘어" panose="020B0600000101010101" pitchFamily="50" charset="-127"/>
-              </a:rPr>
-              <a:t>AF000324VEHICLE000000000000100100013400032</a:t>
-            </a:r>
-            <a:r>
-              <a:rPr lang="en-US" altLang="ko-KR" sz="1400" dirty="0">
-                <a:latin typeface="나눔스퀘어" panose="020B0600000101010101" pitchFamily="50" charset="-127"/>
-                <a:ea typeface="나눔스퀘어" panose="020B0600000101010101" pitchFamily="50" charset="-127"/>
-              </a:rPr>
-              <a:t>”</a:t>
+              <a:t>[ACK] “AF000324VEHICLE000000000000100100013400032”</a:t>
             </a:r>
           </a:p>
         </p:txBody>
@@ -32553,7 +35491,7 @@
               <a:t>가시화에 문제가 없는 경우 해당 비클의 작업이 완료 될 때 까지 공정을 진행한다</a:t>
             </a:r>
             <a:r>
-              <a:rPr lang="en-US" altLang="ko-KR" sz="1300" dirty="0" smtClean="0">
+              <a:rPr lang="en-US" altLang="ko-KR" sz="1300" dirty="0">
                 <a:latin typeface="나눔스퀘어" panose="020B0600000101010101" pitchFamily="50" charset="-127"/>
                 <a:ea typeface="나눔스퀘어" panose="020B0600000101010101" pitchFamily="50" charset="-127"/>
               </a:rPr>
@@ -32566,100 +35504,12 @@
               <a:buChar char="ü"/>
             </a:pPr>
             <a:r>
-              <a:rPr lang="en-US" altLang="ko-KR" sz="1300" dirty="0" smtClean="0">
-                <a:latin typeface="나눔스퀘어" panose="020B0600000101010101" pitchFamily="50" charset="-127"/>
-                <a:ea typeface="나눔스퀘어" panose="020B0600000101010101" pitchFamily="50" charset="-127"/>
-              </a:rPr>
-              <a:t> F: Move Nodes </a:t>
-            </a:r>
-            <a:r>
               <a:rPr lang="en-US" altLang="ko-KR" sz="1300" dirty="0">
                 <a:latin typeface="나눔스퀘어" panose="020B0600000101010101" pitchFamily="50" charset="-127"/>
                 <a:ea typeface="나눔스퀘어" panose="020B0600000101010101" pitchFamily="50" charset="-127"/>
               </a:rPr>
-              <a:t>-&gt; Lift Down -&gt; </a:t>
-            </a:r>
-            <a:r>
-              <a:rPr lang="en-US" altLang="ko-KR" sz="1300" dirty="0" smtClean="0">
-                <a:latin typeface="나눔스퀘어" panose="020B0600000101010101" pitchFamily="50" charset="-127"/>
-                <a:ea typeface="나눔스퀘어" panose="020B0600000101010101" pitchFamily="50" charset="-127"/>
-              </a:rPr>
-              <a:t>Load -&gt; </a:t>
-            </a:r>
-            <a:r>
-              <a:rPr lang="en-US" altLang="ko-KR" sz="1300" dirty="0">
-                <a:latin typeface="나눔스퀘어" panose="020B0600000101010101" pitchFamily="50" charset="-127"/>
-                <a:ea typeface="나눔스퀘어" panose="020B0600000101010101" pitchFamily="50" charset="-127"/>
-              </a:rPr>
-              <a:t>Lift Up -&gt; </a:t>
-            </a:r>
-            <a:r>
-              <a:rPr lang="en-US" altLang="ko-KR" sz="1300" dirty="0" smtClean="0">
-                <a:latin typeface="나눔스퀘어" panose="020B0600000101010101" pitchFamily="50" charset="-127"/>
-                <a:ea typeface="나눔스퀘어" panose="020B0600000101010101" pitchFamily="50" charset="-127"/>
-              </a:rPr>
-              <a:t>Done / </a:t>
-            </a:r>
-            <a:r>
-              <a:rPr lang="en-US" altLang="ko-KR" sz="1300" dirty="0">
-                <a:latin typeface="나눔스퀘어" panose="020B0600000101010101" pitchFamily="50" charset="-127"/>
-                <a:ea typeface="나눔스퀘어" panose="020B0600000101010101" pitchFamily="50" charset="-127"/>
-              </a:rPr>
-              <a:t> </a:t>
-            </a:r>
-            <a:r>
-              <a:rPr lang="en-US" altLang="ko-KR" sz="1300" dirty="0" smtClean="0">
-                <a:latin typeface="나눔스퀘어" panose="020B0600000101010101" pitchFamily="50" charset="-127"/>
-                <a:ea typeface="나눔스퀘어" panose="020B0600000101010101" pitchFamily="50" charset="-127"/>
-              </a:rPr>
-              <a:t>T: </a:t>
-            </a:r>
-            <a:r>
-              <a:rPr lang="en-US" altLang="ko-KR" sz="1300" dirty="0">
-                <a:latin typeface="나눔스퀘어" panose="020B0600000101010101" pitchFamily="50" charset="-127"/>
-                <a:ea typeface="나눔스퀘어" panose="020B0600000101010101" pitchFamily="50" charset="-127"/>
-              </a:rPr>
-              <a:t>Move Nodes -&gt; Lift Down -&gt; </a:t>
-            </a:r>
-            <a:r>
-              <a:rPr lang="en-US" altLang="ko-KR" sz="1300" dirty="0" smtClean="0">
-                <a:latin typeface="나눔스퀘어" panose="020B0600000101010101" pitchFamily="50" charset="-127"/>
-                <a:ea typeface="나눔스퀘어" panose="020B0600000101010101" pitchFamily="50" charset="-127"/>
-              </a:rPr>
-              <a:t>Unload </a:t>
-            </a:r>
-            <a:r>
-              <a:rPr lang="en-US" altLang="ko-KR" sz="1300" dirty="0">
-                <a:latin typeface="나눔스퀘어" panose="020B0600000101010101" pitchFamily="50" charset="-127"/>
-                <a:ea typeface="나눔스퀘어" panose="020B0600000101010101" pitchFamily="50" charset="-127"/>
-              </a:rPr>
-              <a:t>-&gt; Lift Up -&gt; </a:t>
-            </a:r>
-            <a:r>
-              <a:rPr lang="en-US" altLang="ko-KR" sz="1300" dirty="0" smtClean="0">
-                <a:latin typeface="나눔스퀘어" panose="020B0600000101010101" pitchFamily="50" charset="-127"/>
-                <a:ea typeface="나눔스퀘어" panose="020B0600000101010101" pitchFamily="50" charset="-127"/>
-              </a:rPr>
-              <a:t>Done / G: </a:t>
-            </a:r>
-            <a:r>
-              <a:rPr lang="en-US" altLang="ko-KR" sz="1300" dirty="0">
-                <a:latin typeface="나눔스퀘어" panose="020B0600000101010101" pitchFamily="50" charset="-127"/>
-                <a:ea typeface="나눔스퀘어" panose="020B0600000101010101" pitchFamily="50" charset="-127"/>
-              </a:rPr>
-              <a:t>Move Nodes -&gt; </a:t>
-            </a:r>
-            <a:r>
-              <a:rPr lang="en-US" altLang="ko-KR" sz="1300" dirty="0" smtClean="0">
-                <a:latin typeface="나눔스퀘어" panose="020B0600000101010101" pitchFamily="50" charset="-127"/>
-                <a:ea typeface="나눔스퀘어" panose="020B0600000101010101" pitchFamily="50" charset="-127"/>
-              </a:rPr>
-              <a:t>Done</a:t>
-            </a:r>
-            <a:endParaRPr lang="en-US" altLang="ko-KR" sz="1300" dirty="0">
-              <a:latin typeface="나눔스퀘어" panose="020B0600000101010101" pitchFamily="50" charset="-127"/>
-              <a:ea typeface="나눔스퀘어" panose="020B0600000101010101" pitchFamily="50" charset="-127"/>
-            </a:endParaRPr>
+              <a:t> F: Move Nodes -&gt; Lift Down -&gt; Load -&gt; Lift Up -&gt; Done /  T: Move Nodes -&gt; Lift Down -&gt; Unload -&gt; Lift Up -&gt; Done / G: Move Nodes -&gt; Done</a:t>
+            </a:r>
           </a:p>
           <a:p>
             <a:pPr marL="342900" indent="-342900">
@@ -33189,18 +36039,11 @@
               <a:t>: </a:t>
             </a:r>
             <a:r>
-              <a:rPr lang="ko-KR" altLang="en-US" sz="1400" dirty="0" smtClean="0">
-                <a:latin typeface="나눔스퀘어" panose="020B0600000101010101" pitchFamily="50" charset="-127"/>
-                <a:ea typeface="나눔스퀘어" panose="020B0600000101010101" pitchFamily="50" charset="-127"/>
-              </a:rPr>
-              <a:t>명령수행 </a:t>
-            </a:r>
-            <a:r>
               <a:rPr lang="ko-KR" altLang="en-US" sz="1400" dirty="0">
                 <a:latin typeface="나눔스퀘어" panose="020B0600000101010101" pitchFamily="50" charset="-127"/>
                 <a:ea typeface="나눔스퀘어" panose="020B0600000101010101" pitchFamily="50" charset="-127"/>
               </a:rPr>
-              <a:t>완료</a:t>
+              <a:t>명령수행 완료</a:t>
             </a:r>
             <a:endParaRPr lang="en-US" altLang="ko-KR" sz="1400" dirty="0">
               <a:latin typeface="나눔스퀘어" panose="020B0600000101010101" pitchFamily="50" charset="-127"/>
@@ -33371,25 +36214,11 @@
               <a:t>: </a:t>
             </a:r>
             <a:r>
-              <a:rPr lang="ko-KR" altLang="en-US" sz="1400" dirty="0" smtClean="0">
-                <a:latin typeface="나눔스퀘어" panose="020B0600000101010101" pitchFamily="50" charset="-127"/>
-                <a:ea typeface="나눔스퀘어" panose="020B0600000101010101" pitchFamily="50" charset="-127"/>
-              </a:rPr>
-              <a:t>명령수행</a:t>
-            </a:r>
-            <a:r>
-              <a:rPr lang="ko-KR" altLang="en-US" sz="1400" dirty="0" smtClean="0">
-                <a:latin typeface="나눔스퀘어" panose="020B0600000101010101" pitchFamily="50" charset="-127"/>
-                <a:ea typeface="나눔스퀘어" panose="020B0600000101010101" pitchFamily="50" charset="-127"/>
-              </a:rPr>
-              <a:t> </a:t>
-            </a:r>
-            <a:r>
               <a:rPr lang="ko-KR" altLang="en-US" sz="1400" dirty="0">
                 <a:latin typeface="나눔스퀘어" panose="020B0600000101010101" pitchFamily="50" charset="-127"/>
                 <a:ea typeface="나눔스퀘어" panose="020B0600000101010101" pitchFamily="50" charset="-127"/>
               </a:rPr>
-              <a:t>시작</a:t>
+              <a:t>명령수행 시작</a:t>
             </a:r>
             <a:endParaRPr lang="en-US" altLang="ko-KR" sz="1400" dirty="0">
               <a:latin typeface="나눔스퀘어" panose="020B0600000101010101" pitchFamily="50" charset="-127"/>
@@ -34830,1810 +37659,6 @@
   <p:clrMapOvr>
     <a:masterClrMapping/>
   </p:clrMapOvr>
-  <p:timing>
-    <p:tnLst>
-      <p:par>
-        <p:cTn id="1" dur="indefinite" restart="never" nodeType="tmRoot"/>
-      </p:par>
-    </p:tnLst>
-  </p:timing>
-</p:sld>
-</file>
-
-<file path=ppt/slides/slide9.xml><?xml version="1.0" encoding="utf-8"?>
-<p:sld xmlns:a="http://schemas.openxmlformats.org/drawingml/2006/main" xmlns:r="http://schemas.openxmlformats.org/officeDocument/2006/relationships" xmlns:p="http://schemas.openxmlformats.org/presentationml/2006/main">
-  <p:cSld>
-    <p:spTree>
-      <p:nvGrpSpPr>
-        <p:cNvPr id="1" name=""/>
-        <p:cNvGrpSpPr/>
-        <p:nvPr/>
-      </p:nvGrpSpPr>
-      <p:grpSpPr>
-        <a:xfrm>
-          <a:off x="0" y="0"/>
-          <a:ext cx="0" cy="0"/>
-          <a:chOff x="0" y="0"/>
-          <a:chExt cx="0" cy="0"/>
-        </a:xfrm>
-      </p:grpSpPr>
-      <p:sp>
-        <p:nvSpPr>
-          <p:cNvPr id="8" name="직사각형 7"/>
-          <p:cNvSpPr/>
-          <p:nvPr/>
-        </p:nvSpPr>
-        <p:spPr>
-          <a:xfrm>
-            <a:off x="0" y="0"/>
-            <a:ext cx="3240000" cy="381687"/>
-          </a:xfrm>
-          <a:prstGeom prst="rect">
-            <a:avLst/>
-          </a:prstGeom>
-          <a:solidFill>
-            <a:srgbClr val="002060"/>
-          </a:solidFill>
-          <a:ln>
-            <a:noFill/>
-          </a:ln>
-        </p:spPr>
-        <p:style>
-          <a:lnRef idx="2">
-            <a:schemeClr val="accent1">
-              <a:shade val="50000"/>
-            </a:schemeClr>
-          </a:lnRef>
-          <a:fillRef idx="1">
-            <a:schemeClr val="accent1"/>
-          </a:fillRef>
-          <a:effectRef idx="0">
-            <a:schemeClr val="accent1"/>
-          </a:effectRef>
-          <a:fontRef idx="minor">
-            <a:schemeClr val="lt1"/>
-          </a:fontRef>
-        </p:style>
-        <p:txBody>
-          <a:bodyPr rtlCol="0" anchor="ctr"/>
-          <a:lstStyle/>
-          <a:p>
-            <a:pPr algn="ctr"/>
-            <a:r>
-              <a:rPr lang="en-US" altLang="ko-KR" dirty="0">
-                <a:latin typeface="나눔스퀘어 Bold" panose="020B0600000101010101" pitchFamily="50" charset="-127"/>
-                <a:ea typeface="나눔스퀘어 Bold" panose="020B0600000101010101" pitchFamily="50" charset="-127"/>
-              </a:rPr>
-              <a:t>Ex) OHTSim</a:t>
-            </a:r>
-            <a:r>
-              <a:rPr lang="ko-KR" altLang="en-US" dirty="0">
-                <a:latin typeface="나눔스퀘어 Bold" panose="020B0600000101010101" pitchFamily="50" charset="-127"/>
-                <a:ea typeface="나눔스퀘어 Bold" panose="020B0600000101010101" pitchFamily="50" charset="-127"/>
-              </a:rPr>
-              <a:t>과 데이터 송수신</a:t>
-            </a:r>
-            <a:endParaRPr lang="ko-KR" altLang="en-US" dirty="0">
-              <a:latin typeface="나눔스퀘어 Bold" panose="020B0600000101010101" pitchFamily="50" charset="-127"/>
-              <a:ea typeface="나눔스퀘어 Bold" panose="020B0600000101010101" pitchFamily="50" charset="-127"/>
-            </a:endParaRPr>
-          </a:p>
-        </p:txBody>
-      </p:sp>
-      <p:sp>
-        <p:nvSpPr>
-          <p:cNvPr id="12" name="직사각형 11">
-            <a:extLst>
-              <a:ext uri="{FF2B5EF4-FFF2-40B4-BE49-F238E27FC236}">
-                <a16:creationId xmlns:a16="http://schemas.microsoft.com/office/drawing/2014/main" id="{5F6FDDE3-D113-4B6E-B1A0-3127D6C9AE6E}"/>
-              </a:ext>
-            </a:extLst>
-          </p:cNvPr>
-          <p:cNvSpPr/>
-          <p:nvPr/>
-        </p:nvSpPr>
-        <p:spPr>
-          <a:xfrm>
-            <a:off x="201100" y="430095"/>
-            <a:ext cx="11682507" cy="338554"/>
-          </a:xfrm>
-          <a:prstGeom prst="rect">
-            <a:avLst/>
-          </a:prstGeom>
-        </p:spPr>
-        <p:txBody>
-          <a:bodyPr wrap="square">
-            <a:spAutoFit/>
-          </a:bodyPr>
-          <a:lstStyle/>
-          <a:p>
-            <a:r>
-              <a:rPr lang="en-US" altLang="ko-KR" sz="1600" dirty="0">
-                <a:latin typeface="나눔스퀘어" panose="020B0600000101010101" pitchFamily="50" charset="-127"/>
-                <a:ea typeface="나눔스퀘어" panose="020B0600000101010101" pitchFamily="50" charset="-127"/>
-              </a:rPr>
-              <a:t>※ User Information – UnitySW </a:t>
-            </a:r>
-            <a:r>
-              <a:rPr lang="ko-KR" altLang="en-US" sz="1600" dirty="0">
-                <a:latin typeface="나눔스퀘어" panose="020B0600000101010101" pitchFamily="50" charset="-127"/>
-                <a:ea typeface="나눔스퀘어" panose="020B0600000101010101" pitchFamily="50" charset="-127"/>
-              </a:rPr>
-              <a:t>재생</a:t>
-            </a:r>
-            <a:r>
-              <a:rPr lang="en-US" altLang="ko-KR" sz="1600" dirty="0">
-                <a:latin typeface="나눔스퀘어" panose="020B0600000101010101" pitchFamily="50" charset="-127"/>
-                <a:ea typeface="나눔스퀘어" panose="020B0600000101010101" pitchFamily="50" charset="-127"/>
-              </a:rPr>
-              <a:t>, </a:t>
-            </a:r>
-            <a:r>
-              <a:rPr lang="ko-KR" altLang="en-US" sz="1600" dirty="0">
-                <a:latin typeface="나눔스퀘어" panose="020B0600000101010101" pitchFamily="50" charset="-127"/>
-                <a:ea typeface="나눔스퀘어" panose="020B0600000101010101" pitchFamily="50" charset="-127"/>
-              </a:rPr>
-              <a:t>정지 등의 시뮬레이터 상태정보를  송수신</a:t>
-            </a:r>
-            <a:endParaRPr lang="en-US" altLang="ko-KR" sz="1600" dirty="0">
-              <a:latin typeface="나눔스퀘어" panose="020B0600000101010101" pitchFamily="50" charset="-127"/>
-              <a:ea typeface="나눔스퀘어" panose="020B0600000101010101" pitchFamily="50" charset="-127"/>
-            </a:endParaRPr>
-          </a:p>
-        </p:txBody>
-      </p:sp>
-      <p:cxnSp>
-        <p:nvCxnSpPr>
-          <p:cNvPr id="10" name="직선 화살표 연결선 9">
-            <a:extLst>
-              <a:ext uri="{FF2B5EF4-FFF2-40B4-BE49-F238E27FC236}">
-                <a16:creationId xmlns:a16="http://schemas.microsoft.com/office/drawing/2014/main" id="{FB901D6B-D46E-40C3-8EEE-854F6A4B7EFD}"/>
-              </a:ext>
-            </a:extLst>
-          </p:cNvPr>
-          <p:cNvCxnSpPr>
-            <a:cxnSpLocks/>
-          </p:cNvCxnSpPr>
-          <p:nvPr/>
-        </p:nvCxnSpPr>
-        <p:spPr>
-          <a:xfrm flipH="1">
-            <a:off x="2138897" y="2322072"/>
-            <a:ext cx="7992000" cy="0"/>
-          </a:xfrm>
-          <a:prstGeom prst="straightConnector1">
-            <a:avLst/>
-          </a:prstGeom>
-          <a:ln>
-            <a:headEnd type="triangle" w="med" len="med"/>
-            <a:tailEnd type="none" w="med" len="med"/>
-          </a:ln>
-        </p:spPr>
-        <p:style>
-          <a:lnRef idx="1">
-            <a:schemeClr val="accent1"/>
-          </a:lnRef>
-          <a:fillRef idx="0">
-            <a:schemeClr val="accent1"/>
-          </a:fillRef>
-          <a:effectRef idx="0">
-            <a:schemeClr val="accent1"/>
-          </a:effectRef>
-          <a:fontRef idx="minor">
-            <a:schemeClr val="tx1"/>
-          </a:fontRef>
-        </p:style>
-      </p:cxnSp>
-      <p:sp>
-        <p:nvSpPr>
-          <p:cNvPr id="38" name="직사각형 37">
-            <a:extLst>
-              <a:ext uri="{FF2B5EF4-FFF2-40B4-BE49-F238E27FC236}">
-                <a16:creationId xmlns:a16="http://schemas.microsoft.com/office/drawing/2014/main" id="{5F6FDDE3-D113-4B6E-B1A0-3127D6C9AE6E}"/>
-              </a:ext>
-            </a:extLst>
-          </p:cNvPr>
-          <p:cNvSpPr/>
-          <p:nvPr/>
-        </p:nvSpPr>
-        <p:spPr>
-          <a:xfrm>
-            <a:off x="3566525" y="2014295"/>
-            <a:ext cx="5663953" cy="307777"/>
-          </a:xfrm>
-          <a:prstGeom prst="rect">
-            <a:avLst/>
-          </a:prstGeom>
-        </p:spPr>
-        <p:txBody>
-          <a:bodyPr wrap="square">
-            <a:spAutoFit/>
-          </a:bodyPr>
-          <a:lstStyle/>
-          <a:p>
-            <a:pPr algn="ctr"/>
-            <a:r>
-              <a:rPr lang="en-US" altLang="ko-KR" sz="1400" dirty="0">
-                <a:latin typeface="나눔스퀘어" panose="020B0600000101010101" pitchFamily="50" charset="-127"/>
-                <a:ea typeface="나눔스퀘어" panose="020B0600000101010101" pitchFamily="50" charset="-127"/>
-              </a:rPr>
-              <a:t>[User Cmd] “ZP”</a:t>
-            </a:r>
-          </a:p>
-        </p:txBody>
-      </p:sp>
-      <p:grpSp>
-        <p:nvGrpSpPr>
-          <p:cNvPr id="3" name="그룹 2">
-            <a:extLst>
-              <a:ext uri="{FF2B5EF4-FFF2-40B4-BE49-F238E27FC236}">
-                <a16:creationId xmlns:a16="http://schemas.microsoft.com/office/drawing/2014/main" id="{06A796BF-4E5A-49CF-9626-43EF7C65C50C}"/>
-              </a:ext>
-            </a:extLst>
-          </p:cNvPr>
-          <p:cNvGrpSpPr/>
-          <p:nvPr/>
-        </p:nvGrpSpPr>
-        <p:grpSpPr>
-          <a:xfrm>
-            <a:off x="2138897" y="2818962"/>
-            <a:ext cx="7991039" cy="307777"/>
-            <a:chOff x="2138897" y="3222319"/>
-            <a:chExt cx="7991039" cy="307777"/>
-          </a:xfrm>
-        </p:grpSpPr>
-        <p:cxnSp>
-          <p:nvCxnSpPr>
-            <p:cNvPr id="55" name="직선 화살표 연결선 54">
-              <a:extLst>
-                <a:ext uri="{FF2B5EF4-FFF2-40B4-BE49-F238E27FC236}">
-                  <a16:creationId xmlns:a16="http://schemas.microsoft.com/office/drawing/2014/main" id="{79A81301-3C10-4DA7-9060-7EA2C8E2ACF1}"/>
-                </a:ext>
-              </a:extLst>
-            </p:cNvPr>
-            <p:cNvCxnSpPr>
-              <a:cxnSpLocks/>
-            </p:cNvCxnSpPr>
-            <p:nvPr/>
-          </p:nvCxnSpPr>
-          <p:spPr>
-            <a:xfrm flipH="1">
-              <a:off x="2138897" y="3530096"/>
-              <a:ext cx="7991039" cy="0"/>
-            </a:xfrm>
-            <a:prstGeom prst="straightConnector1">
-              <a:avLst/>
-            </a:prstGeom>
-            <a:ln>
-              <a:tailEnd type="triangle"/>
-            </a:ln>
-          </p:spPr>
-          <p:style>
-            <a:lnRef idx="1">
-              <a:schemeClr val="accent1"/>
-            </a:lnRef>
-            <a:fillRef idx="0">
-              <a:schemeClr val="accent1"/>
-            </a:fillRef>
-            <a:effectRef idx="0">
-              <a:schemeClr val="accent1"/>
-            </a:effectRef>
-            <a:fontRef idx="minor">
-              <a:schemeClr val="tx1"/>
-            </a:fontRef>
-          </p:style>
-        </p:cxnSp>
-        <p:sp>
-          <p:nvSpPr>
-            <p:cNvPr id="58" name="직사각형 57">
-              <a:extLst>
-                <a:ext uri="{FF2B5EF4-FFF2-40B4-BE49-F238E27FC236}">
-                  <a16:creationId xmlns:a16="http://schemas.microsoft.com/office/drawing/2014/main" id="{5F6FDDE3-D113-4B6E-B1A0-3127D6C9AE6E}"/>
-                </a:ext>
-              </a:extLst>
-            </p:cNvPr>
-            <p:cNvSpPr/>
-            <p:nvPr/>
-          </p:nvSpPr>
-          <p:spPr>
-            <a:xfrm>
-              <a:off x="3709051" y="3222319"/>
-              <a:ext cx="5377939" cy="307777"/>
-            </a:xfrm>
-            <a:prstGeom prst="rect">
-              <a:avLst/>
-            </a:prstGeom>
-          </p:spPr>
-          <p:txBody>
-            <a:bodyPr wrap="square">
-              <a:spAutoFit/>
-            </a:bodyPr>
-            <a:lstStyle/>
-            <a:p>
-              <a:pPr algn="ctr"/>
-              <a:r>
-                <a:rPr lang="en-US" altLang="ko-KR" sz="1400" dirty="0">
-                  <a:latin typeface="나눔스퀘어" panose="020B0600000101010101" pitchFamily="50" charset="-127"/>
-                  <a:ea typeface="나눔스퀘어" panose="020B0600000101010101" pitchFamily="50" charset="-127"/>
-                </a:rPr>
-                <a:t>[ACK] “AP”</a:t>
-              </a:r>
-            </a:p>
-          </p:txBody>
-        </p:sp>
-      </p:grpSp>
-      <p:cxnSp>
-        <p:nvCxnSpPr>
-          <p:cNvPr id="73" name="직선 연결선 72"/>
-          <p:cNvCxnSpPr/>
-          <p:nvPr/>
-        </p:nvCxnSpPr>
-        <p:spPr>
-          <a:xfrm>
-            <a:off x="133004" y="1774372"/>
-            <a:ext cx="11904066" cy="0"/>
-          </a:xfrm>
-          <a:prstGeom prst="line">
-            <a:avLst/>
-          </a:prstGeom>
-          <a:ln w="57150">
-            <a:solidFill>
-              <a:schemeClr val="bg1">
-                <a:lumMod val="85000"/>
-              </a:schemeClr>
-            </a:solidFill>
-            <a:prstDash val="dash"/>
-          </a:ln>
-        </p:spPr>
-        <p:style>
-          <a:lnRef idx="1">
-            <a:schemeClr val="accent1"/>
-          </a:lnRef>
-          <a:fillRef idx="0">
-            <a:schemeClr val="accent1"/>
-          </a:fillRef>
-          <a:effectRef idx="0">
-            <a:schemeClr val="accent1"/>
-          </a:effectRef>
-          <a:fontRef idx="minor">
-            <a:schemeClr val="tx1"/>
-          </a:fontRef>
-        </p:style>
-      </p:cxnSp>
-      <p:cxnSp>
-        <p:nvCxnSpPr>
-          <p:cNvPr id="74" name="직선 연결선 73"/>
-          <p:cNvCxnSpPr/>
-          <p:nvPr/>
-        </p:nvCxnSpPr>
-        <p:spPr>
-          <a:xfrm>
-            <a:off x="133004" y="4881108"/>
-            <a:ext cx="11904066" cy="0"/>
-          </a:xfrm>
-          <a:prstGeom prst="line">
-            <a:avLst/>
-          </a:prstGeom>
-          <a:ln w="57150">
-            <a:solidFill>
-              <a:schemeClr val="bg1">
-                <a:lumMod val="85000"/>
-              </a:schemeClr>
-            </a:solidFill>
-            <a:prstDash val="dash"/>
-          </a:ln>
-        </p:spPr>
-        <p:style>
-          <a:lnRef idx="1">
-            <a:schemeClr val="accent1"/>
-          </a:lnRef>
-          <a:fillRef idx="0">
-            <a:schemeClr val="accent1"/>
-          </a:fillRef>
-          <a:effectRef idx="0">
-            <a:schemeClr val="accent1"/>
-          </a:effectRef>
-          <a:fontRef idx="minor">
-            <a:schemeClr val="tx1"/>
-          </a:fontRef>
-        </p:style>
-      </p:cxnSp>
-      <p:sp>
-        <p:nvSpPr>
-          <p:cNvPr id="75" name="직사각형 74">
-            <a:extLst>
-              <a:ext uri="{FF2B5EF4-FFF2-40B4-BE49-F238E27FC236}">
-                <a16:creationId xmlns:a16="http://schemas.microsoft.com/office/drawing/2014/main" id="{5F6FDDE3-D113-4B6E-B1A0-3127D6C9AE6E}"/>
-              </a:ext>
-            </a:extLst>
-          </p:cNvPr>
-          <p:cNvSpPr/>
-          <p:nvPr/>
-        </p:nvSpPr>
-        <p:spPr>
-          <a:xfrm>
-            <a:off x="201101" y="5013556"/>
-            <a:ext cx="11868960" cy="1538883"/>
-          </a:xfrm>
-          <a:prstGeom prst="rect">
-            <a:avLst/>
-          </a:prstGeom>
-        </p:spPr>
-        <p:txBody>
-          <a:bodyPr wrap="square">
-            <a:spAutoFit/>
-          </a:bodyPr>
-          <a:lstStyle/>
-          <a:p>
-            <a:pPr marL="342900" indent="-342900">
-              <a:buFont typeface="+mj-lt"/>
-              <a:buAutoNum type="arabicPeriod"/>
-            </a:pPr>
-            <a:r>
-              <a:rPr lang="en-US" altLang="ko-KR" sz="1400" dirty="0">
-                <a:latin typeface="나눔스퀘어" panose="020B0600000101010101" pitchFamily="50" charset="-127"/>
-                <a:ea typeface="나눔스퀘어" panose="020B0600000101010101" pitchFamily="50" charset="-127"/>
-              </a:rPr>
-              <a:t>User Cmd </a:t>
-            </a:r>
-            <a:r>
-              <a:rPr lang="ko-KR" altLang="en-US" sz="1400" dirty="0">
-                <a:latin typeface="나눔스퀘어" panose="020B0600000101010101" pitchFamily="50" charset="-127"/>
-                <a:ea typeface="나눔스퀘어" panose="020B0600000101010101" pitchFamily="50" charset="-127"/>
-              </a:rPr>
-              <a:t>메시지</a:t>
-            </a:r>
-            <a:endParaRPr lang="en-US" altLang="ko-KR" sz="1400" dirty="0">
-              <a:latin typeface="나눔스퀘어" panose="020B0600000101010101" pitchFamily="50" charset="-127"/>
-              <a:ea typeface="나눔스퀘어" panose="020B0600000101010101" pitchFamily="50" charset="-127"/>
-            </a:endParaRPr>
-          </a:p>
-          <a:p>
-            <a:pPr marL="800100" lvl="1" indent="-342900">
-              <a:buFont typeface="Wingdings" panose="05000000000000000000" pitchFamily="2" charset="2"/>
-              <a:buChar char="ü"/>
-            </a:pPr>
-            <a:r>
-              <a:rPr lang="en-US" altLang="ko-KR" sz="1300" dirty="0">
-                <a:latin typeface="나눔스퀘어" panose="020B0600000101010101" pitchFamily="50" charset="-127"/>
-                <a:ea typeface="나눔스퀘어" panose="020B0600000101010101" pitchFamily="50" charset="-127"/>
-              </a:rPr>
-              <a:t>UnitySW</a:t>
-            </a:r>
-            <a:r>
-              <a:rPr lang="ko-KR" altLang="en-US" sz="1300" dirty="0">
-                <a:latin typeface="나눔스퀘어" panose="020B0600000101010101" pitchFamily="50" charset="-127"/>
-                <a:ea typeface="나눔스퀘어" panose="020B0600000101010101" pitchFamily="50" charset="-127"/>
-              </a:rPr>
-              <a:t>에서 사용자가 시뮬레이션을 정지</a:t>
-            </a:r>
-            <a:r>
-              <a:rPr lang="en-US" altLang="ko-KR" sz="1300" dirty="0">
-                <a:latin typeface="나눔스퀘어" panose="020B0600000101010101" pitchFamily="50" charset="-127"/>
-                <a:ea typeface="나눔스퀘어" panose="020B0600000101010101" pitchFamily="50" charset="-127"/>
-              </a:rPr>
-              <a:t>, </a:t>
-            </a:r>
-            <a:r>
-              <a:rPr lang="ko-KR" altLang="en-US" sz="1300" dirty="0">
-                <a:latin typeface="나눔스퀘어" panose="020B0600000101010101" pitchFamily="50" charset="-127"/>
-                <a:ea typeface="나눔스퀘어" panose="020B0600000101010101" pitchFamily="50" charset="-127"/>
-              </a:rPr>
-              <a:t>재생 하는 경우 </a:t>
-            </a:r>
-            <a:r>
-              <a:rPr lang="en-US" altLang="ko-KR" sz="1300" dirty="0">
-                <a:latin typeface="나눔스퀘어" panose="020B0600000101010101" pitchFamily="50" charset="-127"/>
-                <a:ea typeface="나눔스퀘어" panose="020B0600000101010101" pitchFamily="50" charset="-127"/>
-              </a:rPr>
-              <a:t>OHTSim</a:t>
-            </a:r>
-            <a:r>
-              <a:rPr lang="ko-KR" altLang="en-US" sz="1300" dirty="0">
-                <a:latin typeface="나눔스퀘어" panose="020B0600000101010101" pitchFamily="50" charset="-127"/>
-                <a:ea typeface="나눔스퀘어" panose="020B0600000101010101" pitchFamily="50" charset="-127"/>
-              </a:rPr>
-              <a:t>으로 </a:t>
-            </a:r>
-            <a:r>
-              <a:rPr lang="en-US" altLang="ko-KR" sz="1300" dirty="0">
-                <a:latin typeface="나눔스퀘어" panose="020B0600000101010101" pitchFamily="50" charset="-127"/>
-                <a:ea typeface="나눔스퀘어" panose="020B0600000101010101" pitchFamily="50" charset="-127"/>
-              </a:rPr>
-              <a:t>UnitySW</a:t>
-            </a:r>
-            <a:r>
-              <a:rPr lang="ko-KR" altLang="en-US" sz="1300" dirty="0">
-                <a:latin typeface="나눔스퀘어" panose="020B0600000101010101" pitchFamily="50" charset="-127"/>
-                <a:ea typeface="나눔스퀘어" panose="020B0600000101010101" pitchFamily="50" charset="-127"/>
-              </a:rPr>
-              <a:t>의 상태를 송신한다</a:t>
-            </a:r>
-            <a:r>
-              <a:rPr lang="en-US" altLang="ko-KR" sz="1300" dirty="0">
-                <a:latin typeface="나눔스퀘어" panose="020B0600000101010101" pitchFamily="50" charset="-127"/>
-                <a:ea typeface="나눔스퀘어" panose="020B0600000101010101" pitchFamily="50" charset="-127"/>
-              </a:rPr>
-              <a:t>.</a:t>
-            </a:r>
-          </a:p>
-          <a:p>
-            <a:pPr marL="800100" lvl="1" indent="-342900">
-              <a:buFont typeface="Wingdings" panose="05000000000000000000" pitchFamily="2" charset="2"/>
-              <a:buChar char="ü"/>
-            </a:pPr>
-            <a:r>
-              <a:rPr lang="en-US" altLang="ko-KR" sz="1300" dirty="0">
-                <a:latin typeface="나눔스퀘어" panose="020B0600000101010101" pitchFamily="50" charset="-127"/>
-                <a:ea typeface="나눔스퀘어" panose="020B0600000101010101" pitchFamily="50" charset="-127"/>
-              </a:rPr>
-              <a:t>OHTSim</a:t>
-            </a:r>
-            <a:r>
-              <a:rPr lang="ko-KR" altLang="en-US" sz="1300" dirty="0">
-                <a:latin typeface="나눔스퀘어" panose="020B0600000101010101" pitchFamily="50" charset="-127"/>
-                <a:ea typeface="나눔스퀘어" panose="020B0600000101010101" pitchFamily="50" charset="-127"/>
-              </a:rPr>
-              <a:t>에 문제가 없는 경우 해당 명령을 수행한다 </a:t>
-            </a:r>
-            <a:r>
-              <a:rPr lang="en-US" altLang="ko-KR" sz="1300" dirty="0">
-                <a:latin typeface="나눔스퀘어" panose="020B0600000101010101" pitchFamily="50" charset="-127"/>
-                <a:ea typeface="나눔스퀘어" panose="020B0600000101010101" pitchFamily="50" charset="-127"/>
-              </a:rPr>
-              <a:t>ex) </a:t>
-            </a:r>
-            <a:r>
-              <a:rPr lang="ko-KR" altLang="en-US" sz="1300" dirty="0">
-                <a:latin typeface="나눔스퀘어" panose="020B0600000101010101" pitchFamily="50" charset="-127"/>
-                <a:ea typeface="나눔스퀘어" panose="020B0600000101010101" pitchFamily="50" charset="-127"/>
-              </a:rPr>
-              <a:t>정지</a:t>
-            </a:r>
-            <a:r>
-              <a:rPr lang="en-US" altLang="ko-KR" sz="1300" dirty="0">
-                <a:latin typeface="나눔스퀘어" panose="020B0600000101010101" pitchFamily="50" charset="-127"/>
-                <a:ea typeface="나눔스퀘어" panose="020B0600000101010101" pitchFamily="50" charset="-127"/>
-              </a:rPr>
-              <a:t>, </a:t>
-            </a:r>
-            <a:r>
-              <a:rPr lang="ko-KR" altLang="en-US" sz="1300" dirty="0">
-                <a:latin typeface="나눔스퀘어" panose="020B0600000101010101" pitchFamily="50" charset="-127"/>
-                <a:ea typeface="나눔스퀘어" panose="020B0600000101010101" pitchFamily="50" charset="-127"/>
-              </a:rPr>
-              <a:t>재생 등</a:t>
-            </a:r>
-            <a:endParaRPr lang="en-US" altLang="ko-KR" sz="1300" dirty="0">
-              <a:latin typeface="나눔스퀘어" panose="020B0600000101010101" pitchFamily="50" charset="-127"/>
-              <a:ea typeface="나눔스퀘어" panose="020B0600000101010101" pitchFamily="50" charset="-127"/>
-            </a:endParaRPr>
-          </a:p>
-          <a:p>
-            <a:pPr marL="342900" indent="-342900">
-              <a:buFont typeface="+mj-lt"/>
-              <a:buAutoNum type="arabicPeriod"/>
-            </a:pPr>
-            <a:r>
-              <a:rPr lang="en-US" altLang="ko-KR" sz="1400" dirty="0">
-                <a:latin typeface="나눔스퀘어" panose="020B0600000101010101" pitchFamily="50" charset="-127"/>
-                <a:ea typeface="나눔스퀘어" panose="020B0600000101010101" pitchFamily="50" charset="-127"/>
-              </a:rPr>
-              <a:t>NACK(Error) </a:t>
-            </a:r>
-            <a:r>
-              <a:rPr lang="ko-KR" altLang="en-US" sz="1400" dirty="0">
-                <a:latin typeface="나눔스퀘어" panose="020B0600000101010101" pitchFamily="50" charset="-127"/>
-                <a:ea typeface="나눔스퀘어" panose="020B0600000101010101" pitchFamily="50" charset="-127"/>
-              </a:rPr>
-              <a:t>메시지</a:t>
-            </a:r>
-            <a:endParaRPr lang="en-US" altLang="ko-KR" sz="1400" dirty="0">
-              <a:latin typeface="나눔스퀘어" panose="020B0600000101010101" pitchFamily="50" charset="-127"/>
-              <a:ea typeface="나눔스퀘어" panose="020B0600000101010101" pitchFamily="50" charset="-127"/>
-            </a:endParaRPr>
-          </a:p>
-          <a:p>
-            <a:pPr marL="800100" lvl="1" indent="-342900">
-              <a:buFont typeface="Wingdings" panose="05000000000000000000" pitchFamily="2" charset="2"/>
-              <a:buChar char="ü"/>
-            </a:pPr>
-            <a:r>
-              <a:rPr lang="en-US" altLang="ko-KR" sz="1300" dirty="0">
-                <a:latin typeface="나눔스퀘어" panose="020B0600000101010101" pitchFamily="50" charset="-127"/>
-                <a:ea typeface="나눔스퀘어" panose="020B0600000101010101" pitchFamily="50" charset="-127"/>
-              </a:rPr>
-              <a:t>UnitySW</a:t>
-            </a:r>
-            <a:r>
-              <a:rPr lang="ko-KR" altLang="en-US" sz="1300" dirty="0">
-                <a:latin typeface="나눔스퀘어" panose="020B0600000101010101" pitchFamily="50" charset="-127"/>
-                <a:ea typeface="나눔스퀘어" panose="020B0600000101010101" pitchFamily="50" charset="-127"/>
-              </a:rPr>
-              <a:t>의 명령 수행이 불가능한 경우 </a:t>
-            </a:r>
-            <a:r>
-              <a:rPr lang="en-US" altLang="ko-KR" sz="1300" dirty="0">
-                <a:latin typeface="나눔스퀘어" panose="020B0600000101010101" pitchFamily="50" charset="-127"/>
-                <a:ea typeface="나눔스퀘어" panose="020B0600000101010101" pitchFamily="50" charset="-127"/>
-              </a:rPr>
-              <a:t>NACK </a:t>
-            </a:r>
-            <a:r>
-              <a:rPr lang="ko-KR" altLang="en-US" sz="1300" dirty="0">
-                <a:latin typeface="나눔스퀘어" panose="020B0600000101010101" pitchFamily="50" charset="-127"/>
-                <a:ea typeface="나눔스퀘어" panose="020B0600000101010101" pitchFamily="50" charset="-127"/>
-              </a:rPr>
-              <a:t>메시지를 </a:t>
-            </a:r>
-            <a:r>
-              <a:rPr lang="en-US" altLang="ko-KR" sz="1300" dirty="0">
-                <a:latin typeface="나눔스퀘어" panose="020B0600000101010101" pitchFamily="50" charset="-127"/>
-                <a:ea typeface="나눔스퀘어" panose="020B0600000101010101" pitchFamily="50" charset="-127"/>
-              </a:rPr>
-              <a:t>UnitySW</a:t>
-            </a:r>
-            <a:r>
-              <a:rPr lang="ko-KR" altLang="en-US" sz="1300" dirty="0">
-                <a:latin typeface="나눔스퀘어" panose="020B0600000101010101" pitchFamily="50" charset="-127"/>
-                <a:ea typeface="나눔스퀘어" panose="020B0600000101010101" pitchFamily="50" charset="-127"/>
-              </a:rPr>
-              <a:t>로 송신</a:t>
-            </a:r>
-            <a:endParaRPr lang="en-US" altLang="ko-KR" sz="1300" dirty="0">
-              <a:latin typeface="나눔스퀘어" panose="020B0600000101010101" pitchFamily="50" charset="-127"/>
-              <a:ea typeface="나눔스퀘어" panose="020B0600000101010101" pitchFamily="50" charset="-127"/>
-            </a:endParaRPr>
-          </a:p>
-          <a:p>
-            <a:pPr marL="342900" indent="-342900">
-              <a:buFont typeface="+mj-lt"/>
-              <a:buAutoNum type="arabicPeriod"/>
-            </a:pPr>
-            <a:r>
-              <a:rPr lang="en-US" altLang="ko-KR" sz="1400" dirty="0">
-                <a:latin typeface="나눔스퀘어" panose="020B0600000101010101" pitchFamily="50" charset="-127"/>
-                <a:ea typeface="나눔스퀘어" panose="020B0600000101010101" pitchFamily="50" charset="-127"/>
-              </a:rPr>
-              <a:t>ACK </a:t>
-            </a:r>
-            <a:r>
-              <a:rPr lang="ko-KR" altLang="en-US" sz="1400" dirty="0">
-                <a:latin typeface="나눔스퀘어" panose="020B0600000101010101" pitchFamily="50" charset="-127"/>
-                <a:ea typeface="나눔스퀘어" panose="020B0600000101010101" pitchFamily="50" charset="-127"/>
-              </a:rPr>
-              <a:t>메시지</a:t>
-            </a:r>
-            <a:endParaRPr lang="en-US" altLang="ko-KR" sz="1400" dirty="0">
-              <a:latin typeface="나눔스퀘어" panose="020B0600000101010101" pitchFamily="50" charset="-127"/>
-              <a:ea typeface="나눔스퀘어" panose="020B0600000101010101" pitchFamily="50" charset="-127"/>
-            </a:endParaRPr>
-          </a:p>
-          <a:p>
-            <a:pPr marL="800100" lvl="1" indent="-342900">
-              <a:buFont typeface="Wingdings" panose="05000000000000000000" pitchFamily="2" charset="2"/>
-              <a:buChar char="ü"/>
-            </a:pPr>
-            <a:r>
-              <a:rPr lang="en-US" altLang="ko-KR" sz="1300" dirty="0">
-                <a:latin typeface="나눔스퀘어" panose="020B0600000101010101" pitchFamily="50" charset="-127"/>
-                <a:ea typeface="나눔스퀘어" panose="020B0600000101010101" pitchFamily="50" charset="-127"/>
-              </a:rPr>
-              <a:t>UnitySW</a:t>
-            </a:r>
-            <a:r>
-              <a:rPr lang="ko-KR" altLang="en-US" sz="1300" dirty="0">
-                <a:latin typeface="나눔스퀘어" panose="020B0600000101010101" pitchFamily="50" charset="-127"/>
-                <a:ea typeface="나눔스퀘어" panose="020B0600000101010101" pitchFamily="50" charset="-127"/>
-              </a:rPr>
-              <a:t>의 명령 수행이 가능한 경우 </a:t>
-            </a:r>
-            <a:r>
-              <a:rPr lang="en-US" altLang="ko-KR" sz="1300" dirty="0">
-                <a:latin typeface="나눔스퀘어" panose="020B0600000101010101" pitchFamily="50" charset="-127"/>
-                <a:ea typeface="나눔스퀘어" panose="020B0600000101010101" pitchFamily="50" charset="-127"/>
-              </a:rPr>
-              <a:t>ACK </a:t>
-            </a:r>
-            <a:r>
-              <a:rPr lang="ko-KR" altLang="en-US" sz="1300" dirty="0">
-                <a:latin typeface="나눔스퀘어" panose="020B0600000101010101" pitchFamily="50" charset="-127"/>
-                <a:ea typeface="나눔스퀘어" panose="020B0600000101010101" pitchFamily="50" charset="-127"/>
-              </a:rPr>
-              <a:t>메시지를 </a:t>
-            </a:r>
-            <a:r>
-              <a:rPr lang="en-US" altLang="ko-KR" sz="1300" dirty="0">
-                <a:latin typeface="나눔스퀘어" panose="020B0600000101010101" pitchFamily="50" charset="-127"/>
-                <a:ea typeface="나눔스퀘어" panose="020B0600000101010101" pitchFamily="50" charset="-127"/>
-              </a:rPr>
-              <a:t>UnitySW</a:t>
-            </a:r>
-            <a:r>
-              <a:rPr lang="ko-KR" altLang="en-US" sz="1300" dirty="0">
-                <a:latin typeface="나눔스퀘어" panose="020B0600000101010101" pitchFamily="50" charset="-127"/>
-                <a:ea typeface="나눔스퀘어" panose="020B0600000101010101" pitchFamily="50" charset="-127"/>
-              </a:rPr>
-              <a:t>로 송신</a:t>
-            </a:r>
-            <a:endParaRPr lang="en-US" altLang="ko-KR" sz="1300" dirty="0">
-              <a:latin typeface="나눔스퀘어" panose="020B0600000101010101" pitchFamily="50" charset="-127"/>
-              <a:ea typeface="나눔스퀘어" panose="020B0600000101010101" pitchFamily="50" charset="-127"/>
-            </a:endParaRPr>
-          </a:p>
-        </p:txBody>
-      </p:sp>
-      <p:sp>
-        <p:nvSpPr>
-          <p:cNvPr id="20" name="TextBox 19">
-            <a:extLst>
-              <a:ext uri="{FF2B5EF4-FFF2-40B4-BE49-F238E27FC236}">
-                <a16:creationId xmlns:a16="http://schemas.microsoft.com/office/drawing/2014/main" id="{EB077C77-57CB-4B53-B0DD-4952AE521BE1}"/>
-              </a:ext>
-            </a:extLst>
-          </p:cNvPr>
-          <p:cNvSpPr txBox="1"/>
-          <p:nvPr/>
-        </p:nvSpPr>
-        <p:spPr>
-          <a:xfrm>
-            <a:off x="321517" y="1907301"/>
-            <a:ext cx="1699292" cy="338554"/>
-          </a:xfrm>
-          <a:prstGeom prst="rect">
-            <a:avLst/>
-          </a:prstGeom>
-          <a:noFill/>
-        </p:spPr>
-        <p:txBody>
-          <a:bodyPr wrap="square" rtlCol="0">
-            <a:spAutoFit/>
-          </a:bodyPr>
-          <a:lstStyle/>
-          <a:p>
-            <a:pPr algn="ctr"/>
-            <a:r>
-              <a:rPr lang="en-US" altLang="ko-KR" sz="1600" dirty="0">
-                <a:latin typeface="나눔스퀘어" panose="020B0600000101010101" pitchFamily="50" charset="-127"/>
-                <a:ea typeface="나눔스퀘어" panose="020B0600000101010101" pitchFamily="50" charset="-127"/>
-              </a:rPr>
-              <a:t>UnitySW</a:t>
-            </a:r>
-            <a:endParaRPr lang="ko-KR" altLang="en-US" sz="1600" dirty="0">
-              <a:latin typeface="나눔스퀘어" panose="020B0600000101010101" pitchFamily="50" charset="-127"/>
-              <a:ea typeface="나눔스퀘어" panose="020B0600000101010101" pitchFamily="50" charset="-127"/>
-            </a:endParaRPr>
-          </a:p>
-        </p:txBody>
-      </p:sp>
-      <p:sp>
-        <p:nvSpPr>
-          <p:cNvPr id="21" name="직사각형 20">
-            <a:extLst>
-              <a:ext uri="{FF2B5EF4-FFF2-40B4-BE49-F238E27FC236}">
-                <a16:creationId xmlns:a16="http://schemas.microsoft.com/office/drawing/2014/main" id="{B95C7750-CE25-4113-AB20-C7EFE92B98F3}"/>
-              </a:ext>
-            </a:extLst>
-          </p:cNvPr>
-          <p:cNvSpPr/>
-          <p:nvPr/>
-        </p:nvSpPr>
-        <p:spPr>
-          <a:xfrm>
-            <a:off x="344614" y="2248729"/>
-            <a:ext cx="1653098" cy="2410397"/>
-          </a:xfrm>
-          <a:prstGeom prst="rect">
-            <a:avLst/>
-          </a:prstGeom>
-          <a:noFill/>
-          <a:ln>
-            <a:solidFill>
-              <a:schemeClr val="tx1"/>
-            </a:solidFill>
-          </a:ln>
-        </p:spPr>
-        <p:style>
-          <a:lnRef idx="2">
-            <a:schemeClr val="accent1">
-              <a:shade val="50000"/>
-            </a:schemeClr>
-          </a:lnRef>
-          <a:fillRef idx="1">
-            <a:schemeClr val="accent1"/>
-          </a:fillRef>
-          <a:effectRef idx="0">
-            <a:schemeClr val="accent1"/>
-          </a:effectRef>
-          <a:fontRef idx="minor">
-            <a:schemeClr val="lt1"/>
-          </a:fontRef>
-        </p:style>
-        <p:txBody>
-          <a:bodyPr rtlCol="0" anchor="ctr"/>
-          <a:lstStyle/>
-          <a:p>
-            <a:pPr algn="ctr"/>
-            <a:endParaRPr lang="ko-KR" altLang="en-US" dirty="0">
-              <a:latin typeface="나눔스퀘어" panose="020B0600000101010101" pitchFamily="50" charset="-127"/>
-              <a:ea typeface="나눔스퀘어" panose="020B0600000101010101" pitchFamily="50" charset="-127"/>
-            </a:endParaRPr>
-          </a:p>
-        </p:txBody>
-      </p:sp>
-      <p:sp>
-        <p:nvSpPr>
-          <p:cNvPr id="26" name="직사각형 25">
-            <a:extLst>
-              <a:ext uri="{FF2B5EF4-FFF2-40B4-BE49-F238E27FC236}">
-                <a16:creationId xmlns:a16="http://schemas.microsoft.com/office/drawing/2014/main" id="{765AA3ED-E935-4BDE-8054-625D481A2E96}"/>
-              </a:ext>
-            </a:extLst>
-          </p:cNvPr>
-          <p:cNvSpPr/>
-          <p:nvPr/>
-        </p:nvSpPr>
-        <p:spPr>
-          <a:xfrm>
-            <a:off x="3709051" y="2511185"/>
-            <a:ext cx="5377939" cy="307777"/>
-          </a:xfrm>
-          <a:prstGeom prst="rect">
-            <a:avLst/>
-          </a:prstGeom>
-        </p:spPr>
-        <p:txBody>
-          <a:bodyPr wrap="square">
-            <a:spAutoFit/>
-          </a:bodyPr>
-          <a:lstStyle/>
-          <a:p>
-            <a:pPr algn="ctr"/>
-            <a:r>
-              <a:rPr lang="en-US" altLang="ko-KR" sz="1400" dirty="0">
-                <a:latin typeface="나눔스퀘어" panose="020B0600000101010101" pitchFamily="50" charset="-127"/>
-                <a:ea typeface="나눔스퀘어" panose="020B0600000101010101" pitchFamily="50" charset="-127"/>
-              </a:rPr>
-              <a:t>[NACK] “NP”</a:t>
-            </a:r>
-          </a:p>
-        </p:txBody>
-      </p:sp>
-      <p:sp>
-        <p:nvSpPr>
-          <p:cNvPr id="46" name="TextBox 45">
-            <a:extLst>
-              <a:ext uri="{FF2B5EF4-FFF2-40B4-BE49-F238E27FC236}">
-                <a16:creationId xmlns:a16="http://schemas.microsoft.com/office/drawing/2014/main" id="{059AD10C-3416-4A21-87BC-1517BF6B0327}"/>
-              </a:ext>
-            </a:extLst>
-          </p:cNvPr>
-          <p:cNvSpPr txBox="1"/>
-          <p:nvPr/>
-        </p:nvSpPr>
-        <p:spPr>
-          <a:xfrm>
-            <a:off x="10184316" y="1907301"/>
-            <a:ext cx="1699292" cy="338554"/>
-          </a:xfrm>
-          <a:prstGeom prst="rect">
-            <a:avLst/>
-          </a:prstGeom>
-          <a:noFill/>
-        </p:spPr>
-        <p:txBody>
-          <a:bodyPr wrap="square" rtlCol="0">
-            <a:spAutoFit/>
-          </a:bodyPr>
-          <a:lstStyle/>
-          <a:p>
-            <a:pPr algn="ctr"/>
-            <a:r>
-              <a:rPr lang="en-US" altLang="ko-KR" sz="1600" dirty="0">
-                <a:latin typeface="나눔스퀘어" panose="020B0600000101010101" pitchFamily="50" charset="-127"/>
-                <a:ea typeface="나눔스퀘어" panose="020B0600000101010101" pitchFamily="50" charset="-127"/>
-              </a:rPr>
-              <a:t>OHTSim</a:t>
-            </a:r>
-            <a:endParaRPr lang="ko-KR" altLang="en-US" sz="1600" dirty="0">
-              <a:latin typeface="나눔스퀘어" panose="020B0600000101010101" pitchFamily="50" charset="-127"/>
-              <a:ea typeface="나눔스퀘어" panose="020B0600000101010101" pitchFamily="50" charset="-127"/>
-            </a:endParaRPr>
-          </a:p>
-        </p:txBody>
-      </p:sp>
-      <p:graphicFrame>
-        <p:nvGraphicFramePr>
-          <p:cNvPr id="37" name="표 36">
-            <a:extLst>
-              <a:ext uri="{FF2B5EF4-FFF2-40B4-BE49-F238E27FC236}">
-                <a16:creationId xmlns:a16="http://schemas.microsoft.com/office/drawing/2014/main" id="{1375FDA3-6CFB-4645-A117-4FB15DBD54EB}"/>
-              </a:ext>
-            </a:extLst>
-          </p:cNvPr>
-          <p:cNvGraphicFramePr>
-            <a:graphicFrameLocks noGrp="1"/>
-          </p:cNvGraphicFramePr>
-          <p:nvPr>
-            <p:extLst>
-              <p:ext uri="{D42A27DB-BD31-4B8C-83A1-F6EECF244321}">
-                <p14:modId xmlns:p14="http://schemas.microsoft.com/office/powerpoint/2010/main" val="3407305504"/>
-              </p:ext>
-            </p:extLst>
-          </p:nvPr>
-        </p:nvGraphicFramePr>
-        <p:xfrm>
-          <a:off x="359425" y="909124"/>
-          <a:ext cx="1766911" cy="689562"/>
-        </p:xfrm>
-        <a:graphic>
-          <a:graphicData uri="http://schemas.openxmlformats.org/drawingml/2006/table">
-            <a:tbl>
-              <a:tblPr>
-                <a:tableStyleId>{5940675A-B579-460E-94D1-54222C63F5DA}</a:tableStyleId>
-              </a:tblPr>
-              <a:tblGrid>
-                <a:gridCol w="904847">
-                  <a:extLst>
-                    <a:ext uri="{9D8B030D-6E8A-4147-A177-3AD203B41FA5}">
-                      <a16:colId xmlns:a16="http://schemas.microsoft.com/office/drawing/2014/main" val="775886720"/>
-                    </a:ext>
-                  </a:extLst>
-                </a:gridCol>
-                <a:gridCol w="862064">
-                  <a:extLst>
-                    <a:ext uri="{9D8B030D-6E8A-4147-A177-3AD203B41FA5}">
-                      <a16:colId xmlns:a16="http://schemas.microsoft.com/office/drawing/2014/main" val="3677619463"/>
-                    </a:ext>
-                  </a:extLst>
-                </a:gridCol>
-              </a:tblGrid>
-              <a:tr h="96999">
-                <a:tc>
-                  <a:txBody>
-                    <a:bodyPr/>
-                    <a:lstStyle/>
-                    <a:p>
-                      <a:pPr algn="ctr" fontAlgn="ctr"/>
-                      <a:r>
-                        <a:rPr lang="en-US" altLang="ko-KR" sz="1000" b="0" i="0" u="none" strike="noStrike" dirty="0">
-                          <a:solidFill>
-                            <a:srgbClr val="000000"/>
-                          </a:solidFill>
-                          <a:effectLst/>
-                          <a:latin typeface="나눔스퀘어" panose="020B0600000101010101" pitchFamily="50" charset="-127"/>
-                          <a:ea typeface="나눔스퀘어" panose="020B0600000101010101" pitchFamily="50" charset="-127"/>
-                        </a:rPr>
-                        <a:t>Msg </a:t>
-                      </a:r>
-                      <a:r>
-                        <a:rPr lang="ko-KR" altLang="en-US" sz="1000" b="0" i="0" u="none" strike="noStrike" dirty="0">
-                          <a:solidFill>
-                            <a:srgbClr val="000000"/>
-                          </a:solidFill>
-                          <a:effectLst/>
-                          <a:latin typeface="나눔스퀘어" panose="020B0600000101010101" pitchFamily="50" charset="-127"/>
-                          <a:ea typeface="나눔스퀘어" panose="020B0600000101010101" pitchFamily="50" charset="-127"/>
-                        </a:rPr>
-                        <a:t>식별자</a:t>
-                      </a:r>
-                      <a:endParaRPr lang="en-US" sz="1000" b="0" i="0" u="none" strike="noStrike" dirty="0">
-                        <a:solidFill>
-                          <a:srgbClr val="000000"/>
-                        </a:solidFill>
-                        <a:effectLst/>
-                        <a:latin typeface="나눔스퀘어" panose="020B0600000101010101" pitchFamily="50" charset="-127"/>
-                        <a:ea typeface="나눔스퀘어" panose="020B0600000101010101" pitchFamily="50" charset="-127"/>
-                      </a:endParaRPr>
-                    </a:p>
-                  </a:txBody>
-                  <a:tcPr marL="9525" marR="9525" marT="9525" marB="0" anchor="ctr"/>
-                </a:tc>
-                <a:tc>
-                  <a:txBody>
-                    <a:bodyPr/>
-                    <a:lstStyle/>
-                    <a:p>
-                      <a:pPr algn="ctr" fontAlgn="ctr"/>
-                      <a:r>
-                        <a:rPr lang="en-US" sz="1000" u="none" strike="noStrike" dirty="0">
-                          <a:effectLst/>
-                          <a:latin typeface="나눔스퀘어" panose="020B0600000101010101" pitchFamily="50" charset="-127"/>
-                          <a:ea typeface="나눔스퀘어" panose="020B0600000101010101" pitchFamily="50" charset="-127"/>
-                        </a:rPr>
-                        <a:t>Command</a:t>
-                      </a:r>
-                      <a:endParaRPr lang="en-US" sz="1000" b="0" i="0" u="none" strike="noStrike" dirty="0">
-                        <a:solidFill>
-                          <a:srgbClr val="000000"/>
-                        </a:solidFill>
-                        <a:effectLst/>
-                        <a:latin typeface="나눔스퀘어" panose="020B0600000101010101" pitchFamily="50" charset="-127"/>
-                        <a:ea typeface="나눔스퀘어" panose="020B0600000101010101" pitchFamily="50" charset="-127"/>
-                      </a:endParaRPr>
-                    </a:p>
-                  </a:txBody>
-                  <a:tcPr marL="9525" marR="9525" marT="9525" marB="0" anchor="ctr"/>
-                </a:tc>
-                <a:extLst>
-                  <a:ext uri="{0D108BD9-81ED-4DB2-BD59-A6C34878D82A}">
-                    <a16:rowId xmlns:a16="http://schemas.microsoft.com/office/drawing/2014/main" val="2441072806"/>
-                  </a:ext>
-                </a:extLst>
-              </a:tr>
-              <a:tr h="175879">
-                <a:tc>
-                  <a:txBody>
-                    <a:bodyPr/>
-                    <a:lstStyle/>
-                    <a:p>
-                      <a:pPr algn="ctr" fontAlgn="ctr"/>
-                      <a:r>
-                        <a:rPr lang="en-US" sz="1000" b="0" i="0" u="none" strike="noStrike" dirty="0">
-                          <a:solidFill>
-                            <a:srgbClr val="000000"/>
-                          </a:solidFill>
-                          <a:effectLst/>
-                          <a:latin typeface="나눔스퀘어" panose="020B0600000101010101" pitchFamily="50" charset="-127"/>
-                          <a:ea typeface="나눔스퀘어" panose="020B0600000101010101" pitchFamily="50" charset="-127"/>
-                        </a:rPr>
-                        <a:t>Z</a:t>
-                      </a:r>
-                    </a:p>
-                  </a:txBody>
-                  <a:tcPr marL="9525" marR="9525" marT="9525" marB="0" anchor="ctr"/>
-                </a:tc>
-                <a:tc rowSpan="3">
-                  <a:txBody>
-                    <a:bodyPr/>
-                    <a:lstStyle/>
-                    <a:p>
-                      <a:pPr algn="ctr" fontAlgn="ctr"/>
-                      <a:r>
-                        <a:rPr lang="en-US" sz="1000" b="0" i="0" u="none" strike="noStrike" dirty="0">
-                          <a:solidFill>
-                            <a:srgbClr val="000000"/>
-                          </a:solidFill>
-                          <a:effectLst/>
-                          <a:latin typeface="나눔스퀘어" panose="020B0600000101010101" pitchFamily="50" charset="-127"/>
-                          <a:ea typeface="나눔스퀘어" panose="020B0600000101010101" pitchFamily="50" charset="-127"/>
-                        </a:rPr>
-                        <a:t>S, P</a:t>
-                      </a:r>
-                    </a:p>
-                  </a:txBody>
-                  <a:tcPr marL="9525" marR="9525" marT="9525" marB="0" anchor="ctr"/>
-                </a:tc>
-                <a:extLst>
-                  <a:ext uri="{0D108BD9-81ED-4DB2-BD59-A6C34878D82A}">
-                    <a16:rowId xmlns:a16="http://schemas.microsoft.com/office/drawing/2014/main" val="1552554414"/>
-                  </a:ext>
-                </a:extLst>
-              </a:tr>
-              <a:tr h="175879">
-                <a:tc>
-                  <a:txBody>
-                    <a:bodyPr/>
-                    <a:lstStyle/>
-                    <a:p>
-                      <a:pPr algn="ctr" fontAlgn="ctr"/>
-                      <a:r>
-                        <a:rPr lang="en-US" sz="1000" b="0" i="0" u="none" strike="noStrike" dirty="0">
-                          <a:solidFill>
-                            <a:srgbClr val="000000"/>
-                          </a:solidFill>
-                          <a:effectLst/>
-                          <a:latin typeface="나눔스퀘어" panose="020B0600000101010101" pitchFamily="50" charset="-127"/>
-                          <a:ea typeface="나눔스퀘어" panose="020B0600000101010101" pitchFamily="50" charset="-127"/>
-                        </a:rPr>
-                        <a:t>A</a:t>
-                      </a:r>
-                    </a:p>
-                  </a:txBody>
-                  <a:tcPr marL="9525" marR="9525" marT="9525" marB="0" anchor="ctr"/>
-                </a:tc>
-                <a:tc vMerge="1">
-                  <a:txBody>
-                    <a:bodyPr/>
-                    <a:lstStyle/>
-                    <a:p>
-                      <a:pPr algn="ctr" fontAlgn="ctr"/>
-                      <a:endParaRPr lang="en-US" sz="1000" b="0" i="0" u="none" strike="noStrike" dirty="0">
-                        <a:solidFill>
-                          <a:srgbClr val="000000"/>
-                        </a:solidFill>
-                        <a:effectLst/>
-                        <a:latin typeface="나눔스퀘어" panose="020B0600000101010101" pitchFamily="50" charset="-127"/>
-                        <a:ea typeface="나눔스퀘어" panose="020B0600000101010101" pitchFamily="50" charset="-127"/>
-                      </a:endParaRPr>
-                    </a:p>
-                  </a:txBody>
-                  <a:tcPr marL="9525" marR="9525" marT="9525" marB="0" anchor="ctr"/>
-                </a:tc>
-                <a:extLst>
-                  <a:ext uri="{0D108BD9-81ED-4DB2-BD59-A6C34878D82A}">
-                    <a16:rowId xmlns:a16="http://schemas.microsoft.com/office/drawing/2014/main" val="2089757954"/>
-                  </a:ext>
-                </a:extLst>
-              </a:tr>
-              <a:tr h="175879">
-                <a:tc>
-                  <a:txBody>
-                    <a:bodyPr/>
-                    <a:lstStyle/>
-                    <a:p>
-                      <a:pPr algn="ctr" fontAlgn="ctr"/>
-                      <a:r>
-                        <a:rPr lang="en-US" sz="1000" b="0" i="0" u="none" strike="noStrike" dirty="0">
-                          <a:solidFill>
-                            <a:srgbClr val="000000"/>
-                          </a:solidFill>
-                          <a:effectLst/>
-                          <a:latin typeface="나눔스퀘어" panose="020B0600000101010101" pitchFamily="50" charset="-127"/>
-                          <a:ea typeface="나눔스퀘어" panose="020B0600000101010101" pitchFamily="50" charset="-127"/>
-                        </a:rPr>
-                        <a:t>N</a:t>
-                      </a:r>
-                    </a:p>
-                  </a:txBody>
-                  <a:tcPr marL="9525" marR="9525" marT="9525" marB="0" anchor="ctr"/>
-                </a:tc>
-                <a:tc vMerge="1">
-                  <a:txBody>
-                    <a:bodyPr/>
-                    <a:lstStyle/>
-                    <a:p>
-                      <a:pPr algn="ctr" fontAlgn="ctr"/>
-                      <a:endParaRPr lang="en-US" sz="1000" b="0" i="0" u="none" strike="noStrike" dirty="0">
-                        <a:solidFill>
-                          <a:srgbClr val="000000"/>
-                        </a:solidFill>
-                        <a:effectLst/>
-                        <a:latin typeface="나눔스퀘어" panose="020B0600000101010101" pitchFamily="50" charset="-127"/>
-                        <a:ea typeface="나눔스퀘어" panose="020B0600000101010101" pitchFamily="50" charset="-127"/>
-                      </a:endParaRPr>
-                    </a:p>
-                  </a:txBody>
-                  <a:tcPr marL="9525" marR="9525" marT="9525" marB="0" anchor="ctr"/>
-                </a:tc>
-                <a:extLst>
-                  <a:ext uri="{0D108BD9-81ED-4DB2-BD59-A6C34878D82A}">
-                    <a16:rowId xmlns:a16="http://schemas.microsoft.com/office/drawing/2014/main" val="3816465000"/>
-                  </a:ext>
-                </a:extLst>
-              </a:tr>
-            </a:tbl>
-          </a:graphicData>
-        </a:graphic>
-      </p:graphicFrame>
-      <p:sp>
-        <p:nvSpPr>
-          <p:cNvPr id="52" name="직사각형 51">
-            <a:extLst>
-              <a:ext uri="{FF2B5EF4-FFF2-40B4-BE49-F238E27FC236}">
-                <a16:creationId xmlns:a16="http://schemas.microsoft.com/office/drawing/2014/main" id="{F5D0563B-640D-4EEC-A10B-12DC3B1F6423}"/>
-              </a:ext>
-            </a:extLst>
-          </p:cNvPr>
-          <p:cNvSpPr/>
-          <p:nvPr/>
-        </p:nvSpPr>
-        <p:spPr>
-          <a:xfrm>
-            <a:off x="1901981" y="1976801"/>
-            <a:ext cx="1653098" cy="307777"/>
-          </a:xfrm>
-          <a:prstGeom prst="rect">
-            <a:avLst/>
-          </a:prstGeom>
-        </p:spPr>
-        <p:txBody>
-          <a:bodyPr wrap="square">
-            <a:spAutoFit/>
-          </a:bodyPr>
-          <a:lstStyle/>
-          <a:p>
-            <a:pPr algn="ctr"/>
-            <a:r>
-              <a:rPr lang="ko-KR" altLang="en-US" sz="1400" dirty="0">
-                <a:latin typeface="나눔스퀘어" panose="020B0600000101010101" pitchFamily="50" charset="-127"/>
-                <a:ea typeface="나눔스퀘어" panose="020B0600000101010101" pitchFamily="50" charset="-127"/>
-              </a:rPr>
-              <a:t>시뮬레이션 정지</a:t>
-            </a:r>
-            <a:endParaRPr lang="en-US" altLang="ko-KR" sz="1400" dirty="0">
-              <a:latin typeface="나눔스퀘어" panose="020B0600000101010101" pitchFamily="50" charset="-127"/>
-              <a:ea typeface="나눔스퀘어" panose="020B0600000101010101" pitchFamily="50" charset="-127"/>
-            </a:endParaRPr>
-          </a:p>
-        </p:txBody>
-      </p:sp>
-      <p:sp>
-        <p:nvSpPr>
-          <p:cNvPr id="54" name="직사각형 53">
-            <a:extLst>
-              <a:ext uri="{FF2B5EF4-FFF2-40B4-BE49-F238E27FC236}">
-                <a16:creationId xmlns:a16="http://schemas.microsoft.com/office/drawing/2014/main" id="{A9D659FD-DBC4-451C-9ADD-4F62DEC3A9D4}"/>
-              </a:ext>
-            </a:extLst>
-          </p:cNvPr>
-          <p:cNvSpPr/>
-          <p:nvPr/>
-        </p:nvSpPr>
-        <p:spPr>
-          <a:xfrm>
-            <a:off x="8583986" y="2808055"/>
-            <a:ext cx="1653098" cy="307777"/>
-          </a:xfrm>
-          <a:prstGeom prst="rect">
-            <a:avLst/>
-          </a:prstGeom>
-        </p:spPr>
-        <p:txBody>
-          <a:bodyPr wrap="square">
-            <a:spAutoFit/>
-          </a:bodyPr>
-          <a:lstStyle/>
-          <a:p>
-            <a:pPr algn="ctr"/>
-            <a:r>
-              <a:rPr lang="ko-KR" altLang="en-US" sz="1400" dirty="0">
-                <a:latin typeface="나눔스퀘어" panose="020B0600000101010101" pitchFamily="50" charset="-127"/>
-                <a:ea typeface="나눔스퀘어" panose="020B0600000101010101" pitchFamily="50" charset="-127"/>
-              </a:rPr>
-              <a:t>시뮬레이션 정지</a:t>
-            </a:r>
-            <a:endParaRPr lang="en-US" altLang="ko-KR" sz="1400" dirty="0">
-              <a:latin typeface="나눔스퀘어" panose="020B0600000101010101" pitchFamily="50" charset="-127"/>
-              <a:ea typeface="나눔스퀘어" panose="020B0600000101010101" pitchFamily="50" charset="-127"/>
-            </a:endParaRPr>
-          </a:p>
-        </p:txBody>
-      </p:sp>
-      <p:sp>
-        <p:nvSpPr>
-          <p:cNvPr id="59" name="직사각형 58">
-            <a:extLst>
-              <a:ext uri="{FF2B5EF4-FFF2-40B4-BE49-F238E27FC236}">
-                <a16:creationId xmlns:a16="http://schemas.microsoft.com/office/drawing/2014/main" id="{0C10ECC0-3381-4175-9B14-D155361F833E}"/>
-              </a:ext>
-            </a:extLst>
-          </p:cNvPr>
-          <p:cNvSpPr/>
-          <p:nvPr/>
-        </p:nvSpPr>
-        <p:spPr>
-          <a:xfrm>
-            <a:off x="10223791" y="2248729"/>
-            <a:ext cx="1653098" cy="2410397"/>
-          </a:xfrm>
-          <a:prstGeom prst="rect">
-            <a:avLst/>
-          </a:prstGeom>
-          <a:noFill/>
-          <a:ln>
-            <a:solidFill>
-              <a:schemeClr val="tx1"/>
-            </a:solidFill>
-          </a:ln>
-        </p:spPr>
-        <p:style>
-          <a:lnRef idx="2">
-            <a:schemeClr val="accent1">
-              <a:shade val="50000"/>
-            </a:schemeClr>
-          </a:lnRef>
-          <a:fillRef idx="1">
-            <a:schemeClr val="accent1"/>
-          </a:fillRef>
-          <a:effectRef idx="0">
-            <a:schemeClr val="accent1"/>
-          </a:effectRef>
-          <a:fontRef idx="minor">
-            <a:schemeClr val="lt1"/>
-          </a:fontRef>
-        </p:style>
-        <p:txBody>
-          <a:bodyPr rtlCol="0" anchor="ctr"/>
-          <a:lstStyle/>
-          <a:p>
-            <a:pPr algn="ctr"/>
-            <a:endParaRPr lang="ko-KR" altLang="en-US" dirty="0">
-              <a:latin typeface="나눔스퀘어" panose="020B0600000101010101" pitchFamily="50" charset="-127"/>
-              <a:ea typeface="나눔스퀘어" panose="020B0600000101010101" pitchFamily="50" charset="-127"/>
-            </a:endParaRPr>
-          </a:p>
-        </p:txBody>
-      </p:sp>
-      <p:cxnSp>
-        <p:nvCxnSpPr>
-          <p:cNvPr id="61" name="직선 화살표 연결선 60">
-            <a:extLst>
-              <a:ext uri="{FF2B5EF4-FFF2-40B4-BE49-F238E27FC236}">
-                <a16:creationId xmlns:a16="http://schemas.microsoft.com/office/drawing/2014/main" id="{065D9067-096F-405D-B85F-34CFAD058FA4}"/>
-              </a:ext>
-            </a:extLst>
-          </p:cNvPr>
-          <p:cNvCxnSpPr>
-            <a:cxnSpLocks/>
-          </p:cNvCxnSpPr>
-          <p:nvPr/>
-        </p:nvCxnSpPr>
-        <p:spPr>
-          <a:xfrm flipH="1">
-            <a:off x="2138897" y="3724329"/>
-            <a:ext cx="7992000" cy="0"/>
-          </a:xfrm>
-          <a:prstGeom prst="straightConnector1">
-            <a:avLst/>
-          </a:prstGeom>
-          <a:ln>
-            <a:headEnd type="triangle" w="med" len="med"/>
-            <a:tailEnd type="none" w="med" len="med"/>
-          </a:ln>
-        </p:spPr>
-        <p:style>
-          <a:lnRef idx="1">
-            <a:schemeClr val="accent1"/>
-          </a:lnRef>
-          <a:fillRef idx="0">
-            <a:schemeClr val="accent1"/>
-          </a:fillRef>
-          <a:effectRef idx="0">
-            <a:schemeClr val="accent1"/>
-          </a:effectRef>
-          <a:fontRef idx="minor">
-            <a:schemeClr val="tx1"/>
-          </a:fontRef>
-        </p:style>
-      </p:cxnSp>
-      <p:sp>
-        <p:nvSpPr>
-          <p:cNvPr id="62" name="직사각형 61">
-            <a:extLst>
-              <a:ext uri="{FF2B5EF4-FFF2-40B4-BE49-F238E27FC236}">
-                <a16:creationId xmlns:a16="http://schemas.microsoft.com/office/drawing/2014/main" id="{F0DB0B6F-008A-4B55-8C3D-EF280790C0E9}"/>
-              </a:ext>
-            </a:extLst>
-          </p:cNvPr>
-          <p:cNvSpPr/>
-          <p:nvPr/>
-        </p:nvSpPr>
-        <p:spPr>
-          <a:xfrm>
-            <a:off x="3566525" y="3416552"/>
-            <a:ext cx="5663953" cy="307777"/>
-          </a:xfrm>
-          <a:prstGeom prst="rect">
-            <a:avLst/>
-          </a:prstGeom>
-        </p:spPr>
-        <p:txBody>
-          <a:bodyPr wrap="square">
-            <a:spAutoFit/>
-          </a:bodyPr>
-          <a:lstStyle/>
-          <a:p>
-            <a:pPr algn="ctr"/>
-            <a:r>
-              <a:rPr lang="en-US" altLang="ko-KR" sz="1400" dirty="0">
-                <a:latin typeface="나눔스퀘어" panose="020B0600000101010101" pitchFamily="50" charset="-127"/>
-                <a:ea typeface="나눔스퀘어" panose="020B0600000101010101" pitchFamily="50" charset="-127"/>
-              </a:rPr>
-              <a:t>[User Cmd] “ZS”</a:t>
-            </a:r>
-          </a:p>
-        </p:txBody>
-      </p:sp>
-      <p:grpSp>
-        <p:nvGrpSpPr>
-          <p:cNvPr id="63" name="그룹 62">
-            <a:extLst>
-              <a:ext uri="{FF2B5EF4-FFF2-40B4-BE49-F238E27FC236}">
-                <a16:creationId xmlns:a16="http://schemas.microsoft.com/office/drawing/2014/main" id="{3058EBC9-CBE4-4238-9BF6-C9FFE0D3633F}"/>
-              </a:ext>
-            </a:extLst>
-          </p:cNvPr>
-          <p:cNvGrpSpPr/>
-          <p:nvPr/>
-        </p:nvGrpSpPr>
-        <p:grpSpPr>
-          <a:xfrm>
-            <a:off x="2138897" y="4221219"/>
-            <a:ext cx="7991039" cy="307777"/>
-            <a:chOff x="2138897" y="3222319"/>
-            <a:chExt cx="7991039" cy="307777"/>
-          </a:xfrm>
-        </p:grpSpPr>
-        <p:cxnSp>
-          <p:nvCxnSpPr>
-            <p:cNvPr id="64" name="직선 화살표 연결선 63">
-              <a:extLst>
-                <a:ext uri="{FF2B5EF4-FFF2-40B4-BE49-F238E27FC236}">
-                  <a16:creationId xmlns:a16="http://schemas.microsoft.com/office/drawing/2014/main" id="{32C43B1E-4BD5-47CF-A402-107699EABEC2}"/>
-                </a:ext>
-              </a:extLst>
-            </p:cNvPr>
-            <p:cNvCxnSpPr>
-              <a:cxnSpLocks/>
-            </p:cNvCxnSpPr>
-            <p:nvPr/>
-          </p:nvCxnSpPr>
-          <p:spPr>
-            <a:xfrm flipH="1">
-              <a:off x="2138897" y="3530096"/>
-              <a:ext cx="7991039" cy="0"/>
-            </a:xfrm>
-            <a:prstGeom prst="straightConnector1">
-              <a:avLst/>
-            </a:prstGeom>
-            <a:ln>
-              <a:tailEnd type="triangle"/>
-            </a:ln>
-          </p:spPr>
-          <p:style>
-            <a:lnRef idx="1">
-              <a:schemeClr val="accent1"/>
-            </a:lnRef>
-            <a:fillRef idx="0">
-              <a:schemeClr val="accent1"/>
-            </a:fillRef>
-            <a:effectRef idx="0">
-              <a:schemeClr val="accent1"/>
-            </a:effectRef>
-            <a:fontRef idx="minor">
-              <a:schemeClr val="tx1"/>
-            </a:fontRef>
-          </p:style>
-        </p:cxnSp>
-        <p:sp>
-          <p:nvSpPr>
-            <p:cNvPr id="66" name="직사각형 65">
-              <a:extLst>
-                <a:ext uri="{FF2B5EF4-FFF2-40B4-BE49-F238E27FC236}">
-                  <a16:creationId xmlns:a16="http://schemas.microsoft.com/office/drawing/2014/main" id="{5A3EE99D-3B43-4C44-93C3-DE3F82D861CF}"/>
-                </a:ext>
-              </a:extLst>
-            </p:cNvPr>
-            <p:cNvSpPr/>
-            <p:nvPr/>
-          </p:nvSpPr>
-          <p:spPr>
-            <a:xfrm>
-              <a:off x="3709051" y="3222319"/>
-              <a:ext cx="5377939" cy="307777"/>
-            </a:xfrm>
-            <a:prstGeom prst="rect">
-              <a:avLst/>
-            </a:prstGeom>
-          </p:spPr>
-          <p:txBody>
-            <a:bodyPr wrap="square">
-              <a:spAutoFit/>
-            </a:bodyPr>
-            <a:lstStyle/>
-            <a:p>
-              <a:pPr algn="ctr"/>
-              <a:r>
-                <a:rPr lang="en-US" altLang="ko-KR" sz="1400" dirty="0">
-                  <a:latin typeface="나눔스퀘어" panose="020B0600000101010101" pitchFamily="50" charset="-127"/>
-                  <a:ea typeface="나눔스퀘어" panose="020B0600000101010101" pitchFamily="50" charset="-127"/>
-                </a:rPr>
-                <a:t>[ACK] “AS”</a:t>
-              </a:r>
-            </a:p>
-          </p:txBody>
-        </p:sp>
-      </p:grpSp>
-      <p:cxnSp>
-        <p:nvCxnSpPr>
-          <p:cNvPr id="67" name="직선 화살표 연결선 66">
-            <a:extLst>
-              <a:ext uri="{FF2B5EF4-FFF2-40B4-BE49-F238E27FC236}">
-                <a16:creationId xmlns:a16="http://schemas.microsoft.com/office/drawing/2014/main" id="{6DA4CD5D-4831-4709-8111-C3534D0DFEE1}"/>
-              </a:ext>
-            </a:extLst>
-          </p:cNvPr>
-          <p:cNvCxnSpPr>
-            <a:cxnSpLocks/>
-          </p:cNvCxnSpPr>
-          <p:nvPr/>
-        </p:nvCxnSpPr>
-        <p:spPr>
-          <a:xfrm flipH="1">
-            <a:off x="2126336" y="3879220"/>
-            <a:ext cx="8003600" cy="0"/>
-          </a:xfrm>
-          <a:prstGeom prst="straightConnector1">
-            <a:avLst/>
-          </a:prstGeom>
-          <a:ln>
-            <a:prstDash val="dash"/>
-            <a:tailEnd type="triangle"/>
-          </a:ln>
-        </p:spPr>
-        <p:style>
-          <a:lnRef idx="1">
-            <a:schemeClr val="accent1"/>
-          </a:lnRef>
-          <a:fillRef idx="0">
-            <a:schemeClr val="accent1"/>
-          </a:fillRef>
-          <a:effectRef idx="0">
-            <a:schemeClr val="accent1"/>
-          </a:effectRef>
-          <a:fontRef idx="minor">
-            <a:schemeClr val="tx1"/>
-          </a:fontRef>
-        </p:style>
-      </p:cxnSp>
-      <p:sp>
-        <p:nvSpPr>
-          <p:cNvPr id="68" name="직사각형 67">
-            <a:extLst>
-              <a:ext uri="{FF2B5EF4-FFF2-40B4-BE49-F238E27FC236}">
-                <a16:creationId xmlns:a16="http://schemas.microsoft.com/office/drawing/2014/main" id="{770A71DA-498C-460B-85A1-98957011AE2F}"/>
-              </a:ext>
-            </a:extLst>
-          </p:cNvPr>
-          <p:cNvSpPr/>
-          <p:nvPr/>
-        </p:nvSpPr>
-        <p:spPr>
-          <a:xfrm>
-            <a:off x="3709051" y="3913442"/>
-            <a:ext cx="5377939" cy="307777"/>
-          </a:xfrm>
-          <a:prstGeom prst="rect">
-            <a:avLst/>
-          </a:prstGeom>
-        </p:spPr>
-        <p:txBody>
-          <a:bodyPr wrap="square">
-            <a:spAutoFit/>
-          </a:bodyPr>
-          <a:lstStyle/>
-          <a:p>
-            <a:pPr algn="ctr"/>
-            <a:r>
-              <a:rPr lang="en-US" altLang="ko-KR" sz="1400" dirty="0">
-                <a:latin typeface="나눔스퀘어" panose="020B0600000101010101" pitchFamily="50" charset="-127"/>
-                <a:ea typeface="나눔스퀘어" panose="020B0600000101010101" pitchFamily="50" charset="-127"/>
-              </a:rPr>
-              <a:t>[NACK] “NS”</a:t>
-            </a:r>
-          </a:p>
-        </p:txBody>
-      </p:sp>
-      <p:sp>
-        <p:nvSpPr>
-          <p:cNvPr id="69" name="직사각형 68">
-            <a:extLst>
-              <a:ext uri="{FF2B5EF4-FFF2-40B4-BE49-F238E27FC236}">
-                <a16:creationId xmlns:a16="http://schemas.microsoft.com/office/drawing/2014/main" id="{04C232C3-2F4C-4F98-B213-8A9B5C72B3F0}"/>
-              </a:ext>
-            </a:extLst>
-          </p:cNvPr>
-          <p:cNvSpPr/>
-          <p:nvPr/>
-        </p:nvSpPr>
-        <p:spPr>
-          <a:xfrm>
-            <a:off x="1901981" y="3379058"/>
-            <a:ext cx="1653098" cy="307777"/>
-          </a:xfrm>
-          <a:prstGeom prst="rect">
-            <a:avLst/>
-          </a:prstGeom>
-        </p:spPr>
-        <p:txBody>
-          <a:bodyPr wrap="square">
-            <a:spAutoFit/>
-          </a:bodyPr>
-          <a:lstStyle/>
-          <a:p>
-            <a:pPr algn="ctr"/>
-            <a:r>
-              <a:rPr lang="ko-KR" altLang="en-US" sz="1400" dirty="0">
-                <a:latin typeface="나눔스퀘어" panose="020B0600000101010101" pitchFamily="50" charset="-127"/>
-                <a:ea typeface="나눔스퀘어" panose="020B0600000101010101" pitchFamily="50" charset="-127"/>
-              </a:rPr>
-              <a:t>시뮬레이션 재생</a:t>
-            </a:r>
-            <a:endParaRPr lang="en-US" altLang="ko-KR" sz="1400" dirty="0">
-              <a:latin typeface="나눔스퀘어" panose="020B0600000101010101" pitchFamily="50" charset="-127"/>
-              <a:ea typeface="나눔스퀘어" panose="020B0600000101010101" pitchFamily="50" charset="-127"/>
-            </a:endParaRPr>
-          </a:p>
-        </p:txBody>
-      </p:sp>
-      <p:sp>
-        <p:nvSpPr>
-          <p:cNvPr id="71" name="직사각형 70">
-            <a:extLst>
-              <a:ext uri="{FF2B5EF4-FFF2-40B4-BE49-F238E27FC236}">
-                <a16:creationId xmlns:a16="http://schemas.microsoft.com/office/drawing/2014/main" id="{8DC4425A-D2EC-467E-8A61-D169484969CF}"/>
-              </a:ext>
-            </a:extLst>
-          </p:cNvPr>
-          <p:cNvSpPr/>
-          <p:nvPr/>
-        </p:nvSpPr>
-        <p:spPr>
-          <a:xfrm>
-            <a:off x="8583986" y="4210312"/>
-            <a:ext cx="1653098" cy="307777"/>
-          </a:xfrm>
-          <a:prstGeom prst="rect">
-            <a:avLst/>
-          </a:prstGeom>
-        </p:spPr>
-        <p:txBody>
-          <a:bodyPr wrap="square">
-            <a:spAutoFit/>
-          </a:bodyPr>
-          <a:lstStyle/>
-          <a:p>
-            <a:pPr algn="ctr"/>
-            <a:r>
-              <a:rPr lang="ko-KR" altLang="en-US" sz="1400" dirty="0">
-                <a:latin typeface="나눔스퀘어" panose="020B0600000101010101" pitchFamily="50" charset="-127"/>
-                <a:ea typeface="나눔스퀘어" panose="020B0600000101010101" pitchFamily="50" charset="-127"/>
-              </a:rPr>
-              <a:t>시뮬레이션 재생</a:t>
-            </a:r>
-            <a:endParaRPr lang="en-US" altLang="ko-KR" sz="1400" dirty="0">
-              <a:latin typeface="나눔스퀘어" panose="020B0600000101010101" pitchFamily="50" charset="-127"/>
-              <a:ea typeface="나눔스퀘어" panose="020B0600000101010101" pitchFamily="50" charset="-127"/>
-            </a:endParaRPr>
-          </a:p>
-        </p:txBody>
-      </p:sp>
-      <p:cxnSp>
-        <p:nvCxnSpPr>
-          <p:cNvPr id="76" name="직선 화살표 연결선 75">
-            <a:extLst>
-              <a:ext uri="{FF2B5EF4-FFF2-40B4-BE49-F238E27FC236}">
-                <a16:creationId xmlns:a16="http://schemas.microsoft.com/office/drawing/2014/main" id="{B5EA9E15-0851-4AAD-BF2E-30F787AC406D}"/>
-              </a:ext>
-            </a:extLst>
-          </p:cNvPr>
-          <p:cNvCxnSpPr>
-            <a:cxnSpLocks/>
-          </p:cNvCxnSpPr>
-          <p:nvPr/>
-        </p:nvCxnSpPr>
-        <p:spPr>
-          <a:xfrm flipH="1">
-            <a:off x="2126336" y="2476963"/>
-            <a:ext cx="8003600" cy="0"/>
-          </a:xfrm>
-          <a:prstGeom prst="straightConnector1">
-            <a:avLst/>
-          </a:prstGeom>
-          <a:ln>
-            <a:prstDash val="dash"/>
-            <a:tailEnd type="triangle"/>
-          </a:ln>
-        </p:spPr>
-        <p:style>
-          <a:lnRef idx="1">
-            <a:schemeClr val="accent1"/>
-          </a:lnRef>
-          <a:fillRef idx="0">
-            <a:schemeClr val="accent1"/>
-          </a:fillRef>
-          <a:effectRef idx="0">
-            <a:schemeClr val="accent1"/>
-          </a:effectRef>
-          <a:fontRef idx="minor">
-            <a:schemeClr val="tx1"/>
-          </a:fontRef>
-        </p:style>
-      </p:cxnSp>
-      <p:grpSp>
-        <p:nvGrpSpPr>
-          <p:cNvPr id="30" name="그룹 29"/>
-          <p:cNvGrpSpPr/>
-          <p:nvPr/>
-        </p:nvGrpSpPr>
-        <p:grpSpPr>
-          <a:xfrm>
-            <a:off x="10064091" y="0"/>
-            <a:ext cx="2127909" cy="1243333"/>
-            <a:chOff x="10064091" y="0"/>
-            <a:chExt cx="2127909" cy="1243333"/>
-          </a:xfrm>
-        </p:grpSpPr>
-        <p:pic>
-          <p:nvPicPr>
-            <p:cNvPr id="31" name="그림 30"/>
-            <p:cNvPicPr>
-              <a:picLocks noChangeAspect="1"/>
-            </p:cNvPicPr>
-            <p:nvPr/>
-          </p:nvPicPr>
-          <p:blipFill>
-            <a:blip r:embed="rId2"/>
-            <a:stretch>
-              <a:fillRect/>
-            </a:stretch>
-          </p:blipFill>
-          <p:spPr>
-            <a:xfrm>
-              <a:off x="10067317" y="0"/>
-              <a:ext cx="2124683" cy="1243333"/>
-            </a:xfrm>
-            <a:prstGeom prst="rect">
-              <a:avLst/>
-            </a:prstGeom>
-          </p:spPr>
-        </p:pic>
-        <p:sp>
-          <p:nvSpPr>
-            <p:cNvPr id="32" name="직사각형 31"/>
-            <p:cNvSpPr/>
-            <p:nvPr/>
-          </p:nvSpPr>
-          <p:spPr>
-            <a:xfrm>
-              <a:off x="10064091" y="495300"/>
-              <a:ext cx="2127909" cy="748033"/>
-            </a:xfrm>
-            <a:prstGeom prst="rect">
-              <a:avLst/>
-            </a:prstGeom>
-            <a:noFill/>
-            <a:ln>
-              <a:solidFill>
-                <a:srgbClr val="FF0000"/>
-              </a:solidFill>
-              <a:prstDash val="dashDot"/>
-            </a:ln>
-          </p:spPr>
-          <p:style>
-            <a:lnRef idx="2">
-              <a:schemeClr val="accent1">
-                <a:shade val="50000"/>
-              </a:schemeClr>
-            </a:lnRef>
-            <a:fillRef idx="1">
-              <a:schemeClr val="accent1"/>
-            </a:fillRef>
-            <a:effectRef idx="0">
-              <a:schemeClr val="accent1"/>
-            </a:effectRef>
-            <a:fontRef idx="minor">
-              <a:schemeClr val="lt1"/>
-            </a:fontRef>
-          </p:style>
-          <p:txBody>
-            <a:bodyPr rtlCol="0" anchor="ctr"/>
-            <a:lstStyle/>
-            <a:p>
-              <a:pPr algn="ctr"/>
-              <a:endParaRPr lang="ko-KR" altLang="en-US"/>
-            </a:p>
-          </p:txBody>
-        </p:sp>
-      </p:grpSp>
-    </p:spTree>
-    <p:extLst>
-      <p:ext uri="{BB962C8B-B14F-4D97-AF65-F5344CB8AC3E}">
-        <p14:creationId xmlns:p14="http://schemas.microsoft.com/office/powerpoint/2010/main" val="2925192461"/>
-      </p:ext>
-    </p:extLst>
-  </p:cSld>
-  <p:clrMapOvr>
-    <a:masterClrMapping/>
-  </p:clrMapOvr>
-  <p:timing>
-    <p:tnLst>
-      <p:par>
-        <p:cTn id="1" dur="indefinite" restart="never" nodeType="tmRoot"/>
-      </p:par>
-    </p:tnLst>
-  </p:timing>
 </p:sld>
 </file>
 
